--- a/ML4SSA.pptx
+++ b/ML4SSA.pptx
@@ -5,21 +5,23 @@
     <p:sldMasterId id="2147483648" r:id="rId1"/>
   </p:sldMasterIdLst>
   <p:notesMasterIdLst>
-    <p:notesMasterId r:id="rId14"/>
+    <p:notesMasterId r:id="rId16"/>
   </p:notesMasterIdLst>
   <p:sldIdLst>
     <p:sldId id="256" r:id="rId2"/>
     <p:sldId id="257" r:id="rId3"/>
-    <p:sldId id="259" r:id="rId4"/>
-    <p:sldId id="263" r:id="rId5"/>
-    <p:sldId id="260" r:id="rId6"/>
-    <p:sldId id="261" r:id="rId7"/>
-    <p:sldId id="262" r:id="rId8"/>
-    <p:sldId id="265" r:id="rId9"/>
-    <p:sldId id="266" r:id="rId10"/>
-    <p:sldId id="264" r:id="rId11"/>
-    <p:sldId id="267" r:id="rId12"/>
-    <p:sldId id="268" r:id="rId13"/>
+    <p:sldId id="269" r:id="rId4"/>
+    <p:sldId id="259" r:id="rId5"/>
+    <p:sldId id="263" r:id="rId6"/>
+    <p:sldId id="260" r:id="rId7"/>
+    <p:sldId id="261" r:id="rId8"/>
+    <p:sldId id="262" r:id="rId9"/>
+    <p:sldId id="270" r:id="rId10"/>
+    <p:sldId id="265" r:id="rId11"/>
+    <p:sldId id="266" r:id="rId12"/>
+    <p:sldId id="264" r:id="rId13"/>
+    <p:sldId id="267" r:id="rId14"/>
+    <p:sldId id="268" r:id="rId15"/>
   </p:sldIdLst>
   <p:sldSz cx="12192000" cy="6858000"/>
   <p:notesSz cx="6858000" cy="9144000"/>
@@ -118,6 +120,14 @@
       </a:defRPr>
     </a:lvl9pPr>
   </p:defaultTextStyle>
+  <p:extLst>
+    <p:ext uri="{EFAFB233-063F-42B5-8137-9DF3F51BA10A}">
+      <p15:sldGuideLst xmlns:p15="http://schemas.microsoft.com/office/powerpoint/2012/main"/>
+    </p:ext>
+    <p:ext uri="{2D200454-40CA-4A62-9FC3-DE9A4176ACB9}">
+      <p15:notesGuideLst xmlns:p15="http://schemas.microsoft.com/office/powerpoint/2012/main"/>
+    </p:ext>
+  </p:extLst>
 </p:presentation>
 </file>
 
@@ -203,7 +213,7 @@
           <a:p>
             <a:fld id="{0386247E-E161-4A7D-8414-A680043B480C}" type="datetimeFigureOut">
               <a:rPr lang="en-US" smtClean="0"/>
-              <a:t>9/2/2018</a:t>
+              <a:t>9/6/2018</a:t>
             </a:fld>
             <a:endParaRPr lang="en-US"/>
           </a:p>
@@ -619,7 +629,7 @@
           <a:p>
             <a:fld id="{6957424D-6443-4BD4-B005-EE16AFA1F93E}" type="slidenum">
               <a:rPr lang="en-US" smtClean="0"/>
-              <a:t>3</a:t>
+              <a:t>4</a:t>
             </a:fld>
             <a:endParaRPr lang="en-US"/>
           </a:p>
@@ -703,7 +713,7 @@
           <a:p>
             <a:fld id="{6957424D-6443-4BD4-B005-EE16AFA1F93E}" type="slidenum">
               <a:rPr lang="en-US" smtClean="0"/>
-              <a:t>4</a:t>
+              <a:t>5</a:t>
             </a:fld>
             <a:endParaRPr lang="en-US"/>
           </a:p>
@@ -787,7 +797,7 @@
           <a:p>
             <a:fld id="{6957424D-6443-4BD4-B005-EE16AFA1F93E}" type="slidenum">
               <a:rPr lang="en-US" smtClean="0"/>
-              <a:t>5</a:t>
+              <a:t>6</a:t>
             </a:fld>
             <a:endParaRPr lang="en-US"/>
           </a:p>
@@ -874,7 +884,7 @@
           <a:p>
             <a:fld id="{6957424D-6443-4BD4-B005-EE16AFA1F93E}" type="slidenum">
               <a:rPr lang="en-US" smtClean="0"/>
-              <a:t>6</a:t>
+              <a:t>7</a:t>
             </a:fld>
             <a:endParaRPr lang="en-US"/>
           </a:p>
@@ -958,7 +968,7 @@
           <a:p>
             <a:fld id="{6957424D-6443-4BD4-B005-EE16AFA1F93E}" type="slidenum">
               <a:rPr lang="en-US" smtClean="0"/>
-              <a:t>7</a:t>
+              <a:t>8</a:t>
             </a:fld>
             <a:endParaRPr lang="en-US"/>
           </a:p>
@@ -1124,7 +1134,7 @@
           <a:p>
             <a:fld id="{71459950-B371-40CC-BAFD-4CFF20F72272}" type="datetimeFigureOut">
               <a:rPr lang="en-US" smtClean="0"/>
-              <a:t>9/2/2018</a:t>
+              <a:t>9/6/2018</a:t>
             </a:fld>
             <a:endParaRPr lang="en-US"/>
           </a:p>
@@ -1322,7 +1332,7 @@
           <a:p>
             <a:fld id="{71459950-B371-40CC-BAFD-4CFF20F72272}" type="datetimeFigureOut">
               <a:rPr lang="en-US" smtClean="0"/>
-              <a:t>9/2/2018</a:t>
+              <a:t>9/6/2018</a:t>
             </a:fld>
             <a:endParaRPr lang="en-US"/>
           </a:p>
@@ -1530,7 +1540,7 @@
           <a:p>
             <a:fld id="{71459950-B371-40CC-BAFD-4CFF20F72272}" type="datetimeFigureOut">
               <a:rPr lang="en-US" smtClean="0"/>
-              <a:t>9/2/2018</a:t>
+              <a:t>9/6/2018</a:t>
             </a:fld>
             <a:endParaRPr lang="en-US"/>
           </a:p>
@@ -1728,7 +1738,7 @@
           <a:p>
             <a:fld id="{71459950-B371-40CC-BAFD-4CFF20F72272}" type="datetimeFigureOut">
               <a:rPr lang="en-US" smtClean="0"/>
-              <a:t>9/2/2018</a:t>
+              <a:t>9/6/2018</a:t>
             </a:fld>
             <a:endParaRPr lang="en-US"/>
           </a:p>
@@ -2003,7 +2013,7 @@
           <a:p>
             <a:fld id="{71459950-B371-40CC-BAFD-4CFF20F72272}" type="datetimeFigureOut">
               <a:rPr lang="en-US" smtClean="0"/>
-              <a:t>9/2/2018</a:t>
+              <a:t>9/6/2018</a:t>
             </a:fld>
             <a:endParaRPr lang="en-US"/>
           </a:p>
@@ -2268,7 +2278,7 @@
           <a:p>
             <a:fld id="{71459950-B371-40CC-BAFD-4CFF20F72272}" type="datetimeFigureOut">
               <a:rPr lang="en-US" smtClean="0"/>
-              <a:t>9/2/2018</a:t>
+              <a:t>9/6/2018</a:t>
             </a:fld>
             <a:endParaRPr lang="en-US"/>
           </a:p>
@@ -2680,7 +2690,7 @@
           <a:p>
             <a:fld id="{71459950-B371-40CC-BAFD-4CFF20F72272}" type="datetimeFigureOut">
               <a:rPr lang="en-US" smtClean="0"/>
-              <a:t>9/2/2018</a:t>
+              <a:t>9/6/2018</a:t>
             </a:fld>
             <a:endParaRPr lang="en-US"/>
           </a:p>
@@ -2821,7 +2831,7 @@
           <a:p>
             <a:fld id="{71459950-B371-40CC-BAFD-4CFF20F72272}" type="datetimeFigureOut">
               <a:rPr lang="en-US" smtClean="0"/>
-              <a:t>9/2/2018</a:t>
+              <a:t>9/6/2018</a:t>
             </a:fld>
             <a:endParaRPr lang="en-US"/>
           </a:p>
@@ -2934,7 +2944,7 @@
           <a:p>
             <a:fld id="{71459950-B371-40CC-BAFD-4CFF20F72272}" type="datetimeFigureOut">
               <a:rPr lang="en-US" smtClean="0"/>
-              <a:t>9/2/2018</a:t>
+              <a:t>9/6/2018</a:t>
             </a:fld>
             <a:endParaRPr lang="en-US"/>
           </a:p>
@@ -3245,7 +3255,7 @@
           <a:p>
             <a:fld id="{71459950-B371-40CC-BAFD-4CFF20F72272}" type="datetimeFigureOut">
               <a:rPr lang="en-US" smtClean="0"/>
-              <a:t>9/2/2018</a:t>
+              <a:t>9/6/2018</a:t>
             </a:fld>
             <a:endParaRPr lang="en-US"/>
           </a:p>
@@ -3533,7 +3543,7 @@
           <a:p>
             <a:fld id="{71459950-B371-40CC-BAFD-4CFF20F72272}" type="datetimeFigureOut">
               <a:rPr lang="en-US" smtClean="0"/>
-              <a:t>9/2/2018</a:t>
+              <a:t>9/6/2018</a:t>
             </a:fld>
             <a:endParaRPr lang="en-US"/>
           </a:p>
@@ -3774,7 +3784,7 @@
           <a:p>
             <a:fld id="{71459950-B371-40CC-BAFD-4CFF20F72272}" type="datetimeFigureOut">
               <a:rPr lang="en-US" smtClean="0"/>
-              <a:t>9/2/2018</a:t>
+              <a:t>9/6/2018</a:t>
             </a:fld>
             <a:endParaRPr lang="en-US"/>
           </a:p>
@@ -4294,6 +4304,236 @@
           <a:chExt cx="0" cy="0"/>
         </a:xfrm>
       </p:grpSpPr>
+      <p:sp>
+        <p:nvSpPr>
+          <p:cNvPr id="2" name="Title 1">
+            <a:extLst>
+              <a:ext uri="{FF2B5EF4-FFF2-40B4-BE49-F238E27FC236}">
+                <a16:creationId xmlns:a16="http://schemas.microsoft.com/office/drawing/2014/main" id="{ECC9B202-80CE-4948-A80E-959B61F2A911}"/>
+              </a:ext>
+            </a:extLst>
+          </p:cNvPr>
+          <p:cNvSpPr>
+            <a:spLocks noGrp="1"/>
+          </p:cNvSpPr>
+          <p:nvPr>
+            <p:ph type="title"/>
+          </p:nvPr>
+        </p:nvSpPr>
+        <p:spPr/>
+        <p:txBody>
+          <a:bodyPr/>
+          <a:lstStyle/>
+          <a:p>
+            <a:r>
+              <a:rPr lang="en-US" dirty="0"/>
+              <a:t>Classification</a:t>
+            </a:r>
+          </a:p>
+        </p:txBody>
+      </p:sp>
+      <p:sp>
+        <p:nvSpPr>
+          <p:cNvPr id="3" name="Content Placeholder 2">
+            <a:extLst>
+              <a:ext uri="{FF2B5EF4-FFF2-40B4-BE49-F238E27FC236}">
+                <a16:creationId xmlns:a16="http://schemas.microsoft.com/office/drawing/2014/main" id="{73C5B286-A9F0-4B3E-8095-CAE1E58B7090}"/>
+              </a:ext>
+            </a:extLst>
+          </p:cNvPr>
+          <p:cNvSpPr>
+            <a:spLocks noGrp="1"/>
+          </p:cNvSpPr>
+          <p:nvPr>
+            <p:ph idx="1"/>
+          </p:nvPr>
+        </p:nvSpPr>
+        <p:spPr/>
+        <p:txBody>
+          <a:bodyPr>
+            <a:normAutofit fontScale="70000" lnSpcReduction="20000"/>
+          </a:bodyPr>
+          <a:lstStyle/>
+          <a:p>
+            <a:pPr marL="0" indent="0">
+              <a:buNone/>
+            </a:pPr>
+            <a:r>
+              <a:rPr lang="en-US" dirty="0"/>
+              <a:t>Rules of Thumb:</a:t>
+            </a:r>
+          </a:p>
+          <a:p>
+            <a:r>
+              <a:rPr lang="en-US" dirty="0"/>
+              <a:t>Avoid hand-selected/engineered features (at least initially)</a:t>
+            </a:r>
+          </a:p>
+          <a:p>
+            <a:r>
+              <a:rPr lang="en-US" dirty="0"/>
+              <a:t>Split train/test data based on some deterministic criteria</a:t>
+            </a:r>
+          </a:p>
+          <a:p>
+            <a:pPr lvl="1"/>
+            <a:r>
+              <a:rPr lang="en-US" dirty="0"/>
+              <a:t>For example, test samples are precisely those for which SAT_ID % 5 == 0. This helps to avoid accidently letting the same or equivalent examples fall into your train and test sets.</a:t>
+            </a:r>
+          </a:p>
+          <a:p>
+            <a:r>
+              <a:rPr lang="en-US" dirty="0"/>
+              <a:t>Be very careful with metrics and class imbalance.</a:t>
+            </a:r>
+          </a:p>
+          <a:p>
+            <a:pPr lvl="1"/>
+            <a:r>
+              <a:rPr lang="en-US" dirty="0"/>
+              <a:t>For example, if 95% of your data belongs to the same class, reporting a 96% accuracy needs some qualifications.</a:t>
+            </a:r>
+          </a:p>
+          <a:p>
+            <a:r>
+              <a:rPr lang="en-US" dirty="0"/>
+              <a:t>Identify a single-number metric to help simplify model comparisons.</a:t>
+            </a:r>
+          </a:p>
+          <a:p>
+            <a:r>
+              <a:rPr lang="en-US" dirty="0"/>
+              <a:t>Normalize your feature data.</a:t>
+            </a:r>
+          </a:p>
+          <a:p>
+            <a:r>
+              <a:rPr lang="en-US" dirty="0"/>
+              <a:t>Focus on the simplest version of a problem first and avoid extensive hyperparameter optimization until you can demonstrate that the most basic thing is working.</a:t>
+            </a:r>
+          </a:p>
+          <a:p>
+            <a:r>
+              <a:rPr lang="en-US" dirty="0"/>
+              <a:t>Make sure the model is learning the training data before even worrying about the test data. If your model can’t even memorize the training data well, either your problem is going to work or something else is broken.</a:t>
+            </a:r>
+          </a:p>
+        </p:txBody>
+      </p:sp>
+    </p:spTree>
+    <p:extLst>
+      <p:ext uri="{BB962C8B-B14F-4D97-AF65-F5344CB8AC3E}">
+        <p14:creationId xmlns:p14="http://schemas.microsoft.com/office/powerpoint/2010/main" val="1812924170"/>
+      </p:ext>
+    </p:extLst>
+  </p:cSld>
+  <p:clrMapOvr>
+    <a:masterClrMapping/>
+  </p:clrMapOvr>
+</p:sld>
+</file>
+
+<file path=ppt/slides/slide11.xml><?xml version="1.0" encoding="utf-8"?>
+<p:sld xmlns:a="http://schemas.openxmlformats.org/drawingml/2006/main" xmlns:r="http://schemas.openxmlformats.org/officeDocument/2006/relationships" xmlns:p="http://schemas.openxmlformats.org/presentationml/2006/main">
+  <p:cSld>
+    <p:spTree>
+      <p:nvGrpSpPr>
+        <p:cNvPr id="1" name=""/>
+        <p:cNvGrpSpPr/>
+        <p:nvPr/>
+      </p:nvGrpSpPr>
+      <p:grpSpPr>
+        <a:xfrm>
+          <a:off x="0" y="0"/>
+          <a:ext cx="0" cy="0"/>
+          <a:chOff x="0" y="0"/>
+          <a:chExt cx="0" cy="0"/>
+        </a:xfrm>
+      </p:grpSpPr>
+      <p:sp>
+        <p:nvSpPr>
+          <p:cNvPr id="2" name="Title 1">
+            <a:extLst>
+              <a:ext uri="{FF2B5EF4-FFF2-40B4-BE49-F238E27FC236}">
+                <a16:creationId xmlns:a16="http://schemas.microsoft.com/office/drawing/2014/main" id="{0E22603D-14F1-4117-A473-59E0C22862C3}"/>
+              </a:ext>
+            </a:extLst>
+          </p:cNvPr>
+          <p:cNvSpPr>
+            <a:spLocks noGrp="1"/>
+          </p:cNvSpPr>
+          <p:nvPr>
+            <p:ph type="title"/>
+          </p:nvPr>
+        </p:nvSpPr>
+        <p:spPr/>
+        <p:txBody>
+          <a:bodyPr/>
+          <a:lstStyle/>
+          <a:p>
+            <a:r>
+              <a:rPr lang="en-US" dirty="0"/>
+              <a:t>Convolutional Neural Networks</a:t>
+            </a:r>
+          </a:p>
+        </p:txBody>
+      </p:sp>
+      <p:sp>
+        <p:nvSpPr>
+          <p:cNvPr id="5" name="Text Placeholder 4">
+            <a:extLst>
+              <a:ext uri="{FF2B5EF4-FFF2-40B4-BE49-F238E27FC236}">
+                <a16:creationId xmlns:a16="http://schemas.microsoft.com/office/drawing/2014/main" id="{ABC9E725-B1B7-45D9-9C9A-5C7785D16D7B}"/>
+              </a:ext>
+            </a:extLst>
+          </p:cNvPr>
+          <p:cNvSpPr>
+            <a:spLocks noGrp="1"/>
+          </p:cNvSpPr>
+          <p:nvPr>
+            <p:ph type="body" idx="1"/>
+          </p:nvPr>
+        </p:nvSpPr>
+        <p:spPr/>
+        <p:txBody>
+          <a:bodyPr/>
+          <a:lstStyle/>
+          <a:p>
+            <a:endParaRPr lang="en-US"/>
+          </a:p>
+        </p:txBody>
+      </p:sp>
+    </p:spTree>
+    <p:extLst>
+      <p:ext uri="{BB962C8B-B14F-4D97-AF65-F5344CB8AC3E}">
+        <p14:creationId xmlns:p14="http://schemas.microsoft.com/office/powerpoint/2010/main" val="4180393728"/>
+      </p:ext>
+    </p:extLst>
+  </p:cSld>
+  <p:clrMapOvr>
+    <a:masterClrMapping/>
+  </p:clrMapOvr>
+</p:sld>
+</file>
+
+<file path=ppt/slides/slide12.xml><?xml version="1.0" encoding="utf-8"?>
+<p:sld xmlns:a="http://schemas.openxmlformats.org/drawingml/2006/main" xmlns:r="http://schemas.openxmlformats.org/officeDocument/2006/relationships" xmlns:p="http://schemas.openxmlformats.org/presentationml/2006/main">
+  <p:cSld>
+    <p:spTree>
+      <p:nvGrpSpPr>
+        <p:cNvPr id="1" name=""/>
+        <p:cNvGrpSpPr/>
+        <p:nvPr/>
+      </p:nvGrpSpPr>
+      <p:grpSpPr>
+        <a:xfrm>
+          <a:off x="0" y="0"/>
+          <a:ext cx="0" cy="0"/>
+          <a:chOff x="0" y="0"/>
+          <a:chExt cx="0" cy="0"/>
+        </a:xfrm>
+      </p:grpSpPr>
       <p:pic>
         <p:nvPicPr>
           <p:cNvPr id="9" name="Content Placeholder 8" descr="A picture containing tree&#10;&#10;Description generated with very high confidence">
@@ -4385,7 +4625,7 @@
 </p:sld>
 </file>
 
-<file path=ppt/slides/slide11.xml><?xml version="1.0" encoding="utf-8"?>
+<file path=ppt/slides/slide13.xml><?xml version="1.0" encoding="utf-8"?>
 <p:sld xmlns:a="http://schemas.openxmlformats.org/drawingml/2006/main" xmlns:r="http://schemas.openxmlformats.org/officeDocument/2006/relationships" xmlns:p="http://schemas.openxmlformats.org/presentationml/2006/main">
   <p:cSld>
     <p:spTree>
@@ -4511,7 +4751,7 @@
 </p:sld>
 </file>
 
-<file path=ppt/slides/slide12.xml><?xml version="1.0" encoding="utf-8"?>
+<file path=ppt/slides/slide14.xml><?xml version="1.0" encoding="utf-8"?>
 <p:sld xmlns:a="http://schemas.openxmlformats.org/drawingml/2006/main" xmlns:r="http://schemas.openxmlformats.org/officeDocument/2006/relationships" xmlns:p="http://schemas.openxmlformats.org/presentationml/2006/main">
   <p:cSld>
     <p:spTree>
@@ -4664,7 +4904,7 @@
           <a:p>
             <a:r>
               <a:rPr lang="en-US" dirty="0"/>
-              <a:t>Tooling (5m): Software and libraries for ML/DL</a:t>
+              <a:t>Tooling (&lt; 5m): Software and libraries for ML/DL</a:t>
             </a:r>
           </a:p>
           <a:p>
@@ -4767,7 +5007,7 @@
           <p:cNvPr id="2" name="Title 1">
             <a:extLst>
               <a:ext uri="{FF2B5EF4-FFF2-40B4-BE49-F238E27FC236}">
-                <a16:creationId xmlns:a16="http://schemas.microsoft.com/office/drawing/2014/main" id="{B19EFB1D-B591-450A-9BEB-4C165C6A95BD}"/>
+                <a16:creationId xmlns:a16="http://schemas.microsoft.com/office/drawing/2014/main" id="{B23575B7-DB72-487B-A8E5-1E51663A5079}"/>
               </a:ext>
             </a:extLst>
           </p:cNvPr>
@@ -4785,7 +5025,7 @@
           <a:p>
             <a:r>
               <a:rPr lang="en-US" dirty="0"/>
-              <a:t>Tooling for Machine/Deep Learning</a:t>
+              <a:t>Disclaimer</a:t>
             </a:r>
           </a:p>
         </p:txBody>
@@ -4795,7 +5035,7 @@
           <p:cNvPr id="3" name="Content Placeholder 2">
             <a:extLst>
               <a:ext uri="{FF2B5EF4-FFF2-40B4-BE49-F238E27FC236}">
-                <a16:creationId xmlns:a16="http://schemas.microsoft.com/office/drawing/2014/main" id="{F16D02D0-44D3-4A39-A8E0-83526D259CE7}"/>
+                <a16:creationId xmlns:a16="http://schemas.microsoft.com/office/drawing/2014/main" id="{40DEC478-4A88-4BAB-9D7B-82C53F7655A0}"/>
               </a:ext>
             </a:extLst>
           </p:cNvPr>
@@ -4808,125 +5048,45 @@
         </p:nvSpPr>
         <p:spPr/>
         <p:txBody>
-          <a:bodyPr>
-            <a:normAutofit fontScale="92500" lnSpcReduction="10000"/>
-          </a:bodyPr>
-          <a:lstStyle/>
-          <a:p>
-            <a:r>
-              <a:rPr lang="en-US" dirty="0"/>
-              <a:t>Primary Deep Learning platforms:</a:t>
+          <a:bodyPr/>
+          <a:lstStyle/>
+          <a:p>
+            <a:r>
+              <a:rPr lang="en-US" dirty="0"/>
+              <a:t>Examples are intended to help convey the workflow of a machine learning approach to a problem. They certainly aren’t intended as optimal solutions to real problems.</a:t>
+            </a:r>
+          </a:p>
+          <a:p>
+            <a:endParaRPr lang="en-US" dirty="0"/>
+          </a:p>
+          <a:p>
+            <a:r>
+              <a:rPr lang="en-US" dirty="0"/>
+              <a:t>All code can be found here:</a:t>
             </a:r>
           </a:p>
           <a:p>
             <a:pPr lvl="1"/>
             <a:r>
-              <a:rPr lang="en-US" dirty="0"/>
-              <a:t>TensorFlow (Google)</a:t>
-            </a:r>
-          </a:p>
-          <a:p>
-            <a:pPr lvl="1"/>
-            <a:r>
-              <a:rPr lang="en-US" dirty="0" err="1"/>
-              <a:t>PyTorch</a:t>
-            </a:r>
-            <a:r>
-              <a:rPr lang="en-US" dirty="0"/>
-              <a:t> / Caffe2 (Facebook with support from Nvidia)</a:t>
-            </a:r>
-          </a:p>
-          <a:p>
-            <a:pPr lvl="1"/>
-            <a:r>
-              <a:rPr lang="en-US" dirty="0" err="1"/>
-              <a:t>MXNet</a:t>
-            </a:r>
-            <a:r>
-              <a:rPr lang="en-US" dirty="0"/>
-              <a:t> (apache project with Amazon support)</a:t>
-            </a:r>
+              <a:rPr lang="en-US" dirty="0">
+                <a:hlinkClick r:id="rId2"/>
+              </a:rPr>
+              <a:t>https://github.com/PJ7668/ml-for-ssa</a:t>
+            </a:r>
+            <a:endParaRPr lang="en-US" dirty="0"/>
           </a:p>
           <a:p>
             <a:pPr marL="457200" lvl="1" indent="0">
               <a:buNone/>
             </a:pPr>
             <a:endParaRPr lang="en-US" dirty="0"/>
-          </a:p>
-          <a:p>
-            <a:r>
-              <a:rPr lang="en-US" dirty="0"/>
-              <a:t>Use whatever environment you already like.</a:t>
-            </a:r>
-          </a:p>
-          <a:p>
-            <a:pPr lvl="1"/>
-            <a:r>
-              <a:rPr lang="en-US" dirty="0"/>
-              <a:t>R (</a:t>
-            </a:r>
-            <a:r>
-              <a:rPr lang="en-US" dirty="0" err="1"/>
-              <a:t>keras</a:t>
-            </a:r>
-            <a:r>
-              <a:rPr lang="en-US" dirty="0"/>
-              <a:t> interface)</a:t>
-            </a:r>
-          </a:p>
-          <a:p>
-            <a:pPr lvl="1"/>
-            <a:r>
-              <a:rPr lang="en-US" dirty="0"/>
-              <a:t>MATLAB (Neural Networking Toolkit)</a:t>
-            </a:r>
-          </a:p>
-          <a:p>
-            <a:pPr lvl="1"/>
-            <a:r>
-              <a:rPr lang="en-US" dirty="0"/>
-              <a:t>Python (</a:t>
-            </a:r>
-            <a:r>
-              <a:rPr lang="en-US" dirty="0" err="1"/>
-              <a:t>keras+tensorflow</a:t>
-            </a:r>
-            <a:r>
-              <a:rPr lang="en-US" dirty="0"/>
-              <a:t> or </a:t>
-            </a:r>
-            <a:r>
-              <a:rPr lang="en-US" dirty="0" err="1"/>
-              <a:t>pytorch</a:t>
-            </a:r>
-            <a:r>
-              <a:rPr lang="en-US" dirty="0"/>
-              <a:t>)</a:t>
-            </a:r>
-          </a:p>
-          <a:p>
-            <a:pPr lvl="1"/>
-            <a:endParaRPr lang="en-US" dirty="0"/>
-          </a:p>
-          <a:p>
-            <a:r>
-              <a:rPr lang="en-US" dirty="0"/>
-              <a:t>Hardware:</a:t>
-            </a:r>
-          </a:p>
-          <a:p>
-            <a:pPr lvl="1"/>
-            <a:r>
-              <a:rPr lang="en-US" dirty="0"/>
-              <a:t>There may come a time you need a GPU, but you don’t need it to get started.</a:t>
-            </a:r>
           </a:p>
         </p:txBody>
       </p:sp>
     </p:spTree>
     <p:extLst>
       <p:ext uri="{BB962C8B-B14F-4D97-AF65-F5344CB8AC3E}">
-        <p14:creationId xmlns:p14="http://schemas.microsoft.com/office/powerpoint/2010/main" val="446307109"/>
+        <p14:creationId xmlns:p14="http://schemas.microsoft.com/office/powerpoint/2010/main" val="1078109396"/>
       </p:ext>
     </p:extLst>
   </p:cSld>
@@ -4958,7 +5118,7 @@
           <p:cNvPr id="2" name="Title 1">
             <a:extLst>
               <a:ext uri="{FF2B5EF4-FFF2-40B4-BE49-F238E27FC236}">
-                <a16:creationId xmlns:a16="http://schemas.microsoft.com/office/drawing/2014/main" id="{005AB2CD-3526-41D2-BDB0-A0BF2E6DDFC6}"/>
+                <a16:creationId xmlns:a16="http://schemas.microsoft.com/office/drawing/2014/main" id="{B19EFB1D-B591-450A-9BEB-4C165C6A95BD}"/>
               </a:ext>
             </a:extLst>
           </p:cNvPr>
@@ -4976,7 +5136,7 @@
           <a:p>
             <a:r>
               <a:rPr lang="en-US" dirty="0"/>
-              <a:t>Dimensionality Reduction Techniques</a:t>
+              <a:t>Tooling for Machine/Deep Learning</a:t>
             </a:r>
           </a:p>
         </p:txBody>
@@ -4986,7 +5146,7 @@
           <p:cNvPr id="3" name="Content Placeholder 2">
             <a:extLst>
               <a:ext uri="{FF2B5EF4-FFF2-40B4-BE49-F238E27FC236}">
-                <a16:creationId xmlns:a16="http://schemas.microsoft.com/office/drawing/2014/main" id="{E022CBBC-3667-4DD7-A4A2-B942E9ACAE7B}"/>
+                <a16:creationId xmlns:a16="http://schemas.microsoft.com/office/drawing/2014/main" id="{F16D02D0-44D3-4A39-A8E0-83526D259CE7}"/>
               </a:ext>
             </a:extLst>
           </p:cNvPr>
@@ -5000,64 +5160,131 @@
         <p:spPr/>
         <p:txBody>
           <a:bodyPr>
-            <a:normAutofit/>
+            <a:normAutofit fontScale="85000" lnSpcReduction="20000"/>
           </a:bodyPr>
           <a:lstStyle/>
           <a:p>
             <a:r>
               <a:rPr lang="en-US" dirty="0"/>
-              <a:t>ML tasks can have many possible input features.</a:t>
-            </a:r>
-          </a:p>
-          <a:p>
-            <a:r>
-              <a:rPr lang="en-US" dirty="0"/>
-              <a:t>Deep Learning Rule of Thumb:</a:t>
+              <a:t>Primary Deep Learning platforms:</a:t>
             </a:r>
           </a:p>
           <a:p>
             <a:pPr lvl="1"/>
             <a:r>
               <a:rPr lang="en-US" dirty="0"/>
-              <a:t>Avoid hand-selecting or engineering features.</a:t>
+              <a:t>TensorFlow (Google)</a:t>
             </a:r>
           </a:p>
           <a:p>
             <a:pPr lvl="1"/>
             <a:r>
-              <a:rPr lang="en-US" dirty="0"/>
-              <a:t>When practical, give neural network access to raw data to identify its own combinations of features.</a:t>
-            </a:r>
-          </a:p>
-          <a:p>
-            <a:r>
-              <a:rPr lang="en-US" dirty="0"/>
-              <a:t>However, using “all the features” is not always practical. Dimensionality reduction techniques can be useful for:</a:t>
+              <a:rPr lang="en-US" dirty="0" err="1"/>
+              <a:t>PyTorch</a:t>
+            </a:r>
+            <a:r>
+              <a:rPr lang="en-US" dirty="0"/>
+              <a:t> / Caffe2 (Facebook with support from Nvidia)</a:t>
             </a:r>
           </a:p>
           <a:p>
             <a:pPr lvl="1"/>
             <a:r>
-              <a:rPr lang="en-US" dirty="0"/>
-              <a:t>Visualization</a:t>
+              <a:rPr lang="en-US" dirty="0" err="1"/>
+              <a:t>MXNet</a:t>
+            </a:r>
+            <a:r>
+              <a:rPr lang="en-US" dirty="0"/>
+              <a:t> (apache project with Amazon support)</a:t>
+            </a:r>
+          </a:p>
+          <a:p>
+            <a:pPr marL="457200" lvl="1" indent="0">
+              <a:buNone/>
+            </a:pPr>
+            <a:endParaRPr lang="en-US" dirty="0"/>
+          </a:p>
+          <a:p>
+            <a:r>
+              <a:rPr lang="en-US" dirty="0"/>
+              <a:t>Use whatever environment you feel productive in:</a:t>
             </a:r>
           </a:p>
           <a:p>
             <a:pPr lvl="1"/>
             <a:r>
               <a:rPr lang="en-US" dirty="0"/>
-              <a:t>Reduce the feature space</a:t>
-            </a:r>
-          </a:p>
-          <a:p>
+              <a:t>R (</a:t>
+            </a:r>
+            <a:r>
+              <a:rPr lang="en-US" dirty="0" err="1"/>
+              <a:t>keras</a:t>
+            </a:r>
+            <a:r>
+              <a:rPr lang="en-US" dirty="0"/>
+              <a:t> interface)</a:t>
+            </a:r>
+          </a:p>
+          <a:p>
+            <a:pPr lvl="1"/>
+            <a:r>
+              <a:rPr lang="en-US" dirty="0"/>
+              <a:t>MATLAB (Neural Networking Toolkit)</a:t>
+            </a:r>
+          </a:p>
+          <a:p>
+            <a:pPr lvl="1"/>
+            <a:r>
+              <a:rPr lang="en-US" dirty="0"/>
+              <a:t>Python (</a:t>
+            </a:r>
+            <a:r>
+              <a:rPr lang="en-US" dirty="0" err="1"/>
+              <a:t>keras+tensorflow</a:t>
+            </a:r>
+            <a:r>
+              <a:rPr lang="en-US" dirty="0"/>
+              <a:t> or </a:t>
+            </a:r>
+            <a:r>
+              <a:rPr lang="en-US" dirty="0" err="1"/>
+              <a:t>pytorch</a:t>
+            </a:r>
+            <a:r>
+              <a:rPr lang="en-US" dirty="0"/>
+              <a:t>)</a:t>
+            </a:r>
+          </a:p>
+          <a:p>
+            <a:pPr lvl="1"/>
             <a:endParaRPr lang="en-US" dirty="0"/>
+          </a:p>
+          <a:p>
+            <a:r>
+              <a:rPr lang="en-US" dirty="0"/>
+              <a:t>Hardware:</a:t>
+            </a:r>
+          </a:p>
+          <a:p>
+            <a:pPr lvl="1"/>
+            <a:r>
+              <a:rPr lang="en-US" dirty="0"/>
+              <a:t>There may come a time you need a GPU, but you don’t need it to get started.</a:t>
+            </a:r>
+          </a:p>
+          <a:p>
+            <a:pPr lvl="1"/>
+            <a:r>
+              <a:rPr lang="en-US" dirty="0"/>
+              <a:t>When you do, you’ll almost certainly be wanting Nvidia hardware running their CUDA libraries, which are well optimized for deep learning on GPUs.</a:t>
+            </a:r>
           </a:p>
         </p:txBody>
       </p:sp>
     </p:spTree>
     <p:extLst>
       <p:ext uri="{BB962C8B-B14F-4D97-AF65-F5344CB8AC3E}">
-        <p14:creationId xmlns:p14="http://schemas.microsoft.com/office/powerpoint/2010/main" val="3483700798"/>
+        <p14:creationId xmlns:p14="http://schemas.microsoft.com/office/powerpoint/2010/main" val="446307109"/>
       </p:ext>
     </p:extLst>
   </p:cSld>
@@ -5089,7 +5316,7 @@
           <p:cNvPr id="2" name="Title 1">
             <a:extLst>
               <a:ext uri="{FF2B5EF4-FFF2-40B4-BE49-F238E27FC236}">
-                <a16:creationId xmlns:a16="http://schemas.microsoft.com/office/drawing/2014/main" id="{2757E5AD-552A-4B05-9F0B-4868732F3066}"/>
+                <a16:creationId xmlns:a16="http://schemas.microsoft.com/office/drawing/2014/main" id="{005AB2CD-3526-41D2-BDB0-A0BF2E6DDFC6}"/>
               </a:ext>
             </a:extLst>
           </p:cNvPr>
@@ -5112,113 +5339,83 @@
           </a:p>
         </p:txBody>
       </p:sp>
-      <p:pic>
-        <p:nvPicPr>
-          <p:cNvPr id="5" name="Content Placeholder 4" descr="A screenshot of a cell phone&#10;&#10;Description generated with high confidence">
-            <a:extLst>
-              <a:ext uri="{FF2B5EF4-FFF2-40B4-BE49-F238E27FC236}">
-                <a16:creationId xmlns:a16="http://schemas.microsoft.com/office/drawing/2014/main" id="{959645A2-47F4-43E9-AD3D-729EA7484027}"/>
-              </a:ext>
-            </a:extLst>
-          </p:cNvPr>
-          <p:cNvPicPr>
-            <a:picLocks noGrp="1" noChangeAspect="1"/>
-          </p:cNvPicPr>
+      <p:sp>
+        <p:nvSpPr>
+          <p:cNvPr id="3" name="Content Placeholder 2">
+            <a:extLst>
+              <a:ext uri="{FF2B5EF4-FFF2-40B4-BE49-F238E27FC236}">
+                <a16:creationId xmlns:a16="http://schemas.microsoft.com/office/drawing/2014/main" id="{E022CBBC-3667-4DD7-A4A2-B942E9ACAE7B}"/>
+              </a:ext>
+            </a:extLst>
+          </p:cNvPr>
+          <p:cNvSpPr>
+            <a:spLocks noGrp="1"/>
+          </p:cNvSpPr>
           <p:nvPr>
             <p:ph idx="1"/>
           </p:nvPr>
-        </p:nvPicPr>
-        <p:blipFill>
-          <a:blip r:embed="rId3">
-            <a:extLst>
-              <a:ext uri="{28A0092B-C50C-407E-A947-70E740481C1C}">
-                <a14:useLocalDpi xmlns:a14="http://schemas.microsoft.com/office/drawing/2010/main" val="0"/>
-              </a:ext>
-            </a:extLst>
-          </a:blip>
-          <a:stretch>
-            <a:fillRect/>
-          </a:stretch>
-        </p:blipFill>
-        <p:spPr>
-          <a:xfrm>
-            <a:off x="838200" y="1690688"/>
-            <a:ext cx="7430151" cy="4636612"/>
-          </a:xfrm>
-        </p:spPr>
-      </p:pic>
-      <p:sp>
-        <p:nvSpPr>
-          <p:cNvPr id="6" name="TextBox 5">
-            <a:extLst>
-              <a:ext uri="{FF2B5EF4-FFF2-40B4-BE49-F238E27FC236}">
-                <a16:creationId xmlns:a16="http://schemas.microsoft.com/office/drawing/2014/main" id="{3CEA6EED-2711-40A3-B430-D502367BCBA3}"/>
-              </a:ext>
-            </a:extLst>
-          </p:cNvPr>
-          <p:cNvSpPr txBox="1"/>
-          <p:nvPr/>
-        </p:nvSpPr>
-        <p:spPr>
-          <a:xfrm>
-            <a:off x="8551572" y="1647720"/>
-            <a:ext cx="3348507" cy="2308324"/>
-          </a:xfrm>
-          <a:prstGeom prst="rect">
-            <a:avLst/>
-          </a:prstGeom>
-          <a:noFill/>
-        </p:spPr>
-        <p:txBody>
-          <a:bodyPr wrap="square" rtlCol="0">
-            <a:spAutoFit/>
+        </p:nvSpPr>
+        <p:spPr/>
+        <p:txBody>
+          <a:bodyPr>
+            <a:normAutofit/>
           </a:bodyPr>
           <a:lstStyle/>
           <a:p>
             <a:r>
               <a:rPr lang="en-US" dirty="0"/>
-              <a:t>Sample TLE data.</a:t>
-            </a:r>
-            <a:br>
-              <a:rPr lang="en-US" dirty="0"/>
-            </a:br>
+              <a:t>ML tasks can have many possible input features.</a:t>
+            </a:r>
+          </a:p>
+          <a:p>
+            <a:r>
+              <a:rPr lang="en-US" dirty="0"/>
+              <a:t>Deep Learning Rule of Thumb:</a:t>
+            </a:r>
+          </a:p>
+          <a:p>
+            <a:pPr lvl="1"/>
+            <a:r>
+              <a:rPr lang="en-US" dirty="0"/>
+              <a:t>Avoid hand-selecting or engineering features.</a:t>
+            </a:r>
+          </a:p>
+          <a:p>
+            <a:pPr lvl="1"/>
+            <a:r>
+              <a:rPr lang="en-US" dirty="0"/>
+              <a:t>When practical, give neural network access to raw data to identify its own combinations of features.</a:t>
+            </a:r>
+          </a:p>
+          <a:p>
+            <a:r>
+              <a:rPr lang="en-US" dirty="0"/>
+              <a:t>However, using “all the features” is not always practical. Dimensionality reduction techniques can be useful for:</a:t>
+            </a:r>
+          </a:p>
+          <a:p>
+            <a:pPr lvl="1"/>
+            <a:r>
+              <a:rPr lang="en-US" dirty="0"/>
+              <a:t>Visualization</a:t>
+            </a:r>
+          </a:p>
+          <a:p>
+            <a:pPr lvl="1"/>
+            <a:r>
+              <a:rPr lang="en-US" dirty="0"/>
+              <a:t>Reduce the feature space</a:t>
+            </a:r>
+          </a:p>
+          <a:p>
             <a:endParaRPr lang="en-US" dirty="0"/>
-          </a:p>
-          <a:p>
-            <a:r>
-              <a:rPr lang="en-US" dirty="0"/>
-              <a:t>9 real valued fields</a:t>
-            </a:r>
-          </a:p>
-          <a:p>
-            <a:r>
-              <a:rPr lang="en-US" dirty="0"/>
-              <a:t>1 categorical field (group)</a:t>
-            </a:r>
-          </a:p>
-          <a:p>
-            <a:endParaRPr lang="en-US" dirty="0"/>
-          </a:p>
-          <a:p>
-            <a:r>
-              <a:rPr lang="en-US" dirty="0"/>
-              <a:t>“group” comes from the way </a:t>
-            </a:r>
-            <a:r>
-              <a:rPr lang="en-US" dirty="0" err="1"/>
-              <a:t>CelesTrak</a:t>
-            </a:r>
-            <a:r>
-              <a:rPr lang="en-US" dirty="0"/>
-              <a:t> categorized the given TLE.</a:t>
-            </a:r>
           </a:p>
         </p:txBody>
       </p:sp>
     </p:spTree>
     <p:extLst>
       <p:ext uri="{BB962C8B-B14F-4D97-AF65-F5344CB8AC3E}">
-        <p14:creationId xmlns:p14="http://schemas.microsoft.com/office/powerpoint/2010/main" val="2599186233"/>
+        <p14:creationId xmlns:p14="http://schemas.microsoft.com/office/powerpoint/2010/main" val="3483700798"/>
       </p:ext>
     </p:extLst>
   </p:cSld>
@@ -5245,19 +5442,49 @@
           <a:chExt cx="0" cy="0"/>
         </a:xfrm>
       </p:grpSpPr>
+      <p:sp>
+        <p:nvSpPr>
+          <p:cNvPr id="2" name="Title 1">
+            <a:extLst>
+              <a:ext uri="{FF2B5EF4-FFF2-40B4-BE49-F238E27FC236}">
+                <a16:creationId xmlns:a16="http://schemas.microsoft.com/office/drawing/2014/main" id="{2757E5AD-552A-4B05-9F0B-4868732F3066}"/>
+              </a:ext>
+            </a:extLst>
+          </p:cNvPr>
+          <p:cNvSpPr>
+            <a:spLocks noGrp="1"/>
+          </p:cNvSpPr>
+          <p:nvPr>
+            <p:ph type="title"/>
+          </p:nvPr>
+        </p:nvSpPr>
+        <p:spPr/>
+        <p:txBody>
+          <a:bodyPr/>
+          <a:lstStyle/>
+          <a:p>
+            <a:r>
+              <a:rPr lang="en-US" dirty="0"/>
+              <a:t>Dimensionality Reduction</a:t>
+            </a:r>
+          </a:p>
+        </p:txBody>
+      </p:sp>
       <p:pic>
         <p:nvPicPr>
-          <p:cNvPr id="16" name="Picture 15" descr="A close up of a map&#10;&#10;Description generated with high confidence">
-            <a:extLst>
-              <a:ext uri="{FF2B5EF4-FFF2-40B4-BE49-F238E27FC236}">
-                <a16:creationId xmlns:a16="http://schemas.microsoft.com/office/drawing/2014/main" id="{6E17C891-F704-4492-AF81-D89485BED9DD}"/>
+          <p:cNvPr id="5" name="Content Placeholder 4" descr="A screenshot of a cell phone&#10;&#10;Description generated with high confidence">
+            <a:extLst>
+              <a:ext uri="{FF2B5EF4-FFF2-40B4-BE49-F238E27FC236}">
+                <a16:creationId xmlns:a16="http://schemas.microsoft.com/office/drawing/2014/main" id="{959645A2-47F4-43E9-AD3D-729EA7484027}"/>
               </a:ext>
             </a:extLst>
           </p:cNvPr>
           <p:cNvPicPr>
-            <a:picLocks noChangeAspect="1"/>
+            <a:picLocks noGrp="1" noChangeAspect="1"/>
           </p:cNvPicPr>
-          <p:nvPr/>
+          <p:nvPr>
+            <p:ph idx="1"/>
+          </p:nvPr>
         </p:nvPicPr>
         <p:blipFill>
           <a:blip r:embed="rId3">
@@ -5273,55 +5500,17 @@
         </p:blipFill>
         <p:spPr>
           <a:xfrm>
-            <a:off x="5310757" y="4150125"/>
-            <a:ext cx="6123536" cy="2139008"/>
-          </a:xfrm>
-          <a:prstGeom prst="rect">
-            <a:avLst/>
-          </a:prstGeom>
-        </p:spPr>
-      </p:pic>
-      <p:pic>
-        <p:nvPicPr>
-          <p:cNvPr id="13" name="Content Placeholder 12" descr="A close up of a map&#10;&#10;Description generated with very high confidence">
-            <a:extLst>
-              <a:ext uri="{FF2B5EF4-FFF2-40B4-BE49-F238E27FC236}">
-                <a16:creationId xmlns:a16="http://schemas.microsoft.com/office/drawing/2014/main" id="{F3BF2446-A31C-4757-9E34-111CFD81EF1E}"/>
-              </a:ext>
-            </a:extLst>
-          </p:cNvPr>
-          <p:cNvPicPr>
-            <a:picLocks noGrp="1" noChangeAspect="1"/>
-          </p:cNvPicPr>
-          <p:nvPr>
-            <p:ph idx="1"/>
-          </p:nvPr>
-        </p:nvPicPr>
-        <p:blipFill>
-          <a:blip r:embed="rId4">
-            <a:extLst>
-              <a:ext uri="{28A0092B-C50C-407E-A947-70E740481C1C}">
-                <a14:useLocalDpi xmlns:a14="http://schemas.microsoft.com/office/drawing/2010/main" val="0"/>
-              </a:ext>
-            </a:extLst>
-          </a:blip>
-          <a:stretch>
-            <a:fillRect/>
-          </a:stretch>
-        </p:blipFill>
-        <p:spPr>
-          <a:xfrm>
-            <a:off x="727656" y="206397"/>
-            <a:ext cx="10736688" cy="3738670"/>
+            <a:off x="838200" y="1690688"/>
+            <a:ext cx="7430151" cy="4636612"/>
           </a:xfrm>
         </p:spPr>
       </p:pic>
       <p:sp>
         <p:nvSpPr>
-          <p:cNvPr id="14" name="TextBox 13">
-            <a:extLst>
-              <a:ext uri="{FF2B5EF4-FFF2-40B4-BE49-F238E27FC236}">
-                <a16:creationId xmlns:a16="http://schemas.microsoft.com/office/drawing/2014/main" id="{D09D8EB7-72D3-4B0D-8B5C-B37C9389FDC0}"/>
+          <p:cNvPr id="6" name="TextBox 5">
+            <a:extLst>
+              <a:ext uri="{FF2B5EF4-FFF2-40B4-BE49-F238E27FC236}">
+                <a16:creationId xmlns:a16="http://schemas.microsoft.com/office/drawing/2014/main" id="{3CEA6EED-2711-40A3-B430-D502367BCBA3}"/>
               </a:ext>
             </a:extLst>
           </p:cNvPr>
@@ -5330,8 +5519,8 @@
         </p:nvSpPr>
         <p:spPr>
           <a:xfrm>
-            <a:off x="757707" y="4150125"/>
-            <a:ext cx="4479334" cy="2308324"/>
+            <a:off x="8551572" y="1647720"/>
+            <a:ext cx="3348507" cy="2308324"/>
           </a:xfrm>
           <a:prstGeom prst="rect">
             <a:avLst/>
@@ -5344,46 +5533,42 @@
           </a:bodyPr>
           <a:lstStyle/>
           <a:p>
-            <a:pPr marL="285750" indent="-285750">
-              <a:buFont typeface="Arial" panose="020B0604020202020204" pitchFamily="34" charset="0"/>
-              <a:buChar char="•"/>
-            </a:pPr>
-            <a:r>
-              <a:rPr lang="en-US" dirty="0"/>
-              <a:t>2D embeddings of the 9D feature vectors</a:t>
-            </a:r>
-          </a:p>
-          <a:p>
-            <a:pPr marL="285750" indent="-285750">
-              <a:buFont typeface="Arial" panose="020B0604020202020204" pitchFamily="34" charset="0"/>
-              <a:buChar char="•"/>
-            </a:pPr>
-            <a:r>
-              <a:rPr lang="en-US" dirty="0"/>
-              <a:t>Group field mapped to color</a:t>
-            </a:r>
-          </a:p>
-          <a:p>
-            <a:pPr marL="285750" indent="-285750">
-              <a:buFont typeface="Arial" panose="020B0604020202020204" pitchFamily="34" charset="0"/>
-              <a:buChar char="•"/>
-            </a:pPr>
-            <a:r>
-              <a:rPr lang="en-US" dirty="0"/>
-              <a:t>(right) Just “planet” and “resource” groups</a:t>
-            </a:r>
-          </a:p>
-          <a:p>
-            <a:pPr marL="285750" indent="-285750">
-              <a:buFont typeface="Arial" panose="020B0604020202020204" pitchFamily="34" charset="0"/>
-              <a:buChar char="•"/>
-            </a:pPr>
+            <a:r>
+              <a:rPr lang="en-US" dirty="0"/>
+              <a:t>Sample TLE data.</a:t>
+            </a:r>
+            <a:br>
+              <a:rPr lang="en-US" dirty="0"/>
+            </a:br>
             <a:endParaRPr lang="en-US" dirty="0"/>
           </a:p>
           <a:p>
             <a:r>
               <a:rPr lang="en-US" dirty="0"/>
-              <a:t>The visualizations suggest we should be able to make some better-than-random guesses about the group field based just on the numeric fields.</a:t>
+              <a:t>9 real valued fields</a:t>
+            </a:r>
+          </a:p>
+          <a:p>
+            <a:r>
+              <a:rPr lang="en-US" dirty="0"/>
+              <a:t>1 categorical field (group)</a:t>
+            </a:r>
+          </a:p>
+          <a:p>
+            <a:endParaRPr lang="en-US" dirty="0"/>
+          </a:p>
+          <a:p>
+            <a:r>
+              <a:rPr lang="en-US" dirty="0"/>
+              <a:t>“group” comes from the way </a:t>
+            </a:r>
+            <a:r>
+              <a:rPr lang="en-US" dirty="0" err="1"/>
+              <a:t>CelesTrak</a:t>
+            </a:r>
+            <a:r>
+              <a:rPr lang="en-US" dirty="0"/>
+              <a:t> categorized the given TLE.</a:t>
             </a:r>
           </a:p>
         </p:txBody>
@@ -5391,7 +5576,7 @@
     </p:spTree>
     <p:extLst>
       <p:ext uri="{BB962C8B-B14F-4D97-AF65-F5344CB8AC3E}">
-        <p14:creationId xmlns:p14="http://schemas.microsoft.com/office/powerpoint/2010/main" val="1320120808"/>
+        <p14:creationId xmlns:p14="http://schemas.microsoft.com/office/powerpoint/2010/main" val="2599186233"/>
       </p:ext>
     </p:extLst>
   </p:cSld>
@@ -5418,139 +5603,145 @@
           <a:chExt cx="0" cy="0"/>
         </a:xfrm>
       </p:grpSpPr>
-      <p:sp>
-        <p:nvSpPr>
-          <p:cNvPr id="2" name="Title 1">
-            <a:extLst>
-              <a:ext uri="{FF2B5EF4-FFF2-40B4-BE49-F238E27FC236}">
-                <a16:creationId xmlns:a16="http://schemas.microsoft.com/office/drawing/2014/main" id="{E3AC361C-257F-4D6C-A685-21C8DCDCA1E0}"/>
-              </a:ext>
-            </a:extLst>
-          </p:cNvPr>
-          <p:cNvSpPr>
-            <a:spLocks noGrp="1"/>
-          </p:cNvSpPr>
-          <p:nvPr>
-            <p:ph type="title"/>
-          </p:nvPr>
-        </p:nvSpPr>
-        <p:spPr/>
-        <p:txBody>
-          <a:bodyPr/>
-          <a:lstStyle/>
-          <a:p>
-            <a:r>
-              <a:rPr lang="en-US" dirty="0"/>
-              <a:t>Classification</a:t>
-            </a:r>
-          </a:p>
-        </p:txBody>
-      </p:sp>
-      <p:sp>
-        <p:nvSpPr>
-          <p:cNvPr id="3" name="Content Placeholder 2">
-            <a:extLst>
-              <a:ext uri="{FF2B5EF4-FFF2-40B4-BE49-F238E27FC236}">
-                <a16:creationId xmlns:a16="http://schemas.microsoft.com/office/drawing/2014/main" id="{855D344C-4EB5-4C8B-980C-77375A99B607}"/>
-              </a:ext>
-            </a:extLst>
-          </p:cNvPr>
-          <p:cNvSpPr>
-            <a:spLocks noGrp="1"/>
-          </p:cNvSpPr>
+      <p:pic>
+        <p:nvPicPr>
+          <p:cNvPr id="16" name="Picture 15" descr="A close up of a map&#10;&#10;Description generated with high confidence">
+            <a:extLst>
+              <a:ext uri="{FF2B5EF4-FFF2-40B4-BE49-F238E27FC236}">
+                <a16:creationId xmlns:a16="http://schemas.microsoft.com/office/drawing/2014/main" id="{6E17C891-F704-4492-AF81-D89485BED9DD}"/>
+              </a:ext>
+            </a:extLst>
+          </p:cNvPr>
+          <p:cNvPicPr>
+            <a:picLocks noChangeAspect="1"/>
+          </p:cNvPicPr>
+          <p:nvPr/>
+        </p:nvPicPr>
+        <p:blipFill>
+          <a:blip r:embed="rId3">
+            <a:extLst>
+              <a:ext uri="{28A0092B-C50C-407E-A947-70E740481C1C}">
+                <a14:useLocalDpi xmlns:a14="http://schemas.microsoft.com/office/drawing/2010/main" val="0"/>
+              </a:ext>
+            </a:extLst>
+          </a:blip>
+          <a:stretch>
+            <a:fillRect/>
+          </a:stretch>
+        </p:blipFill>
+        <p:spPr>
+          <a:xfrm>
+            <a:off x="5310757" y="4150125"/>
+            <a:ext cx="6123536" cy="2139008"/>
+          </a:xfrm>
+          <a:prstGeom prst="rect">
+            <a:avLst/>
+          </a:prstGeom>
+        </p:spPr>
+      </p:pic>
+      <p:pic>
+        <p:nvPicPr>
+          <p:cNvPr id="13" name="Content Placeholder 12" descr="A close up of a map&#10;&#10;Description generated with very high confidence">
+            <a:extLst>
+              <a:ext uri="{FF2B5EF4-FFF2-40B4-BE49-F238E27FC236}">
+                <a16:creationId xmlns:a16="http://schemas.microsoft.com/office/drawing/2014/main" id="{F3BF2446-A31C-4757-9E34-111CFD81EF1E}"/>
+              </a:ext>
+            </a:extLst>
+          </p:cNvPr>
+          <p:cNvPicPr>
+            <a:picLocks noGrp="1" noChangeAspect="1"/>
+          </p:cNvPicPr>
           <p:nvPr>
             <p:ph idx="1"/>
           </p:nvPr>
-        </p:nvSpPr>
-        <p:spPr/>
-        <p:txBody>
-          <a:bodyPr>
-            <a:normAutofit/>
+        </p:nvPicPr>
+        <p:blipFill>
+          <a:blip r:embed="rId4">
+            <a:extLst>
+              <a:ext uri="{28A0092B-C50C-407E-A947-70E740481C1C}">
+                <a14:useLocalDpi xmlns:a14="http://schemas.microsoft.com/office/drawing/2010/main" val="0"/>
+              </a:ext>
+            </a:extLst>
+          </a:blip>
+          <a:stretch>
+            <a:fillRect/>
+          </a:stretch>
+        </p:blipFill>
+        <p:spPr>
+          <a:xfrm>
+            <a:off x="727656" y="206397"/>
+            <a:ext cx="10736688" cy="3738670"/>
+          </a:xfrm>
+        </p:spPr>
+      </p:pic>
+      <p:sp>
+        <p:nvSpPr>
+          <p:cNvPr id="14" name="TextBox 13">
+            <a:extLst>
+              <a:ext uri="{FF2B5EF4-FFF2-40B4-BE49-F238E27FC236}">
+                <a16:creationId xmlns:a16="http://schemas.microsoft.com/office/drawing/2014/main" id="{D09D8EB7-72D3-4B0D-8B5C-B37C9389FDC0}"/>
+              </a:ext>
+            </a:extLst>
+          </p:cNvPr>
+          <p:cNvSpPr txBox="1"/>
+          <p:nvPr/>
+        </p:nvSpPr>
+        <p:spPr>
+          <a:xfrm>
+            <a:off x="757707" y="4150125"/>
+            <a:ext cx="4479334" cy="2308324"/>
+          </a:xfrm>
+          <a:prstGeom prst="rect">
+            <a:avLst/>
+          </a:prstGeom>
+          <a:noFill/>
+        </p:spPr>
+        <p:txBody>
+          <a:bodyPr wrap="square" rtlCol="0">
+            <a:spAutoFit/>
           </a:bodyPr>
           <a:lstStyle/>
           <a:p>
-            <a:pPr marL="0" indent="0">
-              <a:buNone/>
+            <a:pPr marL="285750" indent="-285750">
+              <a:buFont typeface="Arial" panose="020B0604020202020204" pitchFamily="34" charset="0"/>
+              <a:buChar char="•"/>
             </a:pPr>
             <a:r>
               <a:rPr lang="en-US" dirty="0"/>
-              <a:t>Goal: Predict group field based on 9 TLE derived, numeric fields.</a:t>
-            </a:r>
-          </a:p>
-          <a:p>
-            <a:pPr marL="0" indent="0">
-              <a:buNone/>
+              <a:t>2D embeddings of the 9D feature vectors</a:t>
+            </a:r>
+          </a:p>
+          <a:p>
+            <a:pPr marL="285750" indent="-285750">
+              <a:buFont typeface="Arial" panose="020B0604020202020204" pitchFamily="34" charset="0"/>
+              <a:buChar char="•"/>
+            </a:pPr>
+            <a:r>
+              <a:rPr lang="en-US" dirty="0"/>
+              <a:t>Group field mapped to color</a:t>
+            </a:r>
+          </a:p>
+          <a:p>
+            <a:pPr marL="285750" indent="-285750">
+              <a:buFont typeface="Arial" panose="020B0604020202020204" pitchFamily="34" charset="0"/>
+              <a:buChar char="•"/>
+            </a:pPr>
+            <a:r>
+              <a:rPr lang="en-US" dirty="0"/>
+              <a:t>(right) Just “planet” and “resource” groups</a:t>
+            </a:r>
+          </a:p>
+          <a:p>
+            <a:pPr marL="285750" indent="-285750">
+              <a:buFont typeface="Arial" panose="020B0604020202020204" pitchFamily="34" charset="0"/>
+              <a:buChar char="•"/>
             </a:pPr>
             <a:endParaRPr lang="en-US" dirty="0"/>
           </a:p>
           <a:p>
-            <a:pPr marL="514350" indent="-514350">
-              <a:buFont typeface="+mj-lt"/>
-              <a:buAutoNum type="arabicPeriod"/>
-            </a:pPr>
-            <a:r>
-              <a:rPr lang="en-US" dirty="0"/>
-              <a:t>Split data into train, test, and validation sets</a:t>
-            </a:r>
-          </a:p>
-          <a:p>
-            <a:pPr marL="514350" indent="-514350">
-              <a:buFont typeface="+mj-lt"/>
-              <a:buAutoNum type="arabicPeriod"/>
-            </a:pPr>
-            <a:r>
-              <a:rPr lang="en-US" dirty="0"/>
-              <a:t>Choose a metric (preferably a single, real-valued number)</a:t>
-            </a:r>
-          </a:p>
-          <a:p>
-            <a:pPr marL="514350" indent="-514350">
-              <a:buFont typeface="+mj-lt"/>
-              <a:buAutoNum type="arabicPeriod"/>
-            </a:pPr>
-            <a:r>
-              <a:rPr lang="en-US" dirty="0"/>
-              <a:t>Choose a model</a:t>
-            </a:r>
-          </a:p>
-          <a:p>
-            <a:pPr marL="971550" lvl="1" indent="-514350">
-              <a:buFont typeface="+mj-lt"/>
-              <a:buAutoNum type="arabicPeriod"/>
-            </a:pPr>
-            <a:r>
-              <a:rPr lang="en-US" dirty="0"/>
-              <a:t>Train model on train set</a:t>
-            </a:r>
-          </a:p>
-          <a:p>
-            <a:pPr marL="971550" lvl="1" indent="-514350">
-              <a:buFont typeface="+mj-lt"/>
-              <a:buAutoNum type="arabicPeriod"/>
-            </a:pPr>
-            <a:r>
-              <a:rPr lang="en-US" dirty="0"/>
-              <a:t>Compute metric on test set</a:t>
-            </a:r>
-          </a:p>
-          <a:p>
-            <a:pPr marL="971550" lvl="1" indent="-514350">
-              <a:buFont typeface="+mj-lt"/>
-              <a:buAutoNum type="arabicPeriod"/>
-            </a:pPr>
-            <a:r>
-              <a:rPr lang="en-US" dirty="0"/>
-              <a:t>Adjust model and repeat</a:t>
-            </a:r>
-          </a:p>
-          <a:p>
-            <a:pPr marL="514350" indent="-514350">
-              <a:buFont typeface="+mj-lt"/>
-              <a:buAutoNum type="arabicPeriod"/>
-            </a:pPr>
-            <a:r>
-              <a:rPr lang="en-US" dirty="0"/>
-              <a:t>Evaluate model on validation set</a:t>
+            <a:r>
+              <a:rPr lang="en-US" dirty="0"/>
+              <a:t>The visualizations suggest we should be able to make some better-than-random guesses about the group field based just on the numeric fields.</a:t>
             </a:r>
           </a:p>
         </p:txBody>
@@ -5558,7 +5749,7 @@
     </p:spTree>
     <p:extLst>
       <p:ext uri="{BB962C8B-B14F-4D97-AF65-F5344CB8AC3E}">
-        <p14:creationId xmlns:p14="http://schemas.microsoft.com/office/powerpoint/2010/main" val="2194074296"/>
+        <p14:creationId xmlns:p14="http://schemas.microsoft.com/office/powerpoint/2010/main" val="1320120808"/>
       </p:ext>
     </p:extLst>
   </p:cSld>
@@ -5590,7 +5781,7 @@
           <p:cNvPr id="2" name="Title 1">
             <a:extLst>
               <a:ext uri="{FF2B5EF4-FFF2-40B4-BE49-F238E27FC236}">
-                <a16:creationId xmlns:a16="http://schemas.microsoft.com/office/drawing/2014/main" id="{ECC9B202-80CE-4948-A80E-959B61F2A911}"/>
+                <a16:creationId xmlns:a16="http://schemas.microsoft.com/office/drawing/2014/main" id="{E3AC361C-257F-4D6C-A685-21C8DCDCA1E0}"/>
               </a:ext>
             </a:extLst>
           </p:cNvPr>
@@ -5618,7 +5809,7 @@
           <p:cNvPr id="3" name="Content Placeholder 2">
             <a:extLst>
               <a:ext uri="{FF2B5EF4-FFF2-40B4-BE49-F238E27FC236}">
-                <a16:creationId xmlns:a16="http://schemas.microsoft.com/office/drawing/2014/main" id="{73C5B286-A9F0-4B3E-8095-CAE1E58B7090}"/>
+                <a16:creationId xmlns:a16="http://schemas.microsoft.com/office/drawing/2014/main" id="{855D344C-4EB5-4C8B-980C-77375A99B607}"/>
               </a:ext>
             </a:extLst>
           </p:cNvPr>
@@ -5631,7 +5822,9 @@
         </p:nvSpPr>
         <p:spPr/>
         <p:txBody>
-          <a:bodyPr/>
+          <a:bodyPr>
+            <a:normAutofit lnSpcReduction="10000"/>
+          </a:bodyPr>
           <a:lstStyle/>
           <a:p>
             <a:pPr marL="0" indent="0">
@@ -5639,7 +5832,92 @@
             </a:pPr>
             <a:r>
               <a:rPr lang="en-US" dirty="0"/>
-              <a:t>[ See Notebook for this Section ]</a:t>
+              <a:t>Goal: Predict group field based on 9 TLE derived, numeric fields.</a:t>
+            </a:r>
+          </a:p>
+          <a:p>
+            <a:pPr marL="0" indent="0">
+              <a:buNone/>
+            </a:pPr>
+            <a:endParaRPr lang="en-US" dirty="0"/>
+          </a:p>
+          <a:p>
+            <a:pPr marL="0" indent="0">
+              <a:buNone/>
+            </a:pPr>
+            <a:r>
+              <a:rPr lang="en-US" b="1" dirty="0"/>
+              <a:t>Machine Learning Work Flow</a:t>
+            </a:r>
+          </a:p>
+          <a:p>
+            <a:pPr marL="514350" indent="-514350">
+              <a:buFont typeface="+mj-lt"/>
+              <a:buAutoNum type="arabicPeriod"/>
+            </a:pPr>
+            <a:r>
+              <a:rPr lang="en-US" dirty="0"/>
+              <a:t>Split data into train, test, and validation sets</a:t>
+            </a:r>
+          </a:p>
+          <a:p>
+            <a:pPr marL="514350" indent="-514350">
+              <a:buFont typeface="+mj-lt"/>
+              <a:buAutoNum type="arabicPeriod"/>
+            </a:pPr>
+            <a:r>
+              <a:rPr lang="en-US" dirty="0"/>
+              <a:t>Choose a metric (preferably a single, real-valued number)</a:t>
+            </a:r>
+          </a:p>
+          <a:p>
+            <a:pPr marL="514350" indent="-514350">
+              <a:buFont typeface="+mj-lt"/>
+              <a:buAutoNum type="arabicPeriod"/>
+            </a:pPr>
+            <a:r>
+              <a:rPr lang="en-US" dirty="0"/>
+              <a:t>Choose a model</a:t>
+            </a:r>
+          </a:p>
+          <a:p>
+            <a:pPr marL="971550" lvl="1" indent="-514350">
+              <a:buFont typeface="+mj-lt"/>
+              <a:buAutoNum type="arabicPeriod"/>
+            </a:pPr>
+            <a:r>
+              <a:rPr lang="en-US" dirty="0"/>
+              <a:t>Train model on train set</a:t>
+            </a:r>
+          </a:p>
+          <a:p>
+            <a:pPr marL="971550" lvl="1" indent="-514350">
+              <a:buFont typeface="+mj-lt"/>
+              <a:buAutoNum type="arabicPeriod"/>
+            </a:pPr>
+            <a:r>
+              <a:rPr lang="en-US" dirty="0"/>
+              <a:t>Compute metric on test set</a:t>
+            </a:r>
+          </a:p>
+          <a:p>
+            <a:pPr marL="971550" lvl="1" indent="-514350">
+              <a:buFont typeface="+mj-lt"/>
+              <a:buAutoNum type="arabicPeriod"/>
+            </a:pPr>
+            <a:r>
+              <a:rPr lang="en-US" dirty="0"/>
+              <a:t>Adjust model and repeat</a:t>
+            </a:r>
+          </a:p>
+          <a:p>
+            <a:pPr marL="514350" indent="-514350">
+              <a:buFont typeface="+mj-lt"/>
+              <a:buAutoNum type="arabicPeriod"/>
+            </a:pPr>
+            <a:r>
+              <a:rPr lang="en-US" dirty="0"/>
+              <a:t>Evaluate model on validation set</a:t>
             </a:r>
           </a:p>
         </p:txBody>
@@ -5647,7 +5925,7 @@
     </p:spTree>
     <p:extLst>
       <p:ext uri="{BB962C8B-B14F-4D97-AF65-F5344CB8AC3E}">
-        <p14:creationId xmlns:p14="http://schemas.microsoft.com/office/powerpoint/2010/main" val="1812924170"/>
+        <p14:creationId xmlns:p14="http://schemas.microsoft.com/office/powerpoint/2010/main" val="2194074296"/>
       </p:ext>
     </p:extLst>
   </p:cSld>
@@ -5679,7 +5957,7 @@
           <p:cNvPr id="2" name="Title 1">
             <a:extLst>
               <a:ext uri="{FF2B5EF4-FFF2-40B4-BE49-F238E27FC236}">
-                <a16:creationId xmlns:a16="http://schemas.microsoft.com/office/drawing/2014/main" id="{0E22603D-14F1-4117-A473-59E0C22862C3}"/>
+                <a16:creationId xmlns:a16="http://schemas.microsoft.com/office/drawing/2014/main" id="{77073B25-638E-41C3-BF08-9BECE5E6D159}"/>
               </a:ext>
             </a:extLst>
           </p:cNvPr>
@@ -5697,40 +5975,127 @@
           <a:p>
             <a:r>
               <a:rPr lang="en-US" dirty="0"/>
-              <a:t>Convolutional Neural Networks</a:t>
-            </a:r>
-          </a:p>
-        </p:txBody>
-      </p:sp>
-      <p:sp>
-        <p:nvSpPr>
-          <p:cNvPr id="5" name="Text Placeholder 4">
-            <a:extLst>
-              <a:ext uri="{FF2B5EF4-FFF2-40B4-BE49-F238E27FC236}">
-                <a16:creationId xmlns:a16="http://schemas.microsoft.com/office/drawing/2014/main" id="{ABC9E725-B1B7-45D9-9C9A-5C7785D16D7B}"/>
-              </a:ext>
-            </a:extLst>
-          </p:cNvPr>
-          <p:cNvSpPr>
-            <a:spLocks noGrp="1"/>
-          </p:cNvSpPr>
-          <p:nvPr>
-            <p:ph type="body" idx="1"/>
-          </p:nvPr>
-        </p:nvSpPr>
-        <p:spPr/>
-        <p:txBody>
-          <a:bodyPr/>
-          <a:lstStyle/>
-          <a:p>
-            <a:endParaRPr lang="en-US"/>
+              <a:t>Vocabulary</a:t>
+            </a:r>
+          </a:p>
+        </p:txBody>
+      </p:sp>
+      <p:sp>
+        <p:nvSpPr>
+          <p:cNvPr id="3" name="Content Placeholder 2">
+            <a:extLst>
+              <a:ext uri="{FF2B5EF4-FFF2-40B4-BE49-F238E27FC236}">
+                <a16:creationId xmlns:a16="http://schemas.microsoft.com/office/drawing/2014/main" id="{A6A8D6DC-1844-4471-9B01-90755151DB0C}"/>
+              </a:ext>
+            </a:extLst>
+          </p:cNvPr>
+          <p:cNvSpPr>
+            <a:spLocks noGrp="1"/>
+          </p:cNvSpPr>
+          <p:nvPr>
+            <p:ph idx="1"/>
+          </p:nvPr>
+        </p:nvSpPr>
+        <p:spPr/>
+        <p:txBody>
+          <a:bodyPr>
+            <a:normAutofit fontScale="92500" lnSpcReduction="10000"/>
+          </a:bodyPr>
+          <a:lstStyle/>
+          <a:p>
+            <a:r>
+              <a:rPr lang="en-US" dirty="0"/>
+              <a:t>Train/Test/Validation Sets:</a:t>
+            </a:r>
+          </a:p>
+          <a:p>
+            <a:pPr lvl="1"/>
+            <a:r>
+              <a:rPr lang="en-US" dirty="0"/>
+              <a:t>Train: Data used to update model parameters.</a:t>
+            </a:r>
+          </a:p>
+          <a:p>
+            <a:pPr lvl="1"/>
+            <a:r>
+              <a:rPr lang="en-US" dirty="0"/>
+              <a:t>Test: Data used to update model hyper-</a:t>
+            </a:r>
+            <a:r>
+              <a:rPr lang="en-US" dirty="0" err="1"/>
+              <a:t>parmeters</a:t>
+            </a:r>
+            <a:r>
+              <a:rPr lang="en-US" dirty="0"/>
+              <a:t>.</a:t>
+            </a:r>
+          </a:p>
+          <a:p>
+            <a:pPr lvl="1"/>
+            <a:r>
+              <a:rPr lang="en-US" dirty="0"/>
+              <a:t>Validation: Data used to measure performance of selected model.</a:t>
+            </a:r>
+          </a:p>
+          <a:p>
+            <a:r>
+              <a:rPr lang="en-US" dirty="0"/>
+              <a:t>Training Vocabulary:</a:t>
+            </a:r>
+          </a:p>
+          <a:p>
+            <a:pPr lvl="1"/>
+            <a:r>
+              <a:rPr lang="en-US" dirty="0"/>
+              <a:t>Epoch – one full pass through test train set</a:t>
+            </a:r>
+          </a:p>
+          <a:p>
+            <a:pPr lvl="1"/>
+            <a:r>
+              <a:rPr lang="en-US" dirty="0"/>
+              <a:t>Batch Size – how many examples to evaluate at once. Typically, a </a:t>
+            </a:r>
+            <a:r>
+              <a:rPr lang="en-US" dirty="0" err="1"/>
+              <a:t>gradiant</a:t>
+            </a:r>
+            <a:r>
+              <a:rPr lang="en-US" dirty="0"/>
+              <a:t> is computed on this data.</a:t>
+            </a:r>
+          </a:p>
+          <a:p>
+            <a:pPr lvl="1"/>
+            <a:r>
+              <a:rPr lang="en-US" dirty="0"/>
+              <a:t>Loss – </a:t>
+            </a:r>
+            <a:r>
+              <a:rPr lang="en-US" i="1" dirty="0"/>
+              <a:t>differentiable</a:t>
+            </a:r>
+            <a:r>
+              <a:rPr lang="en-US" dirty="0"/>
+              <a:t> function comparing predictions and targets: model(x) vs y.</a:t>
+            </a:r>
+          </a:p>
+          <a:p>
+            <a:pPr lvl="1"/>
+            <a:r>
+              <a:rPr lang="en-US" dirty="0"/>
+              <a:t>Stochastic Gradient Descent (SGD) – the algorithm for efficiently updating model parameters by computing partial derivatives of loss(model(x), y) over a batch of samples.</a:t>
+            </a:r>
+          </a:p>
+          <a:p>
+            <a:endParaRPr lang="en-US" dirty="0"/>
           </a:p>
         </p:txBody>
       </p:sp>
     </p:spTree>
     <p:extLst>
       <p:ext uri="{BB962C8B-B14F-4D97-AF65-F5344CB8AC3E}">
-        <p14:creationId xmlns:p14="http://schemas.microsoft.com/office/powerpoint/2010/main" val="4180393728"/>
+        <p14:creationId xmlns:p14="http://schemas.microsoft.com/office/powerpoint/2010/main" val="3459832265"/>
       </p:ext>
     </p:extLst>
   </p:cSld>

--- a/ML4SSA.pptx
+++ b/ML4SSA.pptx
@@ -5,7 +5,7 @@
     <p:sldMasterId id="2147483648" r:id="rId1"/>
   </p:sldMasterIdLst>
   <p:notesMasterIdLst>
-    <p:notesMasterId r:id="rId16"/>
+    <p:notesMasterId r:id="rId22"/>
   </p:notesMasterIdLst>
   <p:sldIdLst>
     <p:sldId id="256" r:id="rId2"/>
@@ -16,12 +16,18 @@
     <p:sldId id="260" r:id="rId7"/>
     <p:sldId id="261" r:id="rId8"/>
     <p:sldId id="262" r:id="rId9"/>
-    <p:sldId id="270" r:id="rId10"/>
-    <p:sldId id="265" r:id="rId11"/>
-    <p:sldId id="266" r:id="rId12"/>
-    <p:sldId id="264" r:id="rId13"/>
-    <p:sldId id="267" r:id="rId14"/>
-    <p:sldId id="268" r:id="rId15"/>
+    <p:sldId id="271" r:id="rId10"/>
+    <p:sldId id="270" r:id="rId11"/>
+    <p:sldId id="265" r:id="rId12"/>
+    <p:sldId id="266" r:id="rId13"/>
+    <p:sldId id="264" r:id="rId14"/>
+    <p:sldId id="267" r:id="rId15"/>
+    <p:sldId id="268" r:id="rId16"/>
+    <p:sldId id="272" r:id="rId17"/>
+    <p:sldId id="276" r:id="rId18"/>
+    <p:sldId id="274" r:id="rId19"/>
+    <p:sldId id="273" r:id="rId20"/>
+    <p:sldId id="275" r:id="rId21"/>
   </p:sldIdLst>
   <p:sldSz cx="12192000" cy="6858000"/>
   <p:notesSz cx="6858000" cy="9144000"/>
@@ -213,7 +219,7 @@
           <a:p>
             <a:fld id="{0386247E-E161-4A7D-8414-A680043B480C}" type="datetimeFigureOut">
               <a:rPr lang="en-US" smtClean="0"/>
-              <a:t>9/6/2018</a:t>
+              <a:t>9/10/2018</a:t>
             </a:fld>
             <a:endParaRPr lang="en-US"/>
           </a:p>
@@ -1134,7 +1140,7 @@
           <a:p>
             <a:fld id="{71459950-B371-40CC-BAFD-4CFF20F72272}" type="datetimeFigureOut">
               <a:rPr lang="en-US" smtClean="0"/>
-              <a:t>9/6/2018</a:t>
+              <a:t>9/10/2018</a:t>
             </a:fld>
             <a:endParaRPr lang="en-US"/>
           </a:p>
@@ -1332,7 +1338,7 @@
           <a:p>
             <a:fld id="{71459950-B371-40CC-BAFD-4CFF20F72272}" type="datetimeFigureOut">
               <a:rPr lang="en-US" smtClean="0"/>
-              <a:t>9/6/2018</a:t>
+              <a:t>9/10/2018</a:t>
             </a:fld>
             <a:endParaRPr lang="en-US"/>
           </a:p>
@@ -1540,7 +1546,7 @@
           <a:p>
             <a:fld id="{71459950-B371-40CC-BAFD-4CFF20F72272}" type="datetimeFigureOut">
               <a:rPr lang="en-US" smtClean="0"/>
-              <a:t>9/6/2018</a:t>
+              <a:t>9/10/2018</a:t>
             </a:fld>
             <a:endParaRPr lang="en-US"/>
           </a:p>
@@ -1738,7 +1744,7 @@
           <a:p>
             <a:fld id="{71459950-B371-40CC-BAFD-4CFF20F72272}" type="datetimeFigureOut">
               <a:rPr lang="en-US" smtClean="0"/>
-              <a:t>9/6/2018</a:t>
+              <a:t>9/10/2018</a:t>
             </a:fld>
             <a:endParaRPr lang="en-US"/>
           </a:p>
@@ -2013,7 +2019,7 @@
           <a:p>
             <a:fld id="{71459950-B371-40CC-BAFD-4CFF20F72272}" type="datetimeFigureOut">
               <a:rPr lang="en-US" smtClean="0"/>
-              <a:t>9/6/2018</a:t>
+              <a:t>9/10/2018</a:t>
             </a:fld>
             <a:endParaRPr lang="en-US"/>
           </a:p>
@@ -2278,7 +2284,7 @@
           <a:p>
             <a:fld id="{71459950-B371-40CC-BAFD-4CFF20F72272}" type="datetimeFigureOut">
               <a:rPr lang="en-US" smtClean="0"/>
-              <a:t>9/6/2018</a:t>
+              <a:t>9/10/2018</a:t>
             </a:fld>
             <a:endParaRPr lang="en-US"/>
           </a:p>
@@ -2690,7 +2696,7 @@
           <a:p>
             <a:fld id="{71459950-B371-40CC-BAFD-4CFF20F72272}" type="datetimeFigureOut">
               <a:rPr lang="en-US" smtClean="0"/>
-              <a:t>9/6/2018</a:t>
+              <a:t>9/10/2018</a:t>
             </a:fld>
             <a:endParaRPr lang="en-US"/>
           </a:p>
@@ -2831,7 +2837,7 @@
           <a:p>
             <a:fld id="{71459950-B371-40CC-BAFD-4CFF20F72272}" type="datetimeFigureOut">
               <a:rPr lang="en-US" smtClean="0"/>
-              <a:t>9/6/2018</a:t>
+              <a:t>9/10/2018</a:t>
             </a:fld>
             <a:endParaRPr lang="en-US"/>
           </a:p>
@@ -2944,7 +2950,7 @@
           <a:p>
             <a:fld id="{71459950-B371-40CC-BAFD-4CFF20F72272}" type="datetimeFigureOut">
               <a:rPr lang="en-US" smtClean="0"/>
-              <a:t>9/6/2018</a:t>
+              <a:t>9/10/2018</a:t>
             </a:fld>
             <a:endParaRPr lang="en-US"/>
           </a:p>
@@ -3255,7 +3261,7 @@
           <a:p>
             <a:fld id="{71459950-B371-40CC-BAFD-4CFF20F72272}" type="datetimeFigureOut">
               <a:rPr lang="en-US" smtClean="0"/>
-              <a:t>9/6/2018</a:t>
+              <a:t>9/10/2018</a:t>
             </a:fld>
             <a:endParaRPr lang="en-US"/>
           </a:p>
@@ -3543,7 +3549,7 @@
           <a:p>
             <a:fld id="{71459950-B371-40CC-BAFD-4CFF20F72272}" type="datetimeFigureOut">
               <a:rPr lang="en-US" smtClean="0"/>
-              <a:t>9/6/2018</a:t>
+              <a:t>9/10/2018</a:t>
             </a:fld>
             <a:endParaRPr lang="en-US"/>
           </a:p>
@@ -3784,7 +3790,7 @@
           <a:p>
             <a:fld id="{71459950-B371-40CC-BAFD-4CFF20F72272}" type="datetimeFigureOut">
               <a:rPr lang="en-US" smtClean="0"/>
-              <a:t>9/6/2018</a:t>
+              <a:t>9/10/2018</a:t>
             </a:fld>
             <a:endParaRPr lang="en-US"/>
           </a:p>
@@ -4309,7 +4315,7 @@
           <p:cNvPr id="2" name="Title 1">
             <a:extLst>
               <a:ext uri="{FF2B5EF4-FFF2-40B4-BE49-F238E27FC236}">
-                <a16:creationId xmlns:a16="http://schemas.microsoft.com/office/drawing/2014/main" id="{ECC9B202-80CE-4948-A80E-959B61F2A911}"/>
+                <a16:creationId xmlns:a16="http://schemas.microsoft.com/office/drawing/2014/main" id="{77073B25-638E-41C3-BF08-9BECE5E6D159}"/>
               </a:ext>
             </a:extLst>
           </p:cNvPr>
@@ -4327,7 +4333,7 @@
           <a:p>
             <a:r>
               <a:rPr lang="en-US" dirty="0"/>
-              <a:t>Classification</a:t>
+              <a:t>Summary of TLE Example</a:t>
             </a:r>
           </a:p>
         </p:txBody>
@@ -4337,7 +4343,7 @@
           <p:cNvPr id="3" name="Content Placeholder 2">
             <a:extLst>
               <a:ext uri="{FF2B5EF4-FFF2-40B4-BE49-F238E27FC236}">
-                <a16:creationId xmlns:a16="http://schemas.microsoft.com/office/drawing/2014/main" id="{73C5B286-A9F0-4B3E-8095-CAE1E58B7090}"/>
+                <a16:creationId xmlns:a16="http://schemas.microsoft.com/office/drawing/2014/main" id="{A6A8D6DC-1844-4471-9B01-90755151DB0C}"/>
               </a:ext>
             </a:extLst>
           </p:cNvPr>
@@ -4351,80 +4357,103 @@
         <p:spPr/>
         <p:txBody>
           <a:bodyPr>
-            <a:normAutofit fontScale="70000" lnSpcReduction="20000"/>
+            <a:normAutofit fontScale="92500" lnSpcReduction="10000"/>
           </a:bodyPr>
           <a:lstStyle/>
           <a:p>
-            <a:pPr marL="0" indent="0">
-              <a:buNone/>
-            </a:pPr>
-            <a:r>
-              <a:rPr lang="en-US" dirty="0"/>
-              <a:t>Rules of Thumb:</a:t>
-            </a:r>
-          </a:p>
-          <a:p>
-            <a:r>
-              <a:rPr lang="en-US" dirty="0"/>
-              <a:t>Avoid hand-selected/engineered features (at least initially)</a:t>
-            </a:r>
-          </a:p>
-          <a:p>
-            <a:r>
-              <a:rPr lang="en-US" dirty="0"/>
-              <a:t>Split train/test data based on some deterministic criteria</a:t>
+            <a:r>
+              <a:rPr lang="en-US" dirty="0"/>
+              <a:t>Train/Test/Validation Sets:</a:t>
             </a:r>
           </a:p>
           <a:p>
             <a:pPr lvl="1"/>
             <a:r>
               <a:rPr lang="en-US" dirty="0"/>
-              <a:t>For example, test samples are precisely those for which SAT_ID % 5 == 0. This helps to avoid accidently letting the same or equivalent examples fall into your train and test sets.</a:t>
-            </a:r>
-          </a:p>
-          <a:p>
-            <a:r>
-              <a:rPr lang="en-US" dirty="0"/>
-              <a:t>Be very careful with metrics and class imbalance.</a:t>
+              <a:t>Train: Data used to update model parameters.</a:t>
             </a:r>
           </a:p>
           <a:p>
             <a:pPr lvl="1"/>
             <a:r>
               <a:rPr lang="en-US" dirty="0"/>
-              <a:t>For example, if 95% of your data belongs to the same class, reporting a 96% accuracy needs some qualifications.</a:t>
-            </a:r>
-          </a:p>
-          <a:p>
-            <a:r>
-              <a:rPr lang="en-US" dirty="0"/>
-              <a:t>Identify a single-number metric to help simplify model comparisons.</a:t>
-            </a:r>
-          </a:p>
-          <a:p>
-            <a:r>
-              <a:rPr lang="en-US" dirty="0"/>
-              <a:t>Normalize your feature data.</a:t>
-            </a:r>
-          </a:p>
-          <a:p>
-            <a:r>
-              <a:rPr lang="en-US" dirty="0"/>
-              <a:t>Focus on the simplest version of a problem first and avoid extensive hyperparameter optimization until you can demonstrate that the most basic thing is working.</a:t>
-            </a:r>
-          </a:p>
-          <a:p>
-            <a:r>
-              <a:rPr lang="en-US" dirty="0"/>
-              <a:t>Make sure the model is learning the training data before even worrying about the test data. If your model can’t even memorize the training data well, either your problem is going to work or something else is broken.</a:t>
-            </a:r>
+              <a:t>Test: Data used to update model hyper-</a:t>
+            </a:r>
+            <a:r>
+              <a:rPr lang="en-US" dirty="0" err="1"/>
+              <a:t>parmeters</a:t>
+            </a:r>
+            <a:r>
+              <a:rPr lang="en-US" dirty="0"/>
+              <a:t>.</a:t>
+            </a:r>
+          </a:p>
+          <a:p>
+            <a:pPr lvl="1"/>
+            <a:r>
+              <a:rPr lang="en-US" dirty="0"/>
+              <a:t>Validation: Data used to measure performance of selected model.</a:t>
+            </a:r>
+          </a:p>
+          <a:p>
+            <a:r>
+              <a:rPr lang="en-US" dirty="0"/>
+              <a:t>Training Vocabulary:</a:t>
+            </a:r>
+          </a:p>
+          <a:p>
+            <a:pPr lvl="1"/>
+            <a:r>
+              <a:rPr lang="en-US" dirty="0"/>
+              <a:t>Epoch – one full pass through test train set</a:t>
+            </a:r>
+          </a:p>
+          <a:p>
+            <a:pPr lvl="1"/>
+            <a:r>
+              <a:rPr lang="en-US" dirty="0"/>
+              <a:t>Batch Size – how many examples to evaluate at once. Typically, a </a:t>
+            </a:r>
+            <a:r>
+              <a:rPr lang="en-US" dirty="0" err="1"/>
+              <a:t>gradiant</a:t>
+            </a:r>
+            <a:r>
+              <a:rPr lang="en-US" dirty="0"/>
+              <a:t> is computed on this data.</a:t>
+            </a:r>
+          </a:p>
+          <a:p>
+            <a:pPr lvl="1"/>
+            <a:r>
+              <a:rPr lang="en-US" dirty="0"/>
+              <a:t>Loss – </a:t>
+            </a:r>
+            <a:r>
+              <a:rPr lang="en-US" i="1" dirty="0"/>
+              <a:t>differentiable</a:t>
+            </a:r>
+            <a:r>
+              <a:rPr lang="en-US" dirty="0"/>
+              <a:t> function comparing predictions and targets: model(x) vs y.</a:t>
+            </a:r>
+          </a:p>
+          <a:p>
+            <a:pPr lvl="1"/>
+            <a:r>
+              <a:rPr lang="en-US" dirty="0"/>
+              <a:t>Stochastic Gradient Descent (SGD) – the algorithm for efficiently updating model parameters by computing partial derivatives of loss(model(x), y) over a batch of samples.</a:t>
+            </a:r>
+          </a:p>
+          <a:p>
+            <a:endParaRPr lang="en-US" dirty="0"/>
           </a:p>
         </p:txBody>
       </p:sp>
     </p:spTree>
     <p:extLst>
       <p:ext uri="{BB962C8B-B14F-4D97-AF65-F5344CB8AC3E}">
-        <p14:creationId xmlns:p14="http://schemas.microsoft.com/office/powerpoint/2010/main" val="1812924170"/>
+        <p14:creationId xmlns:p14="http://schemas.microsoft.com/office/powerpoint/2010/main" val="3459832265"/>
       </p:ext>
     </p:extLst>
   </p:cSld>
@@ -4456,7 +4485,7 @@
           <p:cNvPr id="2" name="Title 1">
             <a:extLst>
               <a:ext uri="{FF2B5EF4-FFF2-40B4-BE49-F238E27FC236}">
-                <a16:creationId xmlns:a16="http://schemas.microsoft.com/office/drawing/2014/main" id="{0E22603D-14F1-4117-A473-59E0C22862C3}"/>
+                <a16:creationId xmlns:a16="http://schemas.microsoft.com/office/drawing/2014/main" id="{ECC9B202-80CE-4948-A80E-959B61F2A911}"/>
               </a:ext>
             </a:extLst>
           </p:cNvPr>
@@ -4474,40 +4503,101 @@
           <a:p>
             <a:r>
               <a:rPr lang="en-US" dirty="0"/>
-              <a:t>Convolutional Neural Networks</a:t>
-            </a:r>
-          </a:p>
-        </p:txBody>
-      </p:sp>
-      <p:sp>
-        <p:nvSpPr>
-          <p:cNvPr id="5" name="Text Placeholder 4">
-            <a:extLst>
-              <a:ext uri="{FF2B5EF4-FFF2-40B4-BE49-F238E27FC236}">
-                <a16:creationId xmlns:a16="http://schemas.microsoft.com/office/drawing/2014/main" id="{ABC9E725-B1B7-45D9-9C9A-5C7785D16D7B}"/>
-              </a:ext>
-            </a:extLst>
-          </p:cNvPr>
-          <p:cNvSpPr>
-            <a:spLocks noGrp="1"/>
-          </p:cNvSpPr>
-          <p:nvPr>
-            <p:ph type="body" idx="1"/>
-          </p:nvPr>
-        </p:nvSpPr>
-        <p:spPr/>
-        <p:txBody>
-          <a:bodyPr/>
-          <a:lstStyle/>
-          <a:p>
-            <a:endParaRPr lang="en-US"/>
+              <a:t>Summary of TLE Example</a:t>
+            </a:r>
+          </a:p>
+        </p:txBody>
+      </p:sp>
+      <p:sp>
+        <p:nvSpPr>
+          <p:cNvPr id="3" name="Content Placeholder 2">
+            <a:extLst>
+              <a:ext uri="{FF2B5EF4-FFF2-40B4-BE49-F238E27FC236}">
+                <a16:creationId xmlns:a16="http://schemas.microsoft.com/office/drawing/2014/main" id="{73C5B286-A9F0-4B3E-8095-CAE1E58B7090}"/>
+              </a:ext>
+            </a:extLst>
+          </p:cNvPr>
+          <p:cNvSpPr>
+            <a:spLocks noGrp="1"/>
+          </p:cNvSpPr>
+          <p:nvPr>
+            <p:ph idx="1"/>
+          </p:nvPr>
+        </p:nvSpPr>
+        <p:spPr/>
+        <p:txBody>
+          <a:bodyPr>
+            <a:normAutofit fontScale="62500" lnSpcReduction="20000"/>
+          </a:bodyPr>
+          <a:lstStyle/>
+          <a:p>
+            <a:r>
+              <a:rPr lang="en-US" dirty="0"/>
+              <a:t>Avoid hand-selected/engineered features (at least initially)</a:t>
+            </a:r>
+          </a:p>
+          <a:p>
+            <a:r>
+              <a:rPr lang="en-US" dirty="0"/>
+              <a:t>Split train/test data based on some deterministic criteria</a:t>
+            </a:r>
+          </a:p>
+          <a:p>
+            <a:pPr lvl="1"/>
+            <a:r>
+              <a:rPr lang="en-US" dirty="0"/>
+              <a:t>For example, test samples are precisely those for which SAT_ID % 5 == 0. This helps to avoid accidently letting the same or equivalent examples fall into your train and test sets.</a:t>
+            </a:r>
+          </a:p>
+          <a:p>
+            <a:r>
+              <a:rPr lang="en-US" dirty="0"/>
+              <a:t>Be very careful with metrics and class imbalance.</a:t>
+            </a:r>
+          </a:p>
+          <a:p>
+            <a:pPr lvl="1"/>
+            <a:r>
+              <a:rPr lang="en-US" dirty="0"/>
+              <a:t>For example, if 95% of your data belongs to the same class, reporting a 96% accuracy needs some qualifications.</a:t>
+            </a:r>
+          </a:p>
+          <a:p>
+            <a:r>
+              <a:rPr lang="en-US" dirty="0"/>
+              <a:t>Identify a single-number metric to help simplify model comparisons.</a:t>
+            </a:r>
+          </a:p>
+          <a:p>
+            <a:r>
+              <a:rPr lang="en-US" dirty="0"/>
+              <a:t>Normalize your feature data.</a:t>
+            </a:r>
+          </a:p>
+          <a:p>
+            <a:r>
+              <a:rPr lang="en-US" dirty="0"/>
+              <a:t>Focus on the simplest version of a problem first and avoid extensive hyperparameter optimization until you can demonstrate that the most basic thing is working.</a:t>
+            </a:r>
+          </a:p>
+          <a:p>
+            <a:r>
+              <a:rPr lang="en-US" dirty="0"/>
+              <a:t>Make sure the model is learning the training data before even worrying about the test data. If your model can’t even memorize the training data well, either your problem is going to work or something else is broken.</a:t>
+            </a:r>
+          </a:p>
+          <a:p>
+            <a:r>
+              <a:rPr lang="en-US" dirty="0"/>
+              <a:t>Even if you’re monitoring accuracy, looking at a confusion matrix is almost always helpful to understand how your model is performing.</a:t>
+            </a:r>
           </a:p>
         </p:txBody>
       </p:sp>
     </p:spTree>
     <p:extLst>
       <p:ext uri="{BB962C8B-B14F-4D97-AF65-F5344CB8AC3E}">
-        <p14:creationId xmlns:p14="http://schemas.microsoft.com/office/powerpoint/2010/main" val="4180393728"/>
+        <p14:creationId xmlns:p14="http://schemas.microsoft.com/office/powerpoint/2010/main" val="1812924170"/>
       </p:ext>
     </p:extLst>
   </p:cSld>
@@ -4534,6 +4624,89 @@
           <a:chExt cx="0" cy="0"/>
         </a:xfrm>
       </p:grpSpPr>
+      <p:sp>
+        <p:nvSpPr>
+          <p:cNvPr id="2" name="Title 1">
+            <a:extLst>
+              <a:ext uri="{FF2B5EF4-FFF2-40B4-BE49-F238E27FC236}">
+                <a16:creationId xmlns:a16="http://schemas.microsoft.com/office/drawing/2014/main" id="{0E22603D-14F1-4117-A473-59E0C22862C3}"/>
+              </a:ext>
+            </a:extLst>
+          </p:cNvPr>
+          <p:cNvSpPr>
+            <a:spLocks noGrp="1"/>
+          </p:cNvSpPr>
+          <p:nvPr>
+            <p:ph type="title"/>
+          </p:nvPr>
+        </p:nvSpPr>
+        <p:spPr/>
+        <p:txBody>
+          <a:bodyPr/>
+          <a:lstStyle/>
+          <a:p>
+            <a:r>
+              <a:rPr lang="en-US" dirty="0"/>
+              <a:t>Convolutional Neural Networks</a:t>
+            </a:r>
+          </a:p>
+        </p:txBody>
+      </p:sp>
+      <p:sp>
+        <p:nvSpPr>
+          <p:cNvPr id="5" name="Text Placeholder 4">
+            <a:extLst>
+              <a:ext uri="{FF2B5EF4-FFF2-40B4-BE49-F238E27FC236}">
+                <a16:creationId xmlns:a16="http://schemas.microsoft.com/office/drawing/2014/main" id="{ABC9E725-B1B7-45D9-9C9A-5C7785D16D7B}"/>
+              </a:ext>
+            </a:extLst>
+          </p:cNvPr>
+          <p:cNvSpPr>
+            <a:spLocks noGrp="1"/>
+          </p:cNvSpPr>
+          <p:nvPr>
+            <p:ph type="body" idx="1"/>
+          </p:nvPr>
+        </p:nvSpPr>
+        <p:spPr/>
+        <p:txBody>
+          <a:bodyPr/>
+          <a:lstStyle/>
+          <a:p>
+            <a:endParaRPr lang="en-US"/>
+          </a:p>
+        </p:txBody>
+      </p:sp>
+    </p:spTree>
+    <p:extLst>
+      <p:ext uri="{BB962C8B-B14F-4D97-AF65-F5344CB8AC3E}">
+        <p14:creationId xmlns:p14="http://schemas.microsoft.com/office/powerpoint/2010/main" val="4180393728"/>
+      </p:ext>
+    </p:extLst>
+  </p:cSld>
+  <p:clrMapOvr>
+    <a:masterClrMapping/>
+  </p:clrMapOvr>
+</p:sld>
+</file>
+
+<file path=ppt/slides/slide13.xml><?xml version="1.0" encoding="utf-8"?>
+<p:sld xmlns:a="http://schemas.openxmlformats.org/drawingml/2006/main" xmlns:r="http://schemas.openxmlformats.org/officeDocument/2006/relationships" xmlns:p="http://schemas.openxmlformats.org/presentationml/2006/main">
+  <p:cSld>
+    <p:spTree>
+      <p:nvGrpSpPr>
+        <p:cNvPr id="1" name=""/>
+        <p:cNvGrpSpPr/>
+        <p:nvPr/>
+      </p:nvGrpSpPr>
+      <p:grpSpPr>
+        <a:xfrm>
+          <a:off x="0" y="0"/>
+          <a:ext cx="0" cy="0"/>
+          <a:chOff x="0" y="0"/>
+          <a:chExt cx="0" cy="0"/>
+        </a:xfrm>
+      </p:grpSpPr>
       <p:pic>
         <p:nvPicPr>
           <p:cNvPr id="9" name="Content Placeholder 8" descr="A picture containing tree&#10;&#10;Description generated with very high confidence">
@@ -4625,7 +4798,7 @@
 </p:sld>
 </file>
 
-<file path=ppt/slides/slide13.xml><?xml version="1.0" encoding="utf-8"?>
+<file path=ppt/slides/slide14.xml><?xml version="1.0" encoding="utf-8"?>
 <p:sld xmlns:a="http://schemas.openxmlformats.org/drawingml/2006/main" xmlns:r="http://schemas.openxmlformats.org/officeDocument/2006/relationships" xmlns:p="http://schemas.openxmlformats.org/presentationml/2006/main">
   <p:cSld>
     <p:spTree>
@@ -4751,7 +4924,7 @@
 </p:sld>
 </file>
 
-<file path=ppt/slides/slide14.xml><?xml version="1.0" encoding="utf-8"?>
+<file path=ppt/slides/slide15.xml><?xml version="1.0" encoding="utf-8"?>
 <p:sld xmlns:a="http://schemas.openxmlformats.org/drawingml/2006/main" xmlns:r="http://schemas.openxmlformats.org/officeDocument/2006/relationships" xmlns:p="http://schemas.openxmlformats.org/presentationml/2006/main">
   <p:cSld>
     <p:spTree>
@@ -4791,7 +4964,7 @@
           <a:p>
             <a:r>
               <a:rPr lang="en-US" dirty="0"/>
-              <a:t>1D – CNN Diagram Goes Here</a:t>
+              <a:t>Convolutional Neural Networks</a:t>
             </a:r>
           </a:p>
         </p:txBody>
@@ -4817,7 +4990,16 @@
           <a:bodyPr/>
           <a:lstStyle/>
           <a:p>
-            <a:endParaRPr lang="en-US" dirty="0"/>
+            <a:r>
+              <a:rPr lang="en-US" dirty="0"/>
+              <a:t>Discuss CNN Diagram</a:t>
+            </a:r>
+          </a:p>
+          <a:p>
+            <a:r>
+              <a:rPr lang="en-US" dirty="0"/>
+              <a:t>Switch to Asteroid Light Curve Notebook – Part 1</a:t>
+            </a:r>
           </a:p>
         </p:txBody>
       </p:sp>
@@ -4825,6 +5007,477 @@
     <p:extLst>
       <p:ext uri="{BB962C8B-B14F-4D97-AF65-F5344CB8AC3E}">
         <p14:creationId xmlns:p14="http://schemas.microsoft.com/office/powerpoint/2010/main" val="310687986"/>
+      </p:ext>
+    </p:extLst>
+  </p:cSld>
+  <p:clrMapOvr>
+    <a:masterClrMapping/>
+  </p:clrMapOvr>
+</p:sld>
+</file>
+
+<file path=ppt/slides/slide16.xml><?xml version="1.0" encoding="utf-8"?>
+<p:sld xmlns:a="http://schemas.openxmlformats.org/drawingml/2006/main" xmlns:r="http://schemas.openxmlformats.org/officeDocument/2006/relationships" xmlns:p="http://schemas.openxmlformats.org/presentationml/2006/main">
+  <p:cSld>
+    <p:spTree>
+      <p:nvGrpSpPr>
+        <p:cNvPr id="1" name=""/>
+        <p:cNvGrpSpPr/>
+        <p:nvPr/>
+      </p:nvGrpSpPr>
+      <p:grpSpPr>
+        <a:xfrm>
+          <a:off x="0" y="0"/>
+          <a:ext cx="0" cy="0"/>
+          <a:chOff x="0" y="0"/>
+          <a:chExt cx="0" cy="0"/>
+        </a:xfrm>
+      </p:grpSpPr>
+      <p:sp>
+        <p:nvSpPr>
+          <p:cNvPr id="2" name="Title 1">
+            <a:extLst>
+              <a:ext uri="{FF2B5EF4-FFF2-40B4-BE49-F238E27FC236}">
+                <a16:creationId xmlns:a16="http://schemas.microsoft.com/office/drawing/2014/main" id="{FE343CA8-8A30-43B6-9041-A5E886103ABB}"/>
+              </a:ext>
+            </a:extLst>
+          </p:cNvPr>
+          <p:cNvSpPr>
+            <a:spLocks noGrp="1"/>
+          </p:cNvSpPr>
+          <p:nvPr>
+            <p:ph type="title"/>
+          </p:nvPr>
+        </p:nvSpPr>
+        <p:spPr/>
+        <p:txBody>
+          <a:bodyPr/>
+          <a:lstStyle/>
+          <a:p>
+            <a:r>
+              <a:rPr lang="en-US" dirty="0"/>
+              <a:t>Summary of Asteroid Example</a:t>
+            </a:r>
+          </a:p>
+        </p:txBody>
+      </p:sp>
+      <p:sp>
+        <p:nvSpPr>
+          <p:cNvPr id="3" name="Content Placeholder 2">
+            <a:extLst>
+              <a:ext uri="{FF2B5EF4-FFF2-40B4-BE49-F238E27FC236}">
+                <a16:creationId xmlns:a16="http://schemas.microsoft.com/office/drawing/2014/main" id="{0A8CCDB2-4F60-4C1D-B794-2845EBFA060A}"/>
+              </a:ext>
+            </a:extLst>
+          </p:cNvPr>
+          <p:cNvSpPr>
+            <a:spLocks noGrp="1"/>
+          </p:cNvSpPr>
+          <p:nvPr>
+            <p:ph idx="1"/>
+          </p:nvPr>
+        </p:nvSpPr>
+        <p:spPr/>
+        <p:txBody>
+          <a:bodyPr>
+            <a:normAutofit fontScale="92500" lnSpcReduction="20000"/>
+          </a:bodyPr>
+          <a:lstStyle/>
+          <a:p>
+            <a:r>
+              <a:rPr lang="en-US" dirty="0"/>
+              <a:t>Outside knowledge about the structure of your data can greatly improve model performance and/or training speed.</a:t>
+            </a:r>
+          </a:p>
+          <a:p>
+            <a:r>
+              <a:rPr lang="en-US" dirty="0"/>
+              <a:t>Helpful to have a baseline model for comparison. This could be:</a:t>
+            </a:r>
+          </a:p>
+          <a:p>
+            <a:pPr lvl="1"/>
+            <a:r>
+              <a:rPr lang="en-US" dirty="0"/>
+              <a:t>A “classical” ML algorithm like logistic regression or SVM.</a:t>
+            </a:r>
+          </a:p>
+          <a:p>
+            <a:pPr lvl="1"/>
+            <a:r>
+              <a:rPr lang="en-US" dirty="0"/>
+              <a:t>A non-ML algorithm already being used to solve the problem.</a:t>
+            </a:r>
+          </a:p>
+          <a:p>
+            <a:pPr lvl="1"/>
+            <a:r>
+              <a:rPr lang="en-US" dirty="0"/>
+              <a:t>How well a human can solve the problem (objective or subjective).</a:t>
+            </a:r>
+          </a:p>
+          <a:p>
+            <a:pPr lvl="1"/>
+            <a:r>
+              <a:rPr lang="en-US" dirty="0"/>
+              <a:t>How well a human says an algorithm would need to perform for them to find it useful.</a:t>
+            </a:r>
+          </a:p>
+          <a:p>
+            <a:r>
+              <a:rPr lang="en-US" dirty="0"/>
+              <a:t>Helpful to understand how a random model or a model that has only learned the background distribution will perform.</a:t>
+            </a:r>
+          </a:p>
+          <a:p>
+            <a:r>
+              <a:rPr lang="en-US" dirty="0"/>
+              <a:t>Neural networks can be adaptable to multi-modal input.</a:t>
+            </a:r>
+          </a:p>
+          <a:p>
+            <a:pPr lvl="1"/>
+            <a:r>
+              <a:rPr lang="en-US" dirty="0"/>
+              <a:t>Combining different types of data into an analytic model can quickly become intractable, but it is fairly straightforward for a neural network.</a:t>
+            </a:r>
+          </a:p>
+        </p:txBody>
+      </p:sp>
+    </p:spTree>
+    <p:extLst>
+      <p:ext uri="{BB962C8B-B14F-4D97-AF65-F5344CB8AC3E}">
+        <p14:creationId xmlns:p14="http://schemas.microsoft.com/office/powerpoint/2010/main" val="956687152"/>
+      </p:ext>
+    </p:extLst>
+  </p:cSld>
+  <p:clrMapOvr>
+    <a:masterClrMapping/>
+  </p:clrMapOvr>
+</p:sld>
+</file>
+
+<file path=ppt/slides/slide17.xml><?xml version="1.0" encoding="utf-8"?>
+<p:sld xmlns:a="http://schemas.openxmlformats.org/drawingml/2006/main" xmlns:r="http://schemas.openxmlformats.org/officeDocument/2006/relationships" xmlns:p="http://schemas.openxmlformats.org/presentationml/2006/main">
+  <p:cSld>
+    <p:spTree>
+      <p:nvGrpSpPr>
+        <p:cNvPr id="1" name=""/>
+        <p:cNvGrpSpPr/>
+        <p:nvPr/>
+      </p:nvGrpSpPr>
+      <p:grpSpPr>
+        <a:xfrm>
+          <a:off x="0" y="0"/>
+          <a:ext cx="0" cy="0"/>
+          <a:chOff x="0" y="0"/>
+          <a:chExt cx="0" cy="0"/>
+        </a:xfrm>
+      </p:grpSpPr>
+      <p:sp>
+        <p:nvSpPr>
+          <p:cNvPr id="2" name="Title 1">
+            <a:extLst>
+              <a:ext uri="{FF2B5EF4-FFF2-40B4-BE49-F238E27FC236}">
+                <a16:creationId xmlns:a16="http://schemas.microsoft.com/office/drawing/2014/main" id="{BE5D167A-BA5F-4E1E-B73A-020C294F83D2}"/>
+              </a:ext>
+            </a:extLst>
+          </p:cNvPr>
+          <p:cNvSpPr>
+            <a:spLocks noGrp="1"/>
+          </p:cNvSpPr>
+          <p:nvPr>
+            <p:ph type="title"/>
+          </p:nvPr>
+        </p:nvSpPr>
+        <p:spPr/>
+        <p:txBody>
+          <a:bodyPr/>
+          <a:lstStyle/>
+          <a:p>
+            <a:r>
+              <a:rPr lang="en-US" dirty="0"/>
+              <a:t>Hard Lessons about Data</a:t>
+            </a:r>
+          </a:p>
+        </p:txBody>
+      </p:sp>
+      <p:sp>
+        <p:nvSpPr>
+          <p:cNvPr id="3" name="Content Placeholder 2">
+            <a:extLst>
+              <a:ext uri="{FF2B5EF4-FFF2-40B4-BE49-F238E27FC236}">
+                <a16:creationId xmlns:a16="http://schemas.microsoft.com/office/drawing/2014/main" id="{FE7D8CE4-1296-4413-8BD9-C408F76A694A}"/>
+              </a:ext>
+            </a:extLst>
+          </p:cNvPr>
+          <p:cNvSpPr>
+            <a:spLocks noGrp="1"/>
+          </p:cNvSpPr>
+          <p:nvPr>
+            <p:ph idx="1"/>
+          </p:nvPr>
+        </p:nvSpPr>
+        <p:spPr/>
+        <p:txBody>
+          <a:bodyPr>
+            <a:normAutofit/>
+          </a:bodyPr>
+          <a:lstStyle/>
+          <a:p>
+            <a:r>
+              <a:rPr lang="en-US" dirty="0"/>
+              <a:t>Be very suspicious of your data.</a:t>
+            </a:r>
+          </a:p>
+          <a:p>
+            <a:r>
+              <a:rPr lang="en-US" dirty="0"/>
+              <a:t>Be very suspicious of people who give you data.</a:t>
+            </a:r>
+          </a:p>
+          <a:p>
+            <a:pPr lvl="1"/>
+            <a:r>
+              <a:rPr lang="en-US" dirty="0"/>
+              <a:t>It’s easy to overlook biases in your data that were never a problem when humans or non-adaptive algorithms were the primary consumers of it.</a:t>
+            </a:r>
+          </a:p>
+          <a:p>
+            <a:r>
+              <a:rPr lang="en-US" dirty="0"/>
+              <a:t>When a model is working well, your first thought should be that you’ve done at least one of the following:</a:t>
+            </a:r>
+          </a:p>
+          <a:p>
+            <a:pPr lvl="1"/>
+            <a:r>
+              <a:rPr lang="en-US" dirty="0"/>
+              <a:t>Misunderstood your class imbalance (e.g. Case 1 is 95% of your data)</a:t>
+            </a:r>
+          </a:p>
+          <a:p>
+            <a:pPr lvl="1"/>
+            <a:r>
+              <a:rPr lang="en-US" dirty="0"/>
+              <a:t>Contaminated your test data with training data</a:t>
+            </a:r>
+          </a:p>
+          <a:p>
+            <a:pPr lvl="1"/>
+            <a:r>
+              <a:rPr lang="en-US" dirty="0"/>
+              <a:t>Included some “feature” that amounts to cheating (e.g. Included the target values as features)</a:t>
+            </a:r>
+          </a:p>
+        </p:txBody>
+      </p:sp>
+    </p:spTree>
+    <p:extLst>
+      <p:ext uri="{BB962C8B-B14F-4D97-AF65-F5344CB8AC3E}">
+        <p14:creationId xmlns:p14="http://schemas.microsoft.com/office/powerpoint/2010/main" val="1301541444"/>
+      </p:ext>
+    </p:extLst>
+  </p:cSld>
+  <p:clrMapOvr>
+    <a:masterClrMapping/>
+  </p:clrMapOvr>
+</p:sld>
+</file>
+
+<file path=ppt/slides/slide18.xml><?xml version="1.0" encoding="utf-8"?>
+<p:sld xmlns:a="http://schemas.openxmlformats.org/drawingml/2006/main" xmlns:r="http://schemas.openxmlformats.org/officeDocument/2006/relationships" xmlns:p="http://schemas.openxmlformats.org/presentationml/2006/main">
+  <p:cSld>
+    <p:spTree>
+      <p:nvGrpSpPr>
+        <p:cNvPr id="1" name=""/>
+        <p:cNvGrpSpPr/>
+        <p:nvPr/>
+      </p:nvGrpSpPr>
+      <p:grpSpPr>
+        <a:xfrm>
+          <a:off x="0" y="0"/>
+          <a:ext cx="0" cy="0"/>
+          <a:chOff x="0" y="0"/>
+          <a:chExt cx="0" cy="0"/>
+        </a:xfrm>
+      </p:grpSpPr>
+      <p:sp>
+        <p:nvSpPr>
+          <p:cNvPr id="2" name="Title 1">
+            <a:extLst>
+              <a:ext uri="{FF2B5EF4-FFF2-40B4-BE49-F238E27FC236}">
+                <a16:creationId xmlns:a16="http://schemas.microsoft.com/office/drawing/2014/main" id="{58531ADF-980A-4614-B1D4-FAA80623545D}"/>
+              </a:ext>
+            </a:extLst>
+          </p:cNvPr>
+          <p:cNvSpPr>
+            <a:spLocks noGrp="1"/>
+          </p:cNvSpPr>
+          <p:nvPr>
+            <p:ph type="title"/>
+          </p:nvPr>
+        </p:nvSpPr>
+        <p:spPr/>
+        <p:txBody>
+          <a:bodyPr/>
+          <a:lstStyle/>
+          <a:p>
+            <a:r>
+              <a:rPr lang="en-US" dirty="0"/>
+              <a:t>Unsupervised Learning</a:t>
+            </a:r>
+          </a:p>
+        </p:txBody>
+      </p:sp>
+      <p:sp>
+        <p:nvSpPr>
+          <p:cNvPr id="3" name="Text Placeholder 2">
+            <a:extLst>
+              <a:ext uri="{FF2B5EF4-FFF2-40B4-BE49-F238E27FC236}">
+                <a16:creationId xmlns:a16="http://schemas.microsoft.com/office/drawing/2014/main" id="{16B85D8F-DCD6-4CF6-A4D4-6EEED3DC411D}"/>
+              </a:ext>
+            </a:extLst>
+          </p:cNvPr>
+          <p:cNvSpPr>
+            <a:spLocks noGrp="1"/>
+          </p:cNvSpPr>
+          <p:nvPr>
+            <p:ph type="body" idx="1"/>
+          </p:nvPr>
+        </p:nvSpPr>
+        <p:spPr/>
+        <p:txBody>
+          <a:bodyPr/>
+          <a:lstStyle/>
+          <a:p>
+            <a:endParaRPr lang="en-US" dirty="0"/>
+          </a:p>
+        </p:txBody>
+      </p:sp>
+    </p:spTree>
+    <p:extLst>
+      <p:ext uri="{BB962C8B-B14F-4D97-AF65-F5344CB8AC3E}">
+        <p14:creationId xmlns:p14="http://schemas.microsoft.com/office/powerpoint/2010/main" val="363634226"/>
+      </p:ext>
+    </p:extLst>
+  </p:cSld>
+  <p:clrMapOvr>
+    <a:masterClrMapping/>
+  </p:clrMapOvr>
+</p:sld>
+</file>
+
+<file path=ppt/slides/slide19.xml><?xml version="1.0" encoding="utf-8"?>
+<p:sld xmlns:a="http://schemas.openxmlformats.org/drawingml/2006/main" xmlns:r="http://schemas.openxmlformats.org/officeDocument/2006/relationships" xmlns:p="http://schemas.openxmlformats.org/presentationml/2006/main">
+  <p:cSld>
+    <p:spTree>
+      <p:nvGrpSpPr>
+        <p:cNvPr id="1" name=""/>
+        <p:cNvGrpSpPr/>
+        <p:nvPr/>
+      </p:nvGrpSpPr>
+      <p:grpSpPr>
+        <a:xfrm>
+          <a:off x="0" y="0"/>
+          <a:ext cx="0" cy="0"/>
+          <a:chOff x="0" y="0"/>
+          <a:chExt cx="0" cy="0"/>
+        </a:xfrm>
+      </p:grpSpPr>
+      <p:sp>
+        <p:nvSpPr>
+          <p:cNvPr id="2" name="Title 1">
+            <a:extLst>
+              <a:ext uri="{FF2B5EF4-FFF2-40B4-BE49-F238E27FC236}">
+                <a16:creationId xmlns:a16="http://schemas.microsoft.com/office/drawing/2014/main" id="{2DA34F3F-9BA6-4DFB-AEB3-28763AEB0D11}"/>
+              </a:ext>
+            </a:extLst>
+          </p:cNvPr>
+          <p:cNvSpPr>
+            <a:spLocks noGrp="1"/>
+          </p:cNvSpPr>
+          <p:nvPr>
+            <p:ph type="title"/>
+          </p:nvPr>
+        </p:nvSpPr>
+        <p:spPr/>
+        <p:txBody>
+          <a:bodyPr/>
+          <a:lstStyle/>
+          <a:p>
+            <a:r>
+              <a:rPr lang="en-US" dirty="0"/>
+              <a:t>Unsupervised Learning</a:t>
+            </a:r>
+          </a:p>
+        </p:txBody>
+      </p:sp>
+      <p:sp>
+        <p:nvSpPr>
+          <p:cNvPr id="3" name="Content Placeholder 2">
+            <a:extLst>
+              <a:ext uri="{FF2B5EF4-FFF2-40B4-BE49-F238E27FC236}">
+                <a16:creationId xmlns:a16="http://schemas.microsoft.com/office/drawing/2014/main" id="{31C81AE3-651E-4EDB-964E-926805B4DE16}"/>
+              </a:ext>
+            </a:extLst>
+          </p:cNvPr>
+          <p:cNvSpPr>
+            <a:spLocks noGrp="1"/>
+          </p:cNvSpPr>
+          <p:nvPr>
+            <p:ph idx="1"/>
+          </p:nvPr>
+        </p:nvSpPr>
+        <p:spPr/>
+        <p:txBody>
+          <a:bodyPr/>
+          <a:lstStyle/>
+          <a:p>
+            <a:r>
+              <a:rPr lang="en-US" dirty="0"/>
+              <a:t>Supervised learning uses known target values and a differentiable loss function to drive learning.</a:t>
+            </a:r>
+          </a:p>
+          <a:p>
+            <a:r>
+              <a:rPr lang="en-US" dirty="0"/>
+              <a:t>However, we often have:</a:t>
+            </a:r>
+          </a:p>
+          <a:p>
+            <a:pPr lvl="1"/>
+            <a:r>
+              <a:rPr lang="en-US" dirty="0"/>
+              <a:t>Few or no target values because they are difficult/expensive to collect.</a:t>
+            </a:r>
+          </a:p>
+          <a:p>
+            <a:pPr lvl="1"/>
+            <a:r>
+              <a:rPr lang="en-US" dirty="0"/>
+              <a:t>No target values because we don’t really know what we’re looking for.</a:t>
+            </a:r>
+          </a:p>
+          <a:p>
+            <a:pPr lvl="2"/>
+            <a:r>
+              <a:rPr lang="en-US" dirty="0"/>
+              <a:t>We may suspect that there are some latent factors that explain observations but we haven’t gotten far enough to express what those factors are, much less actually measure them.</a:t>
+            </a:r>
+          </a:p>
+          <a:p>
+            <a:r>
+              <a:rPr lang="en-US" dirty="0"/>
+              <a:t>Many ML approaches to this type of problem treat it as a supervised problem by inventing some type of synthetic or surrogate target values.</a:t>
+            </a:r>
+          </a:p>
+        </p:txBody>
+      </p:sp>
+    </p:spTree>
+    <p:extLst>
+      <p:ext uri="{BB962C8B-B14F-4D97-AF65-F5344CB8AC3E}">
+        <p14:creationId xmlns:p14="http://schemas.microsoft.com/office/powerpoint/2010/main" val="1312068702"/>
       </p:ext>
     </p:extLst>
   </p:cSld>
@@ -4930,7 +5583,7 @@
             <a:pPr lvl="1"/>
             <a:r>
               <a:rPr lang="en-US" dirty="0"/>
-              <a:t>Time-Series Data: 1D-CNN and Recurrent Neural Network (RNN)</a:t>
+              <a:t>Time-Series Data: Asteroid light curve example with 1D-CNN</a:t>
             </a:r>
           </a:p>
           <a:p>
@@ -4976,6 +5629,129 @@
     <p:extLst>
       <p:ext uri="{BB962C8B-B14F-4D97-AF65-F5344CB8AC3E}">
         <p14:creationId xmlns:p14="http://schemas.microsoft.com/office/powerpoint/2010/main" val="3741631085"/>
+      </p:ext>
+    </p:extLst>
+  </p:cSld>
+  <p:clrMapOvr>
+    <a:masterClrMapping/>
+  </p:clrMapOvr>
+</p:sld>
+</file>
+
+<file path=ppt/slides/slide20.xml><?xml version="1.0" encoding="utf-8"?>
+<p:sld xmlns:a="http://schemas.openxmlformats.org/drawingml/2006/main" xmlns:r="http://schemas.openxmlformats.org/officeDocument/2006/relationships" xmlns:p="http://schemas.openxmlformats.org/presentationml/2006/main">
+  <p:cSld>
+    <p:spTree>
+      <p:nvGrpSpPr>
+        <p:cNvPr id="1" name=""/>
+        <p:cNvGrpSpPr/>
+        <p:nvPr/>
+      </p:nvGrpSpPr>
+      <p:grpSpPr>
+        <a:xfrm>
+          <a:off x="0" y="0"/>
+          <a:ext cx="0" cy="0"/>
+          <a:chOff x="0" y="0"/>
+          <a:chExt cx="0" cy="0"/>
+        </a:xfrm>
+      </p:grpSpPr>
+      <p:sp>
+        <p:nvSpPr>
+          <p:cNvPr id="2" name="Title 1">
+            <a:extLst>
+              <a:ext uri="{FF2B5EF4-FFF2-40B4-BE49-F238E27FC236}">
+                <a16:creationId xmlns:a16="http://schemas.microsoft.com/office/drawing/2014/main" id="{8D1A162E-3F8E-4A41-8BD4-549131A7FFCF}"/>
+              </a:ext>
+            </a:extLst>
+          </p:cNvPr>
+          <p:cNvSpPr>
+            <a:spLocks noGrp="1"/>
+          </p:cNvSpPr>
+          <p:nvPr>
+            <p:ph type="title"/>
+          </p:nvPr>
+        </p:nvSpPr>
+        <p:spPr/>
+        <p:txBody>
+          <a:bodyPr/>
+          <a:lstStyle/>
+          <a:p>
+            <a:r>
+              <a:rPr lang="en-US" dirty="0"/>
+              <a:t>Unsupervised Learning</a:t>
+            </a:r>
+          </a:p>
+        </p:txBody>
+      </p:sp>
+      <p:sp>
+        <p:nvSpPr>
+          <p:cNvPr id="3" name="Content Placeholder 2">
+            <a:extLst>
+              <a:ext uri="{FF2B5EF4-FFF2-40B4-BE49-F238E27FC236}">
+                <a16:creationId xmlns:a16="http://schemas.microsoft.com/office/drawing/2014/main" id="{5722717A-D242-4EAF-991D-EBDB06C18D45}"/>
+              </a:ext>
+            </a:extLst>
+          </p:cNvPr>
+          <p:cNvSpPr>
+            <a:spLocks noGrp="1"/>
+          </p:cNvSpPr>
+          <p:nvPr>
+            <p:ph idx="1"/>
+          </p:nvPr>
+        </p:nvSpPr>
+        <p:spPr/>
+        <p:txBody>
+          <a:bodyPr/>
+          <a:lstStyle/>
+          <a:p>
+            <a:r>
+              <a:rPr lang="en-US" dirty="0"/>
+              <a:t>Auto-Encoder</a:t>
+            </a:r>
+          </a:p>
+          <a:p>
+            <a:pPr lvl="1"/>
+            <a:r>
+              <a:rPr lang="en-US" dirty="0"/>
+              <a:t>Target values are the input features themselves</a:t>
+            </a:r>
+          </a:p>
+          <a:p>
+            <a:pPr lvl="1"/>
+            <a:r>
+              <a:rPr lang="en-US" dirty="0"/>
+              <a:t>Introduces a low-dimensional “pinch point” in the network</a:t>
+            </a:r>
+          </a:p>
+          <a:p>
+            <a:pPr lvl="1"/>
+            <a:r>
+              <a:rPr lang="en-US" dirty="0"/>
+              <a:t>A network able to recreate its input with high fidelity must have learned a low-dimensional representation of the data.</a:t>
+            </a:r>
+          </a:p>
+          <a:p>
+            <a:r>
+              <a:rPr lang="en-US" dirty="0"/>
+              <a:t>Unsupervised Feature Learning</a:t>
+            </a:r>
+          </a:p>
+          <a:p>
+            <a:pPr lvl="1"/>
+            <a:r>
+              <a:rPr lang="en-US" dirty="0"/>
+              <a:t>Treats unsupervised learning as a classification problem where every example is the sole representative of its own class. This can lead to many 1000s of classes.</a:t>
+            </a:r>
+          </a:p>
+          <a:p>
+            <a:endParaRPr lang="en-US" dirty="0"/>
+          </a:p>
+        </p:txBody>
+      </p:sp>
+    </p:spTree>
+    <p:extLst>
+      <p:ext uri="{BB962C8B-B14F-4D97-AF65-F5344CB8AC3E}">
+        <p14:creationId xmlns:p14="http://schemas.microsoft.com/office/powerpoint/2010/main" val="1227716121"/>
       </p:ext>
     </p:extLst>
   </p:cSld>
@@ -5053,7 +5829,7 @@
           <a:p>
             <a:r>
               <a:rPr lang="en-US" dirty="0"/>
-              <a:t>Examples are intended to help convey the workflow of a machine learning approach to a problem. They certainly aren’t intended as optimal solutions to real problems.</a:t>
+              <a:t>The following examples illustrate some common machine learning workflows. They aren’t intended as optimal solutions to real problems.</a:t>
             </a:r>
           </a:p>
           <a:p>
@@ -5062,7 +5838,7 @@
           <a:p>
             <a:r>
               <a:rPr lang="en-US" dirty="0"/>
-              <a:t>All code can be found here:</a:t>
+              <a:t>You can access the code here:</a:t>
             </a:r>
           </a:p>
           <a:p>
@@ -5076,10 +5852,25 @@
             <a:endParaRPr lang="en-US" dirty="0"/>
           </a:p>
           <a:p>
-            <a:pPr marL="457200" lvl="1" indent="0">
-              <a:buNone/>
-            </a:pPr>
-            <a:endParaRPr lang="en-US" dirty="0"/>
+            <a:pPr lvl="1"/>
+            <a:r>
+              <a:rPr lang="en-US" dirty="0"/>
+              <a:t>The examples should all be runnable once you have:</a:t>
+            </a:r>
+          </a:p>
+          <a:p>
+            <a:pPr lvl="2"/>
+            <a:r>
+              <a:rPr lang="en-US" dirty="0"/>
+              <a:t>Installed Anaconda (popular python distribution for data science and machine learning)</a:t>
+            </a:r>
+          </a:p>
+          <a:p>
+            <a:pPr lvl="2"/>
+            <a:r>
+              <a:rPr lang="en-US" dirty="0"/>
+              <a:t>Downloaded the data</a:t>
+            </a:r>
           </a:p>
         </p:txBody>
       </p:sp>
@@ -5160,7 +5951,7 @@
         <p:spPr/>
         <p:txBody>
           <a:bodyPr>
-            <a:normAutofit fontScale="85000" lnSpcReduction="20000"/>
+            <a:normAutofit fontScale="55000" lnSpcReduction="20000"/>
           </a:bodyPr>
           <a:lstStyle/>
           <a:p>
@@ -5196,6 +5987,46 @@
             <a:r>
               <a:rPr lang="en-US" dirty="0"/>
               <a:t> (apache project with Amazon support)</a:t>
+            </a:r>
+          </a:p>
+          <a:p>
+            <a:pPr marL="457200" lvl="1" indent="0">
+              <a:buNone/>
+            </a:pPr>
+            <a:endParaRPr lang="en-US" dirty="0"/>
+          </a:p>
+          <a:p>
+            <a:r>
+              <a:rPr lang="en-US" dirty="0"/>
+              <a:t>Best choice depends on your goal:</a:t>
+            </a:r>
+          </a:p>
+          <a:p>
+            <a:pPr lvl="1"/>
+            <a:r>
+              <a:rPr lang="en-US" dirty="0"/>
+              <a:t>Fundamental Research</a:t>
+            </a:r>
+          </a:p>
+          <a:p>
+            <a:pPr lvl="1"/>
+            <a:r>
+              <a:rPr lang="en-US" dirty="0"/>
+              <a:t>Proof-of-concept</a:t>
+            </a:r>
+          </a:p>
+          <a:p>
+            <a:pPr lvl="1"/>
+            <a:r>
+              <a:rPr lang="en-US" dirty="0"/>
+              <a:t>Operational Pipeline</a:t>
+            </a:r>
+          </a:p>
+          <a:p>
+            <a:pPr lvl="1"/>
+            <a:r>
+              <a:rPr lang="en-US" dirty="0"/>
+              <a:t>Deployment to Embedded System</a:t>
             </a:r>
           </a:p>
           <a:p>
@@ -5957,7 +6788,7 @@
           <p:cNvPr id="2" name="Title 1">
             <a:extLst>
               <a:ext uri="{FF2B5EF4-FFF2-40B4-BE49-F238E27FC236}">
-                <a16:creationId xmlns:a16="http://schemas.microsoft.com/office/drawing/2014/main" id="{77073B25-638E-41C3-BF08-9BECE5E6D159}"/>
+                <a16:creationId xmlns:a16="http://schemas.microsoft.com/office/drawing/2014/main" id="{1AC3C419-47A7-4BDF-A5AB-873D1EB5AA54}"/>
               </a:ext>
             </a:extLst>
           </p:cNvPr>
@@ -5975,127 +6806,15 @@
           <a:p>
             <a:r>
               <a:rPr lang="en-US" dirty="0"/>
-              <a:t>Vocabulary</a:t>
-            </a:r>
-          </a:p>
-        </p:txBody>
-      </p:sp>
-      <p:sp>
-        <p:nvSpPr>
-          <p:cNvPr id="3" name="Content Placeholder 2">
-            <a:extLst>
-              <a:ext uri="{FF2B5EF4-FFF2-40B4-BE49-F238E27FC236}">
-                <a16:creationId xmlns:a16="http://schemas.microsoft.com/office/drawing/2014/main" id="{A6A8D6DC-1844-4471-9B01-90755151DB0C}"/>
-              </a:ext>
-            </a:extLst>
-          </p:cNvPr>
-          <p:cNvSpPr>
-            <a:spLocks noGrp="1"/>
-          </p:cNvSpPr>
-          <p:nvPr>
-            <p:ph idx="1"/>
-          </p:nvPr>
-        </p:nvSpPr>
-        <p:spPr/>
-        <p:txBody>
-          <a:bodyPr>
-            <a:normAutofit fontScale="92500" lnSpcReduction="10000"/>
-          </a:bodyPr>
-          <a:lstStyle/>
-          <a:p>
-            <a:r>
-              <a:rPr lang="en-US" dirty="0"/>
-              <a:t>Train/Test/Validation Sets:</a:t>
-            </a:r>
-          </a:p>
-          <a:p>
-            <a:pPr lvl="1"/>
-            <a:r>
-              <a:rPr lang="en-US" dirty="0"/>
-              <a:t>Train: Data used to update model parameters.</a:t>
-            </a:r>
-          </a:p>
-          <a:p>
-            <a:pPr lvl="1"/>
-            <a:r>
-              <a:rPr lang="en-US" dirty="0"/>
-              <a:t>Test: Data used to update model hyper-</a:t>
-            </a:r>
-            <a:r>
-              <a:rPr lang="en-US" dirty="0" err="1"/>
-              <a:t>parmeters</a:t>
-            </a:r>
-            <a:r>
-              <a:rPr lang="en-US" dirty="0"/>
-              <a:t>.</a:t>
-            </a:r>
-          </a:p>
-          <a:p>
-            <a:pPr lvl="1"/>
-            <a:r>
-              <a:rPr lang="en-US" dirty="0"/>
-              <a:t>Validation: Data used to measure performance of selected model.</a:t>
-            </a:r>
-          </a:p>
-          <a:p>
-            <a:r>
-              <a:rPr lang="en-US" dirty="0"/>
-              <a:t>Training Vocabulary:</a:t>
-            </a:r>
-          </a:p>
-          <a:p>
-            <a:pPr lvl="1"/>
-            <a:r>
-              <a:rPr lang="en-US" dirty="0"/>
-              <a:t>Epoch – one full pass through test train set</a:t>
-            </a:r>
-          </a:p>
-          <a:p>
-            <a:pPr lvl="1"/>
-            <a:r>
-              <a:rPr lang="en-US" dirty="0"/>
-              <a:t>Batch Size – how many examples to evaluate at once. Typically, a </a:t>
-            </a:r>
-            <a:r>
-              <a:rPr lang="en-US" dirty="0" err="1"/>
-              <a:t>gradiant</a:t>
-            </a:r>
-            <a:r>
-              <a:rPr lang="en-US" dirty="0"/>
-              <a:t> is computed on this data.</a:t>
-            </a:r>
-          </a:p>
-          <a:p>
-            <a:pPr lvl="1"/>
-            <a:r>
-              <a:rPr lang="en-US" dirty="0"/>
-              <a:t>Loss – </a:t>
-            </a:r>
-            <a:r>
-              <a:rPr lang="en-US" i="1" dirty="0"/>
-              <a:t>differentiable</a:t>
-            </a:r>
-            <a:r>
-              <a:rPr lang="en-US" dirty="0"/>
-              <a:t> function comparing predictions and targets: model(x) vs y.</a:t>
-            </a:r>
-          </a:p>
-          <a:p>
-            <a:pPr lvl="1"/>
-            <a:r>
-              <a:rPr lang="en-US" dirty="0"/>
-              <a:t>Stochastic Gradient Descent (SGD) – the algorithm for efficiently updating model parameters by computing partial derivatives of loss(model(x), y) over a batch of samples.</a:t>
-            </a:r>
-          </a:p>
-          <a:p>
-            <a:endParaRPr lang="en-US" dirty="0"/>
+              <a:t>Switch to TLE Notebook</a:t>
+            </a:r>
           </a:p>
         </p:txBody>
       </p:sp>
     </p:spTree>
     <p:extLst>
       <p:ext uri="{BB962C8B-B14F-4D97-AF65-F5344CB8AC3E}">
-        <p14:creationId xmlns:p14="http://schemas.microsoft.com/office/powerpoint/2010/main" val="3459832265"/>
+        <p14:creationId xmlns:p14="http://schemas.microsoft.com/office/powerpoint/2010/main" val="2615263877"/>
       </p:ext>
     </p:extLst>
   </p:cSld>

--- a/ML4SSA.pptx
+++ b/ML4SSA.pptx
@@ -2,125 +2,200 @@
 <file path=ppt/presentation.xml><?xml version="1.0" encoding="utf-8"?>
 <p:presentation xmlns:a="http://schemas.openxmlformats.org/drawingml/2006/main" xmlns:r="http://schemas.openxmlformats.org/officeDocument/2006/relationships" xmlns:p="http://schemas.openxmlformats.org/presentationml/2006/main" saveSubsetFonts="1">
   <p:sldMasterIdLst>
-    <p:sldMasterId id="2147483648" r:id="rId1"/>
+    <p:sldMasterId id="2147483649" r:id="rId4"/>
   </p:sldMasterIdLst>
   <p:notesMasterIdLst>
-    <p:notesMasterId r:id="rId22"/>
+    <p:notesMasterId r:id="rId27"/>
   </p:notesMasterIdLst>
+  <p:handoutMasterIdLst>
+    <p:handoutMasterId r:id="rId28"/>
+  </p:handoutMasterIdLst>
   <p:sldIdLst>
-    <p:sldId id="256" r:id="rId2"/>
-    <p:sldId id="257" r:id="rId3"/>
-    <p:sldId id="269" r:id="rId4"/>
-    <p:sldId id="259" r:id="rId5"/>
-    <p:sldId id="263" r:id="rId6"/>
-    <p:sldId id="260" r:id="rId7"/>
-    <p:sldId id="261" r:id="rId8"/>
-    <p:sldId id="262" r:id="rId9"/>
+    <p:sldId id="260" r:id="rId5"/>
+    <p:sldId id="261" r:id="rId6"/>
+    <p:sldId id="269" r:id="rId7"/>
+    <p:sldId id="270" r:id="rId8"/>
+    <p:sldId id="263" r:id="rId9"/>
     <p:sldId id="271" r:id="rId10"/>
-    <p:sldId id="270" r:id="rId11"/>
-    <p:sldId id="265" r:id="rId12"/>
-    <p:sldId id="266" r:id="rId13"/>
-    <p:sldId id="264" r:id="rId14"/>
-    <p:sldId id="267" r:id="rId15"/>
-    <p:sldId id="268" r:id="rId16"/>
-    <p:sldId id="272" r:id="rId17"/>
-    <p:sldId id="276" r:id="rId18"/>
-    <p:sldId id="274" r:id="rId19"/>
-    <p:sldId id="273" r:id="rId20"/>
-    <p:sldId id="275" r:id="rId21"/>
+    <p:sldId id="272" r:id="rId11"/>
+    <p:sldId id="262" r:id="rId12"/>
+    <p:sldId id="273" r:id="rId13"/>
+    <p:sldId id="274" r:id="rId14"/>
+    <p:sldId id="265" r:id="rId15"/>
+    <p:sldId id="266" r:id="rId16"/>
+    <p:sldId id="264" r:id="rId17"/>
+    <p:sldId id="267" r:id="rId18"/>
+    <p:sldId id="268" r:id="rId19"/>
+    <p:sldId id="275" r:id="rId20"/>
+    <p:sldId id="276" r:id="rId21"/>
+    <p:sldId id="277" r:id="rId22"/>
+    <p:sldId id="278" r:id="rId23"/>
+    <p:sldId id="279" r:id="rId24"/>
+    <p:sldId id="280" r:id="rId25"/>
+    <p:sldId id="258" r:id="rId26"/>
   </p:sldIdLst>
-  <p:sldSz cx="12192000" cy="6858000"/>
-  <p:notesSz cx="6858000" cy="9144000"/>
+  <p:sldSz cx="9144000" cy="6858000" type="screen4x3"/>
+  <p:notesSz cx="7010400" cy="9296400"/>
   <p:defaultTextStyle>
     <a:defPPr>
       <a:defRPr lang="en-US"/>
     </a:defPPr>
-    <a:lvl1pPr marL="0" algn="l" defTabSz="914400" rtl="0" eaLnBrk="1" latinLnBrk="0" hangingPunct="1">
-      <a:defRPr sz="1800" kern="1200">
+    <a:lvl1pPr algn="l" rtl="0" fontAlgn="base">
+      <a:lnSpc>
+        <a:spcPct val="90000"/>
+      </a:lnSpc>
+      <a:spcBef>
+        <a:spcPct val="0"/>
+      </a:spcBef>
+      <a:spcAft>
+        <a:spcPct val="60000"/>
+      </a:spcAft>
+      <a:buClr>
+        <a:srgbClr val="CC0000"/>
+      </a:buClr>
+      <a:buFont typeface="Wingdings" pitchFamily="2" charset="2"/>
+      <a:buChar char="§"/>
+      <a:defRPr sz="2000" b="1" kern="1200">
         <a:solidFill>
           <a:schemeClr val="tx1"/>
         </a:solidFill>
-        <a:latin typeface="+mn-lt"/>
+        <a:latin typeface="Tahoma" pitchFamily="34" charset="0"/>
         <a:ea typeface="+mn-ea"/>
         <a:cs typeface="+mn-cs"/>
       </a:defRPr>
     </a:lvl1pPr>
-    <a:lvl2pPr marL="457200" algn="l" defTabSz="914400" rtl="0" eaLnBrk="1" latinLnBrk="0" hangingPunct="1">
-      <a:defRPr sz="1800" kern="1200">
+    <a:lvl2pPr marL="457200" algn="l" rtl="0" fontAlgn="base">
+      <a:lnSpc>
+        <a:spcPct val="90000"/>
+      </a:lnSpc>
+      <a:spcBef>
+        <a:spcPct val="0"/>
+      </a:spcBef>
+      <a:spcAft>
+        <a:spcPct val="60000"/>
+      </a:spcAft>
+      <a:buClr>
+        <a:srgbClr val="CC0000"/>
+      </a:buClr>
+      <a:buFont typeface="Wingdings" pitchFamily="2" charset="2"/>
+      <a:buChar char="§"/>
+      <a:defRPr sz="2000" b="1" kern="1200">
         <a:solidFill>
           <a:schemeClr val="tx1"/>
         </a:solidFill>
-        <a:latin typeface="+mn-lt"/>
+        <a:latin typeface="Tahoma" pitchFamily="34" charset="0"/>
         <a:ea typeface="+mn-ea"/>
         <a:cs typeface="+mn-cs"/>
       </a:defRPr>
     </a:lvl2pPr>
-    <a:lvl3pPr marL="914400" algn="l" defTabSz="914400" rtl="0" eaLnBrk="1" latinLnBrk="0" hangingPunct="1">
-      <a:defRPr sz="1800" kern="1200">
+    <a:lvl3pPr marL="914400" algn="l" rtl="0" fontAlgn="base">
+      <a:lnSpc>
+        <a:spcPct val="90000"/>
+      </a:lnSpc>
+      <a:spcBef>
+        <a:spcPct val="0"/>
+      </a:spcBef>
+      <a:spcAft>
+        <a:spcPct val="60000"/>
+      </a:spcAft>
+      <a:buClr>
+        <a:srgbClr val="CC0000"/>
+      </a:buClr>
+      <a:buFont typeface="Wingdings" pitchFamily="2" charset="2"/>
+      <a:buChar char="§"/>
+      <a:defRPr sz="2000" b="1" kern="1200">
         <a:solidFill>
           <a:schemeClr val="tx1"/>
         </a:solidFill>
-        <a:latin typeface="+mn-lt"/>
+        <a:latin typeface="Tahoma" pitchFamily="34" charset="0"/>
         <a:ea typeface="+mn-ea"/>
         <a:cs typeface="+mn-cs"/>
       </a:defRPr>
     </a:lvl3pPr>
-    <a:lvl4pPr marL="1371600" algn="l" defTabSz="914400" rtl="0" eaLnBrk="1" latinLnBrk="0" hangingPunct="1">
-      <a:defRPr sz="1800" kern="1200">
+    <a:lvl4pPr marL="1371600" algn="l" rtl="0" fontAlgn="base">
+      <a:lnSpc>
+        <a:spcPct val="90000"/>
+      </a:lnSpc>
+      <a:spcBef>
+        <a:spcPct val="0"/>
+      </a:spcBef>
+      <a:spcAft>
+        <a:spcPct val="60000"/>
+      </a:spcAft>
+      <a:buClr>
+        <a:srgbClr val="CC0000"/>
+      </a:buClr>
+      <a:buFont typeface="Wingdings" pitchFamily="2" charset="2"/>
+      <a:buChar char="§"/>
+      <a:defRPr sz="2000" b="1" kern="1200">
         <a:solidFill>
           <a:schemeClr val="tx1"/>
         </a:solidFill>
-        <a:latin typeface="+mn-lt"/>
+        <a:latin typeface="Tahoma" pitchFamily="34" charset="0"/>
         <a:ea typeface="+mn-ea"/>
         <a:cs typeface="+mn-cs"/>
       </a:defRPr>
     </a:lvl4pPr>
-    <a:lvl5pPr marL="1828800" algn="l" defTabSz="914400" rtl="0" eaLnBrk="1" latinLnBrk="0" hangingPunct="1">
-      <a:defRPr sz="1800" kern="1200">
+    <a:lvl5pPr marL="1828800" algn="l" rtl="0" fontAlgn="base">
+      <a:lnSpc>
+        <a:spcPct val="90000"/>
+      </a:lnSpc>
+      <a:spcBef>
+        <a:spcPct val="0"/>
+      </a:spcBef>
+      <a:spcAft>
+        <a:spcPct val="60000"/>
+      </a:spcAft>
+      <a:buClr>
+        <a:srgbClr val="CC0000"/>
+      </a:buClr>
+      <a:buFont typeface="Wingdings" pitchFamily="2" charset="2"/>
+      <a:buChar char="§"/>
+      <a:defRPr sz="2000" b="1" kern="1200">
         <a:solidFill>
           <a:schemeClr val="tx1"/>
         </a:solidFill>
-        <a:latin typeface="+mn-lt"/>
+        <a:latin typeface="Tahoma" pitchFamily="34" charset="0"/>
         <a:ea typeface="+mn-ea"/>
         <a:cs typeface="+mn-cs"/>
       </a:defRPr>
     </a:lvl5pPr>
     <a:lvl6pPr marL="2286000" algn="l" defTabSz="914400" rtl="0" eaLnBrk="1" latinLnBrk="0" hangingPunct="1">
-      <a:defRPr sz="1800" kern="1200">
+      <a:defRPr sz="2000" b="1" kern="1200">
         <a:solidFill>
           <a:schemeClr val="tx1"/>
         </a:solidFill>
-        <a:latin typeface="+mn-lt"/>
+        <a:latin typeface="Tahoma" pitchFamily="34" charset="0"/>
         <a:ea typeface="+mn-ea"/>
         <a:cs typeface="+mn-cs"/>
       </a:defRPr>
     </a:lvl6pPr>
     <a:lvl7pPr marL="2743200" algn="l" defTabSz="914400" rtl="0" eaLnBrk="1" latinLnBrk="0" hangingPunct="1">
-      <a:defRPr sz="1800" kern="1200">
+      <a:defRPr sz="2000" b="1" kern="1200">
         <a:solidFill>
           <a:schemeClr val="tx1"/>
         </a:solidFill>
-        <a:latin typeface="+mn-lt"/>
+        <a:latin typeface="Tahoma" pitchFamily="34" charset="0"/>
         <a:ea typeface="+mn-ea"/>
         <a:cs typeface="+mn-cs"/>
       </a:defRPr>
     </a:lvl7pPr>
     <a:lvl8pPr marL="3200400" algn="l" defTabSz="914400" rtl="0" eaLnBrk="1" latinLnBrk="0" hangingPunct="1">
-      <a:defRPr sz="1800" kern="1200">
+      <a:defRPr sz="2000" b="1" kern="1200">
         <a:solidFill>
           <a:schemeClr val="tx1"/>
         </a:solidFill>
-        <a:latin typeface="+mn-lt"/>
+        <a:latin typeface="Tahoma" pitchFamily="34" charset="0"/>
         <a:ea typeface="+mn-ea"/>
         <a:cs typeface="+mn-cs"/>
       </a:defRPr>
     </a:lvl8pPr>
     <a:lvl9pPr marL="3657600" algn="l" defTabSz="914400" rtl="0" eaLnBrk="1" latinLnBrk="0" hangingPunct="1">
-      <a:defRPr sz="1800" kern="1200">
+      <a:defRPr sz="2000" b="1" kern="1200">
         <a:solidFill>
           <a:schemeClr val="tx1"/>
         </a:solidFill>
-        <a:latin typeface="+mn-lt"/>
+        <a:latin typeface="Tahoma" pitchFamily="34" charset="0"/>
         <a:ea typeface="+mn-ea"/>
         <a:cs typeface="+mn-cs"/>
       </a:defRPr>
@@ -128,22 +203,47 @@
   </p:defaultTextStyle>
   <p:extLst>
     <p:ext uri="{EFAFB233-063F-42B5-8137-9DF3F51BA10A}">
-      <p15:sldGuideLst xmlns:p15="http://schemas.microsoft.com/office/powerpoint/2012/main"/>
+      <p15:sldGuideLst xmlns:p15="http://schemas.microsoft.com/office/powerpoint/2012/main">
+        <p15:guide id="1" orient="horz" pos="2160">
+          <p15:clr>
+            <a:srgbClr val="A4A3A4"/>
+          </p15:clr>
+        </p15:guide>
+        <p15:guide id="2" pos="2880">
+          <p15:clr>
+            <a:srgbClr val="A4A3A4"/>
+          </p15:clr>
+        </p15:guide>
+      </p15:sldGuideLst>
     </p:ext>
     <p:ext uri="{2D200454-40CA-4A62-9FC3-DE9A4176ACB9}">
-      <p15:notesGuideLst xmlns:p15="http://schemas.microsoft.com/office/powerpoint/2012/main"/>
+      <p15:notesGuideLst xmlns:p15="http://schemas.microsoft.com/office/powerpoint/2012/main">
+        <p15:guide id="1" orient="horz" pos="2928">
+          <p15:clr>
+            <a:srgbClr val="A4A3A4"/>
+          </p15:clr>
+        </p15:guide>
+        <p15:guide id="2" pos="2208">
+          <p15:clr>
+            <a:srgbClr val="A4A3A4"/>
+          </p15:clr>
+        </p15:guide>
+      </p15:notesGuideLst>
     </p:ext>
   </p:extLst>
 </p:presentation>
 </file>
 
-<file path=ppt/notesMasters/notesMaster1.xml><?xml version="1.0" encoding="utf-8"?>
-<p:notesMaster xmlns:a="http://schemas.openxmlformats.org/drawingml/2006/main" xmlns:r="http://schemas.openxmlformats.org/officeDocument/2006/relationships" xmlns:p="http://schemas.openxmlformats.org/presentationml/2006/main">
+<file path=ppt/handoutMasters/handoutMaster1.xml><?xml version="1.0" encoding="utf-8"?>
+<p:handoutMaster xmlns:a="http://schemas.openxmlformats.org/drawingml/2006/main" xmlns:r="http://schemas.openxmlformats.org/officeDocument/2006/relationships" xmlns:p="http://schemas.openxmlformats.org/presentationml/2006/main">
   <p:cSld>
     <p:bg>
-      <p:bgRef idx="1001">
-        <a:schemeClr val="bg1"/>
-      </p:bgRef>
+      <p:bgPr>
+        <a:solidFill>
+          <a:schemeClr val="bg1"/>
+        </a:solidFill>
+        <a:effectLst/>
+      </p:bgPr>
     </p:bg>
     <p:spTree>
       <p:nvGrpSpPr>
@@ -161,283 +261,695 @@
       </p:grpSpPr>
       <p:sp>
         <p:nvSpPr>
-          <p:cNvPr id="2" name="Header Placeholder 1"/>
-          <p:cNvSpPr>
-            <a:spLocks noGrp="1"/>
+          <p:cNvPr id="31746" name="Rectangle 2"/>
+          <p:cNvSpPr>
+            <a:spLocks noGrp="1" noChangeArrowheads="1"/>
           </p:cNvSpPr>
           <p:nvPr>
             <p:ph type="hdr" sz="quarter"/>
           </p:nvPr>
         </p:nvSpPr>
-        <p:spPr>
+        <p:spPr bwMode="auto">
           <a:xfrm>
-            <a:off x="0" y="0"/>
-            <a:ext cx="2971800" cy="458788"/>
-          </a:xfrm>
-          <a:prstGeom prst="rect">
-            <a:avLst/>
-          </a:prstGeom>
-        </p:spPr>
-        <p:txBody>
-          <a:bodyPr vert="horz" lIns="91440" tIns="45720" rIns="91440" bIns="45720" rtlCol="0"/>
-          <a:lstStyle>
-            <a:lvl1pPr algn="l">
-              <a:defRPr sz="1200"/>
-            </a:lvl1pPr>
-          </a:lstStyle>
-          <a:p>
-            <a:endParaRPr lang="en-US"/>
-          </a:p>
-        </p:txBody>
-      </p:sp>
-      <p:sp>
-        <p:nvSpPr>
-          <p:cNvPr id="3" name="Date Placeholder 2"/>
-          <p:cNvSpPr>
-            <a:spLocks noGrp="1"/>
-          </p:cNvSpPr>
-          <p:nvPr>
-            <p:ph type="dt" idx="1"/>
-          </p:nvPr>
-        </p:nvSpPr>
-        <p:spPr>
-          <a:xfrm>
-            <a:off x="3884613" y="0"/>
-            <a:ext cx="2971800" cy="458788"/>
-          </a:xfrm>
-          <a:prstGeom prst="rect">
-            <a:avLst/>
-          </a:prstGeom>
-        </p:spPr>
-        <p:txBody>
-          <a:bodyPr vert="horz" lIns="91440" tIns="45720" rIns="91440" bIns="45720" rtlCol="0"/>
-          <a:lstStyle>
-            <a:lvl1pPr algn="r">
-              <a:defRPr sz="1200"/>
-            </a:lvl1pPr>
-          </a:lstStyle>
-          <a:p>
-            <a:fld id="{0386247E-E161-4A7D-8414-A680043B480C}" type="datetimeFigureOut">
-              <a:rPr lang="en-US" smtClean="0"/>
-              <a:t>9/10/2018</a:t>
-            </a:fld>
-            <a:endParaRPr lang="en-US"/>
-          </a:p>
-        </p:txBody>
-      </p:sp>
-      <p:sp>
-        <p:nvSpPr>
-          <p:cNvPr id="4" name="Slide Image Placeholder 3"/>
-          <p:cNvSpPr>
-            <a:spLocks noGrp="1" noRot="1" noChangeAspect="1"/>
-          </p:cNvSpPr>
-          <p:nvPr>
-            <p:ph type="sldImg" idx="2"/>
-          </p:nvPr>
-        </p:nvSpPr>
-        <p:spPr>
-          <a:xfrm>
-            <a:off x="685800" y="1143000"/>
-            <a:ext cx="5486400" cy="3086100"/>
+            <a:off x="1" y="1"/>
+            <a:ext cx="3038145" cy="465743"/>
           </a:xfrm>
           <a:prstGeom prst="rect">
             <a:avLst/>
           </a:prstGeom>
           <a:noFill/>
-          <a:ln w="12700">
-            <a:solidFill>
-              <a:prstClr val="black"/>
-            </a:solidFill>
+          <a:ln w="9525">
+            <a:noFill/>
+            <a:miter lim="800000"/>
+            <a:headEnd/>
+            <a:tailEnd/>
           </a:ln>
+          <a:effectLst/>
         </p:spPr>
         <p:txBody>
-          <a:bodyPr vert="horz" lIns="91440" tIns="45720" rIns="91440" bIns="45720" rtlCol="0" anchor="ctr"/>
-          <a:lstStyle/>
-          <a:p>
+          <a:bodyPr vert="horz" wrap="square" lIns="93361" tIns="46680" rIns="93361" bIns="46680" numCol="1" anchor="t" anchorCtr="0" compatLnSpc="1">
+            <a:prstTxWarp prst="textNoShape">
+              <a:avLst/>
+            </a:prstTxWarp>
+          </a:bodyPr>
+          <a:lstStyle>
+            <a:lvl1pPr defTabSz="933083">
+              <a:lnSpc>
+                <a:spcPct val="100000"/>
+              </a:lnSpc>
+              <a:spcAft>
+                <a:spcPct val="0"/>
+              </a:spcAft>
+              <a:buClrTx/>
+              <a:buFontTx/>
+              <a:buNone/>
+              <a:defRPr sz="1200" b="0">
+                <a:latin typeface="Times New Roman" pitchFamily="18" charset="0"/>
+              </a:defRPr>
+            </a:lvl1pPr>
+          </a:lstStyle>
+          <a:p>
+            <a:pPr>
+              <a:defRPr/>
+            </a:pPr>
             <a:endParaRPr lang="en-US"/>
           </a:p>
         </p:txBody>
       </p:sp>
       <p:sp>
         <p:nvSpPr>
-          <p:cNvPr id="5" name="Notes Placeholder 4"/>
-          <p:cNvSpPr>
-            <a:spLocks noGrp="1"/>
-          </p:cNvSpPr>
-          <p:nvPr>
-            <p:ph type="body" sz="quarter" idx="3"/>
-          </p:nvPr>
-        </p:nvSpPr>
-        <p:spPr>
+          <p:cNvPr id="31747" name="Rectangle 3"/>
+          <p:cNvSpPr>
+            <a:spLocks noGrp="1" noChangeArrowheads="1"/>
+          </p:cNvSpPr>
+          <p:nvPr>
+            <p:ph type="dt" sz="quarter" idx="1"/>
+          </p:nvPr>
+        </p:nvSpPr>
+        <p:spPr bwMode="auto">
           <a:xfrm>
-            <a:off x="685800" y="4400550"/>
-            <a:ext cx="5486400" cy="3600450"/>
+            <a:off x="3972257" y="1"/>
+            <a:ext cx="3038144" cy="465743"/>
           </a:xfrm>
           <a:prstGeom prst="rect">
             <a:avLst/>
           </a:prstGeom>
+          <a:noFill/>
+          <a:ln w="9525">
+            <a:noFill/>
+            <a:miter lim="800000"/>
+            <a:headEnd/>
+            <a:tailEnd/>
+          </a:ln>
+          <a:effectLst/>
         </p:spPr>
         <p:txBody>
-          <a:bodyPr vert="horz" lIns="91440" tIns="45720" rIns="91440" bIns="45720" rtlCol="0"/>
-          <a:lstStyle/>
-          <a:p>
-            <a:pPr lvl="0"/>
-            <a:r>
-              <a:rPr lang="en-US"/>
-              <a:t>Edit Master text styles</a:t>
-            </a:r>
-          </a:p>
-          <a:p>
-            <a:pPr lvl="1"/>
-            <a:r>
-              <a:rPr lang="en-US"/>
-              <a:t>Second level</a:t>
-            </a:r>
-          </a:p>
-          <a:p>
-            <a:pPr lvl="2"/>
-            <a:r>
-              <a:rPr lang="en-US"/>
-              <a:t>Third level</a:t>
-            </a:r>
-          </a:p>
-          <a:p>
-            <a:pPr lvl="3"/>
-            <a:r>
-              <a:rPr lang="en-US"/>
-              <a:t>Fourth level</a:t>
-            </a:r>
-          </a:p>
-          <a:p>
-            <a:pPr lvl="4"/>
-            <a:r>
-              <a:rPr lang="en-US"/>
-              <a:t>Fifth level</a:t>
-            </a:r>
+          <a:bodyPr vert="horz" wrap="square" lIns="93361" tIns="46680" rIns="93361" bIns="46680" numCol="1" anchor="t" anchorCtr="0" compatLnSpc="1">
+            <a:prstTxWarp prst="textNoShape">
+              <a:avLst/>
+            </a:prstTxWarp>
+          </a:bodyPr>
+          <a:lstStyle>
+            <a:lvl1pPr algn="r" defTabSz="933083">
+              <a:lnSpc>
+                <a:spcPct val="100000"/>
+              </a:lnSpc>
+              <a:spcAft>
+                <a:spcPct val="0"/>
+              </a:spcAft>
+              <a:buClrTx/>
+              <a:buFontTx/>
+              <a:buNone/>
+              <a:defRPr sz="1200" b="0">
+                <a:latin typeface="Times New Roman" pitchFamily="18" charset="0"/>
+              </a:defRPr>
+            </a:lvl1pPr>
+          </a:lstStyle>
+          <a:p>
+            <a:pPr>
+              <a:defRPr/>
+            </a:pPr>
+            <a:endParaRPr lang="en-US"/>
           </a:p>
         </p:txBody>
       </p:sp>
       <p:sp>
         <p:nvSpPr>
-          <p:cNvPr id="6" name="Footer Placeholder 5"/>
-          <p:cNvSpPr>
-            <a:spLocks noGrp="1"/>
-          </p:cNvSpPr>
-          <p:nvPr>
-            <p:ph type="ftr" sz="quarter" idx="4"/>
-          </p:nvPr>
-        </p:nvSpPr>
-        <p:spPr>
+          <p:cNvPr id="31748" name="Rectangle 4"/>
+          <p:cNvSpPr>
+            <a:spLocks noGrp="1" noChangeArrowheads="1"/>
+          </p:cNvSpPr>
+          <p:nvPr>
+            <p:ph type="ftr" sz="quarter" idx="2"/>
+          </p:nvPr>
+        </p:nvSpPr>
+        <p:spPr bwMode="auto">
           <a:xfrm>
-            <a:off x="0" y="8685213"/>
-            <a:ext cx="2971800" cy="458787"/>
+            <a:off x="1" y="8830658"/>
+            <a:ext cx="3038145" cy="465742"/>
           </a:xfrm>
           <a:prstGeom prst="rect">
             <a:avLst/>
           </a:prstGeom>
+          <a:noFill/>
+          <a:ln w="9525">
+            <a:noFill/>
+            <a:miter lim="800000"/>
+            <a:headEnd/>
+            <a:tailEnd/>
+          </a:ln>
+          <a:effectLst/>
         </p:spPr>
         <p:txBody>
-          <a:bodyPr vert="horz" lIns="91440" tIns="45720" rIns="91440" bIns="45720" rtlCol="0" anchor="b"/>
+          <a:bodyPr vert="horz" wrap="square" lIns="93361" tIns="46680" rIns="93361" bIns="46680" numCol="1" anchor="b" anchorCtr="0" compatLnSpc="1">
+            <a:prstTxWarp prst="textNoShape">
+              <a:avLst/>
+            </a:prstTxWarp>
+          </a:bodyPr>
           <a:lstStyle>
-            <a:lvl1pPr algn="l">
-              <a:defRPr sz="1200"/>
+            <a:lvl1pPr defTabSz="933083">
+              <a:lnSpc>
+                <a:spcPct val="100000"/>
+              </a:lnSpc>
+              <a:spcAft>
+                <a:spcPct val="0"/>
+              </a:spcAft>
+              <a:buClrTx/>
+              <a:buFontTx/>
+              <a:buNone/>
+              <a:defRPr sz="1200" b="0">
+                <a:latin typeface="Times New Roman" pitchFamily="18" charset="0"/>
+              </a:defRPr>
             </a:lvl1pPr>
           </a:lstStyle>
           <a:p>
+            <a:pPr>
+              <a:defRPr/>
+            </a:pPr>
             <a:endParaRPr lang="en-US"/>
           </a:p>
         </p:txBody>
       </p:sp>
       <p:sp>
         <p:nvSpPr>
-          <p:cNvPr id="7" name="Slide Number Placeholder 6"/>
-          <p:cNvSpPr>
-            <a:spLocks noGrp="1"/>
-          </p:cNvSpPr>
-          <p:nvPr>
-            <p:ph type="sldNum" sz="quarter" idx="5"/>
-          </p:nvPr>
-        </p:nvSpPr>
-        <p:spPr>
+          <p:cNvPr id="31749" name="Rectangle 5"/>
+          <p:cNvSpPr>
+            <a:spLocks noGrp="1" noChangeArrowheads="1"/>
+          </p:cNvSpPr>
+          <p:nvPr>
+            <p:ph type="sldNum" sz="quarter" idx="3"/>
+          </p:nvPr>
+        </p:nvSpPr>
+        <p:spPr bwMode="auto">
           <a:xfrm>
-            <a:off x="3884613" y="8685213"/>
-            <a:ext cx="2971800" cy="458787"/>
+            <a:off x="3972257" y="8830658"/>
+            <a:ext cx="3038144" cy="465742"/>
           </a:xfrm>
           <a:prstGeom prst="rect">
             <a:avLst/>
           </a:prstGeom>
+          <a:noFill/>
+          <a:ln w="9525">
+            <a:noFill/>
+            <a:miter lim="800000"/>
+            <a:headEnd/>
+            <a:tailEnd/>
+          </a:ln>
+          <a:effectLst/>
         </p:spPr>
         <p:txBody>
-          <a:bodyPr vert="horz" lIns="91440" tIns="45720" rIns="91440" bIns="45720" rtlCol="0" anchor="b"/>
+          <a:bodyPr vert="horz" wrap="square" lIns="93361" tIns="46680" rIns="93361" bIns="46680" numCol="1" anchor="b" anchorCtr="0" compatLnSpc="1">
+            <a:prstTxWarp prst="textNoShape">
+              <a:avLst/>
+            </a:prstTxWarp>
+          </a:bodyPr>
           <a:lstStyle>
-            <a:lvl1pPr algn="r">
-              <a:defRPr sz="1200"/>
+            <a:lvl1pPr algn="r" defTabSz="933083">
+              <a:lnSpc>
+                <a:spcPct val="100000"/>
+              </a:lnSpc>
+              <a:spcAft>
+                <a:spcPct val="0"/>
+              </a:spcAft>
+              <a:buClrTx/>
+              <a:buFontTx/>
+              <a:buNone/>
+              <a:defRPr sz="1200" b="0">
+                <a:latin typeface="Times New Roman" pitchFamily="18" charset="0"/>
+              </a:defRPr>
             </a:lvl1pPr>
           </a:lstStyle>
           <a:p>
-            <a:fld id="{6957424D-6443-4BD4-B005-EE16AFA1F93E}" type="slidenum">
-              <a:rPr lang="en-US" smtClean="0"/>
+            <a:pPr>
+              <a:defRPr/>
+            </a:pPr>
+            <a:fld id="{75A9FF56-E5F9-4ECE-BF3A-E72110AA792E}" type="slidenum">
+              <a:rPr lang="en-US"/>
+              <a:pPr>
+                <a:defRPr/>
+              </a:pPr>
               <a:t>‹#›</a:t>
             </a:fld>
-            <a:endParaRPr lang="en-US"/>
+            <a:endParaRPr lang="en-US" dirty="0"/>
           </a:p>
         </p:txBody>
       </p:sp>
     </p:spTree>
     <p:extLst>
       <p:ext uri="{BB962C8B-B14F-4D97-AF65-F5344CB8AC3E}">
-        <p14:creationId xmlns:p14="http://schemas.microsoft.com/office/powerpoint/2010/main" val="3992303342"/>
+        <p14:creationId xmlns:p14="http://schemas.microsoft.com/office/powerpoint/2010/main" val="2387393577"/>
+      </p:ext>
+    </p:extLst>
+  </p:cSld>
+  <p:clrMap bg1="lt1" tx1="dk1" bg2="lt2" tx2="dk2" accent1="accent1" accent2="accent2" accent3="accent3" accent4="accent4" accent5="accent5" accent6="accent6" hlink="hlink" folHlink="folHlink"/>
+</p:handoutMaster>
+</file>
+
+<file path=ppt/notesMasters/notesMaster1.xml><?xml version="1.0" encoding="utf-8"?>
+<p:notesMaster xmlns:a="http://schemas.openxmlformats.org/drawingml/2006/main" xmlns:r="http://schemas.openxmlformats.org/officeDocument/2006/relationships" xmlns:p="http://schemas.openxmlformats.org/presentationml/2006/main">
+  <p:cSld>
+    <p:bg>
+      <p:bgPr>
+        <a:solidFill>
+          <a:schemeClr val="bg1"/>
+        </a:solidFill>
+        <a:effectLst/>
+      </p:bgPr>
+    </p:bg>
+    <p:spTree>
+      <p:nvGrpSpPr>
+        <p:cNvPr id="1" name=""/>
+        <p:cNvGrpSpPr/>
+        <p:nvPr/>
+      </p:nvGrpSpPr>
+      <p:grpSpPr>
+        <a:xfrm>
+          <a:off x="0" y="0"/>
+          <a:ext cx="0" cy="0"/>
+          <a:chOff x="0" y="0"/>
+          <a:chExt cx="0" cy="0"/>
+        </a:xfrm>
+      </p:grpSpPr>
+      <p:sp>
+        <p:nvSpPr>
+          <p:cNvPr id="32770" name="Rectangle 2"/>
+          <p:cNvSpPr>
+            <a:spLocks noGrp="1" noChangeArrowheads="1"/>
+          </p:cNvSpPr>
+          <p:nvPr>
+            <p:ph type="hdr" sz="quarter"/>
+          </p:nvPr>
+        </p:nvSpPr>
+        <p:spPr bwMode="auto">
+          <a:xfrm>
+            <a:off x="1" y="1"/>
+            <a:ext cx="3038145" cy="465743"/>
+          </a:xfrm>
+          <a:prstGeom prst="rect">
+            <a:avLst/>
+          </a:prstGeom>
+          <a:noFill/>
+          <a:ln w="9525">
+            <a:noFill/>
+            <a:miter lim="800000"/>
+            <a:headEnd/>
+            <a:tailEnd/>
+          </a:ln>
+          <a:effectLst/>
+        </p:spPr>
+        <p:txBody>
+          <a:bodyPr vert="horz" wrap="square" lIns="93361" tIns="46680" rIns="93361" bIns="46680" numCol="1" anchor="t" anchorCtr="0" compatLnSpc="1">
+            <a:prstTxWarp prst="textNoShape">
+              <a:avLst/>
+            </a:prstTxWarp>
+          </a:bodyPr>
+          <a:lstStyle>
+            <a:lvl1pPr defTabSz="933083">
+              <a:lnSpc>
+                <a:spcPct val="100000"/>
+              </a:lnSpc>
+              <a:spcAft>
+                <a:spcPct val="0"/>
+              </a:spcAft>
+              <a:buClrTx/>
+              <a:buFontTx/>
+              <a:buNone/>
+              <a:defRPr sz="1200" b="0">
+                <a:latin typeface="Times New Roman" pitchFamily="18" charset="0"/>
+              </a:defRPr>
+            </a:lvl1pPr>
+          </a:lstStyle>
+          <a:p>
+            <a:pPr>
+              <a:defRPr/>
+            </a:pPr>
+            <a:endParaRPr lang="en-US"/>
+          </a:p>
+        </p:txBody>
+      </p:sp>
+      <p:sp>
+        <p:nvSpPr>
+          <p:cNvPr id="32771" name="Rectangle 3"/>
+          <p:cNvSpPr>
+            <a:spLocks noGrp="1" noChangeArrowheads="1"/>
+          </p:cNvSpPr>
+          <p:nvPr>
+            <p:ph type="dt" idx="1"/>
+          </p:nvPr>
+        </p:nvSpPr>
+        <p:spPr bwMode="auto">
+          <a:xfrm>
+            <a:off x="3972257" y="1"/>
+            <a:ext cx="3038144" cy="465743"/>
+          </a:xfrm>
+          <a:prstGeom prst="rect">
+            <a:avLst/>
+          </a:prstGeom>
+          <a:noFill/>
+          <a:ln w="9525">
+            <a:noFill/>
+            <a:miter lim="800000"/>
+            <a:headEnd/>
+            <a:tailEnd/>
+          </a:ln>
+          <a:effectLst/>
+        </p:spPr>
+        <p:txBody>
+          <a:bodyPr vert="horz" wrap="square" lIns="93361" tIns="46680" rIns="93361" bIns="46680" numCol="1" anchor="t" anchorCtr="0" compatLnSpc="1">
+            <a:prstTxWarp prst="textNoShape">
+              <a:avLst/>
+            </a:prstTxWarp>
+          </a:bodyPr>
+          <a:lstStyle>
+            <a:lvl1pPr algn="r" defTabSz="933083">
+              <a:lnSpc>
+                <a:spcPct val="100000"/>
+              </a:lnSpc>
+              <a:spcAft>
+                <a:spcPct val="0"/>
+              </a:spcAft>
+              <a:buClrTx/>
+              <a:buFontTx/>
+              <a:buNone/>
+              <a:defRPr sz="1200" b="0">
+                <a:latin typeface="Times New Roman" pitchFamily="18" charset="0"/>
+              </a:defRPr>
+            </a:lvl1pPr>
+          </a:lstStyle>
+          <a:p>
+            <a:pPr>
+              <a:defRPr/>
+            </a:pPr>
+            <a:endParaRPr lang="en-US"/>
+          </a:p>
+        </p:txBody>
+      </p:sp>
+      <p:sp>
+        <p:nvSpPr>
+          <p:cNvPr id="74756" name="Rectangle 4"/>
+          <p:cNvSpPr>
+            <a:spLocks noGrp="1" noRot="1" noChangeAspect="1" noChangeArrowheads="1" noTextEdit="1"/>
+          </p:cNvSpPr>
+          <p:nvPr>
+            <p:ph type="sldImg" idx="2"/>
+          </p:nvPr>
+        </p:nvSpPr>
+        <p:spPr bwMode="auto">
+          <a:xfrm>
+            <a:off x="1181100" y="696913"/>
+            <a:ext cx="4648200" cy="3486150"/>
+          </a:xfrm>
+          <a:prstGeom prst="rect">
+            <a:avLst/>
+          </a:prstGeom>
+          <a:noFill/>
+          <a:ln w="9525">
+            <a:solidFill>
+              <a:srgbClr val="000000"/>
+            </a:solidFill>
+            <a:miter lim="800000"/>
+            <a:headEnd/>
+            <a:tailEnd/>
+          </a:ln>
+        </p:spPr>
+      </p:sp>
+      <p:sp>
+        <p:nvSpPr>
+          <p:cNvPr id="32773" name="Rectangle 5"/>
+          <p:cNvSpPr>
+            <a:spLocks noGrp="1" noChangeArrowheads="1"/>
+          </p:cNvSpPr>
+          <p:nvPr>
+            <p:ph type="body" sz="quarter" idx="3"/>
+          </p:nvPr>
+        </p:nvSpPr>
+        <p:spPr bwMode="auto">
+          <a:xfrm>
+            <a:off x="935634" y="4414561"/>
+            <a:ext cx="5139134" cy="4185532"/>
+          </a:xfrm>
+          <a:prstGeom prst="rect">
+            <a:avLst/>
+          </a:prstGeom>
+          <a:noFill/>
+          <a:ln w="9525">
+            <a:noFill/>
+            <a:miter lim="800000"/>
+            <a:headEnd/>
+            <a:tailEnd/>
+          </a:ln>
+          <a:effectLst/>
+        </p:spPr>
+        <p:txBody>
+          <a:bodyPr vert="horz" wrap="square" lIns="93361" tIns="46680" rIns="93361" bIns="46680" numCol="1" anchor="t" anchorCtr="0" compatLnSpc="1">
+            <a:prstTxWarp prst="textNoShape">
+              <a:avLst/>
+            </a:prstTxWarp>
+          </a:bodyPr>
+          <a:lstStyle/>
+          <a:p>
+            <a:pPr lvl="0"/>
+            <a:r>
+              <a:rPr lang="en-US" noProof="0"/>
+              <a:t>Click to edit Master text styles</a:t>
+            </a:r>
+          </a:p>
+          <a:p>
+            <a:pPr lvl="1"/>
+            <a:r>
+              <a:rPr lang="en-US" noProof="0"/>
+              <a:t>Second level</a:t>
+            </a:r>
+          </a:p>
+          <a:p>
+            <a:pPr lvl="2"/>
+            <a:r>
+              <a:rPr lang="en-US" noProof="0"/>
+              <a:t>Third level</a:t>
+            </a:r>
+          </a:p>
+          <a:p>
+            <a:pPr lvl="3"/>
+            <a:r>
+              <a:rPr lang="en-US" noProof="0"/>
+              <a:t>Fourth level</a:t>
+            </a:r>
+          </a:p>
+          <a:p>
+            <a:pPr lvl="4"/>
+            <a:r>
+              <a:rPr lang="en-US" noProof="0"/>
+              <a:t>Fifth level</a:t>
+            </a:r>
+          </a:p>
+        </p:txBody>
+      </p:sp>
+      <p:sp>
+        <p:nvSpPr>
+          <p:cNvPr id="32774" name="Rectangle 6"/>
+          <p:cNvSpPr>
+            <a:spLocks noGrp="1" noChangeArrowheads="1"/>
+          </p:cNvSpPr>
+          <p:nvPr>
+            <p:ph type="ftr" sz="quarter" idx="4"/>
+          </p:nvPr>
+        </p:nvSpPr>
+        <p:spPr bwMode="auto">
+          <a:xfrm>
+            <a:off x="1" y="8830658"/>
+            <a:ext cx="3038145" cy="465742"/>
+          </a:xfrm>
+          <a:prstGeom prst="rect">
+            <a:avLst/>
+          </a:prstGeom>
+          <a:noFill/>
+          <a:ln w="9525">
+            <a:noFill/>
+            <a:miter lim="800000"/>
+            <a:headEnd/>
+            <a:tailEnd/>
+          </a:ln>
+          <a:effectLst/>
+        </p:spPr>
+        <p:txBody>
+          <a:bodyPr vert="horz" wrap="square" lIns="93361" tIns="46680" rIns="93361" bIns="46680" numCol="1" anchor="b" anchorCtr="0" compatLnSpc="1">
+            <a:prstTxWarp prst="textNoShape">
+              <a:avLst/>
+            </a:prstTxWarp>
+          </a:bodyPr>
+          <a:lstStyle>
+            <a:lvl1pPr defTabSz="933083">
+              <a:lnSpc>
+                <a:spcPct val="100000"/>
+              </a:lnSpc>
+              <a:spcAft>
+                <a:spcPct val="0"/>
+              </a:spcAft>
+              <a:buClrTx/>
+              <a:buFontTx/>
+              <a:buNone/>
+              <a:defRPr sz="1200" b="0">
+                <a:latin typeface="Times New Roman" pitchFamily="18" charset="0"/>
+              </a:defRPr>
+            </a:lvl1pPr>
+          </a:lstStyle>
+          <a:p>
+            <a:pPr>
+              <a:defRPr/>
+            </a:pPr>
+            <a:endParaRPr lang="en-US"/>
+          </a:p>
+        </p:txBody>
+      </p:sp>
+      <p:sp>
+        <p:nvSpPr>
+          <p:cNvPr id="32775" name="Rectangle 7"/>
+          <p:cNvSpPr>
+            <a:spLocks noGrp="1" noChangeArrowheads="1"/>
+          </p:cNvSpPr>
+          <p:nvPr>
+            <p:ph type="sldNum" sz="quarter" idx="5"/>
+          </p:nvPr>
+        </p:nvSpPr>
+        <p:spPr bwMode="auto">
+          <a:xfrm>
+            <a:off x="3972257" y="8830658"/>
+            <a:ext cx="3038144" cy="465742"/>
+          </a:xfrm>
+          <a:prstGeom prst="rect">
+            <a:avLst/>
+          </a:prstGeom>
+          <a:noFill/>
+          <a:ln w="9525">
+            <a:noFill/>
+            <a:miter lim="800000"/>
+            <a:headEnd/>
+            <a:tailEnd/>
+          </a:ln>
+          <a:effectLst/>
+        </p:spPr>
+        <p:txBody>
+          <a:bodyPr vert="horz" wrap="square" lIns="93361" tIns="46680" rIns="93361" bIns="46680" numCol="1" anchor="b" anchorCtr="0" compatLnSpc="1">
+            <a:prstTxWarp prst="textNoShape">
+              <a:avLst/>
+            </a:prstTxWarp>
+          </a:bodyPr>
+          <a:lstStyle>
+            <a:lvl1pPr algn="r" defTabSz="933083">
+              <a:lnSpc>
+                <a:spcPct val="100000"/>
+              </a:lnSpc>
+              <a:spcAft>
+                <a:spcPct val="0"/>
+              </a:spcAft>
+              <a:buClrTx/>
+              <a:buFontTx/>
+              <a:buNone/>
+              <a:defRPr sz="1200" b="0">
+                <a:latin typeface="Times New Roman" pitchFamily="18" charset="0"/>
+              </a:defRPr>
+            </a:lvl1pPr>
+          </a:lstStyle>
+          <a:p>
+            <a:pPr>
+              <a:defRPr/>
+            </a:pPr>
+            <a:fld id="{1553658B-92F5-423B-82DF-6AC7EC73A967}" type="slidenum">
+              <a:rPr lang="en-US"/>
+              <a:pPr>
+                <a:defRPr/>
+              </a:pPr>
+              <a:t>‹#›</a:t>
+            </a:fld>
+            <a:endParaRPr lang="en-US" dirty="0"/>
+          </a:p>
+        </p:txBody>
+      </p:sp>
+    </p:spTree>
+    <p:extLst>
+      <p:ext uri="{BB962C8B-B14F-4D97-AF65-F5344CB8AC3E}">
+        <p14:creationId xmlns:p14="http://schemas.microsoft.com/office/powerpoint/2010/main" val="3623121103"/>
       </p:ext>
     </p:extLst>
   </p:cSld>
   <p:clrMap bg1="lt1" tx1="dk1" bg2="lt2" tx2="dk2" accent1="accent1" accent2="accent2" accent3="accent3" accent4="accent4" accent5="accent5" accent6="accent6" hlink="hlink" folHlink="folHlink"/>
   <p:notesStyle>
-    <a:lvl1pPr marL="0" algn="l" defTabSz="914400" rtl="0" eaLnBrk="1" latinLnBrk="0" hangingPunct="1">
+    <a:lvl1pPr algn="l" rtl="0" eaLnBrk="0" fontAlgn="base" hangingPunct="0">
+      <a:spcBef>
+        <a:spcPct val="30000"/>
+      </a:spcBef>
+      <a:spcAft>
+        <a:spcPct val="0"/>
+      </a:spcAft>
       <a:defRPr sz="1200" kern="1200">
         <a:solidFill>
           <a:schemeClr val="tx1"/>
         </a:solidFill>
-        <a:latin typeface="+mn-lt"/>
+        <a:latin typeface="Times New Roman" pitchFamily="18" charset="0"/>
         <a:ea typeface="+mn-ea"/>
         <a:cs typeface="+mn-cs"/>
       </a:defRPr>
     </a:lvl1pPr>
-    <a:lvl2pPr marL="457200" algn="l" defTabSz="914400" rtl="0" eaLnBrk="1" latinLnBrk="0" hangingPunct="1">
+    <a:lvl2pPr marL="457200" algn="l" rtl="0" eaLnBrk="0" fontAlgn="base" hangingPunct="0">
+      <a:spcBef>
+        <a:spcPct val="30000"/>
+      </a:spcBef>
+      <a:spcAft>
+        <a:spcPct val="0"/>
+      </a:spcAft>
       <a:defRPr sz="1200" kern="1200">
         <a:solidFill>
           <a:schemeClr val="tx1"/>
         </a:solidFill>
-        <a:latin typeface="+mn-lt"/>
+        <a:latin typeface="Times New Roman" pitchFamily="18" charset="0"/>
         <a:ea typeface="+mn-ea"/>
         <a:cs typeface="+mn-cs"/>
       </a:defRPr>
     </a:lvl2pPr>
-    <a:lvl3pPr marL="914400" algn="l" defTabSz="914400" rtl="0" eaLnBrk="1" latinLnBrk="0" hangingPunct="1">
+    <a:lvl3pPr marL="914400" algn="l" rtl="0" eaLnBrk="0" fontAlgn="base" hangingPunct="0">
+      <a:spcBef>
+        <a:spcPct val="30000"/>
+      </a:spcBef>
+      <a:spcAft>
+        <a:spcPct val="0"/>
+      </a:spcAft>
       <a:defRPr sz="1200" kern="1200">
         <a:solidFill>
           <a:schemeClr val="tx1"/>
         </a:solidFill>
-        <a:latin typeface="+mn-lt"/>
+        <a:latin typeface="Times New Roman" pitchFamily="18" charset="0"/>
         <a:ea typeface="+mn-ea"/>
         <a:cs typeface="+mn-cs"/>
       </a:defRPr>
     </a:lvl3pPr>
-    <a:lvl4pPr marL="1371600" algn="l" defTabSz="914400" rtl="0" eaLnBrk="1" latinLnBrk="0" hangingPunct="1">
+    <a:lvl4pPr marL="1371600" algn="l" rtl="0" eaLnBrk="0" fontAlgn="base" hangingPunct="0">
+      <a:spcBef>
+        <a:spcPct val="30000"/>
+      </a:spcBef>
+      <a:spcAft>
+        <a:spcPct val="0"/>
+      </a:spcAft>
       <a:defRPr sz="1200" kern="1200">
         <a:solidFill>
           <a:schemeClr val="tx1"/>
         </a:solidFill>
-        <a:latin typeface="+mn-lt"/>
+        <a:latin typeface="Times New Roman" pitchFamily="18" charset="0"/>
         <a:ea typeface="+mn-ea"/>
         <a:cs typeface="+mn-cs"/>
       </a:defRPr>
     </a:lvl4pPr>
-    <a:lvl5pPr marL="1828800" algn="l" defTabSz="914400" rtl="0" eaLnBrk="1" latinLnBrk="0" hangingPunct="1">
+    <a:lvl5pPr marL="1828800" algn="l" rtl="0" eaLnBrk="0" fontAlgn="base" hangingPunct="0">
+      <a:spcBef>
+        <a:spcPct val="30000"/>
+      </a:spcBef>
+      <a:spcAft>
+        <a:spcPct val="0"/>
+      </a:spcAft>
       <a:defRPr sz="1200" kern="1200">
         <a:solidFill>
           <a:schemeClr val="tx1"/>
         </a:solidFill>
-        <a:latin typeface="+mn-lt"/>
+        <a:latin typeface="Times New Roman" pitchFamily="18" charset="0"/>
         <a:ea typeface="+mn-ea"/>
         <a:cs typeface="+mn-cs"/>
       </a:defRPr>
@@ -560,7 +1072,7 @@
     </p:spTree>
     <p:extLst>
       <p:ext uri="{BB962C8B-B14F-4D97-AF65-F5344CB8AC3E}">
-        <p14:creationId xmlns:p14="http://schemas.microsoft.com/office/powerpoint/2010/main" val="1611022225"/>
+        <p14:creationId xmlns:p14="http://schemas.microsoft.com/office/powerpoint/2010/main" val="4282236899"/>
       </p:ext>
     </p:extLst>
   </p:cSld>
@@ -644,7 +1156,7 @@
     </p:spTree>
     <p:extLst>
       <p:ext uri="{BB962C8B-B14F-4D97-AF65-F5344CB8AC3E}">
-        <p14:creationId xmlns:p14="http://schemas.microsoft.com/office/powerpoint/2010/main" val="2813135083"/>
+        <p14:creationId xmlns:p14="http://schemas.microsoft.com/office/powerpoint/2010/main" val="765627437"/>
       </p:ext>
     </p:extLst>
   </p:cSld>
@@ -728,7 +1240,7 @@
     </p:spTree>
     <p:extLst>
       <p:ext uri="{BB962C8B-B14F-4D97-AF65-F5344CB8AC3E}">
-        <p14:creationId xmlns:p14="http://schemas.microsoft.com/office/powerpoint/2010/main" val="564125845"/>
+        <p14:creationId xmlns:p14="http://schemas.microsoft.com/office/powerpoint/2010/main" val="3626953705"/>
       </p:ext>
     </p:extLst>
   </p:cSld>
@@ -812,7 +1324,7 @@
     </p:spTree>
     <p:extLst>
       <p:ext uri="{BB962C8B-B14F-4D97-AF65-F5344CB8AC3E}">
-        <p14:creationId xmlns:p14="http://schemas.microsoft.com/office/powerpoint/2010/main" val="2747665952"/>
+        <p14:creationId xmlns:p14="http://schemas.microsoft.com/office/powerpoint/2010/main" val="897067954"/>
       </p:ext>
     </p:extLst>
   </p:cSld>
@@ -899,7 +1411,7 @@
     </p:spTree>
     <p:extLst>
       <p:ext uri="{BB962C8B-B14F-4D97-AF65-F5344CB8AC3E}">
-        <p14:creationId xmlns:p14="http://schemas.microsoft.com/office/powerpoint/2010/main" val="4176649931"/>
+        <p14:creationId xmlns:p14="http://schemas.microsoft.com/office/powerpoint/2010/main" val="1478078597"/>
       </p:ext>
     </p:extLst>
   </p:cSld>
@@ -983,7 +1495,7 @@
     </p:spTree>
     <p:extLst>
       <p:ext uri="{BB962C8B-B14F-4D97-AF65-F5344CB8AC3E}">
-        <p14:creationId xmlns:p14="http://schemas.microsoft.com/office/powerpoint/2010/main" val="1490998784"/>
+        <p14:creationId xmlns:p14="http://schemas.microsoft.com/office/powerpoint/2010/main" val="2103777957"/>
       </p:ext>
     </p:extLst>
   </p:cSld>
@@ -994,7 +1506,7 @@
 </file>
 
 <file path=ppt/slideLayouts/slideLayout1.xml><?xml version="1.0" encoding="utf-8"?>
-<p:sldLayout xmlns:a="http://schemas.openxmlformats.org/drawingml/2006/main" xmlns:r="http://schemas.openxmlformats.org/officeDocument/2006/relationships" xmlns:p="http://schemas.openxmlformats.org/presentationml/2006/main" type="title" preserve="1">
+<p:sldLayout xmlns:a="http://schemas.openxmlformats.org/drawingml/2006/main" xmlns:r="http://schemas.openxmlformats.org/officeDocument/2006/relationships" xmlns:p="http://schemas.openxmlformats.org/presentationml/2006/main" showMasterSp="0" type="title" preserve="1">
   <p:cSld name="Title Slide">
     <p:spTree>
       <p:nvGrpSpPr>
@@ -1010,54 +1522,81 @@
           <a:chExt cx="0" cy="0"/>
         </a:xfrm>
       </p:grpSpPr>
-      <p:sp>
-        <p:nvSpPr>
-          <p:cNvPr id="2" name="Title 1">
+      <p:pic>
+        <p:nvPicPr>
+          <p:cNvPr id="2" name="Picture 1"/>
+          <p:cNvPicPr>
+            <a:picLocks noChangeAspect="1"/>
+          </p:cNvPicPr>
+          <p:nvPr userDrawn="1"/>
+        </p:nvPicPr>
+        <p:blipFill>
+          <a:blip r:embed="rId2" cstate="print">
             <a:extLst>
-              <a:ext uri="{FF2B5EF4-FFF2-40B4-BE49-F238E27FC236}">
-                <a16:creationId xmlns:a16="http://schemas.microsoft.com/office/drawing/2014/main" id="{6D74F3DB-A308-41A2-B74E-DEE237406157}"/>
+              <a:ext uri="{28A0092B-C50C-407E-A947-70E740481C1C}">
+                <a14:useLocalDpi xmlns:a14="http://schemas.microsoft.com/office/drawing/2010/main" val="0"/>
               </a:ext>
             </a:extLst>
-          </p:cNvPr>
-          <p:cNvSpPr>
-            <a:spLocks noGrp="1"/>
-          </p:cNvSpPr>
-          <p:nvPr>
-            <p:ph type="ctrTitle"/>
-          </p:nvPr>
-        </p:nvSpPr>
+          </a:blip>
+          <a:stretch>
+            <a:fillRect/>
+          </a:stretch>
+        </p:blipFill>
         <p:spPr>
           <a:xfrm>
-            <a:off x="1524000" y="1122363"/>
-            <a:ext cx="9144000" cy="2387600"/>
+            <a:off x="0" y="0"/>
+            <a:ext cx="9144000" cy="6858000"/>
+          </a:xfrm>
+          <a:prstGeom prst="rect">
+            <a:avLst/>
+          </a:prstGeom>
+        </p:spPr>
+      </p:pic>
+      <p:sp>
+        <p:nvSpPr>
+          <p:cNvPr id="61444" name="Rectangle 4"/>
+          <p:cNvSpPr>
+            <a:spLocks noGrp="1" noChangeArrowheads="1"/>
+          </p:cNvSpPr>
+          <p:nvPr>
+            <p:ph type="ctrTitle"/>
+          </p:nvPr>
+        </p:nvSpPr>
+        <p:spPr>
+          <a:xfrm>
+            <a:off x="727120" y="752158"/>
+            <a:ext cx="7026991" cy="720026"/>
           </a:xfrm>
         </p:spPr>
         <p:txBody>
-          <a:bodyPr anchor="b"/>
+          <a:bodyPr anchor="ctr"/>
           <a:lstStyle>
-            <a:lvl1pPr algn="ctr">
-              <a:defRPr sz="6000"/>
+            <a:lvl1pPr>
+              <a:lnSpc>
+                <a:spcPts val="3800"/>
+              </a:lnSpc>
+              <a:defRPr sz="3600" b="1" spc="-40" baseline="0">
+                <a:solidFill>
+                  <a:schemeClr val="tx1">
+                    <a:lumMod val="85000"/>
+                    <a:lumOff val="15000"/>
+                  </a:schemeClr>
+                </a:solidFill>
+                <a:latin typeface="Calibri" pitchFamily="34" charset="0"/>
+                <a:cs typeface="Calibri" pitchFamily="34" charset="0"/>
+              </a:defRPr>
             </a:lvl1pPr>
           </a:lstStyle>
           <a:p>
-            <a:r>
-              <a:rPr lang="en-US"/>
-              <a:t>Click to edit Master title style</a:t>
-            </a:r>
+            <a:endParaRPr lang="en-US" dirty="0"/>
           </a:p>
         </p:txBody>
       </p:sp>
       <p:sp>
         <p:nvSpPr>
-          <p:cNvPr id="3" name="Subtitle 2">
-            <a:extLst>
-              <a:ext uri="{FF2B5EF4-FFF2-40B4-BE49-F238E27FC236}">
-                <a16:creationId xmlns:a16="http://schemas.microsoft.com/office/drawing/2014/main" id="{8EA04489-047E-4E8C-9D86-560325F5BA7F}"/>
-              </a:ext>
-            </a:extLst>
-          </p:cNvPr>
-          <p:cNvSpPr>
-            <a:spLocks noGrp="1"/>
+          <p:cNvPr id="61493" name="Rectangle 53"/>
+          <p:cNvSpPr>
+            <a:spLocks noGrp="1" noChangeArrowheads="1"/>
           </p:cNvSpPr>
           <p:nvPr>
             <p:ph type="subTitle" idx="1"/>
@@ -1065,157 +1604,183 @@
         </p:nvSpPr>
         <p:spPr>
           <a:xfrm>
-            <a:off x="1524000" y="3602038"/>
-            <a:ext cx="9144000" cy="1655762"/>
+            <a:off x="736252" y="4460038"/>
+            <a:ext cx="5562600" cy="301967"/>
           </a:xfrm>
         </p:spPr>
         <p:txBody>
-          <a:bodyPr/>
+          <a:bodyPr lIns="0" tIns="0" rIns="0" bIns="0"/>
           <a:lstStyle>
-            <a:lvl1pPr marL="0" indent="0" algn="ctr">
+            <a:lvl1pPr marL="0" indent="0">
+              <a:lnSpc>
+                <a:spcPts val="2100"/>
+              </a:lnSpc>
+              <a:spcBef>
+                <a:spcPts val="0"/>
+              </a:spcBef>
+              <a:spcAft>
+                <a:spcPct val="0"/>
+              </a:spcAft>
+              <a:buFont typeface="Wingdings" pitchFamily="2" charset="2"/>
               <a:buNone/>
-              <a:defRPr sz="2400"/>
+              <a:defRPr sz="1800" b="1" spc="-10" baseline="0">
+                <a:solidFill>
+                  <a:srgbClr val="40507F"/>
+                </a:solidFill>
+                <a:latin typeface="Calibri" pitchFamily="34" charset="0"/>
+                <a:cs typeface="Calibri" pitchFamily="34" charset="0"/>
+              </a:defRPr>
             </a:lvl1pPr>
-            <a:lvl2pPr marL="457200" indent="0" algn="ctr">
-              <a:buNone/>
-              <a:defRPr sz="2000"/>
-            </a:lvl2pPr>
-            <a:lvl3pPr marL="914400" indent="0" algn="ctr">
-              <a:buNone/>
-              <a:defRPr sz="1800"/>
-            </a:lvl3pPr>
-            <a:lvl4pPr marL="1371600" indent="0" algn="ctr">
-              <a:buNone/>
-              <a:defRPr sz="1600"/>
-            </a:lvl4pPr>
-            <a:lvl5pPr marL="1828800" indent="0" algn="ctr">
-              <a:buNone/>
-              <a:defRPr sz="1600"/>
-            </a:lvl5pPr>
-            <a:lvl6pPr marL="2286000" indent="0" algn="ctr">
-              <a:buNone/>
-              <a:defRPr sz="1600"/>
-            </a:lvl6pPr>
-            <a:lvl7pPr marL="2743200" indent="0" algn="ctr">
-              <a:buNone/>
-              <a:defRPr sz="1600"/>
-            </a:lvl7pPr>
-            <a:lvl8pPr marL="3200400" indent="0" algn="ctr">
-              <a:buNone/>
-              <a:defRPr sz="1600"/>
-            </a:lvl8pPr>
-            <a:lvl9pPr marL="3657600" indent="0" algn="ctr">
-              <a:buNone/>
-              <a:defRPr sz="1600"/>
-            </a:lvl9pPr>
           </a:lstStyle>
           <a:p>
-            <a:r>
-              <a:rPr lang="en-US"/>
-              <a:t>Click to edit Master subtitle style</a:t>
-            </a:r>
+            <a:endParaRPr lang="en-US" dirty="0"/>
           </a:p>
         </p:txBody>
       </p:sp>
-      <p:sp>
-        <p:nvSpPr>
-          <p:cNvPr id="4" name="Date Placeholder 3">
+      <p:pic>
+        <p:nvPicPr>
+          <p:cNvPr id="4" name="Picture 3"/>
+          <p:cNvPicPr>
+            <a:picLocks noChangeAspect="1"/>
+          </p:cNvPicPr>
+          <p:nvPr userDrawn="1"/>
+        </p:nvPicPr>
+        <p:blipFill>
+          <a:blip r:embed="rId3" cstate="print">
             <a:extLst>
-              <a:ext uri="{FF2B5EF4-FFF2-40B4-BE49-F238E27FC236}">
-                <a16:creationId xmlns:a16="http://schemas.microsoft.com/office/drawing/2014/main" id="{62B96418-E688-4767-8EE6-8CAB81733A59}"/>
+              <a:ext uri="{28A0092B-C50C-407E-A947-70E740481C1C}">
+                <a14:useLocalDpi xmlns:a14="http://schemas.microsoft.com/office/drawing/2010/main" val="0"/>
               </a:ext>
             </a:extLst>
-          </p:cNvPr>
-          <p:cNvSpPr>
-            <a:spLocks noGrp="1"/>
-          </p:cNvSpPr>
-          <p:nvPr>
-            <p:ph type="dt" sz="half" idx="10"/>
-          </p:nvPr>
-        </p:nvSpPr>
-        <p:spPr/>
+          </a:blip>
+          <a:stretch>
+            <a:fillRect/>
+          </a:stretch>
+        </p:blipFill>
+        <p:spPr>
+          <a:xfrm>
+            <a:off x="6753225" y="5389062"/>
+            <a:ext cx="1356553" cy="772237"/>
+          </a:xfrm>
+          <a:prstGeom prst="rect">
+            <a:avLst/>
+          </a:prstGeom>
+        </p:spPr>
+      </p:pic>
+      <p:sp>
+        <p:nvSpPr>
+          <p:cNvPr id="5" name="TextBox 4"/>
+          <p:cNvSpPr txBox="1"/>
+          <p:nvPr userDrawn="1"/>
+        </p:nvSpPr>
+        <p:spPr>
+          <a:xfrm>
+            <a:off x="729362" y="5914578"/>
+            <a:ext cx="5772626" cy="117725"/>
+          </a:xfrm>
+          <a:prstGeom prst="rect">
+            <a:avLst/>
+          </a:prstGeom>
+          <a:noFill/>
+        </p:spPr>
         <p:txBody>
-          <a:bodyPr/>
+          <a:bodyPr wrap="square" lIns="0" tIns="0" rIns="0" bIns="0" rtlCol="0">
+            <a:noAutofit/>
+          </a:bodyPr>
           <a:lstStyle/>
           <a:p>
-            <a:fld id="{71459950-B371-40CC-BAFD-4CFF20F72272}" type="datetimeFigureOut">
-              <a:rPr lang="en-US" smtClean="0"/>
-              <a:t>9/10/2018</a:t>
-            </a:fld>
-            <a:endParaRPr lang="en-US"/>
+            <a:pPr algn="l">
+              <a:spcAft>
+                <a:spcPts val="2800"/>
+              </a:spcAft>
+              <a:buNone/>
+            </a:pPr>
+            <a:r>
+              <a:rPr lang="en-US" sz="850" b="1" spc="160" baseline="0" dirty="0">
+                <a:solidFill>
+                  <a:srgbClr val="FF0000"/>
+                </a:solidFill>
+                <a:latin typeface="Calibri" pitchFamily="34" charset="0"/>
+                <a:cs typeface="Calibri" pitchFamily="34" charset="0"/>
+              </a:rPr>
+              <a:t>INFORMATION</a:t>
+            </a:r>
+            <a:r>
+              <a:rPr lang="en-US" sz="850" b="1" spc="160" baseline="0" dirty="0">
+                <a:solidFill>
+                  <a:schemeClr val="tx1">
+                    <a:lumMod val="85000"/>
+                    <a:lumOff val="15000"/>
+                  </a:schemeClr>
+                </a:solidFill>
+                <a:latin typeface="Calibri" pitchFamily="34" charset="0"/>
+                <a:cs typeface="Calibri" pitchFamily="34" charset="0"/>
+              </a:rPr>
+              <a:t> DEPLOYED.   </a:t>
+            </a:r>
+            <a:r>
+              <a:rPr lang="en-US" sz="850" b="1" spc="160" baseline="0" dirty="0">
+                <a:solidFill>
+                  <a:srgbClr val="FF0000"/>
+                </a:solidFill>
+                <a:latin typeface="Calibri" pitchFamily="34" charset="0"/>
+                <a:cs typeface="Calibri" pitchFamily="34" charset="0"/>
+              </a:rPr>
+              <a:t>SOLUTIONS</a:t>
+            </a:r>
+            <a:r>
+              <a:rPr lang="en-US" sz="850" b="1" spc="160" baseline="0" dirty="0">
+                <a:solidFill>
+                  <a:schemeClr val="tx1">
+                    <a:lumMod val="85000"/>
+                    <a:lumOff val="15000"/>
+                  </a:schemeClr>
+                </a:solidFill>
+                <a:latin typeface="Calibri" pitchFamily="34" charset="0"/>
+                <a:cs typeface="Calibri" pitchFamily="34" charset="0"/>
+              </a:rPr>
+              <a:t> ADVANCED.   </a:t>
+            </a:r>
+            <a:r>
+              <a:rPr lang="en-US" sz="850" b="1" spc="160" baseline="0" dirty="0">
+                <a:solidFill>
+                  <a:srgbClr val="FF0000"/>
+                </a:solidFill>
+                <a:latin typeface="Calibri" pitchFamily="34" charset="0"/>
+                <a:cs typeface="Calibri" pitchFamily="34" charset="0"/>
+              </a:rPr>
+              <a:t>MISSIONS</a:t>
+            </a:r>
+            <a:r>
+              <a:rPr lang="en-US" sz="850" b="1" spc="160" baseline="0" dirty="0">
+                <a:solidFill>
+                  <a:schemeClr val="tx1">
+                    <a:lumMod val="85000"/>
+                    <a:lumOff val="15000"/>
+                  </a:schemeClr>
+                </a:solidFill>
+                <a:latin typeface="Calibri" pitchFamily="34" charset="0"/>
+                <a:cs typeface="Calibri" pitchFamily="34" charset="0"/>
+              </a:rPr>
+              <a:t> ACCOMPLISHED.</a:t>
+            </a:r>
           </a:p>
         </p:txBody>
       </p:sp>
-      <p:sp>
-        <p:nvSpPr>
-          <p:cNvPr id="5" name="Footer Placeholder 4">
-            <a:extLst>
-              <a:ext uri="{FF2B5EF4-FFF2-40B4-BE49-F238E27FC236}">
-                <a16:creationId xmlns:a16="http://schemas.microsoft.com/office/drawing/2014/main" id="{2DE7AD6B-F636-44C6-A63B-3E7B3C6F8BBE}"/>
-              </a:ext>
-            </a:extLst>
-          </p:cNvPr>
-          <p:cNvSpPr>
-            <a:spLocks noGrp="1"/>
-          </p:cNvSpPr>
-          <p:nvPr>
-            <p:ph type="ftr" sz="quarter" idx="11"/>
-          </p:nvPr>
-        </p:nvSpPr>
-        <p:spPr/>
-        <p:txBody>
-          <a:bodyPr/>
-          <a:lstStyle/>
-          <a:p>
-            <a:endParaRPr lang="en-US"/>
-          </a:p>
-        </p:txBody>
-      </p:sp>
-      <p:sp>
-        <p:nvSpPr>
-          <p:cNvPr id="6" name="Slide Number Placeholder 5">
-            <a:extLst>
-              <a:ext uri="{FF2B5EF4-FFF2-40B4-BE49-F238E27FC236}">
-                <a16:creationId xmlns:a16="http://schemas.microsoft.com/office/drawing/2014/main" id="{C7BE9C64-BDFE-4094-A58F-E5C0D7372424}"/>
-              </a:ext>
-            </a:extLst>
-          </p:cNvPr>
-          <p:cNvSpPr>
-            <a:spLocks noGrp="1"/>
-          </p:cNvSpPr>
-          <p:nvPr>
-            <p:ph type="sldNum" sz="quarter" idx="12"/>
-          </p:nvPr>
-        </p:nvSpPr>
-        <p:spPr/>
-        <p:txBody>
-          <a:bodyPr/>
-          <a:lstStyle/>
-          <a:p>
-            <a:fld id="{34CB81B8-AAA7-4954-ABE5-D7B2149FD73A}" type="slidenum">
-              <a:rPr lang="en-US" smtClean="0"/>
-              <a:t>‹#›</a:t>
-            </a:fld>
-            <a:endParaRPr lang="en-US"/>
-          </a:p>
-        </p:txBody>
-      </p:sp>
     </p:spTree>
-    <p:extLst>
-      <p:ext uri="{BB962C8B-B14F-4D97-AF65-F5344CB8AC3E}">
-        <p14:creationId xmlns:p14="http://schemas.microsoft.com/office/powerpoint/2010/main" val="1326368483"/>
-      </p:ext>
-    </p:extLst>
   </p:cSld>
   <p:clrMapOvr>
     <a:masterClrMapping/>
   </p:clrMapOvr>
+  <p:transition>
+    <p:fade/>
+  </p:transition>
 </p:sldLayout>
 </file>
 
-<file path=ppt/slideLayouts/slideLayout10.xml><?xml version="1.0" encoding="utf-8"?>
-<p:sldLayout xmlns:a="http://schemas.openxmlformats.org/drawingml/2006/main" xmlns:r="http://schemas.openxmlformats.org/officeDocument/2006/relationships" xmlns:p="http://schemas.openxmlformats.org/presentationml/2006/main" type="vertTx" preserve="1">
-  <p:cSld name="Title and Vertical Text">
+<file path=ppt/slideLayouts/slideLayout2.xml><?xml version="1.0" encoding="utf-8"?>
+<p:sldLayout xmlns:a="http://schemas.openxmlformats.org/drawingml/2006/main" xmlns:r="http://schemas.openxmlformats.org/officeDocument/2006/relationships" xmlns:p="http://schemas.openxmlformats.org/presentationml/2006/main" showMasterSp="0" type="title" preserve="1">
+  <p:cSld name="Section Break Slide">
     <p:spTree>
       <p:nvGrpSpPr>
         <p:cNvPr id="1" name=""/>
@@ -1230,396 +1795,167 @@
           <a:chExt cx="0" cy="0"/>
         </a:xfrm>
       </p:grpSpPr>
-      <p:sp>
-        <p:nvSpPr>
-          <p:cNvPr id="2" name="Title 1">
+      <p:pic>
+        <p:nvPicPr>
+          <p:cNvPr id="2" name="Picture 1"/>
+          <p:cNvPicPr>
+            <a:picLocks noChangeAspect="1"/>
+          </p:cNvPicPr>
+          <p:nvPr userDrawn="1"/>
+        </p:nvPicPr>
+        <p:blipFill>
+          <a:blip r:embed="rId2" cstate="print">
             <a:extLst>
-              <a:ext uri="{FF2B5EF4-FFF2-40B4-BE49-F238E27FC236}">
-                <a16:creationId xmlns:a16="http://schemas.microsoft.com/office/drawing/2014/main" id="{D4171CA8-3A6C-4D31-88BE-B66CD997A78B}"/>
+              <a:ext uri="{28A0092B-C50C-407E-A947-70E740481C1C}">
+                <a14:useLocalDpi xmlns:a14="http://schemas.microsoft.com/office/drawing/2010/main" val="0"/>
               </a:ext>
             </a:extLst>
-          </p:cNvPr>
-          <p:cNvSpPr>
-            <a:spLocks noGrp="1"/>
-          </p:cNvSpPr>
-          <p:nvPr>
-            <p:ph type="title"/>
-          </p:nvPr>
-        </p:nvSpPr>
-        <p:spPr/>
+          </a:blip>
+          <a:stretch>
+            <a:fillRect/>
+          </a:stretch>
+        </p:blipFill>
+        <p:spPr>
+          <a:xfrm>
+            <a:off x="0" y="0"/>
+            <a:ext cx="9144000" cy="6858000"/>
+          </a:xfrm>
+          <a:prstGeom prst="rect">
+            <a:avLst/>
+          </a:prstGeom>
+        </p:spPr>
+      </p:pic>
+      <p:sp>
+        <p:nvSpPr>
+          <p:cNvPr id="61444" name="Rectangle 4"/>
+          <p:cNvSpPr>
+            <a:spLocks noGrp="1" noChangeArrowheads="1"/>
+          </p:cNvSpPr>
+          <p:nvPr>
+            <p:ph type="ctrTitle"/>
+          </p:nvPr>
+        </p:nvSpPr>
+        <p:spPr>
+          <a:xfrm>
+            <a:off x="727121" y="1002981"/>
+            <a:ext cx="7797754" cy="1168720"/>
+          </a:xfrm>
+        </p:spPr>
         <p:txBody>
-          <a:bodyPr/>
-          <a:lstStyle/>
-          <a:p>
-            <a:r>
-              <a:rPr lang="en-US"/>
-              <a:t>Click to edit Master title style</a:t>
-            </a:r>
+          <a:bodyPr anchor="t" anchorCtr="0">
+            <a:noAutofit/>
+          </a:bodyPr>
+          <a:lstStyle>
+            <a:lvl1pPr>
+              <a:lnSpc>
+                <a:spcPts val="3800"/>
+              </a:lnSpc>
+              <a:defRPr sz="3600" b="1" spc="-40" baseline="0">
+                <a:solidFill>
+                  <a:schemeClr val="tx1">
+                    <a:lumMod val="85000"/>
+                    <a:lumOff val="15000"/>
+                  </a:schemeClr>
+                </a:solidFill>
+                <a:latin typeface="Calibri" pitchFamily="34" charset="0"/>
+                <a:cs typeface="Calibri" pitchFamily="34" charset="0"/>
+              </a:defRPr>
+            </a:lvl1pPr>
+          </a:lstStyle>
+          <a:p>
+            <a:endParaRPr lang="en-US" dirty="0"/>
           </a:p>
         </p:txBody>
       </p:sp>
       <p:sp>
         <p:nvSpPr>
-          <p:cNvPr id="3" name="Vertical Text Placeholder 2">
+          <p:cNvPr id="61493" name="Rectangle 53"/>
+          <p:cNvSpPr>
+            <a:spLocks noGrp="1" noChangeArrowheads="1"/>
+          </p:cNvSpPr>
+          <p:nvPr>
+            <p:ph type="subTitle" idx="1"/>
+          </p:nvPr>
+        </p:nvSpPr>
+        <p:spPr>
+          <a:xfrm>
+            <a:off x="736252" y="5655473"/>
+            <a:ext cx="5562600" cy="259554"/>
+          </a:xfrm>
+        </p:spPr>
+        <p:txBody>
+          <a:bodyPr lIns="0" tIns="0" rIns="0" bIns="0"/>
+          <a:lstStyle>
+            <a:lvl1pPr marL="0" indent="0">
+              <a:lnSpc>
+                <a:spcPts val="2100"/>
+              </a:lnSpc>
+              <a:spcAft>
+                <a:spcPct val="0"/>
+              </a:spcAft>
+              <a:buFont typeface="Wingdings" pitchFamily="2" charset="2"/>
+              <a:buNone/>
+              <a:defRPr sz="1400" b="1" spc="-10" baseline="0">
+                <a:solidFill>
+                  <a:srgbClr val="262626"/>
+                </a:solidFill>
+                <a:latin typeface="Calibri" pitchFamily="34" charset="0"/>
+                <a:cs typeface="Calibri" pitchFamily="34" charset="0"/>
+              </a:defRPr>
+            </a:lvl1pPr>
+          </a:lstStyle>
+          <a:p>
+            <a:endParaRPr lang="en-US" dirty="0"/>
+          </a:p>
+        </p:txBody>
+      </p:sp>
+      <p:pic>
+        <p:nvPicPr>
+          <p:cNvPr id="8" name="Picture 7"/>
+          <p:cNvPicPr>
+            <a:picLocks noChangeAspect="1"/>
+          </p:cNvPicPr>
+          <p:nvPr userDrawn="1"/>
+        </p:nvPicPr>
+        <p:blipFill>
+          <a:blip r:embed="rId3" cstate="print">
             <a:extLst>
-              <a:ext uri="{FF2B5EF4-FFF2-40B4-BE49-F238E27FC236}">
-                <a16:creationId xmlns:a16="http://schemas.microsoft.com/office/drawing/2014/main" id="{BDC477E5-9AE8-4D6B-AD62-F6F3BA85AB1C}"/>
+              <a:ext uri="{28A0092B-C50C-407E-A947-70E740481C1C}">
+                <a14:useLocalDpi xmlns:a14="http://schemas.microsoft.com/office/drawing/2010/main" val="0"/>
               </a:ext>
             </a:extLst>
-          </p:cNvPr>
-          <p:cNvSpPr>
-            <a:spLocks noGrp="1"/>
-          </p:cNvSpPr>
-          <p:nvPr>
-            <p:ph type="body" orient="vert" idx="1"/>
-          </p:nvPr>
-        </p:nvSpPr>
-        <p:spPr/>
-        <p:txBody>
-          <a:bodyPr vert="eaVert"/>
-          <a:lstStyle/>
-          <a:p>
-            <a:pPr lvl="0"/>
-            <a:r>
-              <a:rPr lang="en-US"/>
-              <a:t>Edit Master text styles</a:t>
-            </a:r>
-          </a:p>
-          <a:p>
-            <a:pPr lvl="1"/>
-            <a:r>
-              <a:rPr lang="en-US"/>
-              <a:t>Second level</a:t>
-            </a:r>
-          </a:p>
-          <a:p>
-            <a:pPr lvl="2"/>
-            <a:r>
-              <a:rPr lang="en-US"/>
-              <a:t>Third level</a:t>
-            </a:r>
-          </a:p>
-          <a:p>
-            <a:pPr lvl="3"/>
-            <a:r>
-              <a:rPr lang="en-US"/>
-              <a:t>Fourth level</a:t>
-            </a:r>
-          </a:p>
-          <a:p>
-            <a:pPr lvl="4"/>
-            <a:r>
-              <a:rPr lang="en-US"/>
-              <a:t>Fifth level</a:t>
-            </a:r>
-          </a:p>
-        </p:txBody>
-      </p:sp>
-      <p:sp>
-        <p:nvSpPr>
-          <p:cNvPr id="4" name="Date Placeholder 3">
-            <a:extLst>
-              <a:ext uri="{FF2B5EF4-FFF2-40B4-BE49-F238E27FC236}">
-                <a16:creationId xmlns:a16="http://schemas.microsoft.com/office/drawing/2014/main" id="{810C7047-2681-43D7-99CE-E048927E9767}"/>
-              </a:ext>
-            </a:extLst>
-          </p:cNvPr>
-          <p:cNvSpPr>
-            <a:spLocks noGrp="1"/>
-          </p:cNvSpPr>
-          <p:nvPr>
-            <p:ph type="dt" sz="half" idx="10"/>
-          </p:nvPr>
-        </p:nvSpPr>
-        <p:spPr/>
-        <p:txBody>
-          <a:bodyPr/>
-          <a:lstStyle/>
-          <a:p>
-            <a:fld id="{71459950-B371-40CC-BAFD-4CFF20F72272}" type="datetimeFigureOut">
-              <a:rPr lang="en-US" smtClean="0"/>
-              <a:t>9/10/2018</a:t>
-            </a:fld>
-            <a:endParaRPr lang="en-US"/>
-          </a:p>
-        </p:txBody>
-      </p:sp>
-      <p:sp>
-        <p:nvSpPr>
-          <p:cNvPr id="5" name="Footer Placeholder 4">
-            <a:extLst>
-              <a:ext uri="{FF2B5EF4-FFF2-40B4-BE49-F238E27FC236}">
-                <a16:creationId xmlns:a16="http://schemas.microsoft.com/office/drawing/2014/main" id="{626BB20C-4555-4252-BB2E-3021A04F1B8C}"/>
-              </a:ext>
-            </a:extLst>
-          </p:cNvPr>
-          <p:cNvSpPr>
-            <a:spLocks noGrp="1"/>
-          </p:cNvSpPr>
-          <p:nvPr>
-            <p:ph type="ftr" sz="quarter" idx="11"/>
-          </p:nvPr>
-        </p:nvSpPr>
-        <p:spPr/>
-        <p:txBody>
-          <a:bodyPr/>
-          <a:lstStyle/>
-          <a:p>
-            <a:endParaRPr lang="en-US"/>
-          </a:p>
-        </p:txBody>
-      </p:sp>
-      <p:sp>
-        <p:nvSpPr>
-          <p:cNvPr id="6" name="Slide Number Placeholder 5">
-            <a:extLst>
-              <a:ext uri="{FF2B5EF4-FFF2-40B4-BE49-F238E27FC236}">
-                <a16:creationId xmlns:a16="http://schemas.microsoft.com/office/drawing/2014/main" id="{3D36E30C-507D-458E-A743-7818EFF3F086}"/>
-              </a:ext>
-            </a:extLst>
-          </p:cNvPr>
-          <p:cNvSpPr>
-            <a:spLocks noGrp="1"/>
-          </p:cNvSpPr>
-          <p:nvPr>
-            <p:ph type="sldNum" sz="quarter" idx="12"/>
-          </p:nvPr>
-        </p:nvSpPr>
-        <p:spPr/>
-        <p:txBody>
-          <a:bodyPr/>
-          <a:lstStyle/>
-          <a:p>
-            <a:fld id="{34CB81B8-AAA7-4954-ABE5-D7B2149FD73A}" type="slidenum">
-              <a:rPr lang="en-US" smtClean="0"/>
-              <a:t>‹#›</a:t>
-            </a:fld>
-            <a:endParaRPr lang="en-US"/>
-          </a:p>
-        </p:txBody>
-      </p:sp>
+          </a:blip>
+          <a:stretch>
+            <a:fillRect/>
+          </a:stretch>
+        </p:blipFill>
+        <p:spPr>
+          <a:xfrm>
+            <a:off x="6753225" y="5264182"/>
+            <a:ext cx="1356553" cy="772237"/>
+          </a:xfrm>
+          <a:prstGeom prst="rect">
+            <a:avLst/>
+          </a:prstGeom>
+        </p:spPr>
+      </p:pic>
     </p:spTree>
     <p:extLst>
       <p:ext uri="{BB962C8B-B14F-4D97-AF65-F5344CB8AC3E}">
-        <p14:creationId xmlns:p14="http://schemas.microsoft.com/office/powerpoint/2010/main" val="3056825306"/>
+        <p14:creationId xmlns:p14="http://schemas.microsoft.com/office/powerpoint/2010/main" val="97525077"/>
       </p:ext>
     </p:extLst>
   </p:cSld>
   <p:clrMapOvr>
     <a:masterClrMapping/>
   </p:clrMapOvr>
+  <p:transition>
+    <p:fade/>
+  </p:transition>
 </p:sldLayout>
 </file>
 
-<file path=ppt/slideLayouts/slideLayout11.xml><?xml version="1.0" encoding="utf-8"?>
-<p:sldLayout xmlns:a="http://schemas.openxmlformats.org/drawingml/2006/main" xmlns:r="http://schemas.openxmlformats.org/officeDocument/2006/relationships" xmlns:p="http://schemas.openxmlformats.org/presentationml/2006/main" type="vertTitleAndTx" preserve="1">
-  <p:cSld name="Vertical Title and Text">
-    <p:spTree>
-      <p:nvGrpSpPr>
-        <p:cNvPr id="1" name=""/>
-        <p:cNvGrpSpPr/>
-        <p:nvPr/>
-      </p:nvGrpSpPr>
-      <p:grpSpPr>
-        <a:xfrm>
-          <a:off x="0" y="0"/>
-          <a:ext cx="0" cy="0"/>
-          <a:chOff x="0" y="0"/>
-          <a:chExt cx="0" cy="0"/>
-        </a:xfrm>
-      </p:grpSpPr>
-      <p:sp>
-        <p:nvSpPr>
-          <p:cNvPr id="2" name="Vertical Title 1">
-            <a:extLst>
-              <a:ext uri="{FF2B5EF4-FFF2-40B4-BE49-F238E27FC236}">
-                <a16:creationId xmlns:a16="http://schemas.microsoft.com/office/drawing/2014/main" id="{1C61C549-AB82-47A3-8FF8-BC71F3F8EB90}"/>
-              </a:ext>
-            </a:extLst>
-          </p:cNvPr>
-          <p:cNvSpPr>
-            <a:spLocks noGrp="1"/>
-          </p:cNvSpPr>
-          <p:nvPr>
-            <p:ph type="title" orient="vert"/>
-          </p:nvPr>
-        </p:nvSpPr>
-        <p:spPr>
-          <a:xfrm>
-            <a:off x="8724900" y="365125"/>
-            <a:ext cx="2628900" cy="5811838"/>
-          </a:xfrm>
-        </p:spPr>
-        <p:txBody>
-          <a:bodyPr vert="eaVert"/>
-          <a:lstStyle/>
-          <a:p>
-            <a:r>
-              <a:rPr lang="en-US"/>
-              <a:t>Click to edit Master title style</a:t>
-            </a:r>
-          </a:p>
-        </p:txBody>
-      </p:sp>
-      <p:sp>
-        <p:nvSpPr>
-          <p:cNvPr id="3" name="Vertical Text Placeholder 2">
-            <a:extLst>
-              <a:ext uri="{FF2B5EF4-FFF2-40B4-BE49-F238E27FC236}">
-                <a16:creationId xmlns:a16="http://schemas.microsoft.com/office/drawing/2014/main" id="{8CCFE9B2-5163-414B-A08B-CD736C211D03}"/>
-              </a:ext>
-            </a:extLst>
-          </p:cNvPr>
-          <p:cNvSpPr>
-            <a:spLocks noGrp="1"/>
-          </p:cNvSpPr>
-          <p:nvPr>
-            <p:ph type="body" orient="vert" idx="1"/>
-          </p:nvPr>
-        </p:nvSpPr>
-        <p:spPr>
-          <a:xfrm>
-            <a:off x="838200" y="365125"/>
-            <a:ext cx="7734300" cy="5811838"/>
-          </a:xfrm>
-        </p:spPr>
-        <p:txBody>
-          <a:bodyPr vert="eaVert"/>
-          <a:lstStyle/>
-          <a:p>
-            <a:pPr lvl="0"/>
-            <a:r>
-              <a:rPr lang="en-US"/>
-              <a:t>Edit Master text styles</a:t>
-            </a:r>
-          </a:p>
-          <a:p>
-            <a:pPr lvl="1"/>
-            <a:r>
-              <a:rPr lang="en-US"/>
-              <a:t>Second level</a:t>
-            </a:r>
-          </a:p>
-          <a:p>
-            <a:pPr lvl="2"/>
-            <a:r>
-              <a:rPr lang="en-US"/>
-              <a:t>Third level</a:t>
-            </a:r>
-          </a:p>
-          <a:p>
-            <a:pPr lvl="3"/>
-            <a:r>
-              <a:rPr lang="en-US"/>
-              <a:t>Fourth level</a:t>
-            </a:r>
-          </a:p>
-          <a:p>
-            <a:pPr lvl="4"/>
-            <a:r>
-              <a:rPr lang="en-US"/>
-              <a:t>Fifth level</a:t>
-            </a:r>
-          </a:p>
-        </p:txBody>
-      </p:sp>
-      <p:sp>
-        <p:nvSpPr>
-          <p:cNvPr id="4" name="Date Placeholder 3">
-            <a:extLst>
-              <a:ext uri="{FF2B5EF4-FFF2-40B4-BE49-F238E27FC236}">
-                <a16:creationId xmlns:a16="http://schemas.microsoft.com/office/drawing/2014/main" id="{110456FF-D2F4-401E-9501-452ED28A917E}"/>
-              </a:ext>
-            </a:extLst>
-          </p:cNvPr>
-          <p:cNvSpPr>
-            <a:spLocks noGrp="1"/>
-          </p:cNvSpPr>
-          <p:nvPr>
-            <p:ph type="dt" sz="half" idx="10"/>
-          </p:nvPr>
-        </p:nvSpPr>
-        <p:spPr/>
-        <p:txBody>
-          <a:bodyPr/>
-          <a:lstStyle/>
-          <a:p>
-            <a:fld id="{71459950-B371-40CC-BAFD-4CFF20F72272}" type="datetimeFigureOut">
-              <a:rPr lang="en-US" smtClean="0"/>
-              <a:t>9/10/2018</a:t>
-            </a:fld>
-            <a:endParaRPr lang="en-US"/>
-          </a:p>
-        </p:txBody>
-      </p:sp>
-      <p:sp>
-        <p:nvSpPr>
-          <p:cNvPr id="5" name="Footer Placeholder 4">
-            <a:extLst>
-              <a:ext uri="{FF2B5EF4-FFF2-40B4-BE49-F238E27FC236}">
-                <a16:creationId xmlns:a16="http://schemas.microsoft.com/office/drawing/2014/main" id="{1EE20552-CC1B-430B-8475-0D4B9860D050}"/>
-              </a:ext>
-            </a:extLst>
-          </p:cNvPr>
-          <p:cNvSpPr>
-            <a:spLocks noGrp="1"/>
-          </p:cNvSpPr>
-          <p:nvPr>
-            <p:ph type="ftr" sz="quarter" idx="11"/>
-          </p:nvPr>
-        </p:nvSpPr>
-        <p:spPr/>
-        <p:txBody>
-          <a:bodyPr/>
-          <a:lstStyle/>
-          <a:p>
-            <a:endParaRPr lang="en-US"/>
-          </a:p>
-        </p:txBody>
-      </p:sp>
-      <p:sp>
-        <p:nvSpPr>
-          <p:cNvPr id="6" name="Slide Number Placeholder 5">
-            <a:extLst>
-              <a:ext uri="{FF2B5EF4-FFF2-40B4-BE49-F238E27FC236}">
-                <a16:creationId xmlns:a16="http://schemas.microsoft.com/office/drawing/2014/main" id="{C3DDA91F-AA82-4603-9255-40062FB2DD4E}"/>
-              </a:ext>
-            </a:extLst>
-          </p:cNvPr>
-          <p:cNvSpPr>
-            <a:spLocks noGrp="1"/>
-          </p:cNvSpPr>
-          <p:nvPr>
-            <p:ph type="sldNum" sz="quarter" idx="12"/>
-          </p:nvPr>
-        </p:nvSpPr>
-        <p:spPr/>
-        <p:txBody>
-          <a:bodyPr/>
-          <a:lstStyle/>
-          <a:p>
-            <a:fld id="{34CB81B8-AAA7-4954-ABE5-D7B2149FD73A}" type="slidenum">
-              <a:rPr lang="en-US" smtClean="0"/>
-              <a:t>‹#›</a:t>
-            </a:fld>
-            <a:endParaRPr lang="en-US"/>
-          </a:p>
-        </p:txBody>
-      </p:sp>
-    </p:spTree>
-    <p:extLst>
-      <p:ext uri="{BB962C8B-B14F-4D97-AF65-F5344CB8AC3E}">
-        <p14:creationId xmlns:p14="http://schemas.microsoft.com/office/powerpoint/2010/main" val="1981370340"/>
-      </p:ext>
-    </p:extLst>
-  </p:cSld>
-  <p:clrMapOvr>
-    <a:masterClrMapping/>
-  </p:clrMapOvr>
-</p:sldLayout>
-</file>
-
-<file path=ppt/slideLayouts/slideLayout2.xml><?xml version="1.0" encoding="utf-8"?>
+<file path=ppt/slideLayouts/slideLayout3.xml><?xml version="1.0" encoding="utf-8"?>
 <p:sldLayout xmlns:a="http://schemas.openxmlformats.org/drawingml/2006/main" xmlns:r="http://schemas.openxmlformats.org/officeDocument/2006/relationships" xmlns:p="http://schemas.openxmlformats.org/presentationml/2006/main" type="obj" preserve="1">
   <p:cSld name="Title and Content">
     <p:spTree>
@@ -1638,211 +1974,7 @@
       </p:grpSpPr>
       <p:sp>
         <p:nvSpPr>
-          <p:cNvPr id="2" name="Title 1">
-            <a:extLst>
-              <a:ext uri="{FF2B5EF4-FFF2-40B4-BE49-F238E27FC236}">
-                <a16:creationId xmlns:a16="http://schemas.microsoft.com/office/drawing/2014/main" id="{F21C723D-5BA8-417A-899C-22DC45EF9958}"/>
-              </a:ext>
-            </a:extLst>
-          </p:cNvPr>
-          <p:cNvSpPr>
-            <a:spLocks noGrp="1"/>
-          </p:cNvSpPr>
-          <p:nvPr>
-            <p:ph type="title"/>
-          </p:nvPr>
-        </p:nvSpPr>
-        <p:spPr/>
-        <p:txBody>
-          <a:bodyPr/>
-          <a:lstStyle/>
-          <a:p>
-            <a:r>
-              <a:rPr lang="en-US"/>
-              <a:t>Click to edit Master title style</a:t>
-            </a:r>
-          </a:p>
-        </p:txBody>
-      </p:sp>
-      <p:sp>
-        <p:nvSpPr>
-          <p:cNvPr id="3" name="Content Placeholder 2">
-            <a:extLst>
-              <a:ext uri="{FF2B5EF4-FFF2-40B4-BE49-F238E27FC236}">
-                <a16:creationId xmlns:a16="http://schemas.microsoft.com/office/drawing/2014/main" id="{32946244-AD57-455F-82B0-A560F3D5B748}"/>
-              </a:ext>
-            </a:extLst>
-          </p:cNvPr>
-          <p:cNvSpPr>
-            <a:spLocks noGrp="1"/>
-          </p:cNvSpPr>
-          <p:nvPr>
-            <p:ph idx="1"/>
-          </p:nvPr>
-        </p:nvSpPr>
-        <p:spPr/>
-        <p:txBody>
-          <a:bodyPr/>
-          <a:lstStyle/>
-          <a:p>
-            <a:pPr lvl="0"/>
-            <a:r>
-              <a:rPr lang="en-US"/>
-              <a:t>Edit Master text styles</a:t>
-            </a:r>
-          </a:p>
-          <a:p>
-            <a:pPr lvl="1"/>
-            <a:r>
-              <a:rPr lang="en-US"/>
-              <a:t>Second level</a:t>
-            </a:r>
-          </a:p>
-          <a:p>
-            <a:pPr lvl="2"/>
-            <a:r>
-              <a:rPr lang="en-US"/>
-              <a:t>Third level</a:t>
-            </a:r>
-          </a:p>
-          <a:p>
-            <a:pPr lvl="3"/>
-            <a:r>
-              <a:rPr lang="en-US"/>
-              <a:t>Fourth level</a:t>
-            </a:r>
-          </a:p>
-          <a:p>
-            <a:pPr lvl="4"/>
-            <a:r>
-              <a:rPr lang="en-US"/>
-              <a:t>Fifth level</a:t>
-            </a:r>
-          </a:p>
-        </p:txBody>
-      </p:sp>
-      <p:sp>
-        <p:nvSpPr>
-          <p:cNvPr id="4" name="Date Placeholder 3">
-            <a:extLst>
-              <a:ext uri="{FF2B5EF4-FFF2-40B4-BE49-F238E27FC236}">
-                <a16:creationId xmlns:a16="http://schemas.microsoft.com/office/drawing/2014/main" id="{7DD349EE-3FA6-48DB-BCF7-ED89BBAC0370}"/>
-              </a:ext>
-            </a:extLst>
-          </p:cNvPr>
-          <p:cNvSpPr>
-            <a:spLocks noGrp="1"/>
-          </p:cNvSpPr>
-          <p:nvPr>
-            <p:ph type="dt" sz="half" idx="10"/>
-          </p:nvPr>
-        </p:nvSpPr>
-        <p:spPr/>
-        <p:txBody>
-          <a:bodyPr/>
-          <a:lstStyle/>
-          <a:p>
-            <a:fld id="{71459950-B371-40CC-BAFD-4CFF20F72272}" type="datetimeFigureOut">
-              <a:rPr lang="en-US" smtClean="0"/>
-              <a:t>9/10/2018</a:t>
-            </a:fld>
-            <a:endParaRPr lang="en-US"/>
-          </a:p>
-        </p:txBody>
-      </p:sp>
-      <p:sp>
-        <p:nvSpPr>
-          <p:cNvPr id="5" name="Footer Placeholder 4">
-            <a:extLst>
-              <a:ext uri="{FF2B5EF4-FFF2-40B4-BE49-F238E27FC236}">
-                <a16:creationId xmlns:a16="http://schemas.microsoft.com/office/drawing/2014/main" id="{725AD7B7-2450-40CC-A99F-1CB5104900E7}"/>
-              </a:ext>
-            </a:extLst>
-          </p:cNvPr>
-          <p:cNvSpPr>
-            <a:spLocks noGrp="1"/>
-          </p:cNvSpPr>
-          <p:nvPr>
-            <p:ph type="ftr" sz="quarter" idx="11"/>
-          </p:nvPr>
-        </p:nvSpPr>
-        <p:spPr/>
-        <p:txBody>
-          <a:bodyPr/>
-          <a:lstStyle/>
-          <a:p>
-            <a:endParaRPr lang="en-US"/>
-          </a:p>
-        </p:txBody>
-      </p:sp>
-      <p:sp>
-        <p:nvSpPr>
-          <p:cNvPr id="6" name="Slide Number Placeholder 5">
-            <a:extLst>
-              <a:ext uri="{FF2B5EF4-FFF2-40B4-BE49-F238E27FC236}">
-                <a16:creationId xmlns:a16="http://schemas.microsoft.com/office/drawing/2014/main" id="{9FB3D7DE-49EA-4562-A515-B9BE2223C582}"/>
-              </a:ext>
-            </a:extLst>
-          </p:cNvPr>
-          <p:cNvSpPr>
-            <a:spLocks noGrp="1"/>
-          </p:cNvSpPr>
-          <p:nvPr>
-            <p:ph type="sldNum" sz="quarter" idx="12"/>
-          </p:nvPr>
-        </p:nvSpPr>
-        <p:spPr/>
-        <p:txBody>
-          <a:bodyPr/>
-          <a:lstStyle/>
-          <a:p>
-            <a:fld id="{34CB81B8-AAA7-4954-ABE5-D7B2149FD73A}" type="slidenum">
-              <a:rPr lang="en-US" smtClean="0"/>
-              <a:t>‹#›</a:t>
-            </a:fld>
-            <a:endParaRPr lang="en-US"/>
-          </a:p>
-        </p:txBody>
-      </p:sp>
-    </p:spTree>
-    <p:extLst>
-      <p:ext uri="{BB962C8B-B14F-4D97-AF65-F5344CB8AC3E}">
-        <p14:creationId xmlns:p14="http://schemas.microsoft.com/office/powerpoint/2010/main" val="2333938583"/>
-      </p:ext>
-    </p:extLst>
-  </p:cSld>
-  <p:clrMapOvr>
-    <a:masterClrMapping/>
-  </p:clrMapOvr>
-</p:sldLayout>
-</file>
-
-<file path=ppt/slideLayouts/slideLayout3.xml><?xml version="1.0" encoding="utf-8"?>
-<p:sldLayout xmlns:a="http://schemas.openxmlformats.org/drawingml/2006/main" xmlns:r="http://schemas.openxmlformats.org/officeDocument/2006/relationships" xmlns:p="http://schemas.openxmlformats.org/presentationml/2006/main" type="secHead" preserve="1">
-  <p:cSld name="Section Header">
-    <p:spTree>
-      <p:nvGrpSpPr>
-        <p:cNvPr id="1" name=""/>
-        <p:cNvGrpSpPr/>
-        <p:nvPr/>
-      </p:nvGrpSpPr>
-      <p:grpSpPr>
-        <a:xfrm>
-          <a:off x="0" y="0"/>
-          <a:ext cx="0" cy="0"/>
-          <a:chOff x="0" y="0"/>
-          <a:chExt cx="0" cy="0"/>
-        </a:xfrm>
-      </p:grpSpPr>
-      <p:sp>
-        <p:nvSpPr>
-          <p:cNvPr id="2" name="Title 1">
-            <a:extLst>
-              <a:ext uri="{FF2B5EF4-FFF2-40B4-BE49-F238E27FC236}">
-                <a16:creationId xmlns:a16="http://schemas.microsoft.com/office/drawing/2014/main" id="{E0EBA5C6-8B4C-4462-82B5-2FC9D2BBB8A5}"/>
-              </a:ext>
-            </a:extLst>
-          </p:cNvPr>
+          <p:cNvPr id="2" name="Title 1"/>
           <p:cNvSpPr>
             <a:spLocks noGrp="1"/>
           </p:cNvSpPr>
@@ -1852,164 +1984,30 @@
         </p:nvSpPr>
         <p:spPr>
           <a:xfrm>
-            <a:off x="831850" y="1709738"/>
-            <a:ext cx="10515600" cy="2852737"/>
-          </a:xfrm>
-        </p:spPr>
-        <p:txBody>
-          <a:bodyPr anchor="b"/>
-          <a:lstStyle>
-            <a:lvl1pPr>
-              <a:defRPr sz="6000"/>
-            </a:lvl1pPr>
-          </a:lstStyle>
-          <a:p>
-            <a:r>
-              <a:rPr lang="en-US"/>
-              <a:t>Click to edit Master title style</a:t>
-            </a:r>
-          </a:p>
-        </p:txBody>
-      </p:sp>
-      <p:sp>
-        <p:nvSpPr>
-          <p:cNvPr id="3" name="Text Placeholder 2">
-            <a:extLst>
-              <a:ext uri="{FF2B5EF4-FFF2-40B4-BE49-F238E27FC236}">
-                <a16:creationId xmlns:a16="http://schemas.microsoft.com/office/drawing/2014/main" id="{DEE133B1-E724-4AF8-8ECB-3A1410D4CF2A}"/>
-              </a:ext>
-            </a:extLst>
-          </p:cNvPr>
-          <p:cNvSpPr>
-            <a:spLocks noGrp="1"/>
-          </p:cNvSpPr>
-          <p:nvPr>
-            <p:ph type="body" idx="1"/>
-          </p:nvPr>
-        </p:nvSpPr>
-        <p:spPr>
-          <a:xfrm>
-            <a:off x="831850" y="4589463"/>
-            <a:ext cx="10515600" cy="1500187"/>
+            <a:off x="369095" y="452417"/>
+            <a:ext cx="8534400" cy="384721"/>
           </a:xfrm>
         </p:spPr>
         <p:txBody>
           <a:bodyPr/>
           <a:lstStyle>
-            <a:lvl1pPr marL="0" indent="0">
-              <a:buNone/>
-              <a:defRPr sz="2400">
-                <a:solidFill>
-                  <a:schemeClr val="tx1">
-                    <a:tint val="75000"/>
-                  </a:schemeClr>
-                </a:solidFill>
-              </a:defRPr>
+            <a:lvl1pPr>
+              <a:defRPr b="1" spc="-40" baseline="0"/>
             </a:lvl1pPr>
-            <a:lvl2pPr marL="457200" indent="0">
-              <a:buNone/>
-              <a:defRPr sz="2000">
-                <a:solidFill>
-                  <a:schemeClr val="tx1">
-                    <a:tint val="75000"/>
-                  </a:schemeClr>
-                </a:solidFill>
-              </a:defRPr>
-            </a:lvl2pPr>
-            <a:lvl3pPr marL="914400" indent="0">
-              <a:buNone/>
-              <a:defRPr sz="1800">
-                <a:solidFill>
-                  <a:schemeClr val="tx1">
-                    <a:tint val="75000"/>
-                  </a:schemeClr>
-                </a:solidFill>
-              </a:defRPr>
-            </a:lvl3pPr>
-            <a:lvl4pPr marL="1371600" indent="0">
-              <a:buNone/>
-              <a:defRPr sz="1600">
-                <a:solidFill>
-                  <a:schemeClr val="tx1">
-                    <a:tint val="75000"/>
-                  </a:schemeClr>
-                </a:solidFill>
-              </a:defRPr>
-            </a:lvl4pPr>
-            <a:lvl5pPr marL="1828800" indent="0">
-              <a:buNone/>
-              <a:defRPr sz="1600">
-                <a:solidFill>
-                  <a:schemeClr val="tx1">
-                    <a:tint val="75000"/>
-                  </a:schemeClr>
-                </a:solidFill>
-              </a:defRPr>
-            </a:lvl5pPr>
-            <a:lvl6pPr marL="2286000" indent="0">
-              <a:buNone/>
-              <a:defRPr sz="1600">
-                <a:solidFill>
-                  <a:schemeClr val="tx1">
-                    <a:tint val="75000"/>
-                  </a:schemeClr>
-                </a:solidFill>
-              </a:defRPr>
-            </a:lvl6pPr>
-            <a:lvl7pPr marL="2743200" indent="0">
-              <a:buNone/>
-              <a:defRPr sz="1600">
-                <a:solidFill>
-                  <a:schemeClr val="tx1">
-                    <a:tint val="75000"/>
-                  </a:schemeClr>
-                </a:solidFill>
-              </a:defRPr>
-            </a:lvl7pPr>
-            <a:lvl8pPr marL="3200400" indent="0">
-              <a:buNone/>
-              <a:defRPr sz="1600">
-                <a:solidFill>
-                  <a:schemeClr val="tx1">
-                    <a:tint val="75000"/>
-                  </a:schemeClr>
-                </a:solidFill>
-              </a:defRPr>
-            </a:lvl8pPr>
-            <a:lvl9pPr marL="3657600" indent="0">
-              <a:buNone/>
-              <a:defRPr sz="1600">
-                <a:solidFill>
-                  <a:schemeClr val="tx1">
-                    <a:tint val="75000"/>
-                  </a:schemeClr>
-                </a:solidFill>
-              </a:defRPr>
-            </a:lvl9pPr>
           </a:lstStyle>
           <a:p>
-            <a:pPr lvl="0"/>
-            <a:r>
-              <a:rPr lang="en-US"/>
-              <a:t>Edit Master text styles</a:t>
-            </a:r>
+            <a:endParaRPr lang="en-US" dirty="0"/>
           </a:p>
         </p:txBody>
       </p:sp>
       <p:sp>
         <p:nvSpPr>
-          <p:cNvPr id="4" name="Date Placeholder 3">
-            <a:extLst>
-              <a:ext uri="{FF2B5EF4-FFF2-40B4-BE49-F238E27FC236}">
-                <a16:creationId xmlns:a16="http://schemas.microsoft.com/office/drawing/2014/main" id="{E4D1F711-F6C5-4EB6-8F2A-B37936F57609}"/>
-              </a:ext>
-            </a:extLst>
-          </p:cNvPr>
+          <p:cNvPr id="3" name="Content Placeholder 2"/>
           <p:cNvSpPr>
             <a:spLocks noGrp="1"/>
           </p:cNvSpPr>
           <p:nvPr>
-            <p:ph type="dt" sz="half" idx="10"/>
+            <p:ph idx="1"/>
           </p:nvPr>
         </p:nvSpPr>
         <p:spPr/>
@@ -2017,759 +2015,54 @@
           <a:bodyPr/>
           <a:lstStyle/>
           <a:p>
-            <a:fld id="{71459950-B371-40CC-BAFD-4CFF20F72272}" type="datetimeFigureOut">
-              <a:rPr lang="en-US" smtClean="0"/>
-              <a:t>9/10/2018</a:t>
-            </a:fld>
-            <a:endParaRPr lang="en-US"/>
+            <a:pPr lvl="0"/>
+            <a:r>
+              <a:rPr lang="en-US" dirty="0"/>
+              <a:t>Click to edit Master text styles</a:t>
+            </a:r>
+          </a:p>
+          <a:p>
+            <a:pPr lvl="1"/>
+            <a:r>
+              <a:rPr lang="en-US" dirty="0"/>
+              <a:t>Second level</a:t>
+            </a:r>
+          </a:p>
+          <a:p>
+            <a:pPr lvl="2"/>
+            <a:r>
+              <a:rPr lang="en-US" dirty="0"/>
+              <a:t>Third level</a:t>
+            </a:r>
+          </a:p>
+          <a:p>
+            <a:pPr lvl="3"/>
+            <a:r>
+              <a:rPr lang="en-US" dirty="0"/>
+              <a:t>Fourth level</a:t>
+            </a:r>
+          </a:p>
+          <a:p>
+            <a:pPr lvl="4"/>
+            <a:r>
+              <a:rPr lang="en-US" dirty="0"/>
+              <a:t>Fifth level</a:t>
+            </a:r>
           </a:p>
         </p:txBody>
       </p:sp>
-      <p:sp>
-        <p:nvSpPr>
-          <p:cNvPr id="5" name="Footer Placeholder 4">
-            <a:extLst>
-              <a:ext uri="{FF2B5EF4-FFF2-40B4-BE49-F238E27FC236}">
-                <a16:creationId xmlns:a16="http://schemas.microsoft.com/office/drawing/2014/main" id="{6EFC58C2-3922-4953-9119-134FBBD9C831}"/>
-              </a:ext>
-            </a:extLst>
-          </p:cNvPr>
-          <p:cNvSpPr>
-            <a:spLocks noGrp="1"/>
-          </p:cNvSpPr>
-          <p:nvPr>
-            <p:ph type="ftr" sz="quarter" idx="11"/>
-          </p:nvPr>
-        </p:nvSpPr>
-        <p:spPr/>
-        <p:txBody>
-          <a:bodyPr/>
-          <a:lstStyle/>
-          <a:p>
-            <a:endParaRPr lang="en-US"/>
-          </a:p>
-        </p:txBody>
-      </p:sp>
-      <p:sp>
-        <p:nvSpPr>
-          <p:cNvPr id="6" name="Slide Number Placeholder 5">
-            <a:extLst>
-              <a:ext uri="{FF2B5EF4-FFF2-40B4-BE49-F238E27FC236}">
-                <a16:creationId xmlns:a16="http://schemas.microsoft.com/office/drawing/2014/main" id="{B1663174-EB1C-4383-AE68-0FD67239D48B}"/>
-              </a:ext>
-            </a:extLst>
-          </p:cNvPr>
-          <p:cNvSpPr>
-            <a:spLocks noGrp="1"/>
-          </p:cNvSpPr>
-          <p:nvPr>
-            <p:ph type="sldNum" sz="quarter" idx="12"/>
-          </p:nvPr>
-        </p:nvSpPr>
-        <p:spPr/>
-        <p:txBody>
-          <a:bodyPr/>
-          <a:lstStyle/>
-          <a:p>
-            <a:fld id="{34CB81B8-AAA7-4954-ABE5-D7B2149FD73A}" type="slidenum">
-              <a:rPr lang="en-US" smtClean="0"/>
-              <a:t>‹#›</a:t>
-            </a:fld>
-            <a:endParaRPr lang="en-US"/>
-          </a:p>
-        </p:txBody>
-      </p:sp>
     </p:spTree>
-    <p:extLst>
-      <p:ext uri="{BB962C8B-B14F-4D97-AF65-F5344CB8AC3E}">
-        <p14:creationId xmlns:p14="http://schemas.microsoft.com/office/powerpoint/2010/main" val="1335948988"/>
-      </p:ext>
-    </p:extLst>
   </p:cSld>
   <p:clrMapOvr>
     <a:masterClrMapping/>
   </p:clrMapOvr>
+  <p:transition>
+    <p:fade/>
+  </p:transition>
 </p:sldLayout>
 </file>
 
 <file path=ppt/slideLayouts/slideLayout4.xml><?xml version="1.0" encoding="utf-8"?>
-<p:sldLayout xmlns:a="http://schemas.openxmlformats.org/drawingml/2006/main" xmlns:r="http://schemas.openxmlformats.org/officeDocument/2006/relationships" xmlns:p="http://schemas.openxmlformats.org/presentationml/2006/main" type="twoObj" preserve="1">
-  <p:cSld name="Two Content">
-    <p:spTree>
-      <p:nvGrpSpPr>
-        <p:cNvPr id="1" name=""/>
-        <p:cNvGrpSpPr/>
-        <p:nvPr/>
-      </p:nvGrpSpPr>
-      <p:grpSpPr>
-        <a:xfrm>
-          <a:off x="0" y="0"/>
-          <a:ext cx="0" cy="0"/>
-          <a:chOff x="0" y="0"/>
-          <a:chExt cx="0" cy="0"/>
-        </a:xfrm>
-      </p:grpSpPr>
-      <p:sp>
-        <p:nvSpPr>
-          <p:cNvPr id="2" name="Title 1">
-            <a:extLst>
-              <a:ext uri="{FF2B5EF4-FFF2-40B4-BE49-F238E27FC236}">
-                <a16:creationId xmlns:a16="http://schemas.microsoft.com/office/drawing/2014/main" id="{9728BC7B-D9A3-4506-9310-4AB83752BE28}"/>
-              </a:ext>
-            </a:extLst>
-          </p:cNvPr>
-          <p:cNvSpPr>
-            <a:spLocks noGrp="1"/>
-          </p:cNvSpPr>
-          <p:nvPr>
-            <p:ph type="title"/>
-          </p:nvPr>
-        </p:nvSpPr>
-        <p:spPr/>
-        <p:txBody>
-          <a:bodyPr/>
-          <a:lstStyle/>
-          <a:p>
-            <a:r>
-              <a:rPr lang="en-US"/>
-              <a:t>Click to edit Master title style</a:t>
-            </a:r>
-          </a:p>
-        </p:txBody>
-      </p:sp>
-      <p:sp>
-        <p:nvSpPr>
-          <p:cNvPr id="3" name="Content Placeholder 2">
-            <a:extLst>
-              <a:ext uri="{FF2B5EF4-FFF2-40B4-BE49-F238E27FC236}">
-                <a16:creationId xmlns:a16="http://schemas.microsoft.com/office/drawing/2014/main" id="{8BDF04A9-C25A-43B8-95C1-EC873ACD9B75}"/>
-              </a:ext>
-            </a:extLst>
-          </p:cNvPr>
-          <p:cNvSpPr>
-            <a:spLocks noGrp="1"/>
-          </p:cNvSpPr>
-          <p:nvPr>
-            <p:ph sz="half" idx="1"/>
-          </p:nvPr>
-        </p:nvSpPr>
-        <p:spPr>
-          <a:xfrm>
-            <a:off x="838200" y="1825625"/>
-            <a:ext cx="5181600" cy="4351338"/>
-          </a:xfrm>
-        </p:spPr>
-        <p:txBody>
-          <a:bodyPr/>
-          <a:lstStyle/>
-          <a:p>
-            <a:pPr lvl="0"/>
-            <a:r>
-              <a:rPr lang="en-US"/>
-              <a:t>Edit Master text styles</a:t>
-            </a:r>
-          </a:p>
-          <a:p>
-            <a:pPr lvl="1"/>
-            <a:r>
-              <a:rPr lang="en-US"/>
-              <a:t>Second level</a:t>
-            </a:r>
-          </a:p>
-          <a:p>
-            <a:pPr lvl="2"/>
-            <a:r>
-              <a:rPr lang="en-US"/>
-              <a:t>Third level</a:t>
-            </a:r>
-          </a:p>
-          <a:p>
-            <a:pPr lvl="3"/>
-            <a:r>
-              <a:rPr lang="en-US"/>
-              <a:t>Fourth level</a:t>
-            </a:r>
-          </a:p>
-          <a:p>
-            <a:pPr lvl="4"/>
-            <a:r>
-              <a:rPr lang="en-US"/>
-              <a:t>Fifth level</a:t>
-            </a:r>
-          </a:p>
-        </p:txBody>
-      </p:sp>
-      <p:sp>
-        <p:nvSpPr>
-          <p:cNvPr id="4" name="Content Placeholder 3">
-            <a:extLst>
-              <a:ext uri="{FF2B5EF4-FFF2-40B4-BE49-F238E27FC236}">
-                <a16:creationId xmlns:a16="http://schemas.microsoft.com/office/drawing/2014/main" id="{765BE2E8-9D4E-4661-91D1-680D32D0B89F}"/>
-              </a:ext>
-            </a:extLst>
-          </p:cNvPr>
-          <p:cNvSpPr>
-            <a:spLocks noGrp="1"/>
-          </p:cNvSpPr>
-          <p:nvPr>
-            <p:ph sz="half" idx="2"/>
-          </p:nvPr>
-        </p:nvSpPr>
-        <p:spPr>
-          <a:xfrm>
-            <a:off x="6172200" y="1825625"/>
-            <a:ext cx="5181600" cy="4351338"/>
-          </a:xfrm>
-        </p:spPr>
-        <p:txBody>
-          <a:bodyPr/>
-          <a:lstStyle/>
-          <a:p>
-            <a:pPr lvl="0"/>
-            <a:r>
-              <a:rPr lang="en-US"/>
-              <a:t>Edit Master text styles</a:t>
-            </a:r>
-          </a:p>
-          <a:p>
-            <a:pPr lvl="1"/>
-            <a:r>
-              <a:rPr lang="en-US"/>
-              <a:t>Second level</a:t>
-            </a:r>
-          </a:p>
-          <a:p>
-            <a:pPr lvl="2"/>
-            <a:r>
-              <a:rPr lang="en-US"/>
-              <a:t>Third level</a:t>
-            </a:r>
-          </a:p>
-          <a:p>
-            <a:pPr lvl="3"/>
-            <a:r>
-              <a:rPr lang="en-US"/>
-              <a:t>Fourth level</a:t>
-            </a:r>
-          </a:p>
-          <a:p>
-            <a:pPr lvl="4"/>
-            <a:r>
-              <a:rPr lang="en-US"/>
-              <a:t>Fifth level</a:t>
-            </a:r>
-          </a:p>
-        </p:txBody>
-      </p:sp>
-      <p:sp>
-        <p:nvSpPr>
-          <p:cNvPr id="5" name="Date Placeholder 4">
-            <a:extLst>
-              <a:ext uri="{FF2B5EF4-FFF2-40B4-BE49-F238E27FC236}">
-                <a16:creationId xmlns:a16="http://schemas.microsoft.com/office/drawing/2014/main" id="{61074768-B56C-48E3-97B1-9BE75B7994C9}"/>
-              </a:ext>
-            </a:extLst>
-          </p:cNvPr>
-          <p:cNvSpPr>
-            <a:spLocks noGrp="1"/>
-          </p:cNvSpPr>
-          <p:nvPr>
-            <p:ph type="dt" sz="half" idx="10"/>
-          </p:nvPr>
-        </p:nvSpPr>
-        <p:spPr/>
-        <p:txBody>
-          <a:bodyPr/>
-          <a:lstStyle/>
-          <a:p>
-            <a:fld id="{71459950-B371-40CC-BAFD-4CFF20F72272}" type="datetimeFigureOut">
-              <a:rPr lang="en-US" smtClean="0"/>
-              <a:t>9/10/2018</a:t>
-            </a:fld>
-            <a:endParaRPr lang="en-US"/>
-          </a:p>
-        </p:txBody>
-      </p:sp>
-      <p:sp>
-        <p:nvSpPr>
-          <p:cNvPr id="6" name="Footer Placeholder 5">
-            <a:extLst>
-              <a:ext uri="{FF2B5EF4-FFF2-40B4-BE49-F238E27FC236}">
-                <a16:creationId xmlns:a16="http://schemas.microsoft.com/office/drawing/2014/main" id="{89FFB7B3-1257-4734-9B9D-9F0CB4996060}"/>
-              </a:ext>
-            </a:extLst>
-          </p:cNvPr>
-          <p:cNvSpPr>
-            <a:spLocks noGrp="1"/>
-          </p:cNvSpPr>
-          <p:nvPr>
-            <p:ph type="ftr" sz="quarter" idx="11"/>
-          </p:nvPr>
-        </p:nvSpPr>
-        <p:spPr/>
-        <p:txBody>
-          <a:bodyPr/>
-          <a:lstStyle/>
-          <a:p>
-            <a:endParaRPr lang="en-US"/>
-          </a:p>
-        </p:txBody>
-      </p:sp>
-      <p:sp>
-        <p:nvSpPr>
-          <p:cNvPr id="7" name="Slide Number Placeholder 6">
-            <a:extLst>
-              <a:ext uri="{FF2B5EF4-FFF2-40B4-BE49-F238E27FC236}">
-                <a16:creationId xmlns:a16="http://schemas.microsoft.com/office/drawing/2014/main" id="{1BF28A60-4C97-4969-BE79-45794ED7CD7E}"/>
-              </a:ext>
-            </a:extLst>
-          </p:cNvPr>
-          <p:cNvSpPr>
-            <a:spLocks noGrp="1"/>
-          </p:cNvSpPr>
-          <p:nvPr>
-            <p:ph type="sldNum" sz="quarter" idx="12"/>
-          </p:nvPr>
-        </p:nvSpPr>
-        <p:spPr/>
-        <p:txBody>
-          <a:bodyPr/>
-          <a:lstStyle/>
-          <a:p>
-            <a:fld id="{34CB81B8-AAA7-4954-ABE5-D7B2149FD73A}" type="slidenum">
-              <a:rPr lang="en-US" smtClean="0"/>
-              <a:t>‹#›</a:t>
-            </a:fld>
-            <a:endParaRPr lang="en-US"/>
-          </a:p>
-        </p:txBody>
-      </p:sp>
-    </p:spTree>
-    <p:extLst>
-      <p:ext uri="{BB962C8B-B14F-4D97-AF65-F5344CB8AC3E}">
-        <p14:creationId xmlns:p14="http://schemas.microsoft.com/office/powerpoint/2010/main" val="3167499994"/>
-      </p:ext>
-    </p:extLst>
-  </p:cSld>
-  <p:clrMapOvr>
-    <a:masterClrMapping/>
-  </p:clrMapOvr>
-</p:sldLayout>
-</file>
-
-<file path=ppt/slideLayouts/slideLayout5.xml><?xml version="1.0" encoding="utf-8"?>
-<p:sldLayout xmlns:a="http://schemas.openxmlformats.org/drawingml/2006/main" xmlns:r="http://schemas.openxmlformats.org/officeDocument/2006/relationships" xmlns:p="http://schemas.openxmlformats.org/presentationml/2006/main" type="twoTxTwoObj" preserve="1">
-  <p:cSld name="Comparison">
-    <p:spTree>
-      <p:nvGrpSpPr>
-        <p:cNvPr id="1" name=""/>
-        <p:cNvGrpSpPr/>
-        <p:nvPr/>
-      </p:nvGrpSpPr>
-      <p:grpSpPr>
-        <a:xfrm>
-          <a:off x="0" y="0"/>
-          <a:ext cx="0" cy="0"/>
-          <a:chOff x="0" y="0"/>
-          <a:chExt cx="0" cy="0"/>
-        </a:xfrm>
-      </p:grpSpPr>
-      <p:sp>
-        <p:nvSpPr>
-          <p:cNvPr id="2" name="Title 1">
-            <a:extLst>
-              <a:ext uri="{FF2B5EF4-FFF2-40B4-BE49-F238E27FC236}">
-                <a16:creationId xmlns:a16="http://schemas.microsoft.com/office/drawing/2014/main" id="{A2F015C4-F641-48F3-81CE-E244E01E555B}"/>
-              </a:ext>
-            </a:extLst>
-          </p:cNvPr>
-          <p:cNvSpPr>
-            <a:spLocks noGrp="1"/>
-          </p:cNvSpPr>
-          <p:nvPr>
-            <p:ph type="title"/>
-          </p:nvPr>
-        </p:nvSpPr>
-        <p:spPr>
-          <a:xfrm>
-            <a:off x="839788" y="365125"/>
-            <a:ext cx="10515600" cy="1325563"/>
-          </a:xfrm>
-        </p:spPr>
-        <p:txBody>
-          <a:bodyPr/>
-          <a:lstStyle/>
-          <a:p>
-            <a:r>
-              <a:rPr lang="en-US"/>
-              <a:t>Click to edit Master title style</a:t>
-            </a:r>
-          </a:p>
-        </p:txBody>
-      </p:sp>
-      <p:sp>
-        <p:nvSpPr>
-          <p:cNvPr id="3" name="Text Placeholder 2">
-            <a:extLst>
-              <a:ext uri="{FF2B5EF4-FFF2-40B4-BE49-F238E27FC236}">
-                <a16:creationId xmlns:a16="http://schemas.microsoft.com/office/drawing/2014/main" id="{4E803D39-66B8-477A-A646-91801EF5594A}"/>
-              </a:ext>
-            </a:extLst>
-          </p:cNvPr>
-          <p:cNvSpPr>
-            <a:spLocks noGrp="1"/>
-          </p:cNvSpPr>
-          <p:nvPr>
-            <p:ph type="body" idx="1"/>
-          </p:nvPr>
-        </p:nvSpPr>
-        <p:spPr>
-          <a:xfrm>
-            <a:off x="839788" y="1681163"/>
-            <a:ext cx="5157787" cy="823912"/>
-          </a:xfrm>
-        </p:spPr>
-        <p:txBody>
-          <a:bodyPr anchor="b"/>
-          <a:lstStyle>
-            <a:lvl1pPr marL="0" indent="0">
-              <a:buNone/>
-              <a:defRPr sz="2400" b="1"/>
-            </a:lvl1pPr>
-            <a:lvl2pPr marL="457200" indent="0">
-              <a:buNone/>
-              <a:defRPr sz="2000" b="1"/>
-            </a:lvl2pPr>
-            <a:lvl3pPr marL="914400" indent="0">
-              <a:buNone/>
-              <a:defRPr sz="1800" b="1"/>
-            </a:lvl3pPr>
-            <a:lvl4pPr marL="1371600" indent="0">
-              <a:buNone/>
-              <a:defRPr sz="1600" b="1"/>
-            </a:lvl4pPr>
-            <a:lvl5pPr marL="1828800" indent="0">
-              <a:buNone/>
-              <a:defRPr sz="1600" b="1"/>
-            </a:lvl5pPr>
-            <a:lvl6pPr marL="2286000" indent="0">
-              <a:buNone/>
-              <a:defRPr sz="1600" b="1"/>
-            </a:lvl6pPr>
-            <a:lvl7pPr marL="2743200" indent="0">
-              <a:buNone/>
-              <a:defRPr sz="1600" b="1"/>
-            </a:lvl7pPr>
-            <a:lvl8pPr marL="3200400" indent="0">
-              <a:buNone/>
-              <a:defRPr sz="1600" b="1"/>
-            </a:lvl8pPr>
-            <a:lvl9pPr marL="3657600" indent="0">
-              <a:buNone/>
-              <a:defRPr sz="1600" b="1"/>
-            </a:lvl9pPr>
-          </a:lstStyle>
-          <a:p>
-            <a:pPr lvl="0"/>
-            <a:r>
-              <a:rPr lang="en-US"/>
-              <a:t>Edit Master text styles</a:t>
-            </a:r>
-          </a:p>
-        </p:txBody>
-      </p:sp>
-      <p:sp>
-        <p:nvSpPr>
-          <p:cNvPr id="4" name="Content Placeholder 3">
-            <a:extLst>
-              <a:ext uri="{FF2B5EF4-FFF2-40B4-BE49-F238E27FC236}">
-                <a16:creationId xmlns:a16="http://schemas.microsoft.com/office/drawing/2014/main" id="{B23FEC1C-9F42-4BB8-BDBF-63D339332A7C}"/>
-              </a:ext>
-            </a:extLst>
-          </p:cNvPr>
-          <p:cNvSpPr>
-            <a:spLocks noGrp="1"/>
-          </p:cNvSpPr>
-          <p:nvPr>
-            <p:ph sz="half" idx="2"/>
-          </p:nvPr>
-        </p:nvSpPr>
-        <p:spPr>
-          <a:xfrm>
-            <a:off x="839788" y="2505075"/>
-            <a:ext cx="5157787" cy="3684588"/>
-          </a:xfrm>
-        </p:spPr>
-        <p:txBody>
-          <a:bodyPr/>
-          <a:lstStyle/>
-          <a:p>
-            <a:pPr lvl="0"/>
-            <a:r>
-              <a:rPr lang="en-US"/>
-              <a:t>Edit Master text styles</a:t>
-            </a:r>
-          </a:p>
-          <a:p>
-            <a:pPr lvl="1"/>
-            <a:r>
-              <a:rPr lang="en-US"/>
-              <a:t>Second level</a:t>
-            </a:r>
-          </a:p>
-          <a:p>
-            <a:pPr lvl="2"/>
-            <a:r>
-              <a:rPr lang="en-US"/>
-              <a:t>Third level</a:t>
-            </a:r>
-          </a:p>
-          <a:p>
-            <a:pPr lvl="3"/>
-            <a:r>
-              <a:rPr lang="en-US"/>
-              <a:t>Fourth level</a:t>
-            </a:r>
-          </a:p>
-          <a:p>
-            <a:pPr lvl="4"/>
-            <a:r>
-              <a:rPr lang="en-US"/>
-              <a:t>Fifth level</a:t>
-            </a:r>
-          </a:p>
-        </p:txBody>
-      </p:sp>
-      <p:sp>
-        <p:nvSpPr>
-          <p:cNvPr id="5" name="Text Placeholder 4">
-            <a:extLst>
-              <a:ext uri="{FF2B5EF4-FFF2-40B4-BE49-F238E27FC236}">
-                <a16:creationId xmlns:a16="http://schemas.microsoft.com/office/drawing/2014/main" id="{7079BA19-2B33-4786-9762-E53DB89C4B92}"/>
-              </a:ext>
-            </a:extLst>
-          </p:cNvPr>
-          <p:cNvSpPr>
-            <a:spLocks noGrp="1"/>
-          </p:cNvSpPr>
-          <p:nvPr>
-            <p:ph type="body" sz="quarter" idx="3"/>
-          </p:nvPr>
-        </p:nvSpPr>
-        <p:spPr>
-          <a:xfrm>
-            <a:off x="6172200" y="1681163"/>
-            <a:ext cx="5183188" cy="823912"/>
-          </a:xfrm>
-        </p:spPr>
-        <p:txBody>
-          <a:bodyPr anchor="b"/>
-          <a:lstStyle>
-            <a:lvl1pPr marL="0" indent="0">
-              <a:buNone/>
-              <a:defRPr sz="2400" b="1"/>
-            </a:lvl1pPr>
-            <a:lvl2pPr marL="457200" indent="0">
-              <a:buNone/>
-              <a:defRPr sz="2000" b="1"/>
-            </a:lvl2pPr>
-            <a:lvl3pPr marL="914400" indent="0">
-              <a:buNone/>
-              <a:defRPr sz="1800" b="1"/>
-            </a:lvl3pPr>
-            <a:lvl4pPr marL="1371600" indent="0">
-              <a:buNone/>
-              <a:defRPr sz="1600" b="1"/>
-            </a:lvl4pPr>
-            <a:lvl5pPr marL="1828800" indent="0">
-              <a:buNone/>
-              <a:defRPr sz="1600" b="1"/>
-            </a:lvl5pPr>
-            <a:lvl6pPr marL="2286000" indent="0">
-              <a:buNone/>
-              <a:defRPr sz="1600" b="1"/>
-            </a:lvl6pPr>
-            <a:lvl7pPr marL="2743200" indent="0">
-              <a:buNone/>
-              <a:defRPr sz="1600" b="1"/>
-            </a:lvl7pPr>
-            <a:lvl8pPr marL="3200400" indent="0">
-              <a:buNone/>
-              <a:defRPr sz="1600" b="1"/>
-            </a:lvl8pPr>
-            <a:lvl9pPr marL="3657600" indent="0">
-              <a:buNone/>
-              <a:defRPr sz="1600" b="1"/>
-            </a:lvl9pPr>
-          </a:lstStyle>
-          <a:p>
-            <a:pPr lvl="0"/>
-            <a:r>
-              <a:rPr lang="en-US"/>
-              <a:t>Edit Master text styles</a:t>
-            </a:r>
-          </a:p>
-        </p:txBody>
-      </p:sp>
-      <p:sp>
-        <p:nvSpPr>
-          <p:cNvPr id="6" name="Content Placeholder 5">
-            <a:extLst>
-              <a:ext uri="{FF2B5EF4-FFF2-40B4-BE49-F238E27FC236}">
-                <a16:creationId xmlns:a16="http://schemas.microsoft.com/office/drawing/2014/main" id="{2E9A85DD-A92C-4C6D-AB7C-D965CA012363}"/>
-              </a:ext>
-            </a:extLst>
-          </p:cNvPr>
-          <p:cNvSpPr>
-            <a:spLocks noGrp="1"/>
-          </p:cNvSpPr>
-          <p:nvPr>
-            <p:ph sz="quarter" idx="4"/>
-          </p:nvPr>
-        </p:nvSpPr>
-        <p:spPr>
-          <a:xfrm>
-            <a:off x="6172200" y="2505075"/>
-            <a:ext cx="5183188" cy="3684588"/>
-          </a:xfrm>
-        </p:spPr>
-        <p:txBody>
-          <a:bodyPr/>
-          <a:lstStyle/>
-          <a:p>
-            <a:pPr lvl="0"/>
-            <a:r>
-              <a:rPr lang="en-US"/>
-              <a:t>Edit Master text styles</a:t>
-            </a:r>
-          </a:p>
-          <a:p>
-            <a:pPr lvl="1"/>
-            <a:r>
-              <a:rPr lang="en-US"/>
-              <a:t>Second level</a:t>
-            </a:r>
-          </a:p>
-          <a:p>
-            <a:pPr lvl="2"/>
-            <a:r>
-              <a:rPr lang="en-US"/>
-              <a:t>Third level</a:t>
-            </a:r>
-          </a:p>
-          <a:p>
-            <a:pPr lvl="3"/>
-            <a:r>
-              <a:rPr lang="en-US"/>
-              <a:t>Fourth level</a:t>
-            </a:r>
-          </a:p>
-          <a:p>
-            <a:pPr lvl="4"/>
-            <a:r>
-              <a:rPr lang="en-US"/>
-              <a:t>Fifth level</a:t>
-            </a:r>
-          </a:p>
-        </p:txBody>
-      </p:sp>
-      <p:sp>
-        <p:nvSpPr>
-          <p:cNvPr id="7" name="Date Placeholder 6">
-            <a:extLst>
-              <a:ext uri="{FF2B5EF4-FFF2-40B4-BE49-F238E27FC236}">
-                <a16:creationId xmlns:a16="http://schemas.microsoft.com/office/drawing/2014/main" id="{8C821648-B536-4565-9087-8646FCF03F08}"/>
-              </a:ext>
-            </a:extLst>
-          </p:cNvPr>
-          <p:cNvSpPr>
-            <a:spLocks noGrp="1"/>
-          </p:cNvSpPr>
-          <p:nvPr>
-            <p:ph type="dt" sz="half" idx="10"/>
-          </p:nvPr>
-        </p:nvSpPr>
-        <p:spPr/>
-        <p:txBody>
-          <a:bodyPr/>
-          <a:lstStyle/>
-          <a:p>
-            <a:fld id="{71459950-B371-40CC-BAFD-4CFF20F72272}" type="datetimeFigureOut">
-              <a:rPr lang="en-US" smtClean="0"/>
-              <a:t>9/10/2018</a:t>
-            </a:fld>
-            <a:endParaRPr lang="en-US"/>
-          </a:p>
-        </p:txBody>
-      </p:sp>
-      <p:sp>
-        <p:nvSpPr>
-          <p:cNvPr id="8" name="Footer Placeholder 7">
-            <a:extLst>
-              <a:ext uri="{FF2B5EF4-FFF2-40B4-BE49-F238E27FC236}">
-                <a16:creationId xmlns:a16="http://schemas.microsoft.com/office/drawing/2014/main" id="{D0D77FFE-0566-4998-BD56-9E80DC7F92EF}"/>
-              </a:ext>
-            </a:extLst>
-          </p:cNvPr>
-          <p:cNvSpPr>
-            <a:spLocks noGrp="1"/>
-          </p:cNvSpPr>
-          <p:nvPr>
-            <p:ph type="ftr" sz="quarter" idx="11"/>
-          </p:nvPr>
-        </p:nvSpPr>
-        <p:spPr/>
-        <p:txBody>
-          <a:bodyPr/>
-          <a:lstStyle/>
-          <a:p>
-            <a:endParaRPr lang="en-US"/>
-          </a:p>
-        </p:txBody>
-      </p:sp>
-      <p:sp>
-        <p:nvSpPr>
-          <p:cNvPr id="9" name="Slide Number Placeholder 8">
-            <a:extLst>
-              <a:ext uri="{FF2B5EF4-FFF2-40B4-BE49-F238E27FC236}">
-                <a16:creationId xmlns:a16="http://schemas.microsoft.com/office/drawing/2014/main" id="{4A109F85-612A-4872-8C5B-501A2ECB9569}"/>
-              </a:ext>
-            </a:extLst>
-          </p:cNvPr>
-          <p:cNvSpPr>
-            <a:spLocks noGrp="1"/>
-          </p:cNvSpPr>
-          <p:nvPr>
-            <p:ph type="sldNum" sz="quarter" idx="12"/>
-          </p:nvPr>
-        </p:nvSpPr>
-        <p:spPr/>
-        <p:txBody>
-          <a:bodyPr/>
-          <a:lstStyle/>
-          <a:p>
-            <a:fld id="{34CB81B8-AAA7-4954-ABE5-D7B2149FD73A}" type="slidenum">
-              <a:rPr lang="en-US" smtClean="0"/>
-              <a:t>‹#›</a:t>
-            </a:fld>
-            <a:endParaRPr lang="en-US"/>
-          </a:p>
-        </p:txBody>
-      </p:sp>
-    </p:spTree>
-    <p:extLst>
-      <p:ext uri="{BB962C8B-B14F-4D97-AF65-F5344CB8AC3E}">
-        <p14:creationId xmlns:p14="http://schemas.microsoft.com/office/powerpoint/2010/main" val="2757053932"/>
-      </p:ext>
-    </p:extLst>
-  </p:cSld>
-  <p:clrMapOvr>
-    <a:masterClrMapping/>
-  </p:clrMapOvr>
-</p:sldLayout>
-</file>
-
-<file path=ppt/slideLayouts/slideLayout6.xml><?xml version="1.0" encoding="utf-8"?>
 <p:sldLayout xmlns:a="http://schemas.openxmlformats.org/drawingml/2006/main" xmlns:r="http://schemas.openxmlformats.org/officeDocument/2006/relationships" xmlns:p="http://schemas.openxmlformats.org/presentationml/2006/main" type="titleOnly" preserve="1">
   <p:cSld name="Title Only">
     <p:spTree>
@@ -2788,13 +2081,7 @@
       </p:grpSpPr>
       <p:sp>
         <p:nvSpPr>
-          <p:cNvPr id="2" name="Title 1">
-            <a:extLst>
-              <a:ext uri="{FF2B5EF4-FFF2-40B4-BE49-F238E27FC236}">
-                <a16:creationId xmlns:a16="http://schemas.microsoft.com/office/drawing/2014/main" id="{34911C3F-F44B-4A53-AAA3-2B11BC9BB4D8}"/>
-              </a:ext>
-            </a:extLst>
-          </p:cNvPr>
+          <p:cNvPr id="2" name="Title 1"/>
           <p:cNvSpPr>
             <a:spLocks noGrp="1"/>
           </p:cNvSpPr>
@@ -2814,103 +2101,18 @@
           </a:p>
         </p:txBody>
       </p:sp>
-      <p:sp>
-        <p:nvSpPr>
-          <p:cNvPr id="3" name="Date Placeholder 2">
-            <a:extLst>
-              <a:ext uri="{FF2B5EF4-FFF2-40B4-BE49-F238E27FC236}">
-                <a16:creationId xmlns:a16="http://schemas.microsoft.com/office/drawing/2014/main" id="{7CE5F849-7835-4139-A2B0-F299A0A9DC9A}"/>
-              </a:ext>
-            </a:extLst>
-          </p:cNvPr>
-          <p:cNvSpPr>
-            <a:spLocks noGrp="1"/>
-          </p:cNvSpPr>
-          <p:nvPr>
-            <p:ph type="dt" sz="half" idx="10"/>
-          </p:nvPr>
-        </p:nvSpPr>
-        <p:spPr/>
-        <p:txBody>
-          <a:bodyPr/>
-          <a:lstStyle/>
-          <a:p>
-            <a:fld id="{71459950-B371-40CC-BAFD-4CFF20F72272}" type="datetimeFigureOut">
-              <a:rPr lang="en-US" smtClean="0"/>
-              <a:t>9/10/2018</a:t>
-            </a:fld>
-            <a:endParaRPr lang="en-US"/>
-          </a:p>
-        </p:txBody>
-      </p:sp>
-      <p:sp>
-        <p:nvSpPr>
-          <p:cNvPr id="4" name="Footer Placeholder 3">
-            <a:extLst>
-              <a:ext uri="{FF2B5EF4-FFF2-40B4-BE49-F238E27FC236}">
-                <a16:creationId xmlns:a16="http://schemas.microsoft.com/office/drawing/2014/main" id="{CB5B47E0-CE9B-457C-96CF-FAE1521902EE}"/>
-              </a:ext>
-            </a:extLst>
-          </p:cNvPr>
-          <p:cNvSpPr>
-            <a:spLocks noGrp="1"/>
-          </p:cNvSpPr>
-          <p:nvPr>
-            <p:ph type="ftr" sz="quarter" idx="11"/>
-          </p:nvPr>
-        </p:nvSpPr>
-        <p:spPr/>
-        <p:txBody>
-          <a:bodyPr/>
-          <a:lstStyle/>
-          <a:p>
-            <a:endParaRPr lang="en-US"/>
-          </a:p>
-        </p:txBody>
-      </p:sp>
-      <p:sp>
-        <p:nvSpPr>
-          <p:cNvPr id="5" name="Slide Number Placeholder 4">
-            <a:extLst>
-              <a:ext uri="{FF2B5EF4-FFF2-40B4-BE49-F238E27FC236}">
-                <a16:creationId xmlns:a16="http://schemas.microsoft.com/office/drawing/2014/main" id="{D94541DD-CD44-47F5-BAB5-F2404EED7F8F}"/>
-              </a:ext>
-            </a:extLst>
-          </p:cNvPr>
-          <p:cNvSpPr>
-            <a:spLocks noGrp="1"/>
-          </p:cNvSpPr>
-          <p:nvPr>
-            <p:ph type="sldNum" sz="quarter" idx="12"/>
-          </p:nvPr>
-        </p:nvSpPr>
-        <p:spPr/>
-        <p:txBody>
-          <a:bodyPr/>
-          <a:lstStyle/>
-          <a:p>
-            <a:fld id="{34CB81B8-AAA7-4954-ABE5-D7B2149FD73A}" type="slidenum">
-              <a:rPr lang="en-US" smtClean="0"/>
-              <a:t>‹#›</a:t>
-            </a:fld>
-            <a:endParaRPr lang="en-US"/>
-          </a:p>
-        </p:txBody>
-      </p:sp>
     </p:spTree>
-    <p:extLst>
-      <p:ext uri="{BB962C8B-B14F-4D97-AF65-F5344CB8AC3E}">
-        <p14:creationId xmlns:p14="http://schemas.microsoft.com/office/powerpoint/2010/main" val="780720445"/>
-      </p:ext>
-    </p:extLst>
   </p:cSld>
   <p:clrMapOvr>
     <a:masterClrMapping/>
   </p:clrMapOvr>
+  <p:transition>
+    <p:fade/>
+  </p:transition>
 </p:sldLayout>
 </file>
 
-<file path=ppt/slideLayouts/slideLayout7.xml><?xml version="1.0" encoding="utf-8"?>
+<file path=ppt/slideLayouts/slideLayout5.xml><?xml version="1.0" encoding="utf-8"?>
 <p:sldLayout xmlns:a="http://schemas.openxmlformats.org/drawingml/2006/main" xmlns:r="http://schemas.openxmlformats.org/officeDocument/2006/relationships" xmlns:p="http://schemas.openxmlformats.org/presentationml/2006/main" type="blank" preserve="1">
   <p:cSld name="Blank">
     <p:spTree>
@@ -2927,105 +2129,20 @@
           <a:chExt cx="0" cy="0"/>
         </a:xfrm>
       </p:grpSpPr>
-      <p:sp>
-        <p:nvSpPr>
-          <p:cNvPr id="2" name="Date Placeholder 1">
-            <a:extLst>
-              <a:ext uri="{FF2B5EF4-FFF2-40B4-BE49-F238E27FC236}">
-                <a16:creationId xmlns:a16="http://schemas.microsoft.com/office/drawing/2014/main" id="{4630DD48-FA32-402D-A8AA-16D18A14DE2A}"/>
-              </a:ext>
-            </a:extLst>
-          </p:cNvPr>
-          <p:cNvSpPr>
-            <a:spLocks noGrp="1"/>
-          </p:cNvSpPr>
-          <p:nvPr>
-            <p:ph type="dt" sz="half" idx="10"/>
-          </p:nvPr>
-        </p:nvSpPr>
-        <p:spPr/>
-        <p:txBody>
-          <a:bodyPr/>
-          <a:lstStyle/>
-          <a:p>
-            <a:fld id="{71459950-B371-40CC-BAFD-4CFF20F72272}" type="datetimeFigureOut">
-              <a:rPr lang="en-US" smtClean="0"/>
-              <a:t>9/10/2018</a:t>
-            </a:fld>
-            <a:endParaRPr lang="en-US"/>
-          </a:p>
-        </p:txBody>
-      </p:sp>
-      <p:sp>
-        <p:nvSpPr>
-          <p:cNvPr id="3" name="Footer Placeholder 2">
-            <a:extLst>
-              <a:ext uri="{FF2B5EF4-FFF2-40B4-BE49-F238E27FC236}">
-                <a16:creationId xmlns:a16="http://schemas.microsoft.com/office/drawing/2014/main" id="{0564D4D6-E2AB-4344-9AF8-18C477207042}"/>
-              </a:ext>
-            </a:extLst>
-          </p:cNvPr>
-          <p:cNvSpPr>
-            <a:spLocks noGrp="1"/>
-          </p:cNvSpPr>
-          <p:nvPr>
-            <p:ph type="ftr" sz="quarter" idx="11"/>
-          </p:nvPr>
-        </p:nvSpPr>
-        <p:spPr/>
-        <p:txBody>
-          <a:bodyPr/>
-          <a:lstStyle/>
-          <a:p>
-            <a:endParaRPr lang="en-US"/>
-          </a:p>
-        </p:txBody>
-      </p:sp>
-      <p:sp>
-        <p:nvSpPr>
-          <p:cNvPr id="4" name="Slide Number Placeholder 3">
-            <a:extLst>
-              <a:ext uri="{FF2B5EF4-FFF2-40B4-BE49-F238E27FC236}">
-                <a16:creationId xmlns:a16="http://schemas.microsoft.com/office/drawing/2014/main" id="{FF7507E3-E630-46FD-B7E3-878A110953F6}"/>
-              </a:ext>
-            </a:extLst>
-          </p:cNvPr>
-          <p:cNvSpPr>
-            <a:spLocks noGrp="1"/>
-          </p:cNvSpPr>
-          <p:nvPr>
-            <p:ph type="sldNum" sz="quarter" idx="12"/>
-          </p:nvPr>
-        </p:nvSpPr>
-        <p:spPr/>
-        <p:txBody>
-          <a:bodyPr/>
-          <a:lstStyle/>
-          <a:p>
-            <a:fld id="{34CB81B8-AAA7-4954-ABE5-D7B2149FD73A}" type="slidenum">
-              <a:rPr lang="en-US" smtClean="0"/>
-              <a:t>‹#›</a:t>
-            </a:fld>
-            <a:endParaRPr lang="en-US"/>
-          </a:p>
-        </p:txBody>
-      </p:sp>
     </p:spTree>
-    <p:extLst>
-      <p:ext uri="{BB962C8B-B14F-4D97-AF65-F5344CB8AC3E}">
-        <p14:creationId xmlns:p14="http://schemas.microsoft.com/office/powerpoint/2010/main" val="858539811"/>
-      </p:ext>
-    </p:extLst>
   </p:cSld>
   <p:clrMapOvr>
     <a:masterClrMapping/>
   </p:clrMapOvr>
+  <p:transition>
+    <p:fade/>
+  </p:transition>
 </p:sldLayout>
 </file>
 
-<file path=ppt/slideLayouts/slideLayout8.xml><?xml version="1.0" encoding="utf-8"?>
-<p:sldLayout xmlns:a="http://schemas.openxmlformats.org/drawingml/2006/main" xmlns:r="http://schemas.openxmlformats.org/officeDocument/2006/relationships" xmlns:p="http://schemas.openxmlformats.org/presentationml/2006/main" type="objTx" preserve="1">
-  <p:cSld name="Content with Caption">
+<file path=ppt/slideLayouts/slideLayout6.xml><?xml version="1.0" encoding="utf-8"?>
+<p:sldLayout xmlns:a="http://schemas.openxmlformats.org/drawingml/2006/main" xmlns:r="http://schemas.openxmlformats.org/officeDocument/2006/relationships" xmlns:p="http://schemas.openxmlformats.org/presentationml/2006/main" type="secHead">
+  <p:cSld name="Section Header">
     <p:spTree>
       <p:nvGrpSpPr>
         <p:cNvPr id="1" name=""/>
@@ -3045,7 +2162,7 @@
           <p:cNvPr id="2" name="Title 1">
             <a:extLst>
               <a:ext uri="{FF2B5EF4-FFF2-40B4-BE49-F238E27FC236}">
-                <a16:creationId xmlns:a16="http://schemas.microsoft.com/office/drawing/2014/main" id="{FD7BD16D-DEC2-4378-A588-31BEEA37C65C}"/>
+                <a16:creationId xmlns:a16="http://schemas.microsoft.com/office/drawing/2014/main" id="{E0EBA5C6-8B4C-4462-82B5-2FC9D2BBB8A5}"/>
               </a:ext>
             </a:extLst>
           </p:cNvPr>
@@ -3058,15 +2175,15 @@
         </p:nvSpPr>
         <p:spPr>
           <a:xfrm>
-            <a:off x="839788" y="457200"/>
-            <a:ext cx="3932237" cy="1600200"/>
+            <a:off x="623888" y="1709739"/>
+            <a:ext cx="7886700" cy="2852737"/>
           </a:xfrm>
         </p:spPr>
         <p:txBody>
           <a:bodyPr anchor="b"/>
           <a:lstStyle>
             <a:lvl1pPr>
-              <a:defRPr sz="3200"/>
+              <a:defRPr sz="4500"/>
             </a:lvl1pPr>
           </a:lstStyle>
           <a:p>
@@ -3079,10 +2196,10 @@
       </p:sp>
       <p:sp>
         <p:nvSpPr>
-          <p:cNvPr id="3" name="Content Placeholder 2">
+          <p:cNvPr id="3" name="Text Placeholder 2">
             <a:extLst>
               <a:ext uri="{FF2B5EF4-FFF2-40B4-BE49-F238E27FC236}">
-                <a16:creationId xmlns:a16="http://schemas.microsoft.com/office/drawing/2014/main" id="{924C3BF6-8C0D-4A14-8686-45667E99E830}"/>
+                <a16:creationId xmlns:a16="http://schemas.microsoft.com/office/drawing/2014/main" id="{DEE133B1-E724-4AF8-8ECB-3A1410D4CF2A}"/>
               </a:ext>
             </a:extLst>
           </p:cNvPr>
@@ -3090,103 +2207,13 @@
             <a:spLocks noGrp="1"/>
           </p:cNvSpPr>
           <p:nvPr>
-            <p:ph idx="1"/>
+            <p:ph type="body" idx="1"/>
           </p:nvPr>
         </p:nvSpPr>
         <p:spPr>
           <a:xfrm>
-            <a:off x="5183188" y="987425"/>
-            <a:ext cx="6172200" cy="4873625"/>
-          </a:xfrm>
-        </p:spPr>
-        <p:txBody>
-          <a:bodyPr/>
-          <a:lstStyle>
-            <a:lvl1pPr>
-              <a:defRPr sz="3200"/>
-            </a:lvl1pPr>
-            <a:lvl2pPr>
-              <a:defRPr sz="2800"/>
-            </a:lvl2pPr>
-            <a:lvl3pPr>
-              <a:defRPr sz="2400"/>
-            </a:lvl3pPr>
-            <a:lvl4pPr>
-              <a:defRPr sz="2000"/>
-            </a:lvl4pPr>
-            <a:lvl5pPr>
-              <a:defRPr sz="2000"/>
-            </a:lvl5pPr>
-            <a:lvl6pPr>
-              <a:defRPr sz="2000"/>
-            </a:lvl6pPr>
-            <a:lvl7pPr>
-              <a:defRPr sz="2000"/>
-            </a:lvl7pPr>
-            <a:lvl8pPr>
-              <a:defRPr sz="2000"/>
-            </a:lvl8pPr>
-            <a:lvl9pPr>
-              <a:defRPr sz="2000"/>
-            </a:lvl9pPr>
-          </a:lstStyle>
-          <a:p>
-            <a:pPr lvl="0"/>
-            <a:r>
-              <a:rPr lang="en-US"/>
-              <a:t>Edit Master text styles</a:t>
-            </a:r>
-          </a:p>
-          <a:p>
-            <a:pPr lvl="1"/>
-            <a:r>
-              <a:rPr lang="en-US"/>
-              <a:t>Second level</a:t>
-            </a:r>
-          </a:p>
-          <a:p>
-            <a:pPr lvl="2"/>
-            <a:r>
-              <a:rPr lang="en-US"/>
-              <a:t>Third level</a:t>
-            </a:r>
-          </a:p>
-          <a:p>
-            <a:pPr lvl="3"/>
-            <a:r>
-              <a:rPr lang="en-US"/>
-              <a:t>Fourth level</a:t>
-            </a:r>
-          </a:p>
-          <a:p>
-            <a:pPr lvl="4"/>
-            <a:r>
-              <a:rPr lang="en-US"/>
-              <a:t>Fifth level</a:t>
-            </a:r>
-          </a:p>
-        </p:txBody>
-      </p:sp>
-      <p:sp>
-        <p:nvSpPr>
-          <p:cNvPr id="4" name="Text Placeholder 3">
-            <a:extLst>
-              <a:ext uri="{FF2B5EF4-FFF2-40B4-BE49-F238E27FC236}">
-                <a16:creationId xmlns:a16="http://schemas.microsoft.com/office/drawing/2014/main" id="{2CE9C7B3-C944-4A63-B27E-F6F21B83F870}"/>
-              </a:ext>
-            </a:extLst>
-          </p:cNvPr>
-          <p:cNvSpPr>
-            <a:spLocks noGrp="1"/>
-          </p:cNvSpPr>
-          <p:nvPr>
-            <p:ph type="body" sz="half" idx="2"/>
-          </p:nvPr>
-        </p:nvSpPr>
-        <p:spPr>
-          <a:xfrm>
-            <a:off x="839788" y="2057400"/>
-            <a:ext cx="3932237" cy="3811588"/>
+            <a:off x="623888" y="4589464"/>
+            <a:ext cx="7886700" cy="1500187"/>
           </a:xfrm>
         </p:spPr>
         <p:txBody>
@@ -3194,39 +2221,93 @@
           <a:lstStyle>
             <a:lvl1pPr marL="0" indent="0">
               <a:buNone/>
-              <a:defRPr sz="1600"/>
+              <a:defRPr sz="1800">
+                <a:solidFill>
+                  <a:schemeClr val="tx1">
+                    <a:tint val="75000"/>
+                  </a:schemeClr>
+                </a:solidFill>
+              </a:defRPr>
             </a:lvl1pPr>
-            <a:lvl2pPr marL="457200" indent="0">
+            <a:lvl2pPr marL="342900" indent="0">
               <a:buNone/>
-              <a:defRPr sz="1400"/>
+              <a:defRPr sz="1500">
+                <a:solidFill>
+                  <a:schemeClr val="tx1">
+                    <a:tint val="75000"/>
+                  </a:schemeClr>
+                </a:solidFill>
+              </a:defRPr>
             </a:lvl2pPr>
-            <a:lvl3pPr marL="914400" indent="0">
+            <a:lvl3pPr marL="685800" indent="0">
               <a:buNone/>
-              <a:defRPr sz="1200"/>
+              <a:defRPr sz="1350">
+                <a:solidFill>
+                  <a:schemeClr val="tx1">
+                    <a:tint val="75000"/>
+                  </a:schemeClr>
+                </a:solidFill>
+              </a:defRPr>
             </a:lvl3pPr>
-            <a:lvl4pPr marL="1371600" indent="0">
+            <a:lvl4pPr marL="1028700" indent="0">
               <a:buNone/>
-              <a:defRPr sz="1000"/>
+              <a:defRPr sz="1200">
+                <a:solidFill>
+                  <a:schemeClr val="tx1">
+                    <a:tint val="75000"/>
+                  </a:schemeClr>
+                </a:solidFill>
+              </a:defRPr>
             </a:lvl4pPr>
-            <a:lvl5pPr marL="1828800" indent="0">
+            <a:lvl5pPr marL="1371600" indent="0">
               <a:buNone/>
-              <a:defRPr sz="1000"/>
+              <a:defRPr sz="1200">
+                <a:solidFill>
+                  <a:schemeClr val="tx1">
+                    <a:tint val="75000"/>
+                  </a:schemeClr>
+                </a:solidFill>
+              </a:defRPr>
             </a:lvl5pPr>
-            <a:lvl6pPr marL="2286000" indent="0">
+            <a:lvl6pPr marL="1714500" indent="0">
               <a:buNone/>
-              <a:defRPr sz="1000"/>
+              <a:defRPr sz="1200">
+                <a:solidFill>
+                  <a:schemeClr val="tx1">
+                    <a:tint val="75000"/>
+                  </a:schemeClr>
+                </a:solidFill>
+              </a:defRPr>
             </a:lvl6pPr>
-            <a:lvl7pPr marL="2743200" indent="0">
+            <a:lvl7pPr marL="2057400" indent="0">
               <a:buNone/>
-              <a:defRPr sz="1000"/>
+              <a:defRPr sz="1200">
+                <a:solidFill>
+                  <a:schemeClr val="tx1">
+                    <a:tint val="75000"/>
+                  </a:schemeClr>
+                </a:solidFill>
+              </a:defRPr>
             </a:lvl7pPr>
-            <a:lvl8pPr marL="3200400" indent="0">
+            <a:lvl8pPr marL="2400300" indent="0">
               <a:buNone/>
-              <a:defRPr sz="1000"/>
+              <a:defRPr sz="1200">
+                <a:solidFill>
+                  <a:schemeClr val="tx1">
+                    <a:tint val="75000"/>
+                  </a:schemeClr>
+                </a:solidFill>
+              </a:defRPr>
             </a:lvl8pPr>
-            <a:lvl9pPr marL="3657600" indent="0">
+            <a:lvl9pPr marL="2743200" indent="0">
               <a:buNone/>
-              <a:defRPr sz="1000"/>
+              <a:defRPr sz="1200">
+                <a:solidFill>
+                  <a:schemeClr val="tx1">
+                    <a:tint val="75000"/>
+                  </a:schemeClr>
+                </a:solidFill>
+              </a:defRPr>
             </a:lvl9pPr>
           </a:lstStyle>
           <a:p>
@@ -3240,10 +2321,10 @@
       </p:sp>
       <p:sp>
         <p:nvSpPr>
-          <p:cNvPr id="5" name="Date Placeholder 4">
+          <p:cNvPr id="4" name="Date Placeholder 3">
             <a:extLst>
               <a:ext uri="{FF2B5EF4-FFF2-40B4-BE49-F238E27FC236}">
-                <a16:creationId xmlns:a16="http://schemas.microsoft.com/office/drawing/2014/main" id="{04D6E043-C2DB-41BC-9E1F-81605AF5CA37}"/>
+                <a16:creationId xmlns:a16="http://schemas.microsoft.com/office/drawing/2014/main" id="{E4D1F711-F6C5-4EB6-8F2A-B37936F57609}"/>
               </a:ext>
             </a:extLst>
           </p:cNvPr>
@@ -3261,7 +2342,7 @@
           <a:p>
             <a:fld id="{71459950-B371-40CC-BAFD-4CFF20F72272}" type="datetimeFigureOut">
               <a:rPr lang="en-US" smtClean="0"/>
-              <a:t>9/10/2018</a:t>
+              <a:t>9/11/2018</a:t>
             </a:fld>
             <a:endParaRPr lang="en-US"/>
           </a:p>
@@ -3269,10 +2350,10 @@
       </p:sp>
       <p:sp>
         <p:nvSpPr>
-          <p:cNvPr id="6" name="Footer Placeholder 5">
+          <p:cNvPr id="5" name="Footer Placeholder 4">
             <a:extLst>
               <a:ext uri="{FF2B5EF4-FFF2-40B4-BE49-F238E27FC236}">
-                <a16:creationId xmlns:a16="http://schemas.microsoft.com/office/drawing/2014/main" id="{CF576B51-A427-4EE5-8607-B4F2CB0F6CFC}"/>
+                <a16:creationId xmlns:a16="http://schemas.microsoft.com/office/drawing/2014/main" id="{6EFC58C2-3922-4953-9119-134FBBD9C831}"/>
               </a:ext>
             </a:extLst>
           </p:cNvPr>
@@ -3294,10 +2375,10 @@
       </p:sp>
       <p:sp>
         <p:nvSpPr>
-          <p:cNvPr id="7" name="Slide Number Placeholder 6">
+          <p:cNvPr id="6" name="Slide Number Placeholder 5">
             <a:extLst>
               <a:ext uri="{FF2B5EF4-FFF2-40B4-BE49-F238E27FC236}">
-                <a16:creationId xmlns:a16="http://schemas.microsoft.com/office/drawing/2014/main" id="{1DE08977-59F8-4768-8610-833B7524123B}"/>
+                <a16:creationId xmlns:a16="http://schemas.microsoft.com/office/drawing/2014/main" id="{B1663174-EB1C-4383-AE68-0FD67239D48B}"/>
               </a:ext>
             </a:extLst>
           </p:cNvPr>
@@ -3324,295 +2405,7 @@
     </p:spTree>
     <p:extLst>
       <p:ext uri="{BB962C8B-B14F-4D97-AF65-F5344CB8AC3E}">
-        <p14:creationId xmlns:p14="http://schemas.microsoft.com/office/powerpoint/2010/main" val="2518469691"/>
-      </p:ext>
-    </p:extLst>
-  </p:cSld>
-  <p:clrMapOvr>
-    <a:masterClrMapping/>
-  </p:clrMapOvr>
-</p:sldLayout>
-</file>
-
-<file path=ppt/slideLayouts/slideLayout9.xml><?xml version="1.0" encoding="utf-8"?>
-<p:sldLayout xmlns:a="http://schemas.openxmlformats.org/drawingml/2006/main" xmlns:r="http://schemas.openxmlformats.org/officeDocument/2006/relationships" xmlns:p="http://schemas.openxmlformats.org/presentationml/2006/main" type="picTx" preserve="1">
-  <p:cSld name="Picture with Caption">
-    <p:spTree>
-      <p:nvGrpSpPr>
-        <p:cNvPr id="1" name=""/>
-        <p:cNvGrpSpPr/>
-        <p:nvPr/>
-      </p:nvGrpSpPr>
-      <p:grpSpPr>
-        <a:xfrm>
-          <a:off x="0" y="0"/>
-          <a:ext cx="0" cy="0"/>
-          <a:chOff x="0" y="0"/>
-          <a:chExt cx="0" cy="0"/>
-        </a:xfrm>
-      </p:grpSpPr>
-      <p:sp>
-        <p:nvSpPr>
-          <p:cNvPr id="2" name="Title 1">
-            <a:extLst>
-              <a:ext uri="{FF2B5EF4-FFF2-40B4-BE49-F238E27FC236}">
-                <a16:creationId xmlns:a16="http://schemas.microsoft.com/office/drawing/2014/main" id="{2A81BE84-6EC1-4627-A7AF-E542CA44A974}"/>
-              </a:ext>
-            </a:extLst>
-          </p:cNvPr>
-          <p:cNvSpPr>
-            <a:spLocks noGrp="1"/>
-          </p:cNvSpPr>
-          <p:nvPr>
-            <p:ph type="title"/>
-          </p:nvPr>
-        </p:nvSpPr>
-        <p:spPr>
-          <a:xfrm>
-            <a:off x="839788" y="457200"/>
-            <a:ext cx="3932237" cy="1600200"/>
-          </a:xfrm>
-        </p:spPr>
-        <p:txBody>
-          <a:bodyPr anchor="b"/>
-          <a:lstStyle>
-            <a:lvl1pPr>
-              <a:defRPr sz="3200"/>
-            </a:lvl1pPr>
-          </a:lstStyle>
-          <a:p>
-            <a:r>
-              <a:rPr lang="en-US"/>
-              <a:t>Click to edit Master title style</a:t>
-            </a:r>
-          </a:p>
-        </p:txBody>
-      </p:sp>
-      <p:sp>
-        <p:nvSpPr>
-          <p:cNvPr id="3" name="Picture Placeholder 2">
-            <a:extLst>
-              <a:ext uri="{FF2B5EF4-FFF2-40B4-BE49-F238E27FC236}">
-                <a16:creationId xmlns:a16="http://schemas.microsoft.com/office/drawing/2014/main" id="{787002ED-AFCD-480A-9B20-51816AF33ED6}"/>
-              </a:ext>
-            </a:extLst>
-          </p:cNvPr>
-          <p:cNvSpPr>
-            <a:spLocks noGrp="1"/>
-          </p:cNvSpPr>
-          <p:nvPr>
-            <p:ph type="pic" idx="1"/>
-          </p:nvPr>
-        </p:nvSpPr>
-        <p:spPr>
-          <a:xfrm>
-            <a:off x="5183188" y="987425"/>
-            <a:ext cx="6172200" cy="4873625"/>
-          </a:xfrm>
-        </p:spPr>
-        <p:txBody>
-          <a:bodyPr/>
-          <a:lstStyle>
-            <a:lvl1pPr marL="0" indent="0">
-              <a:buNone/>
-              <a:defRPr sz="3200"/>
-            </a:lvl1pPr>
-            <a:lvl2pPr marL="457200" indent="0">
-              <a:buNone/>
-              <a:defRPr sz="2800"/>
-            </a:lvl2pPr>
-            <a:lvl3pPr marL="914400" indent="0">
-              <a:buNone/>
-              <a:defRPr sz="2400"/>
-            </a:lvl3pPr>
-            <a:lvl4pPr marL="1371600" indent="0">
-              <a:buNone/>
-              <a:defRPr sz="2000"/>
-            </a:lvl4pPr>
-            <a:lvl5pPr marL="1828800" indent="0">
-              <a:buNone/>
-              <a:defRPr sz="2000"/>
-            </a:lvl5pPr>
-            <a:lvl6pPr marL="2286000" indent="0">
-              <a:buNone/>
-              <a:defRPr sz="2000"/>
-            </a:lvl6pPr>
-            <a:lvl7pPr marL="2743200" indent="0">
-              <a:buNone/>
-              <a:defRPr sz="2000"/>
-            </a:lvl7pPr>
-            <a:lvl8pPr marL="3200400" indent="0">
-              <a:buNone/>
-              <a:defRPr sz="2000"/>
-            </a:lvl8pPr>
-            <a:lvl9pPr marL="3657600" indent="0">
-              <a:buNone/>
-              <a:defRPr sz="2000"/>
-            </a:lvl9pPr>
-          </a:lstStyle>
-          <a:p>
-            <a:endParaRPr lang="en-US"/>
-          </a:p>
-        </p:txBody>
-      </p:sp>
-      <p:sp>
-        <p:nvSpPr>
-          <p:cNvPr id="4" name="Text Placeholder 3">
-            <a:extLst>
-              <a:ext uri="{FF2B5EF4-FFF2-40B4-BE49-F238E27FC236}">
-                <a16:creationId xmlns:a16="http://schemas.microsoft.com/office/drawing/2014/main" id="{FC9FB852-5002-4B81-93B7-2904FE52F5B7}"/>
-              </a:ext>
-            </a:extLst>
-          </p:cNvPr>
-          <p:cNvSpPr>
-            <a:spLocks noGrp="1"/>
-          </p:cNvSpPr>
-          <p:nvPr>
-            <p:ph type="body" sz="half" idx="2"/>
-          </p:nvPr>
-        </p:nvSpPr>
-        <p:spPr>
-          <a:xfrm>
-            <a:off x="839788" y="2057400"/>
-            <a:ext cx="3932237" cy="3811588"/>
-          </a:xfrm>
-        </p:spPr>
-        <p:txBody>
-          <a:bodyPr/>
-          <a:lstStyle>
-            <a:lvl1pPr marL="0" indent="0">
-              <a:buNone/>
-              <a:defRPr sz="1600"/>
-            </a:lvl1pPr>
-            <a:lvl2pPr marL="457200" indent="0">
-              <a:buNone/>
-              <a:defRPr sz="1400"/>
-            </a:lvl2pPr>
-            <a:lvl3pPr marL="914400" indent="0">
-              <a:buNone/>
-              <a:defRPr sz="1200"/>
-            </a:lvl3pPr>
-            <a:lvl4pPr marL="1371600" indent="0">
-              <a:buNone/>
-              <a:defRPr sz="1000"/>
-            </a:lvl4pPr>
-            <a:lvl5pPr marL="1828800" indent="0">
-              <a:buNone/>
-              <a:defRPr sz="1000"/>
-            </a:lvl5pPr>
-            <a:lvl6pPr marL="2286000" indent="0">
-              <a:buNone/>
-              <a:defRPr sz="1000"/>
-            </a:lvl6pPr>
-            <a:lvl7pPr marL="2743200" indent="0">
-              <a:buNone/>
-              <a:defRPr sz="1000"/>
-            </a:lvl7pPr>
-            <a:lvl8pPr marL="3200400" indent="0">
-              <a:buNone/>
-              <a:defRPr sz="1000"/>
-            </a:lvl8pPr>
-            <a:lvl9pPr marL="3657600" indent="0">
-              <a:buNone/>
-              <a:defRPr sz="1000"/>
-            </a:lvl9pPr>
-          </a:lstStyle>
-          <a:p>
-            <a:pPr lvl="0"/>
-            <a:r>
-              <a:rPr lang="en-US"/>
-              <a:t>Edit Master text styles</a:t>
-            </a:r>
-          </a:p>
-        </p:txBody>
-      </p:sp>
-      <p:sp>
-        <p:nvSpPr>
-          <p:cNvPr id="5" name="Date Placeholder 4">
-            <a:extLst>
-              <a:ext uri="{FF2B5EF4-FFF2-40B4-BE49-F238E27FC236}">
-                <a16:creationId xmlns:a16="http://schemas.microsoft.com/office/drawing/2014/main" id="{E53D6000-793B-4A74-A9FC-4C2C7A2F9B3C}"/>
-              </a:ext>
-            </a:extLst>
-          </p:cNvPr>
-          <p:cNvSpPr>
-            <a:spLocks noGrp="1"/>
-          </p:cNvSpPr>
-          <p:nvPr>
-            <p:ph type="dt" sz="half" idx="10"/>
-          </p:nvPr>
-        </p:nvSpPr>
-        <p:spPr/>
-        <p:txBody>
-          <a:bodyPr/>
-          <a:lstStyle/>
-          <a:p>
-            <a:fld id="{71459950-B371-40CC-BAFD-4CFF20F72272}" type="datetimeFigureOut">
-              <a:rPr lang="en-US" smtClean="0"/>
-              <a:t>9/10/2018</a:t>
-            </a:fld>
-            <a:endParaRPr lang="en-US"/>
-          </a:p>
-        </p:txBody>
-      </p:sp>
-      <p:sp>
-        <p:nvSpPr>
-          <p:cNvPr id="6" name="Footer Placeholder 5">
-            <a:extLst>
-              <a:ext uri="{FF2B5EF4-FFF2-40B4-BE49-F238E27FC236}">
-                <a16:creationId xmlns:a16="http://schemas.microsoft.com/office/drawing/2014/main" id="{14FF3EE9-D09B-4489-8692-6CC364F1E2CA}"/>
-              </a:ext>
-            </a:extLst>
-          </p:cNvPr>
-          <p:cNvSpPr>
-            <a:spLocks noGrp="1"/>
-          </p:cNvSpPr>
-          <p:nvPr>
-            <p:ph type="ftr" sz="quarter" idx="11"/>
-          </p:nvPr>
-        </p:nvSpPr>
-        <p:spPr/>
-        <p:txBody>
-          <a:bodyPr/>
-          <a:lstStyle/>
-          <a:p>
-            <a:endParaRPr lang="en-US"/>
-          </a:p>
-        </p:txBody>
-      </p:sp>
-      <p:sp>
-        <p:nvSpPr>
-          <p:cNvPr id="7" name="Slide Number Placeholder 6">
-            <a:extLst>
-              <a:ext uri="{FF2B5EF4-FFF2-40B4-BE49-F238E27FC236}">
-                <a16:creationId xmlns:a16="http://schemas.microsoft.com/office/drawing/2014/main" id="{F9A1435A-EEBF-46EF-A307-07A16597E985}"/>
-              </a:ext>
-            </a:extLst>
-          </p:cNvPr>
-          <p:cNvSpPr>
-            <a:spLocks noGrp="1"/>
-          </p:cNvSpPr>
-          <p:nvPr>
-            <p:ph type="sldNum" sz="quarter" idx="12"/>
-          </p:nvPr>
-        </p:nvSpPr>
-        <p:spPr/>
-        <p:txBody>
-          <a:bodyPr/>
-          <a:lstStyle/>
-          <a:p>
-            <a:fld id="{34CB81B8-AAA7-4954-ABE5-D7B2149FD73A}" type="slidenum">
-              <a:rPr lang="en-US" smtClean="0"/>
-              <a:t>‹#›</a:t>
-            </a:fld>
-            <a:endParaRPr lang="en-US"/>
-          </a:p>
-        </p:txBody>
-      </p:sp>
-    </p:spTree>
-    <p:extLst>
-      <p:ext uri="{BB962C8B-B14F-4D97-AF65-F5344CB8AC3E}">
-        <p14:creationId xmlns:p14="http://schemas.microsoft.com/office/powerpoint/2010/main" val="1025332375"/>
+        <p14:creationId xmlns:p14="http://schemas.microsoft.com/office/powerpoint/2010/main" val="1187906442"/>
       </p:ext>
     </p:extLst>
   </p:cSld>
@@ -3626,9 +2419,12 @@
 <p:sldMaster xmlns:a="http://schemas.openxmlformats.org/drawingml/2006/main" xmlns:r="http://schemas.openxmlformats.org/officeDocument/2006/relationships" xmlns:p="http://schemas.openxmlformats.org/presentationml/2006/main">
   <p:cSld>
     <p:bg>
-      <p:bgRef idx="1001">
-        <a:schemeClr val="bg1"/>
-      </p:bgRef>
+      <p:bgPr>
+        <a:solidFill>
+          <a:schemeClr val="bg1"/>
+        </a:solidFill>
+        <a:effectLst/>
+      </p:bgPr>
     </p:bg>
     <p:spTree>
       <p:nvGrpSpPr>
@@ -3644,450 +2440,840 @@
           <a:chExt cx="0" cy="0"/>
         </a:xfrm>
       </p:grpSpPr>
-      <p:sp>
-        <p:nvSpPr>
-          <p:cNvPr id="2" name="Title Placeholder 1">
+      <p:pic>
+        <p:nvPicPr>
+          <p:cNvPr id="5" name="Picture 4"/>
+          <p:cNvPicPr>
+            <a:picLocks noChangeAspect="1"/>
+          </p:cNvPicPr>
+          <p:nvPr userDrawn="1"/>
+        </p:nvPicPr>
+        <p:blipFill>
+          <a:blip r:embed="rId8" cstate="print">
             <a:extLst>
-              <a:ext uri="{FF2B5EF4-FFF2-40B4-BE49-F238E27FC236}">
-                <a16:creationId xmlns:a16="http://schemas.microsoft.com/office/drawing/2014/main" id="{05975D18-C990-4809-BB35-38C819245090}"/>
+              <a:ext uri="{28A0092B-C50C-407E-A947-70E740481C1C}">
+                <a14:useLocalDpi xmlns:a14="http://schemas.microsoft.com/office/drawing/2010/main" val="0"/>
               </a:ext>
             </a:extLst>
-          </p:cNvPr>
-          <p:cNvSpPr>
-            <a:spLocks noGrp="1"/>
-          </p:cNvSpPr>
-          <p:nvPr>
-            <p:ph type="title"/>
-          </p:nvPr>
-        </p:nvSpPr>
+          </a:blip>
+          <a:stretch>
+            <a:fillRect/>
+          </a:stretch>
+        </p:blipFill>
         <p:spPr>
           <a:xfrm>
-            <a:off x="838200" y="365125"/>
-            <a:ext cx="10515600" cy="1325563"/>
+            <a:off x="7984331" y="6070598"/>
+            <a:ext cx="954880" cy="588688"/>
           </a:xfrm>
           <a:prstGeom prst="rect">
             <a:avLst/>
           </a:prstGeom>
         </p:spPr>
+      </p:pic>
+      <p:sp>
+        <p:nvSpPr>
+          <p:cNvPr id="1027" name="Rectangle 2051"/>
+          <p:cNvSpPr>
+            <a:spLocks noGrp="1" noChangeArrowheads="1"/>
+          </p:cNvSpPr>
+          <p:nvPr>
+            <p:ph type="title"/>
+          </p:nvPr>
+        </p:nvSpPr>
+        <p:spPr bwMode="auto">
+          <a:xfrm>
+            <a:off x="369095" y="442892"/>
+            <a:ext cx="8427433" cy="384721"/>
+          </a:xfrm>
+          <a:prstGeom prst="rect">
+            <a:avLst/>
+          </a:prstGeom>
+          <a:noFill/>
+          <a:ln w="9525">
+            <a:noFill/>
+            <a:miter lim="800000"/>
+            <a:headEnd/>
+            <a:tailEnd/>
+          </a:ln>
+        </p:spPr>
         <p:txBody>
-          <a:bodyPr vert="horz" lIns="91440" tIns="45720" rIns="91440" bIns="45720" rtlCol="0" anchor="ctr">
-            <a:normAutofit/>
+          <a:bodyPr vert="horz" wrap="square" lIns="0" tIns="0" rIns="0" bIns="0" numCol="1" anchor="t" anchorCtr="0" compatLnSpc="1">
+            <a:prstTxWarp prst="textNoShape">
+              <a:avLst/>
+            </a:prstTxWarp>
+            <a:noAutofit/>
           </a:bodyPr>
           <a:lstStyle/>
           <a:p>
-            <a:r>
-              <a:rPr lang="en-US"/>
-              <a:t>Click to edit Master title style</a:t>
-            </a:r>
+            <a:pPr lvl="0"/>
+            <a:endParaRPr lang="en-US" dirty="0"/>
           </a:p>
         </p:txBody>
       </p:sp>
       <p:sp>
         <p:nvSpPr>
-          <p:cNvPr id="3" name="Text Placeholder 2">
+          <p:cNvPr id="1028" name="Rectangle 2052"/>
+          <p:cNvSpPr>
+            <a:spLocks noGrp="1" noChangeArrowheads="1"/>
+          </p:cNvSpPr>
+          <p:nvPr>
+            <p:ph type="body" idx="1"/>
+          </p:nvPr>
+        </p:nvSpPr>
+        <p:spPr bwMode="auto">
+          <a:xfrm>
+            <a:off x="685800" y="1704974"/>
+            <a:ext cx="8229600" cy="4143375"/>
+          </a:xfrm>
+          <a:prstGeom prst="rect">
+            <a:avLst/>
+          </a:prstGeom>
+          <a:noFill/>
+          <a:ln w="9525">
+            <a:noFill/>
+            <a:miter lim="800000"/>
+            <a:headEnd/>
+            <a:tailEnd/>
+          </a:ln>
+        </p:spPr>
+        <p:txBody>
+          <a:bodyPr vert="horz" wrap="square" lIns="91440" tIns="45720" rIns="91440" bIns="45720" numCol="1" anchor="t" anchorCtr="0" compatLnSpc="1">
+            <a:prstTxWarp prst="textNoShape">
+              <a:avLst/>
+            </a:prstTxWarp>
+          </a:bodyPr>
+          <a:lstStyle/>
+          <a:p>
+            <a:pPr lvl="0"/>
+            <a:r>
+              <a:rPr lang="en-US" dirty="0"/>
+              <a:t>Click to edit Master text styles</a:t>
+            </a:r>
+          </a:p>
+          <a:p>
+            <a:pPr lvl="1"/>
+            <a:r>
+              <a:rPr lang="en-US" dirty="0"/>
+              <a:t>Second level</a:t>
+            </a:r>
+          </a:p>
+          <a:p>
+            <a:pPr lvl="2"/>
+            <a:r>
+              <a:rPr lang="en-US" dirty="0"/>
+              <a:t>Third level</a:t>
+            </a:r>
+          </a:p>
+          <a:p>
+            <a:pPr lvl="3"/>
+            <a:r>
+              <a:rPr lang="en-US" dirty="0"/>
+              <a:t>Fourth level</a:t>
+            </a:r>
+          </a:p>
+          <a:p>
+            <a:pPr lvl="4"/>
+            <a:r>
+              <a:rPr lang="en-US" dirty="0"/>
+              <a:t>Fifth level</a:t>
+            </a:r>
+          </a:p>
+        </p:txBody>
+      </p:sp>
+      <p:sp>
+        <p:nvSpPr>
+          <p:cNvPr id="1030" name="Text Box 9"/>
+          <p:cNvSpPr txBox="1">
+            <a:spLocks noChangeArrowheads="1"/>
+          </p:cNvSpPr>
+          <p:nvPr/>
+        </p:nvSpPr>
+        <p:spPr bwMode="auto">
+          <a:xfrm>
+            <a:off x="364331" y="6439871"/>
+            <a:ext cx="5781675" cy="110800"/>
+          </a:xfrm>
+          <a:prstGeom prst="rect">
+            <a:avLst/>
+          </a:prstGeom>
+          <a:noFill/>
+          <a:ln>
+            <a:noFill/>
+          </a:ln>
+          <a:extLst>
+            <a:ext uri="{909E8E84-426E-40DD-AFC4-6F175D3DCCD1}">
+              <a14:hiddenFill xmlns:a14="http://schemas.microsoft.com/office/drawing/2010/main">
+                <a:solidFill>
+                  <a:srgbClr val="FFFFFF"/>
+                </a:solidFill>
+              </a14:hiddenFill>
+            </a:ext>
+            <a:ext uri="{91240B29-F687-4F45-9708-019B960494DF}">
+              <a14:hiddenLine xmlns:a14="http://schemas.microsoft.com/office/drawing/2010/main" w="9525" algn="ctr">
+                <a:solidFill>
+                  <a:srgbClr val="000000"/>
+                </a:solidFill>
+                <a:miter lim="800000"/>
+                <a:headEnd/>
+                <a:tailEnd/>
+              </a14:hiddenLine>
+            </a:ext>
+          </a:extLst>
+        </p:spPr>
+        <p:txBody>
+          <a:bodyPr lIns="0" tIns="0" rIns="0" bIns="0">
+            <a:noAutofit/>
+          </a:bodyPr>
+          <a:lstStyle>
+            <a:lvl1pPr eaLnBrk="0" hangingPunct="0">
+              <a:defRPr sz="2000" b="1">
+                <a:solidFill>
+                  <a:schemeClr val="tx1"/>
+                </a:solidFill>
+                <a:latin typeface="Tahoma" pitchFamily="34" charset="0"/>
+              </a:defRPr>
+            </a:lvl1pPr>
+            <a:lvl2pPr marL="742950" indent="-285750" eaLnBrk="0" hangingPunct="0">
+              <a:defRPr sz="2000" b="1">
+                <a:solidFill>
+                  <a:schemeClr val="tx1"/>
+                </a:solidFill>
+                <a:latin typeface="Tahoma" pitchFamily="34" charset="0"/>
+              </a:defRPr>
+            </a:lvl2pPr>
+            <a:lvl3pPr marL="1143000" indent="-228600" eaLnBrk="0" hangingPunct="0">
+              <a:defRPr sz="2000" b="1">
+                <a:solidFill>
+                  <a:schemeClr val="tx1"/>
+                </a:solidFill>
+                <a:latin typeface="Tahoma" pitchFamily="34" charset="0"/>
+              </a:defRPr>
+            </a:lvl3pPr>
+            <a:lvl4pPr marL="1600200" indent="-228600" eaLnBrk="0" hangingPunct="0">
+              <a:defRPr sz="2000" b="1">
+                <a:solidFill>
+                  <a:schemeClr val="tx1"/>
+                </a:solidFill>
+                <a:latin typeface="Tahoma" pitchFamily="34" charset="0"/>
+              </a:defRPr>
+            </a:lvl4pPr>
+            <a:lvl5pPr marL="2057400" indent="-228600" eaLnBrk="0" hangingPunct="0">
+              <a:defRPr sz="2000" b="1">
+                <a:solidFill>
+                  <a:schemeClr val="tx1"/>
+                </a:solidFill>
+                <a:latin typeface="Tahoma" pitchFamily="34" charset="0"/>
+              </a:defRPr>
+            </a:lvl5pPr>
+            <a:lvl6pPr marL="2514600" indent="-228600" eaLnBrk="0" fontAlgn="base" hangingPunct="0">
+              <a:lnSpc>
+                <a:spcPct val="90000"/>
+              </a:lnSpc>
+              <a:spcBef>
+                <a:spcPct val="0"/>
+              </a:spcBef>
+              <a:spcAft>
+                <a:spcPct val="60000"/>
+              </a:spcAft>
+              <a:buClr>
+                <a:srgbClr val="CC0000"/>
+              </a:buClr>
+              <a:buFont typeface="Wingdings" pitchFamily="2" charset="2"/>
+              <a:buChar char="§"/>
+              <a:defRPr sz="2000" b="1">
+                <a:solidFill>
+                  <a:schemeClr val="tx1"/>
+                </a:solidFill>
+                <a:latin typeface="Tahoma" pitchFamily="34" charset="0"/>
+              </a:defRPr>
+            </a:lvl6pPr>
+            <a:lvl7pPr marL="2971800" indent="-228600" eaLnBrk="0" fontAlgn="base" hangingPunct="0">
+              <a:lnSpc>
+                <a:spcPct val="90000"/>
+              </a:lnSpc>
+              <a:spcBef>
+                <a:spcPct val="0"/>
+              </a:spcBef>
+              <a:spcAft>
+                <a:spcPct val="60000"/>
+              </a:spcAft>
+              <a:buClr>
+                <a:srgbClr val="CC0000"/>
+              </a:buClr>
+              <a:buFont typeface="Wingdings" pitchFamily="2" charset="2"/>
+              <a:buChar char="§"/>
+              <a:defRPr sz="2000" b="1">
+                <a:solidFill>
+                  <a:schemeClr val="tx1"/>
+                </a:solidFill>
+                <a:latin typeface="Tahoma" pitchFamily="34" charset="0"/>
+              </a:defRPr>
+            </a:lvl7pPr>
+            <a:lvl8pPr marL="3429000" indent="-228600" eaLnBrk="0" fontAlgn="base" hangingPunct="0">
+              <a:lnSpc>
+                <a:spcPct val="90000"/>
+              </a:lnSpc>
+              <a:spcBef>
+                <a:spcPct val="0"/>
+              </a:spcBef>
+              <a:spcAft>
+                <a:spcPct val="60000"/>
+              </a:spcAft>
+              <a:buClr>
+                <a:srgbClr val="CC0000"/>
+              </a:buClr>
+              <a:buFont typeface="Wingdings" pitchFamily="2" charset="2"/>
+              <a:buChar char="§"/>
+              <a:defRPr sz="2000" b="1">
+                <a:solidFill>
+                  <a:schemeClr val="tx1"/>
+                </a:solidFill>
+                <a:latin typeface="Tahoma" pitchFamily="34" charset="0"/>
+              </a:defRPr>
+            </a:lvl8pPr>
+            <a:lvl9pPr marL="3886200" indent="-228600" eaLnBrk="0" fontAlgn="base" hangingPunct="0">
+              <a:lnSpc>
+                <a:spcPct val="90000"/>
+              </a:lnSpc>
+              <a:spcBef>
+                <a:spcPct val="0"/>
+              </a:spcBef>
+              <a:spcAft>
+                <a:spcPct val="60000"/>
+              </a:spcAft>
+              <a:buClr>
+                <a:srgbClr val="CC0000"/>
+              </a:buClr>
+              <a:buFont typeface="Wingdings" pitchFamily="2" charset="2"/>
+              <a:buChar char="§"/>
+              <a:defRPr sz="2000" b="1">
+                <a:solidFill>
+                  <a:schemeClr val="tx1"/>
+                </a:solidFill>
+                <a:latin typeface="Tahoma" pitchFamily="34" charset="0"/>
+              </a:defRPr>
+            </a:lvl9pPr>
+          </a:lstStyle>
+          <a:p>
+            <a:pPr eaLnBrk="1" hangingPunct="1">
+              <a:spcBef>
+                <a:spcPct val="50000"/>
+              </a:spcBef>
+              <a:spcAft>
+                <a:spcPct val="0"/>
+              </a:spcAft>
+              <a:buClrTx/>
+              <a:buFontTx/>
+              <a:buNone/>
+              <a:defRPr/>
+            </a:pPr>
+            <a:r>
+              <a:rPr lang="en-US" sz="800" b="0" dirty="0">
+                <a:solidFill>
+                  <a:srgbClr val="4C4D4E"/>
+                </a:solidFill>
+                <a:latin typeface="Calibri" pitchFamily="34" charset="0"/>
+                <a:cs typeface="Calibri" pitchFamily="34" charset="0"/>
+              </a:rPr>
+              <a:t> </a:t>
+            </a:r>
+            <a:fld id="{97AFD1BC-4BC3-4B4B-991F-205E8A31B346}" type="slidenum">
+              <a:rPr lang="en-US" sz="800" b="0" smtClean="0">
+                <a:solidFill>
+                  <a:srgbClr val="4C4D4E"/>
+                </a:solidFill>
+                <a:latin typeface="Calibri" pitchFamily="34" charset="0"/>
+                <a:cs typeface="Calibri" pitchFamily="34" charset="0"/>
+              </a:rPr>
+              <a:pPr eaLnBrk="1" hangingPunct="1">
+                <a:spcBef>
+                  <a:spcPct val="50000"/>
+                </a:spcBef>
+                <a:spcAft>
+                  <a:spcPct val="0"/>
+                </a:spcAft>
+                <a:buClrTx/>
+                <a:buFontTx/>
+                <a:buNone/>
+                <a:defRPr/>
+              </a:pPr>
+              <a:t>‹#›</a:t>
+            </a:fld>
+            <a:r>
+              <a:rPr lang="en-US" sz="800" b="0" baseline="0" dirty="0">
+                <a:solidFill>
+                  <a:srgbClr val="4C4D4E"/>
+                </a:solidFill>
+                <a:latin typeface="Calibri" pitchFamily="34" charset="0"/>
+                <a:cs typeface="Calibri" pitchFamily="34" charset="0"/>
+              </a:rPr>
+              <a:t>        </a:t>
+            </a:r>
+            <a:r>
+              <a:rPr lang="en-US" sz="800" b="0" dirty="0">
+                <a:solidFill>
+                  <a:srgbClr val="4C4D4E"/>
+                </a:solidFill>
+                <a:latin typeface="Calibri" pitchFamily="34" charset="0"/>
+                <a:cs typeface="Calibri" pitchFamily="34" charset="0"/>
+              </a:rPr>
+              <a:t>|</a:t>
+            </a:r>
+            <a:r>
+              <a:rPr lang="en-US" sz="800" b="0" baseline="0" dirty="0">
+                <a:solidFill>
+                  <a:srgbClr val="4C4D4E"/>
+                </a:solidFill>
+                <a:latin typeface="Calibri" pitchFamily="34" charset="0"/>
+                <a:cs typeface="Calibri" pitchFamily="34" charset="0"/>
+              </a:rPr>
+              <a:t>        CACI Information Solutions and Services        </a:t>
+            </a:r>
+            <a:r>
+              <a:rPr lang="en-US" sz="800" b="0" dirty="0">
+                <a:solidFill>
+                  <a:srgbClr val="4C4D4E"/>
+                </a:solidFill>
+                <a:latin typeface="Calibri" pitchFamily="34" charset="0"/>
+                <a:cs typeface="Calibri" pitchFamily="34" charset="0"/>
+              </a:rPr>
+              <a:t>| </a:t>
+            </a:r>
+            <a:r>
+              <a:rPr lang="en-US" sz="800" b="0" baseline="0" dirty="0">
+                <a:solidFill>
+                  <a:srgbClr val="4C4D4E"/>
+                </a:solidFill>
+                <a:latin typeface="Calibri" pitchFamily="34" charset="0"/>
+                <a:cs typeface="Calibri" pitchFamily="34" charset="0"/>
+              </a:rPr>
+              <a:t>        </a:t>
+            </a:r>
+            <a:r>
+              <a:rPr lang="en-US" sz="800" b="0" dirty="0">
+                <a:solidFill>
+                  <a:srgbClr val="4C4D4E"/>
+                </a:solidFill>
+                <a:latin typeface="Calibri" pitchFamily="34" charset="0"/>
+                <a:cs typeface="Calibri" pitchFamily="34" charset="0"/>
+              </a:rPr>
+              <a:t>CACI Proprietary Information</a:t>
+            </a:r>
+            <a:endParaRPr lang="en-US" sz="900" b="0" dirty="0">
+              <a:solidFill>
+                <a:srgbClr val="4C4D4E"/>
+              </a:solidFill>
+              <a:latin typeface="Calibri" pitchFamily="34" charset="0"/>
+              <a:cs typeface="Calibri" pitchFamily="34" charset="0"/>
+            </a:endParaRPr>
+          </a:p>
+        </p:txBody>
+      </p:sp>
+      <p:pic>
+        <p:nvPicPr>
+          <p:cNvPr id="4" name="Picture 3"/>
+          <p:cNvPicPr>
+            <a:picLocks noChangeAspect="1"/>
+          </p:cNvPicPr>
+          <p:nvPr userDrawn="1"/>
+        </p:nvPicPr>
+        <p:blipFill>
+          <a:blip r:embed="rId9" cstate="print">
             <a:extLst>
-              <a:ext uri="{FF2B5EF4-FFF2-40B4-BE49-F238E27FC236}">
-                <a16:creationId xmlns:a16="http://schemas.microsoft.com/office/drawing/2014/main" id="{1A04B405-172F-4237-81B6-A24C4153DAEC}"/>
+              <a:ext uri="{28A0092B-C50C-407E-A947-70E740481C1C}">
+                <a14:useLocalDpi xmlns:a14="http://schemas.microsoft.com/office/drawing/2010/main" val="0"/>
               </a:ext>
             </a:extLst>
-          </p:cNvPr>
-          <p:cNvSpPr>
-            <a:spLocks noGrp="1"/>
-          </p:cNvSpPr>
-          <p:nvPr>
-            <p:ph type="body" idx="1"/>
-          </p:nvPr>
-        </p:nvSpPr>
+          </a:blip>
+          <a:stretch>
+            <a:fillRect/>
+          </a:stretch>
+        </p:blipFill>
         <p:spPr>
           <a:xfrm>
-            <a:off x="838200" y="1825625"/>
-            <a:ext cx="10515600" cy="4351338"/>
+            <a:off x="0" y="0"/>
+            <a:ext cx="9144000" cy="276225"/>
           </a:xfrm>
           <a:prstGeom prst="rect">
             <a:avLst/>
           </a:prstGeom>
         </p:spPr>
-        <p:txBody>
-          <a:bodyPr vert="horz" lIns="91440" tIns="45720" rIns="91440" bIns="45720" rtlCol="0">
-            <a:normAutofit/>
-          </a:bodyPr>
-          <a:lstStyle/>
-          <a:p>
-            <a:pPr lvl="0"/>
-            <a:r>
-              <a:rPr lang="en-US"/>
-              <a:t>Edit Master text styles</a:t>
-            </a:r>
-          </a:p>
-          <a:p>
-            <a:pPr lvl="1"/>
-            <a:r>
-              <a:rPr lang="en-US"/>
-              <a:t>Second level</a:t>
-            </a:r>
-          </a:p>
-          <a:p>
-            <a:pPr lvl="2"/>
-            <a:r>
-              <a:rPr lang="en-US"/>
-              <a:t>Third level</a:t>
-            </a:r>
-          </a:p>
-          <a:p>
-            <a:pPr lvl="3"/>
-            <a:r>
-              <a:rPr lang="en-US"/>
-              <a:t>Fourth level</a:t>
-            </a:r>
-          </a:p>
-          <a:p>
-            <a:pPr lvl="4"/>
-            <a:r>
-              <a:rPr lang="en-US"/>
-              <a:t>Fifth level</a:t>
-            </a:r>
-          </a:p>
-        </p:txBody>
-      </p:sp>
-      <p:sp>
-        <p:nvSpPr>
-          <p:cNvPr id="4" name="Date Placeholder 3">
-            <a:extLst>
-              <a:ext uri="{FF2B5EF4-FFF2-40B4-BE49-F238E27FC236}">
-                <a16:creationId xmlns:a16="http://schemas.microsoft.com/office/drawing/2014/main" id="{240D940F-5DB9-48FB-BED9-44653BA501A5}"/>
-              </a:ext>
-            </a:extLst>
-          </p:cNvPr>
-          <p:cNvSpPr>
-            <a:spLocks noGrp="1"/>
-          </p:cNvSpPr>
-          <p:nvPr>
-            <p:ph type="dt" sz="half" idx="2"/>
-          </p:nvPr>
-        </p:nvSpPr>
-        <p:spPr>
-          <a:xfrm>
-            <a:off x="838200" y="6356350"/>
-            <a:ext cx="2743200" cy="365125"/>
-          </a:xfrm>
-          <a:prstGeom prst="rect">
-            <a:avLst/>
-          </a:prstGeom>
-        </p:spPr>
-        <p:txBody>
-          <a:bodyPr vert="horz" lIns="91440" tIns="45720" rIns="91440" bIns="45720" rtlCol="0" anchor="ctr"/>
-          <a:lstStyle>
-            <a:lvl1pPr algn="l">
-              <a:defRPr sz="1200">
-                <a:solidFill>
-                  <a:schemeClr val="tx1">
-                    <a:tint val="75000"/>
-                  </a:schemeClr>
-                </a:solidFill>
-              </a:defRPr>
-            </a:lvl1pPr>
-          </a:lstStyle>
-          <a:p>
-            <a:fld id="{71459950-B371-40CC-BAFD-4CFF20F72272}" type="datetimeFigureOut">
-              <a:rPr lang="en-US" smtClean="0"/>
-              <a:t>9/10/2018</a:t>
-            </a:fld>
-            <a:endParaRPr lang="en-US"/>
-          </a:p>
-        </p:txBody>
-      </p:sp>
-      <p:sp>
-        <p:nvSpPr>
-          <p:cNvPr id="5" name="Footer Placeholder 4">
-            <a:extLst>
-              <a:ext uri="{FF2B5EF4-FFF2-40B4-BE49-F238E27FC236}">
-                <a16:creationId xmlns:a16="http://schemas.microsoft.com/office/drawing/2014/main" id="{54A9CC3D-B144-413C-8B9A-CD6574C23C4D}"/>
-              </a:ext>
-            </a:extLst>
-          </p:cNvPr>
-          <p:cNvSpPr>
-            <a:spLocks noGrp="1"/>
-          </p:cNvSpPr>
-          <p:nvPr>
-            <p:ph type="ftr" sz="quarter" idx="3"/>
-          </p:nvPr>
-        </p:nvSpPr>
-        <p:spPr>
-          <a:xfrm>
-            <a:off x="4038600" y="6356350"/>
-            <a:ext cx="4114800" cy="365125"/>
-          </a:xfrm>
-          <a:prstGeom prst="rect">
-            <a:avLst/>
-          </a:prstGeom>
-        </p:spPr>
-        <p:txBody>
-          <a:bodyPr vert="horz" lIns="91440" tIns="45720" rIns="91440" bIns="45720" rtlCol="0" anchor="ctr"/>
-          <a:lstStyle>
-            <a:lvl1pPr algn="ctr">
-              <a:defRPr sz="1200">
-                <a:solidFill>
-                  <a:schemeClr val="tx1">
-                    <a:tint val="75000"/>
-                  </a:schemeClr>
-                </a:solidFill>
-              </a:defRPr>
-            </a:lvl1pPr>
-          </a:lstStyle>
-          <a:p>
-            <a:endParaRPr lang="en-US"/>
-          </a:p>
-        </p:txBody>
-      </p:sp>
-      <p:sp>
-        <p:nvSpPr>
-          <p:cNvPr id="6" name="Slide Number Placeholder 5">
-            <a:extLst>
-              <a:ext uri="{FF2B5EF4-FFF2-40B4-BE49-F238E27FC236}">
-                <a16:creationId xmlns:a16="http://schemas.microsoft.com/office/drawing/2014/main" id="{175D011C-E852-49B7-B4E7-5E99BD993937}"/>
-              </a:ext>
-            </a:extLst>
-          </p:cNvPr>
-          <p:cNvSpPr>
-            <a:spLocks noGrp="1"/>
-          </p:cNvSpPr>
-          <p:nvPr>
-            <p:ph type="sldNum" sz="quarter" idx="4"/>
-          </p:nvPr>
-        </p:nvSpPr>
-        <p:spPr>
-          <a:xfrm>
-            <a:off x="8610600" y="6356350"/>
-            <a:ext cx="2743200" cy="365125"/>
-          </a:xfrm>
-          <a:prstGeom prst="rect">
-            <a:avLst/>
-          </a:prstGeom>
-        </p:spPr>
-        <p:txBody>
-          <a:bodyPr vert="horz" lIns="91440" tIns="45720" rIns="91440" bIns="45720" rtlCol="0" anchor="ctr"/>
-          <a:lstStyle>
-            <a:lvl1pPr algn="r">
-              <a:defRPr sz="1200">
-                <a:solidFill>
-                  <a:schemeClr val="tx1">
-                    <a:tint val="75000"/>
-                  </a:schemeClr>
-                </a:solidFill>
-              </a:defRPr>
-            </a:lvl1pPr>
-          </a:lstStyle>
-          <a:p>
-            <a:fld id="{34CB81B8-AAA7-4954-ABE5-D7B2149FD73A}" type="slidenum">
-              <a:rPr lang="en-US" smtClean="0"/>
-              <a:t>‹#›</a:t>
-            </a:fld>
-            <a:endParaRPr lang="en-US"/>
-          </a:p>
-        </p:txBody>
-      </p:sp>
+      </p:pic>
     </p:spTree>
-    <p:extLst>
-      <p:ext uri="{BB962C8B-B14F-4D97-AF65-F5344CB8AC3E}">
-        <p14:creationId xmlns:p14="http://schemas.microsoft.com/office/powerpoint/2010/main" val="872248049"/>
-      </p:ext>
-    </p:extLst>
   </p:cSld>
   <p:clrMap bg1="lt1" tx1="dk1" bg2="lt2" tx2="dk2" accent1="accent1" accent2="accent2" accent3="accent3" accent4="accent4" accent5="accent5" accent6="accent6" hlink="hlink" folHlink="folHlink"/>
   <p:sldLayoutIdLst>
-    <p:sldLayoutId id="2147483649" r:id="rId1"/>
-    <p:sldLayoutId id="2147483650" r:id="rId2"/>
-    <p:sldLayoutId id="2147483651" r:id="rId3"/>
-    <p:sldLayoutId id="2147483652" r:id="rId4"/>
-    <p:sldLayoutId id="2147483653" r:id="rId5"/>
-    <p:sldLayoutId id="2147483654" r:id="rId6"/>
-    <p:sldLayoutId id="2147483655" r:id="rId7"/>
-    <p:sldLayoutId id="2147483656" r:id="rId8"/>
-    <p:sldLayoutId id="2147483657" r:id="rId9"/>
-    <p:sldLayoutId id="2147483658" r:id="rId10"/>
-    <p:sldLayoutId id="2147483659" r:id="rId11"/>
+    <p:sldLayoutId id="2147485156" r:id="rId1"/>
+    <p:sldLayoutId id="2147485157" r:id="rId2"/>
+    <p:sldLayoutId id="2147485134" r:id="rId3"/>
+    <p:sldLayoutId id="2147485138" r:id="rId4"/>
+    <p:sldLayoutId id="2147485139" r:id="rId5"/>
+    <p:sldLayoutId id="2147485158" r:id="rId6"/>
   </p:sldLayoutIdLst>
+  <p:transition>
+    <p:fade/>
+  </p:transition>
   <p:txStyles>
     <p:titleStyle>
-      <a:lvl1pPr algn="l" defTabSz="914400" rtl="0" eaLnBrk="1" latinLnBrk="0" hangingPunct="1">
+      <a:lvl1pPr algn="l" rtl="0" eaLnBrk="0" fontAlgn="base" hangingPunct="0">
+        <a:lnSpc>
+          <a:spcPts val="3000"/>
+        </a:lnSpc>
+        <a:spcBef>
+          <a:spcPct val="0"/>
+        </a:spcBef>
+        <a:spcAft>
+          <a:spcPct val="0"/>
+        </a:spcAft>
+        <a:defRPr sz="2800" b="1" spc="-40" baseline="0">
+          <a:solidFill>
+            <a:srgbClr val="C00000"/>
+          </a:solidFill>
+          <a:latin typeface="Calibri" pitchFamily="34" charset="0"/>
+          <a:ea typeface="+mj-ea"/>
+          <a:cs typeface="Calibri" pitchFamily="34" charset="0"/>
+        </a:defRPr>
+      </a:lvl1pPr>
+      <a:lvl2pPr algn="l" rtl="0" eaLnBrk="0" fontAlgn="base" hangingPunct="0">
+        <a:lnSpc>
+          <a:spcPct val="95000"/>
+        </a:lnSpc>
+        <a:spcBef>
+          <a:spcPct val="0"/>
+        </a:spcBef>
+        <a:spcAft>
+          <a:spcPct val="0"/>
+        </a:spcAft>
+        <a:defRPr sz="2400" b="1">
+          <a:solidFill>
+            <a:srgbClr val="990000"/>
+          </a:solidFill>
+          <a:latin typeface="Tahoma" pitchFamily="34" charset="0"/>
+        </a:defRPr>
+      </a:lvl2pPr>
+      <a:lvl3pPr algn="l" rtl="0" eaLnBrk="0" fontAlgn="base" hangingPunct="0">
+        <a:lnSpc>
+          <a:spcPct val="95000"/>
+        </a:lnSpc>
+        <a:spcBef>
+          <a:spcPct val="0"/>
+        </a:spcBef>
+        <a:spcAft>
+          <a:spcPct val="0"/>
+        </a:spcAft>
+        <a:defRPr sz="2400" b="1">
+          <a:solidFill>
+            <a:srgbClr val="990000"/>
+          </a:solidFill>
+          <a:latin typeface="Tahoma" pitchFamily="34" charset="0"/>
+        </a:defRPr>
+      </a:lvl3pPr>
+      <a:lvl4pPr algn="l" rtl="0" eaLnBrk="0" fontAlgn="base" hangingPunct="0">
+        <a:lnSpc>
+          <a:spcPct val="95000"/>
+        </a:lnSpc>
+        <a:spcBef>
+          <a:spcPct val="0"/>
+        </a:spcBef>
+        <a:spcAft>
+          <a:spcPct val="0"/>
+        </a:spcAft>
+        <a:defRPr sz="2400" b="1">
+          <a:solidFill>
+            <a:srgbClr val="990000"/>
+          </a:solidFill>
+          <a:latin typeface="Tahoma" pitchFamily="34" charset="0"/>
+        </a:defRPr>
+      </a:lvl4pPr>
+      <a:lvl5pPr algn="l" rtl="0" eaLnBrk="0" fontAlgn="base" hangingPunct="0">
+        <a:lnSpc>
+          <a:spcPct val="95000"/>
+        </a:lnSpc>
+        <a:spcBef>
+          <a:spcPct val="0"/>
+        </a:spcBef>
+        <a:spcAft>
+          <a:spcPct val="0"/>
+        </a:spcAft>
+        <a:defRPr sz="2400" b="1">
+          <a:solidFill>
+            <a:srgbClr val="990000"/>
+          </a:solidFill>
+          <a:latin typeface="Tahoma" pitchFamily="34" charset="0"/>
+        </a:defRPr>
+      </a:lvl5pPr>
+      <a:lvl6pPr marL="457200" algn="l" rtl="0" fontAlgn="base">
+        <a:lnSpc>
+          <a:spcPct val="95000"/>
+        </a:lnSpc>
+        <a:spcBef>
+          <a:spcPct val="0"/>
+        </a:spcBef>
+        <a:spcAft>
+          <a:spcPct val="0"/>
+        </a:spcAft>
+        <a:defRPr sz="2400" b="1">
+          <a:solidFill>
+            <a:srgbClr val="990000"/>
+          </a:solidFill>
+          <a:latin typeface="Tahoma" pitchFamily="34" charset="0"/>
+        </a:defRPr>
+      </a:lvl6pPr>
+      <a:lvl7pPr marL="914400" algn="l" rtl="0" fontAlgn="base">
+        <a:lnSpc>
+          <a:spcPct val="95000"/>
+        </a:lnSpc>
+        <a:spcBef>
+          <a:spcPct val="0"/>
+        </a:spcBef>
+        <a:spcAft>
+          <a:spcPct val="0"/>
+        </a:spcAft>
+        <a:defRPr sz="2400" b="1">
+          <a:solidFill>
+            <a:srgbClr val="990000"/>
+          </a:solidFill>
+          <a:latin typeface="Tahoma" pitchFamily="34" charset="0"/>
+        </a:defRPr>
+      </a:lvl7pPr>
+      <a:lvl8pPr marL="1371600" algn="l" rtl="0" fontAlgn="base">
+        <a:lnSpc>
+          <a:spcPct val="95000"/>
+        </a:lnSpc>
+        <a:spcBef>
+          <a:spcPct val="0"/>
+        </a:spcBef>
+        <a:spcAft>
+          <a:spcPct val="0"/>
+        </a:spcAft>
+        <a:defRPr sz="2400" b="1">
+          <a:solidFill>
+            <a:srgbClr val="990000"/>
+          </a:solidFill>
+          <a:latin typeface="Tahoma" pitchFamily="34" charset="0"/>
+        </a:defRPr>
+      </a:lvl8pPr>
+      <a:lvl9pPr marL="1828800" algn="l" rtl="0" fontAlgn="base">
+        <a:lnSpc>
+          <a:spcPct val="95000"/>
+        </a:lnSpc>
+        <a:spcBef>
+          <a:spcPct val="0"/>
+        </a:spcBef>
+        <a:spcAft>
+          <a:spcPct val="0"/>
+        </a:spcAft>
+        <a:defRPr sz="2400" b="1">
+          <a:solidFill>
+            <a:srgbClr val="990000"/>
+          </a:solidFill>
+          <a:latin typeface="Tahoma" pitchFamily="34" charset="0"/>
+        </a:defRPr>
+      </a:lvl9pPr>
+    </p:titleStyle>
+    <p:bodyStyle>
+      <a:lvl1pPr marL="342900" indent="-342900" algn="l" rtl="0" eaLnBrk="0" fontAlgn="base" hangingPunct="0">
+        <a:lnSpc>
+          <a:spcPct val="90000"/>
+        </a:lnSpc>
+        <a:spcBef>
+          <a:spcPts val="600"/>
+        </a:spcBef>
+        <a:spcAft>
+          <a:spcPts val="600"/>
+        </a:spcAft>
+        <a:buClr>
+          <a:srgbClr val="CC2131"/>
+        </a:buClr>
+        <a:buFont typeface="Wingdings" pitchFamily="2" charset="2"/>
+        <a:buChar char="§"/>
+        <a:defRPr lang="en-US" sz="2400" b="1" dirty="0" smtClean="0">
+          <a:solidFill>
+            <a:schemeClr val="tx1"/>
+          </a:solidFill>
+          <a:latin typeface="Calibri" pitchFamily="34" charset="0"/>
+          <a:ea typeface="+mn-ea"/>
+          <a:cs typeface="Calibri" pitchFamily="34" charset="0"/>
+        </a:defRPr>
+      </a:lvl1pPr>
+      <a:lvl2pPr marL="742950" indent="-285750" algn="l" rtl="0" eaLnBrk="0" fontAlgn="base" hangingPunct="0">
         <a:lnSpc>
           <a:spcPct val="90000"/>
         </a:lnSpc>
         <a:spcBef>
           <a:spcPct val="0"/>
         </a:spcBef>
-        <a:buNone/>
-        <a:defRPr sz="4400" kern="1200">
+        <a:spcAft>
+          <a:spcPts val="600"/>
+        </a:spcAft>
+        <a:buClr>
+          <a:schemeClr val="tx1"/>
+        </a:buClr>
+        <a:buSzPct val="70000"/>
+        <a:buChar char="•"/>
+        <a:defRPr sz="2200">
           <a:solidFill>
             <a:schemeClr val="tx1"/>
           </a:solidFill>
-          <a:latin typeface="+mj-lt"/>
-          <a:ea typeface="+mj-ea"/>
-          <a:cs typeface="+mj-cs"/>
+          <a:latin typeface="Calibri" pitchFamily="34" charset="0"/>
+          <a:cs typeface="Calibri" pitchFamily="34" charset="0"/>
         </a:defRPr>
-      </a:lvl1pPr>
-    </p:titleStyle>
-    <p:bodyStyle>
-      <a:lvl1pPr marL="228600" indent="-228600" algn="l" defTabSz="914400" rtl="0" eaLnBrk="1" latinLnBrk="0" hangingPunct="1">
+      </a:lvl2pPr>
+      <a:lvl3pPr marL="1143000" indent="-228600" algn="l" rtl="0" eaLnBrk="0" fontAlgn="base" hangingPunct="0">
         <a:lnSpc>
           <a:spcPct val="90000"/>
         </a:lnSpc>
         <a:spcBef>
-          <a:spcPts val="1000"/>
+          <a:spcPct val="0"/>
         </a:spcBef>
-        <a:buFont typeface="Arial" panose="020B0604020202020204" pitchFamily="34" charset="0"/>
-        <a:buChar char="•"/>
-        <a:defRPr sz="2800" kern="1200">
+        <a:spcAft>
+          <a:spcPts val="600"/>
+        </a:spcAft>
+        <a:buClr>
+          <a:schemeClr val="tx1"/>
+        </a:buClr>
+        <a:buFont typeface="Tahoma" pitchFamily="34" charset="0"/>
+        <a:buChar char="−"/>
+        <a:defRPr sz="2000">
+          <a:solidFill>
+            <a:schemeClr val="tx1"/>
+          </a:solidFill>
+          <a:latin typeface="Calibri" pitchFamily="34" charset="0"/>
+          <a:cs typeface="Calibri" pitchFamily="34" charset="0"/>
+        </a:defRPr>
+      </a:lvl3pPr>
+      <a:lvl4pPr marL="1600200" indent="-228600" algn="l" rtl="0" eaLnBrk="0" fontAlgn="base" hangingPunct="0">
+        <a:lnSpc>
+          <a:spcPct val="90000"/>
+        </a:lnSpc>
+        <a:spcBef>
+          <a:spcPct val="0"/>
+        </a:spcBef>
+        <a:spcAft>
+          <a:spcPts val="600"/>
+        </a:spcAft>
+        <a:buClr>
+          <a:schemeClr val="tx1"/>
+        </a:buClr>
+        <a:buFont typeface="Tahoma" pitchFamily="34" charset="0"/>
+        <a:buChar char="−"/>
+        <a:defRPr sz="1800">
+          <a:solidFill>
+            <a:schemeClr val="tx1"/>
+          </a:solidFill>
+          <a:latin typeface="Calibri" pitchFamily="34" charset="0"/>
+          <a:cs typeface="Calibri" pitchFamily="34" charset="0"/>
+        </a:defRPr>
+      </a:lvl4pPr>
+      <a:lvl5pPr marL="2057400" indent="-228600" algn="l" rtl="0" eaLnBrk="0" fontAlgn="base" hangingPunct="0">
+        <a:lnSpc>
+          <a:spcPct val="90000"/>
+        </a:lnSpc>
+        <a:spcBef>
+          <a:spcPct val="0"/>
+        </a:spcBef>
+        <a:spcAft>
+          <a:spcPts val="600"/>
+        </a:spcAft>
+        <a:buClr>
+          <a:schemeClr val="tx1"/>
+        </a:buClr>
+        <a:buFont typeface="Tahoma" pitchFamily="34" charset="0"/>
+        <a:buChar char="−"/>
+        <a:defRPr sz="1600">
+          <a:solidFill>
+            <a:schemeClr val="tx1"/>
+          </a:solidFill>
+          <a:latin typeface="Calibri" pitchFamily="34" charset="0"/>
+          <a:cs typeface="Calibri" pitchFamily="34" charset="0"/>
+        </a:defRPr>
+      </a:lvl5pPr>
+      <a:lvl6pPr marL="2514600" indent="-228600" algn="l" rtl="0" fontAlgn="base">
+        <a:lnSpc>
+          <a:spcPct val="90000"/>
+        </a:lnSpc>
+        <a:spcBef>
+          <a:spcPct val="0"/>
+        </a:spcBef>
+        <a:spcAft>
+          <a:spcPct val="60000"/>
+        </a:spcAft>
+        <a:buClr>
+          <a:schemeClr val="tx1"/>
+        </a:buClr>
+        <a:buFont typeface="Tahoma" pitchFamily="34" charset="0"/>
+        <a:buChar char="−"/>
+        <a:defRPr sz="1400">
           <a:solidFill>
             <a:schemeClr val="tx1"/>
           </a:solidFill>
           <a:latin typeface="+mn-lt"/>
-          <a:ea typeface="+mn-ea"/>
-          <a:cs typeface="+mn-cs"/>
         </a:defRPr>
-      </a:lvl1pPr>
-      <a:lvl2pPr marL="685800" indent="-228600" algn="l" defTabSz="914400" rtl="0" eaLnBrk="1" latinLnBrk="0" hangingPunct="1">
+      </a:lvl6pPr>
+      <a:lvl7pPr marL="2971800" indent="-228600" algn="l" rtl="0" fontAlgn="base">
         <a:lnSpc>
           <a:spcPct val="90000"/>
         </a:lnSpc>
         <a:spcBef>
-          <a:spcPts val="500"/>
+          <a:spcPct val="0"/>
         </a:spcBef>
-        <a:buFont typeface="Arial" panose="020B0604020202020204" pitchFamily="34" charset="0"/>
-        <a:buChar char="•"/>
-        <a:defRPr sz="2400" kern="1200">
+        <a:spcAft>
+          <a:spcPct val="60000"/>
+        </a:spcAft>
+        <a:buClr>
+          <a:schemeClr val="tx1"/>
+        </a:buClr>
+        <a:buFont typeface="Tahoma" pitchFamily="34" charset="0"/>
+        <a:buChar char="−"/>
+        <a:defRPr sz="1400">
           <a:solidFill>
             <a:schemeClr val="tx1"/>
           </a:solidFill>
           <a:latin typeface="+mn-lt"/>
-          <a:ea typeface="+mn-ea"/>
-          <a:cs typeface="+mn-cs"/>
         </a:defRPr>
-      </a:lvl2pPr>
-      <a:lvl3pPr marL="1143000" indent="-228600" algn="l" defTabSz="914400" rtl="0" eaLnBrk="1" latinLnBrk="0" hangingPunct="1">
+      </a:lvl7pPr>
+      <a:lvl8pPr marL="3429000" indent="-228600" algn="l" rtl="0" fontAlgn="base">
         <a:lnSpc>
           <a:spcPct val="90000"/>
         </a:lnSpc>
         <a:spcBef>
-          <a:spcPts val="500"/>
+          <a:spcPct val="0"/>
         </a:spcBef>
-        <a:buFont typeface="Arial" panose="020B0604020202020204" pitchFamily="34" charset="0"/>
-        <a:buChar char="•"/>
-        <a:defRPr sz="2000" kern="1200">
+        <a:spcAft>
+          <a:spcPct val="60000"/>
+        </a:spcAft>
+        <a:buClr>
+          <a:schemeClr val="tx1"/>
+        </a:buClr>
+        <a:buFont typeface="Tahoma" pitchFamily="34" charset="0"/>
+        <a:buChar char="−"/>
+        <a:defRPr sz="1400">
           <a:solidFill>
             <a:schemeClr val="tx1"/>
           </a:solidFill>
           <a:latin typeface="+mn-lt"/>
-          <a:ea typeface="+mn-ea"/>
-          <a:cs typeface="+mn-cs"/>
         </a:defRPr>
-      </a:lvl3pPr>
-      <a:lvl4pPr marL="1600200" indent="-228600" algn="l" defTabSz="914400" rtl="0" eaLnBrk="1" latinLnBrk="0" hangingPunct="1">
+      </a:lvl8pPr>
+      <a:lvl9pPr marL="3886200" indent="-228600" algn="l" rtl="0" fontAlgn="base">
         <a:lnSpc>
           <a:spcPct val="90000"/>
         </a:lnSpc>
         <a:spcBef>
-          <a:spcPts val="500"/>
+          <a:spcPct val="0"/>
         </a:spcBef>
-        <a:buFont typeface="Arial" panose="020B0604020202020204" pitchFamily="34" charset="0"/>
-        <a:buChar char="•"/>
-        <a:defRPr sz="1800" kern="1200">
+        <a:spcAft>
+          <a:spcPct val="60000"/>
+        </a:spcAft>
+        <a:buClr>
+          <a:schemeClr val="tx1"/>
+        </a:buClr>
+        <a:buFont typeface="Tahoma" pitchFamily="34" charset="0"/>
+        <a:buChar char="−"/>
+        <a:defRPr sz="1400">
           <a:solidFill>
             <a:schemeClr val="tx1"/>
           </a:solidFill>
           <a:latin typeface="+mn-lt"/>
-          <a:ea typeface="+mn-ea"/>
-          <a:cs typeface="+mn-cs"/>
-        </a:defRPr>
-      </a:lvl4pPr>
-      <a:lvl5pPr marL="2057400" indent="-228600" algn="l" defTabSz="914400" rtl="0" eaLnBrk="1" latinLnBrk="0" hangingPunct="1">
-        <a:lnSpc>
-          <a:spcPct val="90000"/>
-        </a:lnSpc>
-        <a:spcBef>
-          <a:spcPts val="500"/>
-        </a:spcBef>
-        <a:buFont typeface="Arial" panose="020B0604020202020204" pitchFamily="34" charset="0"/>
-        <a:buChar char="•"/>
-        <a:defRPr sz="1800" kern="1200">
-          <a:solidFill>
-            <a:schemeClr val="tx1"/>
-          </a:solidFill>
-          <a:latin typeface="+mn-lt"/>
-          <a:ea typeface="+mn-ea"/>
-          <a:cs typeface="+mn-cs"/>
-        </a:defRPr>
-      </a:lvl5pPr>
-      <a:lvl6pPr marL="2514600" indent="-228600" algn="l" defTabSz="914400" rtl="0" eaLnBrk="1" latinLnBrk="0" hangingPunct="1">
-        <a:lnSpc>
-          <a:spcPct val="90000"/>
-        </a:lnSpc>
-        <a:spcBef>
-          <a:spcPts val="500"/>
-        </a:spcBef>
-        <a:buFont typeface="Arial" panose="020B0604020202020204" pitchFamily="34" charset="0"/>
-        <a:buChar char="•"/>
-        <a:defRPr sz="1800" kern="1200">
-          <a:solidFill>
-            <a:schemeClr val="tx1"/>
-          </a:solidFill>
-          <a:latin typeface="+mn-lt"/>
-          <a:ea typeface="+mn-ea"/>
-          <a:cs typeface="+mn-cs"/>
-        </a:defRPr>
-      </a:lvl6pPr>
-      <a:lvl7pPr marL="2971800" indent="-228600" algn="l" defTabSz="914400" rtl="0" eaLnBrk="1" latinLnBrk="0" hangingPunct="1">
-        <a:lnSpc>
-          <a:spcPct val="90000"/>
-        </a:lnSpc>
-        <a:spcBef>
-          <a:spcPts val="500"/>
-        </a:spcBef>
-        <a:buFont typeface="Arial" panose="020B0604020202020204" pitchFamily="34" charset="0"/>
-        <a:buChar char="•"/>
-        <a:defRPr sz="1800" kern="1200">
-          <a:solidFill>
-            <a:schemeClr val="tx1"/>
-          </a:solidFill>
-          <a:latin typeface="+mn-lt"/>
-          <a:ea typeface="+mn-ea"/>
-          <a:cs typeface="+mn-cs"/>
-        </a:defRPr>
-      </a:lvl7pPr>
-      <a:lvl8pPr marL="3429000" indent="-228600" algn="l" defTabSz="914400" rtl="0" eaLnBrk="1" latinLnBrk="0" hangingPunct="1">
-        <a:lnSpc>
-          <a:spcPct val="90000"/>
-        </a:lnSpc>
-        <a:spcBef>
-          <a:spcPts val="500"/>
-        </a:spcBef>
-        <a:buFont typeface="Arial" panose="020B0604020202020204" pitchFamily="34" charset="0"/>
-        <a:buChar char="•"/>
-        <a:defRPr sz="1800" kern="1200">
-          <a:solidFill>
-            <a:schemeClr val="tx1"/>
-          </a:solidFill>
-          <a:latin typeface="+mn-lt"/>
-          <a:ea typeface="+mn-ea"/>
-          <a:cs typeface="+mn-cs"/>
-        </a:defRPr>
-      </a:lvl8pPr>
-      <a:lvl9pPr marL="3886200" indent="-228600" algn="l" defTabSz="914400" rtl="0" eaLnBrk="1" latinLnBrk="0" hangingPunct="1">
-        <a:lnSpc>
-          <a:spcPct val="90000"/>
-        </a:lnSpc>
-        <a:spcBef>
-          <a:spcPts val="500"/>
-        </a:spcBef>
-        <a:buFont typeface="Arial" panose="020B0604020202020204" pitchFamily="34" charset="0"/>
-        <a:buChar char="•"/>
-        <a:defRPr sz="1800" kern="1200">
-          <a:solidFill>
-            <a:schemeClr val="tx1"/>
-          </a:solidFill>
-          <a:latin typeface="+mn-lt"/>
-          <a:ea typeface="+mn-ea"/>
-          <a:cs typeface="+mn-cs"/>
         </a:defRPr>
       </a:lvl9pPr>
     </p:bodyStyle>
@@ -4290,6 +3476,9 @@
   <p:clrMapOvr>
     <a:masterClrMapping/>
   </p:clrMapOvr>
+  <p:transition>
+    <p:fade/>
+  </p:transition>
 </p:sld>
 </file>
 
@@ -4460,6 +3649,9 @@
   <p:clrMapOvr>
     <a:masterClrMapping/>
   </p:clrMapOvr>
+  <p:transition>
+    <p:fade/>
+  </p:transition>
 </p:sld>
 </file>
 
@@ -4527,7 +3719,7 @@
         <p:spPr/>
         <p:txBody>
           <a:bodyPr>
-            <a:normAutofit fontScale="62500" lnSpcReduction="20000"/>
+            <a:normAutofit fontScale="70000" lnSpcReduction="20000"/>
           </a:bodyPr>
           <a:lstStyle/>
           <a:p>
@@ -4604,6 +3796,9 @@
   <p:clrMapOvr>
     <a:masterClrMapping/>
   </p:clrMapOvr>
+  <p:transition>
+    <p:fade/>
+  </p:transition>
 </p:sld>
 </file>
 
@@ -4737,8 +3932,8 @@
         </p:blipFill>
         <p:spPr>
           <a:xfrm>
-            <a:off x="1700332" y="330587"/>
-            <a:ext cx="8791336" cy="5477884"/>
+            <a:off x="1275249" y="1105190"/>
+            <a:ext cx="6593502" cy="4108413"/>
           </a:xfrm>
         </p:spPr>
       </p:pic>
@@ -4756,8 +3951,8 @@
         </p:nvSpPr>
         <p:spPr>
           <a:xfrm>
-            <a:off x="2272100" y="6062065"/>
-            <a:ext cx="7647799" cy="369332"/>
+            <a:off x="1704075" y="5403799"/>
+            <a:ext cx="8052204" cy="300082"/>
           </a:xfrm>
           <a:prstGeom prst="rect">
             <a:avLst/>
@@ -4771,15 +3966,15 @@
           <a:lstStyle/>
           <a:p>
             <a:r>
-              <a:rPr lang="en-US" dirty="0"/>
+              <a:rPr lang="en-US" sz="1500" dirty="0"/>
               <a:t>Example light curves from alcdef.org: Asteroid </a:t>
             </a:r>
             <a:r>
-              <a:rPr lang="en-US" dirty="0" err="1"/>
+              <a:rPr lang="en-US" sz="1500" dirty="0" err="1"/>
               <a:t>Lightcurve</a:t>
             </a:r>
             <a:r>
-              <a:rPr lang="en-US" dirty="0"/>
+              <a:rPr lang="en-US" sz="1500" dirty="0"/>
               <a:t> Photometry Database </a:t>
             </a:r>
           </a:p>
@@ -4795,6 +3990,9 @@
   <p:clrMapOvr>
     <a:masterClrMapping/>
   </p:clrMapOvr>
+  <p:transition>
+    <p:fade/>
+  </p:transition>
 </p:sld>
 </file>
 
@@ -4833,13 +4031,13 @@
         </p:nvSpPr>
         <p:spPr>
           <a:xfrm>
-            <a:off x="838200" y="2234485"/>
-            <a:ext cx="10515600" cy="3942477"/>
+            <a:off x="628650" y="2533114"/>
+            <a:ext cx="7886700" cy="2956858"/>
           </a:xfrm>
         </p:spPr>
         <p:txBody>
           <a:bodyPr>
-            <a:normAutofit/>
+            <a:normAutofit fontScale="92500" lnSpcReduction="10000"/>
           </a:bodyPr>
           <a:lstStyle/>
           <a:p>
@@ -4903,8 +4101,8 @@
         </p:blipFill>
         <p:spPr>
           <a:xfrm>
-            <a:off x="361146" y="523034"/>
-            <a:ext cx="11333574" cy="1408798"/>
+            <a:off x="270859" y="1249525"/>
+            <a:ext cx="8500181" cy="1056599"/>
           </a:xfrm>
           <a:prstGeom prst="rect">
             <a:avLst/>
@@ -4921,6 +4119,9 @@
   <p:clrMapOvr>
     <a:masterClrMapping/>
   </p:clrMapOvr>
+  <p:transition>
+    <p:fade/>
+  </p:transition>
 </p:sld>
 </file>
 
@@ -5013,6 +4214,9 @@
   <p:clrMapOvr>
     <a:masterClrMapping/>
   </p:clrMapOvr>
+  <p:transition>
+    <p:fade/>
+  </p:transition>
 </p:sld>
 </file>
 
@@ -5080,66 +4284,106 @@
         <p:spPr/>
         <p:txBody>
           <a:bodyPr>
-            <a:normAutofit fontScale="92500" lnSpcReduction="20000"/>
+            <a:noAutofit/>
           </a:bodyPr>
           <a:lstStyle/>
           <a:p>
             <a:r>
-              <a:rPr lang="en-US" dirty="0"/>
+              <a:rPr lang="en-US" sz="1200" dirty="0"/>
               <a:t>Outside knowledge about the structure of your data can greatly improve model performance and/or training speed.</a:t>
             </a:r>
           </a:p>
           <a:p>
             <a:r>
-              <a:rPr lang="en-US" dirty="0"/>
+              <a:rPr lang="en-US" sz="1200" dirty="0"/>
               <a:t>Helpful to have a baseline model for comparison. This could be:</a:t>
             </a:r>
           </a:p>
           <a:p>
             <a:pPr lvl="1"/>
             <a:r>
-              <a:rPr lang="en-US" dirty="0"/>
+              <a:rPr lang="en-US" sz="1200" dirty="0"/>
               <a:t>A “classical” ML algorithm like logistic regression or SVM.</a:t>
             </a:r>
           </a:p>
           <a:p>
             <a:pPr lvl="1"/>
             <a:r>
-              <a:rPr lang="en-US" dirty="0"/>
+              <a:rPr lang="en-US" sz="1200" dirty="0"/>
               <a:t>A non-ML algorithm already being used to solve the problem.</a:t>
             </a:r>
           </a:p>
           <a:p>
             <a:pPr lvl="1"/>
             <a:r>
-              <a:rPr lang="en-US" dirty="0"/>
+              <a:rPr lang="en-US" sz="1200" dirty="0"/>
               <a:t>How well a human can solve the problem (objective or subjective).</a:t>
             </a:r>
           </a:p>
           <a:p>
             <a:pPr lvl="1"/>
             <a:r>
-              <a:rPr lang="en-US" dirty="0"/>
+              <a:rPr lang="en-US" sz="1200" dirty="0"/>
               <a:t>How well a human says an algorithm would need to perform for them to find it useful.</a:t>
             </a:r>
           </a:p>
           <a:p>
             <a:r>
-              <a:rPr lang="en-US" dirty="0"/>
+              <a:rPr lang="en-US" sz="1200" dirty="0"/>
+              <a:t>Remember there exists a Bayes Rate (performance of the “Bayes Model” that knows the “true” generation scheme)</a:t>
+            </a:r>
+          </a:p>
+          <a:p>
+            <a:r>
+              <a:rPr lang="en-US" sz="1200" dirty="0"/>
               <a:t>Helpful to understand how a random model or a model that has only learned the background distribution will perform.</a:t>
             </a:r>
           </a:p>
           <a:p>
             <a:r>
-              <a:rPr lang="en-US" dirty="0"/>
+              <a:rPr lang="en-US" sz="1200" dirty="0"/>
               <a:t>Neural networks can be adaptable to multi-modal input.</a:t>
             </a:r>
           </a:p>
           <a:p>
             <a:pPr lvl="1"/>
             <a:r>
-              <a:rPr lang="en-US" dirty="0"/>
+              <a:rPr lang="en-US" sz="1200" dirty="0"/>
               <a:t>Combining different types of data into an analytic model can quickly become intractable, but it is fairly straightforward for a neural network.</a:t>
+            </a:r>
+          </a:p>
+          <a:p>
+            <a:pPr lvl="1"/>
+            <a:r>
+              <a:rPr lang="en-US" sz="1200" dirty="0"/>
+              <a:t>Consider adding auxiliary tasks, i.e. predict additional outputs that you might not care about but could provide additional relevant “training signal” to improve performance on the primary task. For example, in our light curve example, we might predict the Filter value or the sampling rate as an auxiliary task.</a:t>
+            </a:r>
+          </a:p>
+          <a:p>
+            <a:r>
+              <a:rPr lang="en-US" sz="1200" dirty="0"/>
+              <a:t>RNNs can be a natural fit for time-series data</a:t>
+            </a:r>
+          </a:p>
+          <a:p>
+            <a:pPr lvl="1"/>
+            <a:r>
+              <a:rPr lang="en-US" sz="1200" dirty="0"/>
+              <a:t>They are SOTA in some cases (e.g. natural language processing)</a:t>
+            </a:r>
+          </a:p>
+          <a:p>
+            <a:pPr lvl="1"/>
+            <a:r>
+              <a:rPr lang="en-US" sz="1200" dirty="0"/>
+              <a:t>In practice, they tend to be much more finicky than CNNs.</a:t>
+            </a:r>
+          </a:p>
+          <a:p>
+            <a:pPr lvl="1"/>
+            <a:r>
+              <a:rPr lang="en-US" sz="1200" dirty="0"/>
+              <a:t>There is some evidence that CNNs with attention mechanisms are generally a better choice.</a:t>
             </a:r>
           </a:p>
         </p:txBody>
@@ -5154,6 +4398,9 @@
   <p:clrMapOvr>
     <a:masterClrMapping/>
   </p:clrMapOvr>
+  <p:transition>
+    <p:fade/>
+  </p:transition>
 </p:sld>
 </file>
 
@@ -5197,7 +4444,7 @@
           <a:p>
             <a:r>
               <a:rPr lang="en-US" dirty="0"/>
-              <a:t>Hard Lessons about Data</a:t>
+              <a:t>Hard Lessons about Data and ML</a:t>
             </a:r>
           </a:p>
         </p:txBody>
@@ -5221,38 +4468,65 @@
         <p:spPr/>
         <p:txBody>
           <a:bodyPr>
-            <a:normAutofit/>
+            <a:normAutofit fontScale="77500" lnSpcReduction="20000"/>
           </a:bodyPr>
           <a:lstStyle/>
           <a:p>
             <a:r>
               <a:rPr lang="en-US" dirty="0"/>
-              <a:t>Be very suspicious of your data.</a:t>
-            </a:r>
-          </a:p>
-          <a:p>
-            <a:r>
-              <a:rPr lang="en-US" dirty="0"/>
-              <a:t>Be very suspicious of people who give you data.</a:t>
+              <a:t>You’ll spend 90% of your time tending to your data.</a:t>
             </a:r>
           </a:p>
           <a:p>
             <a:pPr lvl="1"/>
             <a:r>
               <a:rPr lang="en-US" dirty="0"/>
+              <a:t>ML techniques are cheap and disposable.</a:t>
+            </a:r>
+          </a:p>
+          <a:p>
+            <a:pPr lvl="1"/>
+            <a:r>
+              <a:rPr lang="en-US" dirty="0"/>
+              <a:t>Data pipelines are far more important.</a:t>
+            </a:r>
+          </a:p>
+          <a:p>
+            <a:r>
+              <a:rPr lang="en-US" dirty="0"/>
+              <a:t>Be suspicious of your data.</a:t>
+            </a:r>
+          </a:p>
+          <a:p>
+            <a:r>
+              <a:rPr lang="en-US" dirty="0"/>
+              <a:t>Be suspicious of people who give you data.</a:t>
+            </a:r>
+          </a:p>
+          <a:p>
+            <a:pPr lvl="1"/>
+            <a:r>
+              <a:rPr lang="en-US" dirty="0"/>
               <a:t>It’s easy to overlook biases in your data that were never a problem when humans or non-adaptive algorithms were the primary consumers of it.</a:t>
             </a:r>
           </a:p>
           <a:p>
-            <a:r>
-              <a:rPr lang="en-US" dirty="0"/>
-              <a:t>When a model is working well, your first thought should be that you’ve done at least one of the following:</a:t>
-            </a:r>
-          </a:p>
-          <a:p>
             <a:pPr lvl="1"/>
             <a:r>
               <a:rPr lang="en-US" dirty="0"/>
+              <a:t>People will greatly overestimate their ability to perform the task they want you to automate.</a:t>
+            </a:r>
+          </a:p>
+          <a:p>
+            <a:r>
+              <a:rPr lang="en-US" dirty="0"/>
+              <a:t>Be suspicious of yourself. When a model is working well, assume you’ve messed something up:</a:t>
+            </a:r>
+          </a:p>
+          <a:p>
+            <a:pPr lvl="1"/>
+            <a:r>
+              <a:rPr lang="en-US" dirty="0"/>
               <a:t>Misunderstood your class imbalance (e.g. Case 1 is 95% of your data)</a:t>
             </a:r>
           </a:p>
@@ -5267,7 +4541,7 @@
             <a:pPr lvl="1"/>
             <a:r>
               <a:rPr lang="en-US" dirty="0"/>
-              <a:t>Included some “feature” that amounts to cheating (e.g. Included the target values as features)</a:t>
+              <a:t>Included some “feature” that amounts to cheating (e.g. one of the features is basically the target value)</a:t>
             </a:r>
           </a:p>
         </p:txBody>
@@ -5282,6 +4556,9 @@
   <p:clrMapOvr>
     <a:masterClrMapping/>
   </p:clrMapOvr>
+  <p:transition>
+    <p:fade/>
+  </p:transition>
 </p:sld>
 </file>
 
@@ -5431,7 +4708,9 @@
         </p:nvSpPr>
         <p:spPr/>
         <p:txBody>
-          <a:bodyPr/>
+          <a:bodyPr>
+            <a:normAutofit lnSpcReduction="10000"/>
+          </a:bodyPr>
           <a:lstStyle/>
           <a:p>
             <a:r>
@@ -5453,6 +4732,13 @@
             </a:r>
           </a:p>
           <a:p>
+            <a:pPr lvl="2"/>
+            <a:r>
+              <a:rPr lang="en-US" dirty="0"/>
+              <a:t>Related to zero-shot or low-sample learning.</a:t>
+            </a:r>
+          </a:p>
+          <a:p>
             <a:pPr lvl="1"/>
             <a:r>
               <a:rPr lang="en-US" dirty="0"/>
@@ -5469,7 +4755,7 @@
           <a:p>
             <a:r>
               <a:rPr lang="en-US" dirty="0"/>
-              <a:t>Many ML approaches to this type of problem treat it as a supervised problem by inventing some type of synthetic or surrogate target values.</a:t>
+              <a:t>Very active area of ML research but remains a hard problem.</a:t>
             </a:r>
           </a:p>
         </p:txBody>
@@ -5484,6 +4770,9 @@
   <p:clrMapOvr>
     <a:masterClrMapping/>
   </p:clrMapOvr>
+  <p:transition>
+    <p:fade/>
+  </p:transition>
 </p:sld>
 </file>
 
@@ -5551,7 +4840,7 @@
         <p:spPr/>
         <p:txBody>
           <a:bodyPr>
-            <a:normAutofit lnSpcReduction="10000"/>
+            <a:normAutofit fontScale="92500"/>
           </a:bodyPr>
           <a:lstStyle/>
           <a:p>
@@ -5618,10 +4907,6 @@
               <a:rPr lang="en-US" dirty="0"/>
               <a:t>Domain Adaptation on Synthetic Data</a:t>
             </a:r>
-          </a:p>
-          <a:p>
-            <a:pPr lvl="1"/>
-            <a:endParaRPr lang="en-US" dirty="0"/>
           </a:p>
         </p:txBody>
       </p:sp>
@@ -5635,6 +4920,9 @@
   <p:clrMapOvr>
     <a:masterClrMapping/>
   </p:clrMapOvr>
+  <p:transition>
+    <p:fade/>
+  </p:transition>
 </p:sld>
 </file>
 
@@ -5660,6 +4948,165 @@
           <p:cNvPr id="2" name="Title 1">
             <a:extLst>
               <a:ext uri="{FF2B5EF4-FFF2-40B4-BE49-F238E27FC236}">
+                <a16:creationId xmlns:a16="http://schemas.microsoft.com/office/drawing/2014/main" id="{A7ECE727-53B8-4199-AE32-3DE3B73DFC00}"/>
+              </a:ext>
+            </a:extLst>
+          </p:cNvPr>
+          <p:cNvSpPr>
+            <a:spLocks noGrp="1"/>
+          </p:cNvSpPr>
+          <p:nvPr>
+            <p:ph type="title"/>
+          </p:nvPr>
+        </p:nvSpPr>
+        <p:spPr/>
+        <p:txBody>
+          <a:bodyPr/>
+          <a:lstStyle/>
+          <a:p>
+            <a:r>
+              <a:rPr lang="en-US" dirty="0"/>
+              <a:t>Unsupervised Learning Techniques</a:t>
+            </a:r>
+          </a:p>
+        </p:txBody>
+      </p:sp>
+      <p:sp>
+        <p:nvSpPr>
+          <p:cNvPr id="3" name="Content Placeholder 2">
+            <a:extLst>
+              <a:ext uri="{FF2B5EF4-FFF2-40B4-BE49-F238E27FC236}">
+                <a16:creationId xmlns:a16="http://schemas.microsoft.com/office/drawing/2014/main" id="{E448258C-9620-474E-9319-890A299CB4A6}"/>
+              </a:ext>
+            </a:extLst>
+          </p:cNvPr>
+          <p:cNvSpPr>
+            <a:spLocks noGrp="1"/>
+          </p:cNvSpPr>
+          <p:nvPr>
+            <p:ph idx="1"/>
+          </p:nvPr>
+        </p:nvSpPr>
+        <p:spPr/>
+        <p:txBody>
+          <a:bodyPr>
+            <a:normAutofit fontScale="77500" lnSpcReduction="20000"/>
+          </a:bodyPr>
+          <a:lstStyle/>
+          <a:p>
+            <a:r>
+              <a:rPr lang="en-US" dirty="0"/>
+              <a:t>Transfer Learning</a:t>
+            </a:r>
+          </a:p>
+          <a:p>
+            <a:pPr lvl="1"/>
+            <a:r>
+              <a:rPr lang="en-US" dirty="0"/>
+              <a:t>Parameter initialization schemes have been greatly improved NN training.</a:t>
+            </a:r>
+          </a:p>
+          <a:p>
+            <a:pPr lvl="1"/>
+            <a:r>
+              <a:rPr lang="en-US" dirty="0"/>
+              <a:t>You can often do even better by training a set of weights (parameters) on another data set and using these trained weights as the parameter initialization for your problem.</a:t>
+            </a:r>
+          </a:p>
+          <a:p>
+            <a:pPr lvl="1"/>
+            <a:r>
+              <a:rPr lang="en-US" dirty="0"/>
+              <a:t>Very effective technique in computer vision.</a:t>
+            </a:r>
+          </a:p>
+          <a:p>
+            <a:pPr lvl="1"/>
+            <a:r>
+              <a:rPr lang="en-US" dirty="0"/>
+              <a:t>Simple NN + transfer learning is considered the benchmark approach for many problems.</a:t>
+            </a:r>
+          </a:p>
+          <a:p>
+            <a:r>
+              <a:rPr lang="en-US" dirty="0"/>
+              <a:t>Domain Adaptation on Synthetic or Out-of-Domain Data</a:t>
+            </a:r>
+          </a:p>
+          <a:p>
+            <a:pPr lvl="1"/>
+            <a:r>
+              <a:rPr lang="en-US" dirty="0"/>
+              <a:t>NNs tend to be sensitive to low-level features that a human would know are irrelevant to the problem (e.g. differences in quantization or compression artifacts)</a:t>
+            </a:r>
+          </a:p>
+          <a:p>
+            <a:pPr lvl="1"/>
+            <a:r>
+              <a:rPr lang="en-US" dirty="0"/>
+              <a:t>Domain adaptation can refer to</a:t>
+            </a:r>
+          </a:p>
+          <a:p>
+            <a:pPr lvl="2"/>
+            <a:r>
+              <a:rPr lang="en-US" dirty="0"/>
+              <a:t>Transforming data from one domain to another (e.g. from sensor A to sensor B)</a:t>
+            </a:r>
+          </a:p>
+          <a:p>
+            <a:pPr lvl="2"/>
+            <a:r>
+              <a:rPr lang="en-US" dirty="0"/>
+              <a:t>Modifying a training process in such a way that performance generalizes well to a domain for which you have no labeled data (e.g. train on data from sensor A but model still performs well on sensor B).</a:t>
+            </a:r>
+          </a:p>
+          <a:p>
+            <a:r>
+              <a:rPr lang="en-US" dirty="0"/>
+              <a:t>Self-Supervision: Auto-Encoder Style Algorithms</a:t>
+            </a:r>
+          </a:p>
+        </p:txBody>
+      </p:sp>
+    </p:spTree>
+    <p:extLst>
+      <p:ext uri="{BB962C8B-B14F-4D97-AF65-F5344CB8AC3E}">
+        <p14:creationId xmlns:p14="http://schemas.microsoft.com/office/powerpoint/2010/main" val="2713178885"/>
+      </p:ext>
+    </p:extLst>
+  </p:cSld>
+  <p:clrMapOvr>
+    <a:masterClrMapping/>
+  </p:clrMapOvr>
+  <p:transition>
+    <p:fade/>
+  </p:transition>
+</p:sld>
+</file>
+
+<file path=ppt/slides/slide21.xml><?xml version="1.0" encoding="utf-8"?>
+<p:sld xmlns:a="http://schemas.openxmlformats.org/drawingml/2006/main" xmlns:r="http://schemas.openxmlformats.org/officeDocument/2006/relationships" xmlns:p="http://schemas.openxmlformats.org/presentationml/2006/main">
+  <p:cSld>
+    <p:spTree>
+      <p:nvGrpSpPr>
+        <p:cNvPr id="1" name=""/>
+        <p:cNvGrpSpPr/>
+        <p:nvPr/>
+      </p:nvGrpSpPr>
+      <p:grpSpPr>
+        <a:xfrm>
+          <a:off x="0" y="0"/>
+          <a:ext cx="0" cy="0"/>
+          <a:chOff x="0" y="0"/>
+          <a:chExt cx="0" cy="0"/>
+        </a:xfrm>
+      </p:grpSpPr>
+      <p:sp>
+        <p:nvSpPr>
+          <p:cNvPr id="2" name="Title 1">
+            <a:extLst>
+              <a:ext uri="{FF2B5EF4-FFF2-40B4-BE49-F238E27FC236}">
                 <a16:creationId xmlns:a16="http://schemas.microsoft.com/office/drawing/2014/main" id="{8D1A162E-3F8E-4A41-8BD4-549131A7FFCF}"/>
               </a:ext>
             </a:extLst>
@@ -5678,7 +5125,7 @@
           <a:p>
             <a:r>
               <a:rPr lang="en-US" dirty="0"/>
-              <a:t>Unsupervised Learning</a:t>
+              <a:t>Unsupervised Learning: Self-Supervision</a:t>
             </a:r>
           </a:p>
         </p:txBody>
@@ -5701,12 +5148,20 @@
         </p:nvSpPr>
         <p:spPr/>
         <p:txBody>
-          <a:bodyPr/>
+          <a:bodyPr>
+            <a:normAutofit fontScale="77500" lnSpcReduction="20000"/>
+          </a:bodyPr>
           <a:lstStyle/>
           <a:p>
             <a:r>
               <a:rPr lang="en-US" dirty="0"/>
-              <a:t>Auto-Encoder</a:t>
+              <a:t>Turn unsupervised problem into a supervised problem by inventing a surrogate target value. This usually amounts to solving a problem you don’t actually care about but hoping a network will learn something useful in the process.</a:t>
+            </a:r>
+          </a:p>
+          <a:p>
+            <a:r>
+              <a:rPr lang="en-US" dirty="0"/>
+              <a:t>Example 1: Auto-Encoder</a:t>
             </a:r>
           </a:p>
           <a:p>
@@ -5733,18 +5188,38 @@
           <a:p>
             <a:r>
               <a:rPr lang="en-US" dirty="0"/>
-              <a:t>Unsupervised Feature Learning</a:t>
+              <a:t>Example 2: Unsupervised Feature Learning</a:t>
             </a:r>
           </a:p>
           <a:p>
             <a:pPr lvl="1"/>
             <a:r>
+              <a:rPr lang="en-US" dirty="0">
+                <a:hlinkClick r:id="rId2"/>
+              </a:rPr>
+              <a:t>https://arxiv.org/abs/1805.01978</a:t>
+            </a:r>
+            <a:br>
+              <a:rPr lang="en-US" dirty="0"/>
+            </a:br>
+            <a:r>
+              <a:rPr lang="en-US" sz="1350" dirty="0"/>
+              <a:t>Unsupervised Feature Learning via Non-Parametric Instance-level Discrimination</a:t>
+            </a:r>
+          </a:p>
+          <a:p>
+            <a:pPr lvl="1"/>
+            <a:r>
               <a:rPr lang="en-US" dirty="0"/>
               <a:t>Treats unsupervised learning as a classification problem where every example is the sole representative of its own class. This can lead to many 1000s of classes.</a:t>
             </a:r>
           </a:p>
           <a:p>
-            <a:endParaRPr lang="en-US" dirty="0"/>
+            <a:pPr lvl="1"/>
+            <a:r>
+              <a:rPr lang="en-US" dirty="0"/>
+              <a:t>Like an auto-encoder, pinch point forces network to learn low-dimensional representation of the data.</a:t>
+            </a:r>
           </a:p>
         </p:txBody>
       </p:sp>
@@ -5758,6 +5233,86 @@
   <p:clrMapOvr>
     <a:masterClrMapping/>
   </p:clrMapOvr>
+  <p:transition>
+    <p:fade/>
+  </p:transition>
+</p:sld>
+</file>
+
+<file path=ppt/slides/slide22.xml><?xml version="1.0" encoding="utf-8"?>
+<p:sld xmlns:a="http://schemas.openxmlformats.org/drawingml/2006/main" xmlns:r="http://schemas.openxmlformats.org/officeDocument/2006/relationships" xmlns:p="http://schemas.openxmlformats.org/presentationml/2006/main">
+  <p:cSld>
+    <p:spTree>
+      <p:nvGrpSpPr>
+        <p:cNvPr id="1" name=""/>
+        <p:cNvGrpSpPr/>
+        <p:nvPr/>
+      </p:nvGrpSpPr>
+      <p:grpSpPr>
+        <a:xfrm>
+          <a:off x="0" y="0"/>
+          <a:ext cx="0" cy="0"/>
+          <a:chOff x="0" y="0"/>
+          <a:chExt cx="0" cy="0"/>
+        </a:xfrm>
+      </p:grpSpPr>
+      <p:sp>
+        <p:nvSpPr>
+          <p:cNvPr id="4" name="Title 3"/>
+          <p:cNvSpPr>
+            <a:spLocks noGrp="1"/>
+          </p:cNvSpPr>
+          <p:nvPr>
+            <p:ph type="ctrTitle"/>
+          </p:nvPr>
+        </p:nvSpPr>
+        <p:spPr/>
+        <p:txBody>
+          <a:bodyPr/>
+          <a:lstStyle/>
+          <a:p>
+            <a:r>
+              <a:rPr lang="en-US" dirty="0"/>
+              <a:t>Machine Learning for Space Situational Awareness</a:t>
+            </a:r>
+          </a:p>
+        </p:txBody>
+      </p:sp>
+      <p:sp>
+        <p:nvSpPr>
+          <p:cNvPr id="5" name="Subtitle 4"/>
+          <p:cNvSpPr>
+            <a:spLocks noGrp="1"/>
+          </p:cNvSpPr>
+          <p:nvPr>
+            <p:ph type="subTitle" idx="1"/>
+          </p:nvPr>
+        </p:nvSpPr>
+        <p:spPr/>
+        <p:txBody>
+          <a:bodyPr/>
+          <a:lstStyle/>
+          <a:p>
+            <a:r>
+              <a:rPr lang="en-US" dirty="0"/>
+              <a:t>AMOS 2018</a:t>
+            </a:r>
+          </a:p>
+        </p:txBody>
+      </p:sp>
+    </p:spTree>
+    <p:extLst>
+      <p:ext uri="{BB962C8B-B14F-4D97-AF65-F5344CB8AC3E}">
+        <p14:creationId xmlns:p14="http://schemas.microsoft.com/office/powerpoint/2010/main" val="2758305196"/>
+      </p:ext>
+    </p:extLst>
+  </p:cSld>
+  <p:clrMapOvr>
+    <a:masterClrMapping/>
+  </p:clrMapOvr>
+  <p:transition>
+    <p:fade/>
+  </p:transition>
 </p:sld>
 </file>
 
@@ -5833,7 +5388,10 @@
             </a:r>
           </a:p>
           <a:p>
-            <a:endParaRPr lang="en-US" dirty="0"/>
+            <a:r>
+              <a:rPr lang="en-US" dirty="0"/>
+              <a:t>Despite the slide footer, nothing presented here is actually “CACI Proprietary Information”</a:t>
+            </a:r>
           </a:p>
           <a:p>
             <a:r>
@@ -5884,6 +5442,9 @@
   <p:clrMapOvr>
     <a:masterClrMapping/>
   </p:clrMapOvr>
+  <p:transition>
+    <p:fade/>
+  </p:transition>
 </p:sld>
 </file>
 
@@ -5951,7 +5512,7 @@
         <p:spPr/>
         <p:txBody>
           <a:bodyPr>
-            <a:normAutofit fontScale="55000" lnSpcReduction="20000"/>
+            <a:normAutofit fontScale="62500" lnSpcReduction="20000"/>
           </a:bodyPr>
           <a:lstStyle/>
           <a:p>
@@ -5990,12 +5551,6 @@
             </a:r>
           </a:p>
           <a:p>
-            <a:pPr marL="457200" lvl="1" indent="0">
-              <a:buNone/>
-            </a:pPr>
-            <a:endParaRPr lang="en-US" dirty="0"/>
-          </a:p>
-          <a:p>
             <a:r>
               <a:rPr lang="en-US" dirty="0"/>
               <a:t>Best choice depends on your goal:</a:t>
@@ -6028,12 +5583,6 @@
               <a:rPr lang="en-US" dirty="0"/>
               <a:t>Deployment to Embedded System</a:t>
             </a:r>
-          </a:p>
-          <a:p>
-            <a:pPr marL="457200" lvl="1" indent="0">
-              <a:buNone/>
-            </a:pPr>
-            <a:endParaRPr lang="en-US" dirty="0"/>
           </a:p>
           <a:p>
             <a:r>
@@ -6087,27 +5636,23 @@
             </a:r>
           </a:p>
           <a:p>
+            <a:r>
+              <a:rPr lang="en-US" dirty="0"/>
+              <a:t>Hardware:</a:t>
+            </a:r>
+          </a:p>
+          <a:p>
             <a:pPr lvl="1"/>
-            <a:endParaRPr lang="en-US" dirty="0"/>
-          </a:p>
-          <a:p>
-            <a:r>
-              <a:rPr lang="en-US" dirty="0"/>
-              <a:t>Hardware:</a:t>
+            <a:r>
+              <a:rPr lang="en-US" dirty="0"/>
+              <a:t>There may come a time you need a GPU, but you don’t need it to get started.</a:t>
             </a:r>
           </a:p>
           <a:p>
             <a:pPr lvl="1"/>
             <a:r>
               <a:rPr lang="en-US" dirty="0"/>
-              <a:t>There may come a time you need a GPU, but you don’t need it to get started.</a:t>
-            </a:r>
-          </a:p>
-          <a:p>
-            <a:pPr lvl="1"/>
-            <a:r>
-              <a:rPr lang="en-US" dirty="0"/>
-              <a:t>When you do, you’ll almost certainly be wanting Nvidia hardware running their CUDA libraries, which are well optimized for deep learning on GPUs.</a:t>
+              <a:t>When you do, you’ll almost certainly be wanting Nvidia hardware running their CUDA libraries.</a:t>
             </a:r>
           </a:p>
         </p:txBody>
@@ -6122,6 +5667,9 @@
   <p:clrMapOvr>
     <a:masterClrMapping/>
   </p:clrMapOvr>
+  <p:transition>
+    <p:fade/>
+  </p:transition>
 </p:sld>
 </file>
 
@@ -6253,6 +5801,9 @@
   <p:clrMapOvr>
     <a:masterClrMapping/>
   </p:clrMapOvr>
+  <p:transition>
+    <p:fade/>
+  </p:transition>
 </p:sld>
 </file>
 
@@ -6331,8 +5882,8 @@
         </p:blipFill>
         <p:spPr>
           <a:xfrm>
-            <a:off x="838200" y="1690688"/>
-            <a:ext cx="7430151" cy="4636612"/>
+            <a:off x="628651" y="2125266"/>
+            <a:ext cx="5572613" cy="3477459"/>
           </a:xfrm>
         </p:spPr>
       </p:pic>
@@ -6350,8 +5901,8 @@
         </p:nvSpPr>
         <p:spPr>
           <a:xfrm>
-            <a:off x="8551572" y="1647720"/>
-            <a:ext cx="3348507" cy="2308324"/>
+            <a:off x="6413680" y="2093040"/>
+            <a:ext cx="2511380" cy="2723823"/>
           </a:xfrm>
           <a:prstGeom prst="rect">
             <a:avLst/>
@@ -6365,40 +5916,40 @@
           <a:lstStyle/>
           <a:p>
             <a:r>
-              <a:rPr lang="en-US" dirty="0"/>
+              <a:rPr lang="en-US" sz="1500" dirty="0"/>
               <a:t>Sample TLE data.</a:t>
             </a:r>
             <a:br>
-              <a:rPr lang="en-US" dirty="0"/>
+              <a:rPr lang="en-US" sz="1500" dirty="0"/>
             </a:br>
-            <a:endParaRPr lang="en-US" dirty="0"/>
-          </a:p>
-          <a:p>
-            <a:r>
-              <a:rPr lang="en-US" dirty="0"/>
+            <a:endParaRPr lang="en-US" sz="1500" dirty="0"/>
+          </a:p>
+          <a:p>
+            <a:r>
+              <a:rPr lang="en-US" sz="1500" dirty="0"/>
               <a:t>9 real valued fields</a:t>
             </a:r>
           </a:p>
           <a:p>
             <a:r>
-              <a:rPr lang="en-US" dirty="0"/>
+              <a:rPr lang="en-US" sz="1500" dirty="0"/>
               <a:t>1 categorical field (group)</a:t>
             </a:r>
           </a:p>
           <a:p>
-            <a:endParaRPr lang="en-US" dirty="0"/>
-          </a:p>
-          <a:p>
-            <a:r>
-              <a:rPr lang="en-US" dirty="0"/>
+            <a:endParaRPr lang="en-US" sz="1500" dirty="0"/>
+          </a:p>
+          <a:p>
+            <a:r>
+              <a:rPr lang="en-US" sz="1500" dirty="0"/>
               <a:t>“group” comes from the way </a:t>
             </a:r>
             <a:r>
-              <a:rPr lang="en-US" dirty="0" err="1"/>
+              <a:rPr lang="en-US" sz="1500" dirty="0" err="1"/>
               <a:t>CelesTrak</a:t>
             </a:r>
             <a:r>
-              <a:rPr lang="en-US" dirty="0"/>
+              <a:rPr lang="en-US" sz="1500" dirty="0"/>
               <a:t> categorized the given TLE.</a:t>
             </a:r>
           </a:p>
@@ -6414,6 +5965,9 @@
   <p:clrMapOvr>
     <a:masterClrMapping/>
   </p:clrMapOvr>
+  <p:transition>
+    <p:fade/>
+  </p:transition>
 </p:sld>
 </file>
 
@@ -6449,7 +6003,7 @@
           <p:nvPr/>
         </p:nvPicPr>
         <p:blipFill>
-          <a:blip r:embed="rId3">
+          <a:blip r:embed="rId3" cstate="print">
             <a:extLst>
               <a:ext uri="{28A0092B-C50C-407E-A947-70E740481C1C}">
                 <a14:useLocalDpi xmlns:a14="http://schemas.microsoft.com/office/drawing/2010/main" val="0"/>
@@ -6462,8 +6016,8 @@
         </p:blipFill>
         <p:spPr>
           <a:xfrm>
-            <a:off x="5310757" y="4150125"/>
-            <a:ext cx="6123536" cy="2139008"/>
+            <a:off x="3983068" y="3969844"/>
+            <a:ext cx="4592652" cy="1604256"/>
           </a:xfrm>
           <a:prstGeom prst="rect">
             <a:avLst/>
@@ -6500,8 +6054,8 @@
         </p:blipFill>
         <p:spPr>
           <a:xfrm>
-            <a:off x="727656" y="206397"/>
-            <a:ext cx="10736688" cy="3738670"/>
+            <a:off x="545742" y="1012048"/>
+            <a:ext cx="8052516" cy="2804003"/>
           </a:xfrm>
         </p:spPr>
       </p:pic>
@@ -6519,8 +6073,8 @@
         </p:nvSpPr>
         <p:spPr>
           <a:xfrm>
-            <a:off x="757707" y="4150125"/>
-            <a:ext cx="4479334" cy="2308324"/>
+            <a:off x="568280" y="3969844"/>
+            <a:ext cx="3359501" cy="2931572"/>
           </a:xfrm>
           <a:prstGeom prst="rect">
             <a:avLst/>
@@ -6533,45 +6087,45 @@
           </a:bodyPr>
           <a:lstStyle/>
           <a:p>
-            <a:pPr marL="285750" indent="-285750">
+            <a:pPr marL="214313" indent="-214313">
               <a:buFont typeface="Arial" panose="020B0604020202020204" pitchFamily="34" charset="0"/>
               <a:buChar char="•"/>
             </a:pPr>
             <a:r>
-              <a:rPr lang="en-US" dirty="0"/>
+              <a:rPr lang="en-US" sz="1500" dirty="0"/>
               <a:t>2D embeddings of the 9D feature vectors</a:t>
             </a:r>
           </a:p>
           <a:p>
-            <a:pPr marL="285750" indent="-285750">
+            <a:pPr marL="214313" indent="-214313">
               <a:buFont typeface="Arial" panose="020B0604020202020204" pitchFamily="34" charset="0"/>
               <a:buChar char="•"/>
             </a:pPr>
             <a:r>
-              <a:rPr lang="en-US" dirty="0"/>
+              <a:rPr lang="en-US" sz="1500" dirty="0"/>
               <a:t>Group field mapped to color</a:t>
             </a:r>
           </a:p>
           <a:p>
-            <a:pPr marL="285750" indent="-285750">
+            <a:pPr marL="214313" indent="-214313">
               <a:buFont typeface="Arial" panose="020B0604020202020204" pitchFamily="34" charset="0"/>
               <a:buChar char="•"/>
             </a:pPr>
             <a:r>
-              <a:rPr lang="en-US" dirty="0"/>
+              <a:rPr lang="en-US" sz="1500" dirty="0"/>
               <a:t>(right) Just “planet” and “resource” groups</a:t>
             </a:r>
           </a:p>
           <a:p>
-            <a:pPr marL="285750" indent="-285750">
+            <a:pPr marL="214313" indent="-214313">
               <a:buFont typeface="Arial" panose="020B0604020202020204" pitchFamily="34" charset="0"/>
               <a:buChar char="•"/>
             </a:pPr>
-            <a:endParaRPr lang="en-US" dirty="0"/>
-          </a:p>
-          <a:p>
-            <a:r>
-              <a:rPr lang="en-US" dirty="0"/>
+            <a:endParaRPr lang="en-US" sz="1500" dirty="0"/>
+          </a:p>
+          <a:p>
+            <a:r>
+              <a:rPr lang="en-US" sz="1500" dirty="0"/>
               <a:t>The visualizations suggest we should be able to make some better-than-random guesses about the group field based just on the numeric fields.</a:t>
             </a:r>
           </a:p>
@@ -6587,6 +6141,9 @@
   <p:clrMapOvr>
     <a:masterClrMapping/>
   </p:clrMapOvr>
+  <p:transition>
+    <p:fade/>
+  </p:transition>
 </p:sld>
 </file>
 
@@ -6654,7 +6211,7 @@
         <p:spPr/>
         <p:txBody>
           <a:bodyPr>
-            <a:normAutofit lnSpcReduction="10000"/>
+            <a:normAutofit fontScale="92500" lnSpcReduction="10000"/>
           </a:bodyPr>
           <a:lstStyle/>
           <a:p>
@@ -6682,7 +6239,7 @@
             </a:r>
           </a:p>
           <a:p>
-            <a:pPr marL="514350" indent="-514350">
+            <a:pPr marL="385763" indent="-385763">
               <a:buFont typeface="+mj-lt"/>
               <a:buAutoNum type="arabicPeriod"/>
             </a:pPr>
@@ -6692,7 +6249,7 @@
             </a:r>
           </a:p>
           <a:p>
-            <a:pPr marL="514350" indent="-514350">
+            <a:pPr marL="385763" indent="-385763">
               <a:buFont typeface="+mj-lt"/>
               <a:buAutoNum type="arabicPeriod"/>
             </a:pPr>
@@ -6702,7 +6259,7 @@
             </a:r>
           </a:p>
           <a:p>
-            <a:pPr marL="514350" indent="-514350">
+            <a:pPr marL="385763" indent="-385763">
               <a:buFont typeface="+mj-lt"/>
               <a:buAutoNum type="arabicPeriod"/>
             </a:pPr>
@@ -6712,7 +6269,7 @@
             </a:r>
           </a:p>
           <a:p>
-            <a:pPr marL="971550" lvl="1" indent="-514350">
+            <a:pPr marL="728663" lvl="1" indent="-385763">
               <a:buFont typeface="+mj-lt"/>
               <a:buAutoNum type="arabicPeriod"/>
             </a:pPr>
@@ -6722,7 +6279,7 @@
             </a:r>
           </a:p>
           <a:p>
-            <a:pPr marL="971550" lvl="1" indent="-514350">
+            <a:pPr marL="728663" lvl="1" indent="-385763">
               <a:buFont typeface="+mj-lt"/>
               <a:buAutoNum type="arabicPeriod"/>
             </a:pPr>
@@ -6732,7 +6289,7 @@
             </a:r>
           </a:p>
           <a:p>
-            <a:pPr marL="971550" lvl="1" indent="-514350">
+            <a:pPr marL="728663" lvl="1" indent="-385763">
               <a:buFont typeface="+mj-lt"/>
               <a:buAutoNum type="arabicPeriod"/>
             </a:pPr>
@@ -6742,7 +6299,7 @@
             </a:r>
           </a:p>
           <a:p>
-            <a:pPr marL="514350" indent="-514350">
+            <a:pPr marL="385763" indent="-385763">
               <a:buFont typeface="+mj-lt"/>
               <a:buAutoNum type="arabicPeriod"/>
             </a:pPr>
@@ -6763,6 +6320,9 @@
   <p:clrMapOvr>
     <a:masterClrMapping/>
   </p:clrMapOvr>
+  <p:transition>
+    <p:fade/>
+  </p:transition>
 </p:sld>
 </file>
 
@@ -6821,58 +6381,710 @@
   <p:clrMapOvr>
     <a:masterClrMapping/>
   </p:clrMapOvr>
+  <p:transition>
+    <p:fade/>
+  </p:transition>
 </p:sld>
 </file>
 
 <file path=ppt/theme/theme1.xml><?xml version="1.0" encoding="utf-8"?>
+<a:theme xmlns:a="http://schemas.openxmlformats.org/drawingml/2006/main" name="Slide Master ">
+  <a:themeElements>
+    <a:clrScheme name="Angles">
+      <a:dk1>
+        <a:srgbClr val="000000"/>
+      </a:dk1>
+      <a:lt1>
+        <a:srgbClr val="FFFFFF"/>
+      </a:lt1>
+      <a:dk2>
+        <a:srgbClr val="434342"/>
+      </a:dk2>
+      <a:lt2>
+        <a:srgbClr val="CDD7D9"/>
+      </a:lt2>
+      <a:accent1>
+        <a:srgbClr val="797B7E"/>
+      </a:accent1>
+      <a:accent2>
+        <a:srgbClr val="F96A1B"/>
+      </a:accent2>
+      <a:accent3>
+        <a:srgbClr val="08A1D9"/>
+      </a:accent3>
+      <a:accent4>
+        <a:srgbClr val="7C984A"/>
+      </a:accent4>
+      <a:accent5>
+        <a:srgbClr val="C2AD8D"/>
+      </a:accent5>
+      <a:accent6>
+        <a:srgbClr val="506E94"/>
+      </a:accent6>
+      <a:hlink>
+        <a:srgbClr val="5F5F5F"/>
+      </a:hlink>
+      <a:folHlink>
+        <a:srgbClr val="969696"/>
+      </a:folHlink>
+    </a:clrScheme>
+    <a:fontScheme name="2010 Title Slide Master ">
+      <a:majorFont>
+        <a:latin typeface="Tahoma"/>
+        <a:ea typeface=""/>
+        <a:cs typeface=""/>
+      </a:majorFont>
+      <a:minorFont>
+        <a:latin typeface="Tahoma"/>
+        <a:ea typeface=""/>
+        <a:cs typeface=""/>
+      </a:minorFont>
+    </a:fontScheme>
+    <a:fmtScheme name="Office">
+      <a:fillStyleLst>
+        <a:solidFill>
+          <a:schemeClr val="phClr"/>
+        </a:solidFill>
+        <a:gradFill rotWithShape="1">
+          <a:gsLst>
+            <a:gs pos="0">
+              <a:schemeClr val="phClr">
+                <a:tint val="50000"/>
+                <a:satMod val="300000"/>
+              </a:schemeClr>
+            </a:gs>
+            <a:gs pos="35000">
+              <a:schemeClr val="phClr">
+                <a:tint val="37000"/>
+                <a:satMod val="300000"/>
+              </a:schemeClr>
+            </a:gs>
+            <a:gs pos="100000">
+              <a:schemeClr val="phClr">
+                <a:tint val="15000"/>
+                <a:satMod val="350000"/>
+              </a:schemeClr>
+            </a:gs>
+          </a:gsLst>
+          <a:lin ang="16200000" scaled="1"/>
+        </a:gradFill>
+        <a:gradFill rotWithShape="1">
+          <a:gsLst>
+            <a:gs pos="0">
+              <a:schemeClr val="phClr">
+                <a:shade val="51000"/>
+                <a:satMod val="130000"/>
+              </a:schemeClr>
+            </a:gs>
+            <a:gs pos="80000">
+              <a:schemeClr val="phClr">
+                <a:shade val="93000"/>
+                <a:satMod val="130000"/>
+              </a:schemeClr>
+            </a:gs>
+            <a:gs pos="100000">
+              <a:schemeClr val="phClr">
+                <a:shade val="94000"/>
+                <a:satMod val="135000"/>
+              </a:schemeClr>
+            </a:gs>
+          </a:gsLst>
+          <a:lin ang="16200000" scaled="0"/>
+        </a:gradFill>
+      </a:fillStyleLst>
+      <a:lnStyleLst>
+        <a:ln w="9525" cap="flat" cmpd="sng" algn="ctr">
+          <a:solidFill>
+            <a:schemeClr val="phClr">
+              <a:shade val="95000"/>
+              <a:satMod val="105000"/>
+            </a:schemeClr>
+          </a:solidFill>
+          <a:prstDash val="solid"/>
+        </a:ln>
+        <a:ln w="25400" cap="flat" cmpd="sng" algn="ctr">
+          <a:solidFill>
+            <a:schemeClr val="phClr"/>
+          </a:solidFill>
+          <a:prstDash val="solid"/>
+        </a:ln>
+        <a:ln w="38100" cap="flat" cmpd="sng" algn="ctr">
+          <a:solidFill>
+            <a:schemeClr val="phClr"/>
+          </a:solidFill>
+          <a:prstDash val="solid"/>
+        </a:ln>
+      </a:lnStyleLst>
+      <a:effectStyleLst>
+        <a:effectStyle>
+          <a:effectLst>
+            <a:outerShdw blurRad="40000" dist="20000" dir="5400000" rotWithShape="0">
+              <a:srgbClr val="000000">
+                <a:alpha val="38000"/>
+              </a:srgbClr>
+            </a:outerShdw>
+          </a:effectLst>
+        </a:effectStyle>
+        <a:effectStyle>
+          <a:effectLst>
+            <a:outerShdw blurRad="40000" dist="23000" dir="5400000" rotWithShape="0">
+              <a:srgbClr val="000000">
+                <a:alpha val="35000"/>
+              </a:srgbClr>
+            </a:outerShdw>
+          </a:effectLst>
+        </a:effectStyle>
+        <a:effectStyle>
+          <a:effectLst>
+            <a:outerShdw blurRad="40000" dist="23000" dir="5400000" rotWithShape="0">
+              <a:srgbClr val="000000">
+                <a:alpha val="35000"/>
+              </a:srgbClr>
+            </a:outerShdw>
+          </a:effectLst>
+          <a:scene3d>
+            <a:camera prst="orthographicFront">
+              <a:rot lat="0" lon="0" rev="0"/>
+            </a:camera>
+            <a:lightRig rig="threePt" dir="t">
+              <a:rot lat="0" lon="0" rev="1200000"/>
+            </a:lightRig>
+          </a:scene3d>
+          <a:sp3d>
+            <a:bevelT w="63500" h="25400"/>
+          </a:sp3d>
+        </a:effectStyle>
+      </a:effectStyleLst>
+      <a:bgFillStyleLst>
+        <a:solidFill>
+          <a:schemeClr val="phClr"/>
+        </a:solidFill>
+        <a:gradFill rotWithShape="1">
+          <a:gsLst>
+            <a:gs pos="0">
+              <a:schemeClr val="phClr">
+                <a:tint val="40000"/>
+                <a:satMod val="350000"/>
+              </a:schemeClr>
+            </a:gs>
+            <a:gs pos="40000">
+              <a:schemeClr val="phClr">
+                <a:tint val="45000"/>
+                <a:shade val="99000"/>
+                <a:satMod val="350000"/>
+              </a:schemeClr>
+            </a:gs>
+            <a:gs pos="100000">
+              <a:schemeClr val="phClr">
+                <a:shade val="20000"/>
+                <a:satMod val="255000"/>
+              </a:schemeClr>
+            </a:gs>
+          </a:gsLst>
+          <a:path path="circle">
+            <a:fillToRect l="50000" t="-80000" r="50000" b="180000"/>
+          </a:path>
+        </a:gradFill>
+        <a:gradFill rotWithShape="1">
+          <a:gsLst>
+            <a:gs pos="0">
+              <a:schemeClr val="phClr">
+                <a:tint val="80000"/>
+                <a:satMod val="300000"/>
+              </a:schemeClr>
+            </a:gs>
+            <a:gs pos="100000">
+              <a:schemeClr val="phClr">
+                <a:shade val="30000"/>
+                <a:satMod val="200000"/>
+              </a:schemeClr>
+            </a:gs>
+          </a:gsLst>
+          <a:path path="circle">
+            <a:fillToRect l="50000" t="50000" r="50000" b="50000"/>
+          </a:path>
+        </a:gradFill>
+      </a:bgFillStyleLst>
+    </a:fmtScheme>
+  </a:themeElements>
+  <a:objectDefaults>
+    <a:spDef>
+      <a:spPr bwMode="auto">
+        <a:xfrm>
+          <a:off x="0" y="0"/>
+          <a:ext cx="1" cy="1"/>
+        </a:xfrm>
+        <a:custGeom>
+          <a:avLst/>
+          <a:gdLst/>
+          <a:ahLst/>
+          <a:cxnLst/>
+          <a:rect l="0" t="0" r="0" b="0"/>
+          <a:pathLst/>
+        </a:custGeom>
+        <a:noFill/>
+        <a:ln w="9525" cap="flat" cmpd="sng" algn="ctr">
+          <a:noFill/>
+          <a:prstDash val="solid"/>
+          <a:round/>
+          <a:headEnd type="none" w="med" len="med"/>
+          <a:tailEnd type="none" w="med" len="med"/>
+        </a:ln>
+        <a:effectLst/>
+      </a:spPr>
+      <a:bodyPr vert="horz" wrap="square" lIns="0" tIns="64008" rIns="0" bIns="45720" numCol="1" anchor="t" anchorCtr="0" compatLnSpc="1">
+        <a:prstTxWarp prst="textNoShape">
+          <a:avLst/>
+        </a:prstTxWarp>
+        <a:spAutoFit/>
+      </a:bodyPr>
+      <a:lstStyle>
+        <a:defPPr marL="0" marR="0" indent="0" algn="l" defTabSz="914400" rtl="0" eaLnBrk="1" fontAlgn="base" latinLnBrk="0" hangingPunct="1">
+          <a:lnSpc>
+            <a:spcPct val="90000"/>
+          </a:lnSpc>
+          <a:spcBef>
+            <a:spcPct val="0"/>
+          </a:spcBef>
+          <a:spcAft>
+            <a:spcPct val="60000"/>
+          </a:spcAft>
+          <a:buClr>
+            <a:srgbClr val="CC0000"/>
+          </a:buClr>
+          <a:buSzTx/>
+          <a:buFont typeface="Wingdings" pitchFamily="2" charset="2"/>
+          <a:buChar char="§"/>
+          <a:tabLst/>
+          <a:defRPr kumimoji="0" lang="en-US" sz="2000" b="1" i="0" u="none" strike="noStrike" cap="none" normalizeH="0" baseline="0" smtClean="0">
+            <a:ln>
+              <a:noFill/>
+            </a:ln>
+            <a:solidFill>
+              <a:schemeClr val="tx1"/>
+            </a:solidFill>
+            <a:effectLst/>
+            <a:latin typeface="Tahoma" pitchFamily="34" charset="0"/>
+          </a:defRPr>
+        </a:defPPr>
+      </a:lstStyle>
+    </a:spDef>
+    <a:lnDef>
+      <a:spPr bwMode="auto">
+        <a:xfrm>
+          <a:off x="0" y="0"/>
+          <a:ext cx="1" cy="1"/>
+        </a:xfrm>
+        <a:custGeom>
+          <a:avLst/>
+          <a:gdLst/>
+          <a:ahLst/>
+          <a:cxnLst/>
+          <a:rect l="0" t="0" r="0" b="0"/>
+          <a:pathLst/>
+        </a:custGeom>
+        <a:noFill/>
+        <a:ln w="9525" cap="flat" cmpd="sng" algn="ctr">
+          <a:noFill/>
+          <a:prstDash val="solid"/>
+          <a:round/>
+          <a:headEnd type="none" w="med" len="med"/>
+          <a:tailEnd type="none" w="med" len="med"/>
+        </a:ln>
+        <a:effectLst/>
+      </a:spPr>
+      <a:bodyPr vert="horz" wrap="square" lIns="0" tIns="64008" rIns="0" bIns="45720" numCol="1" anchor="t" anchorCtr="0" compatLnSpc="1">
+        <a:prstTxWarp prst="textNoShape">
+          <a:avLst/>
+        </a:prstTxWarp>
+        <a:spAutoFit/>
+      </a:bodyPr>
+      <a:lstStyle>
+        <a:defPPr marL="0" marR="0" indent="0" algn="l" defTabSz="914400" rtl="0" eaLnBrk="1" fontAlgn="base" latinLnBrk="0" hangingPunct="1">
+          <a:lnSpc>
+            <a:spcPct val="90000"/>
+          </a:lnSpc>
+          <a:spcBef>
+            <a:spcPct val="0"/>
+          </a:spcBef>
+          <a:spcAft>
+            <a:spcPct val="60000"/>
+          </a:spcAft>
+          <a:buClr>
+            <a:srgbClr val="CC0000"/>
+          </a:buClr>
+          <a:buSzTx/>
+          <a:buFont typeface="Wingdings" pitchFamily="2" charset="2"/>
+          <a:buChar char="§"/>
+          <a:tabLst/>
+          <a:defRPr kumimoji="0" lang="en-US" sz="2000" b="1" i="0" u="none" strike="noStrike" cap="none" normalizeH="0" baseline="0" smtClean="0">
+            <a:ln>
+              <a:noFill/>
+            </a:ln>
+            <a:solidFill>
+              <a:schemeClr val="tx1"/>
+            </a:solidFill>
+            <a:effectLst/>
+            <a:latin typeface="Tahoma" pitchFamily="34" charset="0"/>
+          </a:defRPr>
+        </a:defPPr>
+      </a:lstStyle>
+    </a:lnDef>
+    <a:txDef>
+      <a:spPr>
+        <a:noFill/>
+      </a:spPr>
+      <a:bodyPr wrap="none" rtlCol="0">
+        <a:spAutoFit/>
+      </a:bodyPr>
+      <a:lstStyle>
+        <a:defPPr>
+          <a:defRPr dirty="0" err="1" smtClean="0"/>
+        </a:defPPr>
+      </a:lstStyle>
+    </a:txDef>
+  </a:objectDefaults>
+  <a:extraClrSchemeLst>
+    <a:extraClrScheme>
+      <a:clrScheme name="2010 Title Slide Master  1">
+        <a:dk1>
+          <a:srgbClr val="000000"/>
+        </a:dk1>
+        <a:lt1>
+          <a:srgbClr val="FFFFFF"/>
+        </a:lt1>
+        <a:dk2>
+          <a:srgbClr val="0000FF"/>
+        </a:dk2>
+        <a:lt2>
+          <a:srgbClr val="FFFF00"/>
+        </a:lt2>
+        <a:accent1>
+          <a:srgbClr val="FF9900"/>
+        </a:accent1>
+        <a:accent2>
+          <a:srgbClr val="00FFFF"/>
+        </a:accent2>
+        <a:accent3>
+          <a:srgbClr val="AAAAFF"/>
+        </a:accent3>
+        <a:accent4>
+          <a:srgbClr val="DADADA"/>
+        </a:accent4>
+        <a:accent5>
+          <a:srgbClr val="FFCAAA"/>
+        </a:accent5>
+        <a:accent6>
+          <a:srgbClr val="00E7E7"/>
+        </a:accent6>
+        <a:hlink>
+          <a:srgbClr val="FF0000"/>
+        </a:hlink>
+        <a:folHlink>
+          <a:srgbClr val="969696"/>
+        </a:folHlink>
+      </a:clrScheme>
+      <a:clrMap bg1="dk2" tx1="lt1" bg2="dk1" tx2="lt2" accent1="accent1" accent2="accent2" accent3="accent3" accent4="accent4" accent5="accent5" accent6="accent6" hlink="hlink" folHlink="folHlink"/>
+    </a:extraClrScheme>
+    <a:extraClrScheme>
+      <a:clrScheme name="2010 Title Slide Master  2">
+        <a:dk1>
+          <a:srgbClr val="000000"/>
+        </a:dk1>
+        <a:lt1>
+          <a:srgbClr val="FFFFFF"/>
+        </a:lt1>
+        <a:dk2>
+          <a:srgbClr val="000000"/>
+        </a:dk2>
+        <a:lt2>
+          <a:srgbClr val="808080"/>
+        </a:lt2>
+        <a:accent1>
+          <a:srgbClr val="00CC99"/>
+        </a:accent1>
+        <a:accent2>
+          <a:srgbClr val="3333CC"/>
+        </a:accent2>
+        <a:accent3>
+          <a:srgbClr val="FFFFFF"/>
+        </a:accent3>
+        <a:accent4>
+          <a:srgbClr val="000000"/>
+        </a:accent4>
+        <a:accent5>
+          <a:srgbClr val="AAE2CA"/>
+        </a:accent5>
+        <a:accent6>
+          <a:srgbClr val="2D2DB9"/>
+        </a:accent6>
+        <a:hlink>
+          <a:srgbClr val="CCCCFF"/>
+        </a:hlink>
+        <a:folHlink>
+          <a:srgbClr val="B2B2B2"/>
+        </a:folHlink>
+      </a:clrScheme>
+      <a:clrMap bg1="lt1" tx1="dk1" bg2="lt2" tx2="dk2" accent1="accent1" accent2="accent2" accent3="accent3" accent4="accent4" accent5="accent5" accent6="accent6" hlink="hlink" folHlink="folHlink"/>
+    </a:extraClrScheme>
+    <a:extraClrScheme>
+      <a:clrScheme name="2010 Title Slide Master  3">
+        <a:dk1>
+          <a:srgbClr val="000000"/>
+        </a:dk1>
+        <a:lt1>
+          <a:srgbClr val="FFFFFF"/>
+        </a:lt1>
+        <a:dk2>
+          <a:srgbClr val="000000"/>
+        </a:dk2>
+        <a:lt2>
+          <a:srgbClr val="333333"/>
+        </a:lt2>
+        <a:accent1>
+          <a:srgbClr val="DDDDDD"/>
+        </a:accent1>
+        <a:accent2>
+          <a:srgbClr val="808080"/>
+        </a:accent2>
+        <a:accent3>
+          <a:srgbClr val="FFFFFF"/>
+        </a:accent3>
+        <a:accent4>
+          <a:srgbClr val="000000"/>
+        </a:accent4>
+        <a:accent5>
+          <a:srgbClr val="EBEBEB"/>
+        </a:accent5>
+        <a:accent6>
+          <a:srgbClr val="737373"/>
+        </a:accent6>
+        <a:hlink>
+          <a:srgbClr val="4D4D4D"/>
+        </a:hlink>
+        <a:folHlink>
+          <a:srgbClr val="EAEAEA"/>
+        </a:folHlink>
+      </a:clrScheme>
+      <a:clrMap bg1="lt1" tx1="dk1" bg2="lt2" tx2="dk2" accent1="accent1" accent2="accent2" accent3="accent3" accent4="accent4" accent5="accent5" accent6="accent6" hlink="hlink" folHlink="folHlink"/>
+    </a:extraClrScheme>
+    <a:extraClrScheme>
+      <a:clrScheme name="2010 Title Slide Master  4">
+        <a:dk1>
+          <a:srgbClr val="000000"/>
+        </a:dk1>
+        <a:lt1>
+          <a:srgbClr val="FFFFCC"/>
+        </a:lt1>
+        <a:dk2>
+          <a:srgbClr val="808000"/>
+        </a:dk2>
+        <a:lt2>
+          <a:srgbClr val="666633"/>
+        </a:lt2>
+        <a:accent1>
+          <a:srgbClr val="339933"/>
+        </a:accent1>
+        <a:accent2>
+          <a:srgbClr val="800000"/>
+        </a:accent2>
+        <a:accent3>
+          <a:srgbClr val="FFFFE2"/>
+        </a:accent3>
+        <a:accent4>
+          <a:srgbClr val="000000"/>
+        </a:accent4>
+        <a:accent5>
+          <a:srgbClr val="ADCAAD"/>
+        </a:accent5>
+        <a:accent6>
+          <a:srgbClr val="730000"/>
+        </a:accent6>
+        <a:hlink>
+          <a:srgbClr val="0033CC"/>
+        </a:hlink>
+        <a:folHlink>
+          <a:srgbClr val="FFCC66"/>
+        </a:folHlink>
+      </a:clrScheme>
+      <a:clrMap bg1="lt1" tx1="dk1" bg2="lt2" tx2="dk2" accent1="accent1" accent2="accent2" accent3="accent3" accent4="accent4" accent5="accent5" accent6="accent6" hlink="hlink" folHlink="folHlink"/>
+    </a:extraClrScheme>
+    <a:extraClrScheme>
+      <a:clrScheme name="2010 Title Slide Master  5">
+        <a:dk1>
+          <a:srgbClr val="000000"/>
+        </a:dk1>
+        <a:lt1>
+          <a:srgbClr val="FFFFFF"/>
+        </a:lt1>
+        <a:dk2>
+          <a:srgbClr val="000000"/>
+        </a:dk2>
+        <a:lt2>
+          <a:srgbClr val="808080"/>
+        </a:lt2>
+        <a:accent1>
+          <a:srgbClr val="FFCC66"/>
+        </a:accent1>
+        <a:accent2>
+          <a:srgbClr val="0000FF"/>
+        </a:accent2>
+        <a:accent3>
+          <a:srgbClr val="FFFFFF"/>
+        </a:accent3>
+        <a:accent4>
+          <a:srgbClr val="000000"/>
+        </a:accent4>
+        <a:accent5>
+          <a:srgbClr val="FFE2B8"/>
+        </a:accent5>
+        <a:accent6>
+          <a:srgbClr val="0000E7"/>
+        </a:accent6>
+        <a:hlink>
+          <a:srgbClr val="CC00CC"/>
+        </a:hlink>
+        <a:folHlink>
+          <a:srgbClr val="C0C0C0"/>
+        </a:folHlink>
+      </a:clrScheme>
+      <a:clrMap bg1="lt1" tx1="dk1" bg2="lt2" tx2="dk2" accent1="accent1" accent2="accent2" accent3="accent3" accent4="accent4" accent5="accent5" accent6="accent6" hlink="hlink" folHlink="folHlink"/>
+    </a:extraClrScheme>
+    <a:extraClrScheme>
+      <a:clrScheme name="2010 Title Slide Master  6">
+        <a:dk1>
+          <a:srgbClr val="000000"/>
+        </a:dk1>
+        <a:lt1>
+          <a:srgbClr val="FFFFFF"/>
+        </a:lt1>
+        <a:dk2>
+          <a:srgbClr val="000000"/>
+        </a:dk2>
+        <a:lt2>
+          <a:srgbClr val="808080"/>
+        </a:lt2>
+        <a:accent1>
+          <a:srgbClr val="C0C0C0"/>
+        </a:accent1>
+        <a:accent2>
+          <a:srgbClr val="0066FF"/>
+        </a:accent2>
+        <a:accent3>
+          <a:srgbClr val="FFFFFF"/>
+        </a:accent3>
+        <a:accent4>
+          <a:srgbClr val="000000"/>
+        </a:accent4>
+        <a:accent5>
+          <a:srgbClr val="DCDCDC"/>
+        </a:accent5>
+        <a:accent6>
+          <a:srgbClr val="005CE7"/>
+        </a:accent6>
+        <a:hlink>
+          <a:srgbClr val="FF0000"/>
+        </a:hlink>
+        <a:folHlink>
+          <a:srgbClr val="009900"/>
+        </a:folHlink>
+      </a:clrScheme>
+      <a:clrMap bg1="lt1" tx1="dk1" bg2="lt2" tx2="dk2" accent1="accent1" accent2="accent2" accent3="accent3" accent4="accent4" accent5="accent5" accent6="accent6" hlink="hlink" folHlink="folHlink"/>
+    </a:extraClrScheme>
+    <a:extraClrScheme>
+      <a:clrScheme name="2010 Title Slide Master  7">
+        <a:dk1>
+          <a:srgbClr val="000000"/>
+        </a:dk1>
+        <a:lt1>
+          <a:srgbClr val="FFFFFF"/>
+        </a:lt1>
+        <a:dk2>
+          <a:srgbClr val="000000"/>
+        </a:dk2>
+        <a:lt2>
+          <a:srgbClr val="808080"/>
+        </a:lt2>
+        <a:accent1>
+          <a:srgbClr val="3399FF"/>
+        </a:accent1>
+        <a:accent2>
+          <a:srgbClr val="99FFCC"/>
+        </a:accent2>
+        <a:accent3>
+          <a:srgbClr val="FFFFFF"/>
+        </a:accent3>
+        <a:accent4>
+          <a:srgbClr val="000000"/>
+        </a:accent4>
+        <a:accent5>
+          <a:srgbClr val="ADCAFF"/>
+        </a:accent5>
+        <a:accent6>
+          <a:srgbClr val="8AE7B9"/>
+        </a:accent6>
+        <a:hlink>
+          <a:srgbClr val="CC00CC"/>
+        </a:hlink>
+        <a:folHlink>
+          <a:srgbClr val="B2B2B2"/>
+        </a:folHlink>
+      </a:clrScheme>
+      <a:clrMap bg1="lt1" tx1="dk1" bg2="lt2" tx2="dk2" accent1="accent1" accent2="accent2" accent3="accent3" accent4="accent4" accent5="accent5" accent6="accent6" hlink="hlink" folHlink="folHlink"/>
+    </a:extraClrScheme>
+  </a:extraClrSchemeLst>
+</a:theme>
+</file>
+
+<file path=ppt/theme/theme2.xml><?xml version="1.0" encoding="utf-8"?>
 <a:theme xmlns:a="http://schemas.openxmlformats.org/drawingml/2006/main" name="Office Theme">
   <a:themeElements>
-    <a:clrScheme name="Office">
+    <a:clrScheme name="">
       <a:dk1>
-        <a:sysClr val="windowText" lastClr="000000"/>
+        <a:srgbClr val="000000"/>
       </a:dk1>
       <a:lt1>
-        <a:sysClr val="window" lastClr="FFFFFF"/>
+        <a:srgbClr val="FFFFFF"/>
       </a:lt1>
       <a:dk2>
-        <a:srgbClr val="44546A"/>
+        <a:srgbClr val="000000"/>
       </a:dk2>
       <a:lt2>
-        <a:srgbClr val="E7E6E6"/>
+        <a:srgbClr val="808080"/>
       </a:lt2>
       <a:accent1>
-        <a:srgbClr val="4472C4"/>
+        <a:srgbClr val="00CC99"/>
       </a:accent1>
       <a:accent2>
-        <a:srgbClr val="ED7D31"/>
+        <a:srgbClr val="3333CC"/>
       </a:accent2>
       <a:accent3>
-        <a:srgbClr val="A5A5A5"/>
+        <a:srgbClr val="FFFFFF"/>
       </a:accent3>
       <a:accent4>
-        <a:srgbClr val="FFC000"/>
+        <a:srgbClr val="000000"/>
       </a:accent4>
       <a:accent5>
-        <a:srgbClr val="5B9BD5"/>
+        <a:srgbClr val="AAE2CA"/>
       </a:accent5>
       <a:accent6>
-        <a:srgbClr val="70AD47"/>
+        <a:srgbClr val="2D2DB9"/>
       </a:accent6>
       <a:hlink>
-        <a:srgbClr val="0563C1"/>
+        <a:srgbClr val="CCCCFF"/>
       </a:hlink>
       <a:folHlink>
-        <a:srgbClr val="954F72"/>
+        <a:srgbClr val="B2B2B2"/>
       </a:folHlink>
     </a:clrScheme>
     <a:fontScheme name="Office">
       <a:majorFont>
-        <a:latin typeface="Calibri Light" panose="020F0302020204030204"/>
+        <a:latin typeface="Calibri"/>
         <a:ea typeface=""/>
         <a:cs typeface=""/>
-        <a:font script="Jpan" typeface="游ゴシック Light"/>
+        <a:font script="Jpan" typeface="ＭＳ Ｐゴシック"/>
         <a:font script="Hang" typeface="맑은 고딕"/>
-        <a:font script="Hans" typeface="等线 Light"/>
+        <a:font script="Hans" typeface="宋体"/>
         <a:font script="Hant" typeface="新細明體"/>
         <a:font script="Arab" typeface="Times New Roman"/>
         <a:font script="Hebr" typeface="Times New Roman"/>
@@ -6899,32 +7111,14 @@
         <a:font script="Mong" typeface="Mongolian Baiti"/>
         <a:font script="Viet" typeface="Times New Roman"/>
         <a:font script="Uigh" typeface="Microsoft Uighur"/>
-        <a:font script="Geor" typeface="Sylfaen"/>
-        <a:font script="Armn" typeface="Arial"/>
-        <a:font script="Bugi" typeface="Leelawadee UI"/>
-        <a:font script="Bopo" typeface="Microsoft JhengHei"/>
-        <a:font script="Java" typeface="Javanese Text"/>
-        <a:font script="Lisu" typeface="Segoe UI"/>
-        <a:font script="Mymr" typeface="Myanmar Text"/>
-        <a:font script="Nkoo" typeface="Ebrima"/>
-        <a:font script="Olck" typeface="Nirmala UI"/>
-        <a:font script="Osma" typeface="Ebrima"/>
-        <a:font script="Phag" typeface="Phagspa"/>
-        <a:font script="Syrn" typeface="Estrangelo Edessa"/>
-        <a:font script="Syrj" typeface="Estrangelo Edessa"/>
-        <a:font script="Syre" typeface="Estrangelo Edessa"/>
-        <a:font script="Sora" typeface="Nirmala UI"/>
-        <a:font script="Tale" typeface="Microsoft Tai Le"/>
-        <a:font script="Talu" typeface="Microsoft New Tai Lue"/>
-        <a:font script="Tfng" typeface="Ebrima"/>
       </a:majorFont>
       <a:minorFont>
-        <a:latin typeface="Calibri" panose="020F0502020204030204"/>
+        <a:latin typeface="Calibri"/>
         <a:ea typeface=""/>
         <a:cs typeface=""/>
-        <a:font script="Jpan" typeface="游ゴシック"/>
+        <a:font script="Jpan" typeface="ＭＳ Ｐゴシック"/>
         <a:font script="Hang" typeface="맑은 고딕"/>
-        <a:font script="Hans" typeface="等线"/>
+        <a:font script="Hans" typeface="宋体"/>
         <a:font script="Hant" typeface="新細明體"/>
         <a:font script="Arab" typeface="Arial"/>
         <a:font script="Hebr" typeface="Arial"/>
@@ -6951,24 +7145,6 @@
         <a:font script="Mong" typeface="Mongolian Baiti"/>
         <a:font script="Viet" typeface="Arial"/>
         <a:font script="Uigh" typeface="Microsoft Uighur"/>
-        <a:font script="Geor" typeface="Sylfaen"/>
-        <a:font script="Armn" typeface="Arial"/>
-        <a:font script="Bugi" typeface="Leelawadee UI"/>
-        <a:font script="Bopo" typeface="Microsoft JhengHei"/>
-        <a:font script="Java" typeface="Javanese Text"/>
-        <a:font script="Lisu" typeface="Segoe UI"/>
-        <a:font script="Mymr" typeface="Myanmar Text"/>
-        <a:font script="Nkoo" typeface="Ebrima"/>
-        <a:font script="Olck" typeface="Nirmala UI"/>
-        <a:font script="Osma" typeface="Ebrima"/>
-        <a:font script="Phag" typeface="Phagspa"/>
-        <a:font script="Syrn" typeface="Estrangelo Edessa"/>
-        <a:font script="Syrj" typeface="Estrangelo Edessa"/>
-        <a:font script="Syre" typeface="Estrangelo Edessa"/>
-        <a:font script="Sora" typeface="Nirmala UI"/>
-        <a:font script="Tale" typeface="Microsoft Tai Le"/>
-        <a:font script="Talu" typeface="Microsoft New Tai Lue"/>
-        <a:font script="Tfng" typeface="Ebrima"/>
       </a:minorFont>
     </a:fontScheme>
     <a:fmtScheme name="Office">
@@ -6980,194 +7156,218 @@
           <a:gsLst>
             <a:gs pos="0">
               <a:schemeClr val="phClr">
-                <a:lumMod val="110000"/>
-                <a:satMod val="105000"/>
-                <a:tint val="67000"/>
+                <a:tint val="50000"/>
+                <a:satMod val="300000"/>
               </a:schemeClr>
             </a:gs>
-            <a:gs pos="50000">
+            <a:gs pos="35000">
               <a:schemeClr val="phClr">
-                <a:lumMod val="105000"/>
-                <a:satMod val="103000"/>
-                <a:tint val="73000"/>
+                <a:tint val="37000"/>
+                <a:satMod val="300000"/>
               </a:schemeClr>
             </a:gs>
             <a:gs pos="100000">
               <a:schemeClr val="phClr">
-                <a:lumMod val="105000"/>
-                <a:satMod val="109000"/>
-                <a:tint val="81000"/>
+                <a:tint val="15000"/>
+                <a:satMod val="350000"/>
               </a:schemeClr>
             </a:gs>
           </a:gsLst>
-          <a:lin ang="5400000" scaled="0"/>
+          <a:lin ang="16200000" scaled="1"/>
         </a:gradFill>
         <a:gradFill rotWithShape="1">
           <a:gsLst>
             <a:gs pos="0">
               <a:schemeClr val="phClr">
-                <a:satMod val="103000"/>
-                <a:lumMod val="102000"/>
-                <a:tint val="94000"/>
+                <a:shade val="51000"/>
+                <a:satMod val="130000"/>
               </a:schemeClr>
             </a:gs>
-            <a:gs pos="50000">
+            <a:gs pos="80000">
               <a:schemeClr val="phClr">
-                <a:satMod val="110000"/>
-                <a:lumMod val="100000"/>
-                <a:shade val="100000"/>
+                <a:shade val="93000"/>
+                <a:satMod val="130000"/>
               </a:schemeClr>
             </a:gs>
             <a:gs pos="100000">
               <a:schemeClr val="phClr">
-                <a:lumMod val="99000"/>
-                <a:satMod val="120000"/>
-                <a:shade val="78000"/>
+                <a:shade val="94000"/>
+                <a:satMod val="135000"/>
               </a:schemeClr>
             </a:gs>
           </a:gsLst>
-          <a:lin ang="5400000" scaled="0"/>
+          <a:lin ang="16200000" scaled="0"/>
         </a:gradFill>
       </a:fillStyleLst>
       <a:lnStyleLst>
-        <a:ln w="6350" cap="flat" cmpd="sng" algn="ctr">
+        <a:ln w="9525" cap="flat" cmpd="sng" algn="ctr">
+          <a:solidFill>
+            <a:schemeClr val="phClr">
+              <a:shade val="95000"/>
+              <a:satMod val="105000"/>
+            </a:schemeClr>
+          </a:solidFill>
+          <a:prstDash val="solid"/>
+        </a:ln>
+        <a:ln w="25400" cap="flat" cmpd="sng" algn="ctr">
           <a:solidFill>
             <a:schemeClr val="phClr"/>
           </a:solidFill>
           <a:prstDash val="solid"/>
-          <a:miter lim="800000"/>
         </a:ln>
-        <a:ln w="12700" cap="flat" cmpd="sng" algn="ctr">
+        <a:ln w="38100" cap="flat" cmpd="sng" algn="ctr">
           <a:solidFill>
             <a:schemeClr val="phClr"/>
           </a:solidFill>
           <a:prstDash val="solid"/>
-          <a:miter lim="800000"/>
-        </a:ln>
-        <a:ln w="19050" cap="flat" cmpd="sng" algn="ctr">
-          <a:solidFill>
-            <a:schemeClr val="phClr"/>
-          </a:solidFill>
-          <a:prstDash val="solid"/>
-          <a:miter lim="800000"/>
         </a:ln>
       </a:lnStyleLst>
       <a:effectStyleLst>
         <a:effectStyle>
-          <a:effectLst/>
-        </a:effectStyle>
-        <a:effectStyle>
-          <a:effectLst/>
+          <a:effectLst>
+            <a:outerShdw blurRad="40000" dist="20000" dir="5400000" rotWithShape="0">
+              <a:srgbClr val="000000">
+                <a:alpha val="38000"/>
+              </a:srgbClr>
+            </a:outerShdw>
+          </a:effectLst>
         </a:effectStyle>
         <a:effectStyle>
           <a:effectLst>
-            <a:outerShdw blurRad="57150" dist="19050" dir="5400000" algn="ctr" rotWithShape="0">
+            <a:outerShdw blurRad="40000" dist="23000" dir="5400000" rotWithShape="0">
               <a:srgbClr val="000000">
-                <a:alpha val="63000"/>
+                <a:alpha val="35000"/>
               </a:srgbClr>
             </a:outerShdw>
           </a:effectLst>
+        </a:effectStyle>
+        <a:effectStyle>
+          <a:effectLst>
+            <a:outerShdw blurRad="40000" dist="23000" dir="5400000" rotWithShape="0">
+              <a:srgbClr val="000000">
+                <a:alpha val="35000"/>
+              </a:srgbClr>
+            </a:outerShdw>
+          </a:effectLst>
+          <a:scene3d>
+            <a:camera prst="orthographicFront">
+              <a:rot lat="0" lon="0" rev="0"/>
+            </a:camera>
+            <a:lightRig rig="threePt" dir="t">
+              <a:rot lat="0" lon="0" rev="1200000"/>
+            </a:lightRig>
+          </a:scene3d>
+          <a:sp3d>
+            <a:bevelT w="63500" h="25400"/>
+          </a:sp3d>
         </a:effectStyle>
       </a:effectStyleLst>
       <a:bgFillStyleLst>
         <a:solidFill>
           <a:schemeClr val="phClr"/>
         </a:solidFill>
-        <a:solidFill>
-          <a:schemeClr val="phClr">
-            <a:tint val="95000"/>
-            <a:satMod val="170000"/>
-          </a:schemeClr>
-        </a:solidFill>
         <a:gradFill rotWithShape="1">
           <a:gsLst>
             <a:gs pos="0">
               <a:schemeClr val="phClr">
-                <a:tint val="93000"/>
-                <a:satMod val="150000"/>
-                <a:shade val="98000"/>
-                <a:lumMod val="102000"/>
+                <a:tint val="40000"/>
+                <a:satMod val="350000"/>
               </a:schemeClr>
             </a:gs>
-            <a:gs pos="50000">
+            <a:gs pos="40000">
               <a:schemeClr val="phClr">
-                <a:tint val="98000"/>
-                <a:satMod val="130000"/>
-                <a:shade val="90000"/>
-                <a:lumMod val="103000"/>
+                <a:tint val="45000"/>
+                <a:shade val="99000"/>
+                <a:satMod val="350000"/>
               </a:schemeClr>
             </a:gs>
             <a:gs pos="100000">
               <a:schemeClr val="phClr">
-                <a:shade val="63000"/>
-                <a:satMod val="120000"/>
+                <a:shade val="20000"/>
+                <a:satMod val="255000"/>
               </a:schemeClr>
             </a:gs>
           </a:gsLst>
-          <a:lin ang="5400000" scaled="0"/>
+          <a:path path="circle">
+            <a:fillToRect l="50000" t="-80000" r="50000" b="180000"/>
+          </a:path>
+        </a:gradFill>
+        <a:gradFill rotWithShape="1">
+          <a:gsLst>
+            <a:gs pos="0">
+              <a:schemeClr val="phClr">
+                <a:tint val="80000"/>
+                <a:satMod val="300000"/>
+              </a:schemeClr>
+            </a:gs>
+            <a:gs pos="100000">
+              <a:schemeClr val="phClr">
+                <a:shade val="30000"/>
+                <a:satMod val="200000"/>
+              </a:schemeClr>
+            </a:gs>
+          </a:gsLst>
+          <a:path path="circle">
+            <a:fillToRect l="50000" t="50000" r="50000" b="50000"/>
+          </a:path>
         </a:gradFill>
       </a:bgFillStyleLst>
     </a:fmtScheme>
   </a:themeElements>
   <a:objectDefaults/>
   <a:extraClrSchemeLst/>
-  <a:extLst>
-    <a:ext uri="{05A4C25C-085E-4340-85A3-A5531E510DB2}">
-      <thm15:themeFamily xmlns:thm15="http://schemas.microsoft.com/office/thememl/2012/main" name="Office Theme" id="{62F939B6-93AF-4DB8-9C6B-D6C7DFDC589F}" vid="{4A3C46E8-61CC-4603-A589-7422A47A8E4A}"/>
-    </a:ext>
-  </a:extLst>
 </a:theme>
 </file>
 
-<file path=ppt/theme/theme2.xml><?xml version="1.0" encoding="utf-8"?>
+<file path=ppt/theme/theme3.xml><?xml version="1.0" encoding="utf-8"?>
 <a:theme xmlns:a="http://schemas.openxmlformats.org/drawingml/2006/main" name="Office Theme">
   <a:themeElements>
-    <a:clrScheme name="Office">
+    <a:clrScheme name="">
       <a:dk1>
-        <a:sysClr val="windowText" lastClr="000000"/>
+        <a:srgbClr val="000000"/>
       </a:dk1>
       <a:lt1>
-        <a:sysClr val="window" lastClr="FFFFFF"/>
+        <a:srgbClr val="FFFFFF"/>
       </a:lt1>
       <a:dk2>
-        <a:srgbClr val="44546A"/>
+        <a:srgbClr val="000000"/>
       </a:dk2>
       <a:lt2>
-        <a:srgbClr val="E7E6E6"/>
+        <a:srgbClr val="808080"/>
       </a:lt2>
       <a:accent1>
-        <a:srgbClr val="4472C4"/>
+        <a:srgbClr val="00CC99"/>
       </a:accent1>
       <a:accent2>
-        <a:srgbClr val="ED7D31"/>
+        <a:srgbClr val="3333CC"/>
       </a:accent2>
       <a:accent3>
-        <a:srgbClr val="A5A5A5"/>
+        <a:srgbClr val="FFFFFF"/>
       </a:accent3>
       <a:accent4>
-        <a:srgbClr val="FFC000"/>
+        <a:srgbClr val="000000"/>
       </a:accent4>
       <a:accent5>
-        <a:srgbClr val="5B9BD5"/>
+        <a:srgbClr val="AAE2CA"/>
       </a:accent5>
       <a:accent6>
-        <a:srgbClr val="70AD47"/>
+        <a:srgbClr val="2D2DB9"/>
       </a:accent6>
       <a:hlink>
-        <a:srgbClr val="0563C1"/>
+        <a:srgbClr val="CCCCFF"/>
       </a:hlink>
       <a:folHlink>
-        <a:srgbClr val="954F72"/>
+        <a:srgbClr val="B2B2B2"/>
       </a:folHlink>
     </a:clrScheme>
     <a:fontScheme name="Office">
       <a:majorFont>
-        <a:latin typeface="Calibri Light" panose="020F0302020204030204"/>
+        <a:latin typeface="Calibri"/>
         <a:ea typeface=""/>
         <a:cs typeface=""/>
-        <a:font script="Jpan" typeface="游ゴシック Light"/>
+        <a:font script="Jpan" typeface="ＭＳ Ｐゴシック"/>
         <a:font script="Hang" typeface="맑은 고딕"/>
-        <a:font script="Hans" typeface="等线 Light"/>
+        <a:font script="Hans" typeface="宋体"/>
         <a:font script="Hant" typeface="新細明體"/>
         <a:font script="Arab" typeface="Times New Roman"/>
         <a:font script="Hebr" typeface="Times New Roman"/>
@@ -7194,32 +7394,14 @@
         <a:font script="Mong" typeface="Mongolian Baiti"/>
         <a:font script="Viet" typeface="Times New Roman"/>
         <a:font script="Uigh" typeface="Microsoft Uighur"/>
-        <a:font script="Geor" typeface="Sylfaen"/>
-        <a:font script="Armn" typeface="Arial"/>
-        <a:font script="Bugi" typeface="Leelawadee UI"/>
-        <a:font script="Bopo" typeface="Microsoft JhengHei"/>
-        <a:font script="Java" typeface="Javanese Text"/>
-        <a:font script="Lisu" typeface="Segoe UI"/>
-        <a:font script="Mymr" typeface="Myanmar Text"/>
-        <a:font script="Nkoo" typeface="Ebrima"/>
-        <a:font script="Olck" typeface="Nirmala UI"/>
-        <a:font script="Osma" typeface="Ebrima"/>
-        <a:font script="Phag" typeface="Phagspa"/>
-        <a:font script="Syrn" typeface="Estrangelo Edessa"/>
-        <a:font script="Syrj" typeface="Estrangelo Edessa"/>
-        <a:font script="Syre" typeface="Estrangelo Edessa"/>
-        <a:font script="Sora" typeface="Nirmala UI"/>
-        <a:font script="Tale" typeface="Microsoft Tai Le"/>
-        <a:font script="Talu" typeface="Microsoft New Tai Lue"/>
-        <a:font script="Tfng" typeface="Ebrima"/>
       </a:majorFont>
       <a:minorFont>
-        <a:latin typeface="Calibri" panose="020F0502020204030204"/>
+        <a:latin typeface="Calibri"/>
         <a:ea typeface=""/>
         <a:cs typeface=""/>
-        <a:font script="Jpan" typeface="游ゴシック"/>
+        <a:font script="Jpan" typeface="ＭＳ Ｐゴシック"/>
         <a:font script="Hang" typeface="맑은 고딕"/>
-        <a:font script="Hans" typeface="等线"/>
+        <a:font script="Hans" typeface="宋体"/>
         <a:font script="Hant" typeface="新細明體"/>
         <a:font script="Arab" typeface="Arial"/>
         <a:font script="Hebr" typeface="Arial"/>
@@ -7246,24 +7428,6 @@
         <a:font script="Mong" typeface="Mongolian Baiti"/>
         <a:font script="Viet" typeface="Arial"/>
         <a:font script="Uigh" typeface="Microsoft Uighur"/>
-        <a:font script="Geor" typeface="Sylfaen"/>
-        <a:font script="Armn" typeface="Arial"/>
-        <a:font script="Bugi" typeface="Leelawadee UI"/>
-        <a:font script="Bopo" typeface="Microsoft JhengHei"/>
-        <a:font script="Java" typeface="Javanese Text"/>
-        <a:font script="Lisu" typeface="Segoe UI"/>
-        <a:font script="Mymr" typeface="Myanmar Text"/>
-        <a:font script="Nkoo" typeface="Ebrima"/>
-        <a:font script="Olck" typeface="Nirmala UI"/>
-        <a:font script="Osma" typeface="Ebrima"/>
-        <a:font script="Phag" typeface="Phagspa"/>
-        <a:font script="Syrn" typeface="Estrangelo Edessa"/>
-        <a:font script="Syrj" typeface="Estrangelo Edessa"/>
-        <a:font script="Syre" typeface="Estrangelo Edessa"/>
-        <a:font script="Sora" typeface="Nirmala UI"/>
-        <a:font script="Tale" typeface="Microsoft Tai Le"/>
-        <a:font script="Talu" typeface="Microsoft New Tai Lue"/>
-        <a:font script="Tfng" typeface="Ebrima"/>
       </a:minorFont>
     </a:fontScheme>
     <a:fmtScheme name="Office">
@@ -7275,141 +7439,350 @@
           <a:gsLst>
             <a:gs pos="0">
               <a:schemeClr val="phClr">
-                <a:lumMod val="110000"/>
-                <a:satMod val="105000"/>
-                <a:tint val="67000"/>
+                <a:tint val="50000"/>
+                <a:satMod val="300000"/>
               </a:schemeClr>
             </a:gs>
-            <a:gs pos="50000">
+            <a:gs pos="35000">
               <a:schemeClr val="phClr">
-                <a:lumMod val="105000"/>
-                <a:satMod val="103000"/>
-                <a:tint val="73000"/>
+                <a:tint val="37000"/>
+                <a:satMod val="300000"/>
               </a:schemeClr>
             </a:gs>
             <a:gs pos="100000">
               <a:schemeClr val="phClr">
-                <a:lumMod val="105000"/>
-                <a:satMod val="109000"/>
-                <a:tint val="81000"/>
+                <a:tint val="15000"/>
+                <a:satMod val="350000"/>
               </a:schemeClr>
             </a:gs>
           </a:gsLst>
-          <a:lin ang="5400000" scaled="0"/>
+          <a:lin ang="16200000" scaled="1"/>
         </a:gradFill>
         <a:gradFill rotWithShape="1">
           <a:gsLst>
             <a:gs pos="0">
               <a:schemeClr val="phClr">
-                <a:satMod val="103000"/>
-                <a:lumMod val="102000"/>
-                <a:tint val="94000"/>
+                <a:shade val="51000"/>
+                <a:satMod val="130000"/>
               </a:schemeClr>
             </a:gs>
-            <a:gs pos="50000">
+            <a:gs pos="80000">
               <a:schemeClr val="phClr">
-                <a:satMod val="110000"/>
-                <a:lumMod val="100000"/>
-                <a:shade val="100000"/>
+                <a:shade val="93000"/>
+                <a:satMod val="130000"/>
               </a:schemeClr>
             </a:gs>
             <a:gs pos="100000">
               <a:schemeClr val="phClr">
-                <a:lumMod val="99000"/>
-                <a:satMod val="120000"/>
-                <a:shade val="78000"/>
+                <a:shade val="94000"/>
+                <a:satMod val="135000"/>
               </a:schemeClr>
             </a:gs>
           </a:gsLst>
-          <a:lin ang="5400000" scaled="0"/>
+          <a:lin ang="16200000" scaled="0"/>
         </a:gradFill>
       </a:fillStyleLst>
       <a:lnStyleLst>
-        <a:ln w="6350" cap="flat" cmpd="sng" algn="ctr">
+        <a:ln w="9525" cap="flat" cmpd="sng" algn="ctr">
+          <a:solidFill>
+            <a:schemeClr val="phClr">
+              <a:shade val="95000"/>
+              <a:satMod val="105000"/>
+            </a:schemeClr>
+          </a:solidFill>
+          <a:prstDash val="solid"/>
+        </a:ln>
+        <a:ln w="25400" cap="flat" cmpd="sng" algn="ctr">
           <a:solidFill>
             <a:schemeClr val="phClr"/>
           </a:solidFill>
           <a:prstDash val="solid"/>
-          <a:miter lim="800000"/>
         </a:ln>
-        <a:ln w="12700" cap="flat" cmpd="sng" algn="ctr">
+        <a:ln w="38100" cap="flat" cmpd="sng" algn="ctr">
           <a:solidFill>
             <a:schemeClr val="phClr"/>
           </a:solidFill>
           <a:prstDash val="solid"/>
-          <a:miter lim="800000"/>
-        </a:ln>
-        <a:ln w="19050" cap="flat" cmpd="sng" algn="ctr">
-          <a:solidFill>
-            <a:schemeClr val="phClr"/>
-          </a:solidFill>
-          <a:prstDash val="solid"/>
-          <a:miter lim="800000"/>
         </a:ln>
       </a:lnStyleLst>
       <a:effectStyleLst>
         <a:effectStyle>
-          <a:effectLst/>
-        </a:effectStyle>
-        <a:effectStyle>
-          <a:effectLst/>
+          <a:effectLst>
+            <a:outerShdw blurRad="40000" dist="20000" dir="5400000" rotWithShape="0">
+              <a:srgbClr val="000000">
+                <a:alpha val="38000"/>
+              </a:srgbClr>
+            </a:outerShdw>
+          </a:effectLst>
         </a:effectStyle>
         <a:effectStyle>
           <a:effectLst>
-            <a:outerShdw blurRad="57150" dist="19050" dir="5400000" algn="ctr" rotWithShape="0">
+            <a:outerShdw blurRad="40000" dist="23000" dir="5400000" rotWithShape="0">
               <a:srgbClr val="000000">
-                <a:alpha val="63000"/>
+                <a:alpha val="35000"/>
               </a:srgbClr>
             </a:outerShdw>
           </a:effectLst>
+        </a:effectStyle>
+        <a:effectStyle>
+          <a:effectLst>
+            <a:outerShdw blurRad="40000" dist="23000" dir="5400000" rotWithShape="0">
+              <a:srgbClr val="000000">
+                <a:alpha val="35000"/>
+              </a:srgbClr>
+            </a:outerShdw>
+          </a:effectLst>
+          <a:scene3d>
+            <a:camera prst="orthographicFront">
+              <a:rot lat="0" lon="0" rev="0"/>
+            </a:camera>
+            <a:lightRig rig="threePt" dir="t">
+              <a:rot lat="0" lon="0" rev="1200000"/>
+            </a:lightRig>
+          </a:scene3d>
+          <a:sp3d>
+            <a:bevelT w="63500" h="25400"/>
+          </a:sp3d>
         </a:effectStyle>
       </a:effectStyleLst>
       <a:bgFillStyleLst>
         <a:solidFill>
           <a:schemeClr val="phClr"/>
         </a:solidFill>
-        <a:solidFill>
-          <a:schemeClr val="phClr">
-            <a:tint val="95000"/>
-            <a:satMod val="170000"/>
-          </a:schemeClr>
-        </a:solidFill>
         <a:gradFill rotWithShape="1">
           <a:gsLst>
             <a:gs pos="0">
               <a:schemeClr val="phClr">
-                <a:tint val="93000"/>
-                <a:satMod val="150000"/>
-                <a:shade val="98000"/>
-                <a:lumMod val="102000"/>
+                <a:tint val="40000"/>
+                <a:satMod val="350000"/>
               </a:schemeClr>
             </a:gs>
-            <a:gs pos="50000">
+            <a:gs pos="40000">
               <a:schemeClr val="phClr">
-                <a:tint val="98000"/>
-                <a:satMod val="130000"/>
-                <a:shade val="90000"/>
-                <a:lumMod val="103000"/>
+                <a:tint val="45000"/>
+                <a:shade val="99000"/>
+                <a:satMod val="350000"/>
               </a:schemeClr>
             </a:gs>
             <a:gs pos="100000">
               <a:schemeClr val="phClr">
-                <a:shade val="63000"/>
-                <a:satMod val="120000"/>
+                <a:shade val="20000"/>
+                <a:satMod val="255000"/>
               </a:schemeClr>
             </a:gs>
           </a:gsLst>
-          <a:lin ang="5400000" scaled="0"/>
+          <a:path path="circle">
+            <a:fillToRect l="50000" t="-80000" r="50000" b="180000"/>
+          </a:path>
+        </a:gradFill>
+        <a:gradFill rotWithShape="1">
+          <a:gsLst>
+            <a:gs pos="0">
+              <a:schemeClr val="phClr">
+                <a:tint val="80000"/>
+                <a:satMod val="300000"/>
+              </a:schemeClr>
+            </a:gs>
+            <a:gs pos="100000">
+              <a:schemeClr val="phClr">
+                <a:shade val="30000"/>
+                <a:satMod val="200000"/>
+              </a:schemeClr>
+            </a:gs>
+          </a:gsLst>
+          <a:path path="circle">
+            <a:fillToRect l="50000" t="50000" r="50000" b="50000"/>
+          </a:path>
         </a:gradFill>
       </a:bgFillStyleLst>
     </a:fmtScheme>
   </a:themeElements>
   <a:objectDefaults/>
   <a:extraClrSchemeLst/>
-  <a:extLst>
-    <a:ext uri="{05A4C25C-085E-4340-85A3-A5531E510DB2}">
-      <thm15:themeFamily xmlns:thm15="http://schemas.microsoft.com/office/thememl/2012/main" name="Office Theme" id="{62F939B6-93AF-4DB8-9C6B-D6C7DFDC589F}" vid="{4A3C46E8-61CC-4603-A589-7422A47A8E4A}"/>
-    </a:ext>
-  </a:extLst>
 </a:theme>
+</file>
+
+<file path=customXml/item1.xml><?xml version="1.0" encoding="utf-8"?>
+<p:properties xmlns:p="http://schemas.microsoft.com/office/2006/metadata/properties" xmlns:xsi="http://www.w3.org/2001/XMLSchema-instance" xmlns:pc="http://schemas.microsoft.com/office/infopath/2007/PartnerControls">
+  <documentManagement>
+    <MigrationSourceURL xmlns="82fb506e-90a7-4756-97cb-c46d62c74fdd" xsi:nil="true"/>
+  </documentManagement>
+</p:properties>
+</file>
+
+<file path=customXml/item2.xml><?xml version="1.0" encoding="utf-8"?>
+<?mso-contentType ?>
+<FormTemplates xmlns="http://schemas.microsoft.com/sharepoint/v3/contenttype/forms">
+  <Display>DocumentLibraryForm</Display>
+  <Edit>DocumentLibraryForm</Edit>
+  <New>DocumentLibraryForm</New>
+</FormTemplates>
+</file>
+
+<file path=customXml/item3.xml><?xml version="1.0" encoding="utf-8"?>
+<ct:contentTypeSchema xmlns:ct="http://schemas.microsoft.com/office/2006/metadata/contentType" xmlns:ma="http://schemas.microsoft.com/office/2006/metadata/properties/metaAttributes" ct:_="" ma:_="" ma:contentTypeName="Document" ma:contentTypeID="0x010100AECAFCDF369DC048A81B0D999D002C34" ma:contentTypeVersion="2" ma:contentTypeDescription="Create a new document." ma:contentTypeScope="" ma:versionID="f19060d234cf8d4554a2add62384be19">
+  <xsd:schema xmlns:xsd="http://www.w3.org/2001/XMLSchema" xmlns:xs="http://www.w3.org/2001/XMLSchema" xmlns:p="http://schemas.microsoft.com/office/2006/metadata/properties" xmlns:ns2="82fb506e-90a7-4756-97cb-c46d62c74fdd" targetNamespace="http://schemas.microsoft.com/office/2006/metadata/properties" ma:root="true" ma:fieldsID="bb70da2d613bb982cf50d966ac6d7e82" ns2:_="">
+    <xsd:import namespace="82fb506e-90a7-4756-97cb-c46d62c74fdd"/>
+    <xsd:element name="properties">
+      <xsd:complexType>
+        <xsd:sequence>
+          <xsd:element name="documentManagement">
+            <xsd:complexType>
+              <xsd:all>
+                <xsd:element ref="ns2:MigrationSourceURL" minOccurs="0"/>
+              </xsd:all>
+            </xsd:complexType>
+          </xsd:element>
+        </xsd:sequence>
+      </xsd:complexType>
+    </xsd:element>
+  </xsd:schema>
+  <xsd:schema xmlns:xsd="http://www.w3.org/2001/XMLSchema" xmlns:xs="http://www.w3.org/2001/XMLSchema" xmlns:dms="http://schemas.microsoft.com/office/2006/documentManagement/types" xmlns:pc="http://schemas.microsoft.com/office/infopath/2007/PartnerControls" targetNamespace="82fb506e-90a7-4756-97cb-c46d62c74fdd" elementFormDefault="qualified">
+    <xsd:import namespace="http://schemas.microsoft.com/office/2006/documentManagement/types"/>
+    <xsd:import namespace="http://schemas.microsoft.com/office/infopath/2007/PartnerControls"/>
+    <xsd:element name="MigrationSourceURL" ma:index="8" nillable="true" ma:displayName="MigrationSourceURL" ma:internalName="MigrationSourceURL">
+      <xsd:simpleType>
+        <xsd:restriction base="dms:Text"/>
+      </xsd:simpleType>
+    </xsd:element>
+  </xsd:schema>
+  <xsd:schema xmlns="http://schemas.openxmlformats.org/package/2006/metadata/core-properties" xmlns:xsd="http://www.w3.org/2001/XMLSchema" xmlns:xsi="http://www.w3.org/2001/XMLSchema-instance" xmlns:dc="http://purl.org/dc/elements/1.1/" xmlns:dcterms="http://purl.org/dc/terms/" xmlns:odoc="http://schemas.microsoft.com/internal/obd" targetNamespace="http://schemas.openxmlformats.org/package/2006/metadata/core-properties" elementFormDefault="qualified" attributeFormDefault="unqualified" blockDefault="#all">
+    <xsd:import namespace="http://purl.org/dc/elements/1.1/" schemaLocation="http://dublincore.org/schemas/xmls/qdc/2003/04/02/dc.xsd"/>
+    <xsd:import namespace="http://purl.org/dc/terms/" schemaLocation="http://dublincore.org/schemas/xmls/qdc/2003/04/02/dcterms.xsd"/>
+    <xsd:element name="coreProperties" type="CT_coreProperties"/>
+    <xsd:complexType name="CT_coreProperties">
+      <xsd:all>
+        <xsd:element ref="dc:creator" minOccurs="0" maxOccurs="1"/>
+        <xsd:element ref="dcterms:created" minOccurs="0" maxOccurs="1"/>
+        <xsd:element ref="dc:identifier" minOccurs="0" maxOccurs="1"/>
+        <xsd:element name="contentType" minOccurs="0" maxOccurs="1" type="xsd:string" ma:index="0" ma:displayName="Content Type"/>
+        <xsd:element ref="dc:title" minOccurs="0" maxOccurs="1" ma:index="4" ma:displayName="Title"/>
+        <xsd:element ref="dc:subject" minOccurs="0" maxOccurs="1"/>
+        <xsd:element ref="dc:description" minOccurs="0" maxOccurs="1"/>
+        <xsd:element name="keywords" minOccurs="0" maxOccurs="1" type="xsd:string"/>
+        <xsd:element ref="dc:language" minOccurs="0" maxOccurs="1"/>
+        <xsd:element name="category" minOccurs="0" maxOccurs="1" type="xsd:string"/>
+        <xsd:element name="version" minOccurs="0" maxOccurs="1" type="xsd:string"/>
+        <xsd:element name="revision" minOccurs="0" maxOccurs="1" type="xsd:string">
+          <xsd:annotation>
+            <xsd:documentation>
+                        This value indicates the number of saves or revisions. The application is responsible for updating this value after each revision.
+                    </xsd:documentation>
+          </xsd:annotation>
+        </xsd:element>
+        <xsd:element name="lastModifiedBy" minOccurs="0" maxOccurs="1" type="xsd:string"/>
+        <xsd:element ref="dcterms:modified" minOccurs="0" maxOccurs="1"/>
+        <xsd:element name="contentStatus" minOccurs="0" maxOccurs="1" type="xsd:string"/>
+      </xsd:all>
+    </xsd:complexType>
+  </xsd:schema>
+  <xs:schema xmlns:pc="http://schemas.microsoft.com/office/infopath/2007/PartnerControls" xmlns:xs="http://www.w3.org/2001/XMLSchema" targetNamespace="http://schemas.microsoft.com/office/infopath/2007/PartnerControls" elementFormDefault="qualified" attributeFormDefault="unqualified">
+    <xs:element name="Person">
+      <xs:complexType>
+        <xs:sequence>
+          <xs:element ref="pc:DisplayName" minOccurs="0"/>
+          <xs:element ref="pc:AccountId" minOccurs="0"/>
+          <xs:element ref="pc:AccountType" minOccurs="0"/>
+        </xs:sequence>
+      </xs:complexType>
+    </xs:element>
+    <xs:element name="DisplayName" type="xs:string"/>
+    <xs:element name="AccountId" type="xs:string"/>
+    <xs:element name="AccountType" type="xs:string"/>
+    <xs:element name="BDCAssociatedEntity">
+      <xs:complexType>
+        <xs:sequence>
+          <xs:element ref="pc:BDCEntity" minOccurs="0" maxOccurs="unbounded"/>
+        </xs:sequence>
+        <xs:attribute ref="pc:EntityNamespace"/>
+        <xs:attribute ref="pc:EntityName"/>
+        <xs:attribute ref="pc:SystemInstanceName"/>
+        <xs:attribute ref="pc:AssociationName"/>
+      </xs:complexType>
+    </xs:element>
+    <xs:attribute name="EntityNamespace" type="xs:string"/>
+    <xs:attribute name="EntityName" type="xs:string"/>
+    <xs:attribute name="SystemInstanceName" type="xs:string"/>
+    <xs:attribute name="AssociationName" type="xs:string"/>
+    <xs:element name="BDCEntity">
+      <xs:complexType>
+        <xs:sequence>
+          <xs:element ref="pc:EntityDisplayName" minOccurs="0"/>
+          <xs:element ref="pc:EntityInstanceReference" minOccurs="0"/>
+          <xs:element ref="pc:EntityId1" minOccurs="0"/>
+          <xs:element ref="pc:EntityId2" minOccurs="0"/>
+          <xs:element ref="pc:EntityId3" minOccurs="0"/>
+          <xs:element ref="pc:EntityId4" minOccurs="0"/>
+          <xs:element ref="pc:EntityId5" minOccurs="0"/>
+        </xs:sequence>
+      </xs:complexType>
+    </xs:element>
+    <xs:element name="EntityDisplayName" type="xs:string"/>
+    <xs:element name="EntityInstanceReference" type="xs:string"/>
+    <xs:element name="EntityId1" type="xs:string"/>
+    <xs:element name="EntityId2" type="xs:string"/>
+    <xs:element name="EntityId3" type="xs:string"/>
+    <xs:element name="EntityId4" type="xs:string"/>
+    <xs:element name="EntityId5" type="xs:string"/>
+    <xs:element name="Terms">
+      <xs:complexType>
+        <xs:sequence>
+          <xs:element ref="pc:TermInfo" minOccurs="0" maxOccurs="unbounded"/>
+        </xs:sequence>
+      </xs:complexType>
+    </xs:element>
+    <xs:element name="TermInfo">
+      <xs:complexType>
+        <xs:sequence>
+          <xs:element ref="pc:TermName" minOccurs="0"/>
+          <xs:element ref="pc:TermId" minOccurs="0"/>
+        </xs:sequence>
+      </xs:complexType>
+    </xs:element>
+    <xs:element name="TermName" type="xs:string"/>
+    <xs:element name="TermId" type="xs:string"/>
+  </xs:schema>
+</ct:contentTypeSchema>
+</file>
+
+<file path=customXml/itemProps1.xml><?xml version="1.0" encoding="utf-8"?>
+<ds:datastoreItem xmlns:ds="http://schemas.openxmlformats.org/officeDocument/2006/customXml" ds:itemID="{D313414D-86B0-4FD7-AE79-806A23E328E4}">
+  <ds:schemaRefs>
+    <ds:schemaRef ds:uri="http://purl.org/dc/elements/1.1/"/>
+    <ds:schemaRef ds:uri="http://schemas.microsoft.com/office/2006/metadata/properties"/>
+    <ds:schemaRef ds:uri="http://purl.org/dc/terms/"/>
+    <ds:schemaRef ds:uri="http://schemas.openxmlformats.org/package/2006/metadata/core-properties"/>
+    <ds:schemaRef ds:uri="http://schemas.microsoft.com/office/2006/documentManagement/types"/>
+    <ds:schemaRef ds:uri="http://purl.org/dc/dcmitype/"/>
+    <ds:schemaRef ds:uri="http://schemas.microsoft.com/office/infopath/2007/PartnerControls"/>
+    <ds:schemaRef ds:uri="82fb506e-90a7-4756-97cb-c46d62c74fdd"/>
+    <ds:schemaRef ds:uri="http://www.w3.org/XML/1998/namespace"/>
+  </ds:schemaRefs>
+</ds:datastoreItem>
+</file>
+
+<file path=customXml/itemProps2.xml><?xml version="1.0" encoding="utf-8"?>
+<ds:datastoreItem xmlns:ds="http://schemas.openxmlformats.org/officeDocument/2006/customXml" ds:itemID="{6B07C7A6-2BD4-4AFB-BBE0-0FC4487AD799}">
+  <ds:schemaRefs>
+    <ds:schemaRef ds:uri="http://schemas.microsoft.com/sharepoint/v3/contenttype/forms"/>
+  </ds:schemaRefs>
+</ds:datastoreItem>
+</file>
+
+<file path=customXml/itemProps3.xml><?xml version="1.0" encoding="utf-8"?>
+<ds:datastoreItem xmlns:ds="http://schemas.openxmlformats.org/officeDocument/2006/customXml" ds:itemID="{6A8191B0-635E-4BDB-B0D8-995DC5A92197}">
+  <ds:schemaRefs>
+    <ds:schemaRef ds:uri="http://schemas.microsoft.com/office/2006/metadata/contentType"/>
+    <ds:schemaRef ds:uri="http://schemas.microsoft.com/office/2006/metadata/properties/metaAttributes"/>
+    <ds:schemaRef ds:uri="http://www.w3.org/2001/XMLSchema"/>
+    <ds:schemaRef ds:uri="http://schemas.microsoft.com/office/2006/metadata/properties"/>
+    <ds:schemaRef ds:uri="82fb506e-90a7-4756-97cb-c46d62c74fdd"/>
+    <ds:schemaRef ds:uri="http://schemas.microsoft.com/office/2006/documentManagement/types"/>
+    <ds:schemaRef ds:uri="http://schemas.microsoft.com/office/infopath/2007/PartnerControls"/>
+    <ds:schemaRef ds:uri="http://schemas.openxmlformats.org/package/2006/metadata/core-properties"/>
+    <ds:schemaRef ds:uri="http://purl.org/dc/elements/1.1/"/>
+    <ds:schemaRef ds:uri="http://purl.org/dc/terms/"/>
+    <ds:schemaRef ds:uri="http://schemas.microsoft.com/internal/obd"/>
+  </ds:schemaRefs>
+</ds:datastoreItem>
 </file>